--- a/Thái-Thị-Thanh-Vân_Nhóm1_v1.0.pptx
+++ b/Thái-Thị-Thanh-Vân_Nhóm1_v1.0.pptx
@@ -5,19 +5,29 @@
     <p:sldMasterId id="2147483660" r:id="rId1"/>
   </p:sldMasterIdLst>
   <p:notesMasterIdLst>
-    <p:notesMasterId r:id="rId12"/>
+    <p:notesMasterId r:id="rId22"/>
   </p:notesMasterIdLst>
   <p:sldIdLst>
     <p:sldId id="256" r:id="rId2"/>
     <p:sldId id="259" r:id="rId3"/>
     <p:sldId id="257" r:id="rId4"/>
     <p:sldId id="258" r:id="rId5"/>
-    <p:sldId id="260" r:id="rId6"/>
-    <p:sldId id="261" r:id="rId7"/>
-    <p:sldId id="262" r:id="rId8"/>
-    <p:sldId id="263" r:id="rId9"/>
-    <p:sldId id="264" r:id="rId10"/>
-    <p:sldId id="265" r:id="rId11"/>
+    <p:sldId id="263" r:id="rId6"/>
+    <p:sldId id="264" r:id="rId7"/>
+    <p:sldId id="265" r:id="rId8"/>
+    <p:sldId id="266" r:id="rId9"/>
+    <p:sldId id="267" r:id="rId10"/>
+    <p:sldId id="268" r:id="rId11"/>
+    <p:sldId id="269" r:id="rId12"/>
+    <p:sldId id="270" r:id="rId13"/>
+    <p:sldId id="271" r:id="rId14"/>
+    <p:sldId id="272" r:id="rId15"/>
+    <p:sldId id="273" r:id="rId16"/>
+    <p:sldId id="274" r:id="rId17"/>
+    <p:sldId id="275" r:id="rId18"/>
+    <p:sldId id="276" r:id="rId19"/>
+    <p:sldId id="277" r:id="rId20"/>
+    <p:sldId id="278" r:id="rId21"/>
   </p:sldIdLst>
   <p:sldSz cx="12192000" cy="6858000"/>
   <p:notesSz cx="6858000" cy="9144000"/>
@@ -116,6 +126,11 @@
       </a:defRPr>
     </a:lvl9pPr>
   </p:defaultTextStyle>
+  <p:extLst>
+    <p:ext uri="{EFAFB233-063F-42B5-8137-9DF3F51BA10A}">
+      <p15:sldGuideLst xmlns:p15="http://schemas.microsoft.com/office/powerpoint/2012/main"/>
+    </p:ext>
+  </p:extLst>
 </p:presentation>
 </file>
 
@@ -201,7 +216,7 @@
           <a:p>
             <a:fld id="{A0C56725-D351-473A-9739-DC74FF4A96E0}" type="datetimeFigureOut">
               <a:rPr lang="en-US" smtClean="0"/>
-              <a:t>9/2/2022</a:t>
+              <a:t>16/2/2022</a:t>
             </a:fld>
             <a:endParaRPr lang="en-US"/>
           </a:p>
@@ -667,6 +682,90 @@
 </p:notes>
 </file>
 
+<file path=ppt/notesSlides/notesSlide3.xml><?xml version="1.0" encoding="utf-8"?>
+<p:notes xmlns:a="http://schemas.openxmlformats.org/drawingml/2006/main" xmlns:r="http://schemas.openxmlformats.org/officeDocument/2006/relationships" xmlns:p="http://schemas.openxmlformats.org/presentationml/2006/main">
+  <p:cSld>
+    <p:spTree>
+      <p:nvGrpSpPr>
+        <p:cNvPr id="1" name=""/>
+        <p:cNvGrpSpPr/>
+        <p:nvPr/>
+      </p:nvGrpSpPr>
+      <p:grpSpPr>
+        <a:xfrm>
+          <a:off x="0" y="0"/>
+          <a:ext cx="0" cy="0"/>
+          <a:chOff x="0" y="0"/>
+          <a:chExt cx="0" cy="0"/>
+        </a:xfrm>
+      </p:grpSpPr>
+      <p:sp>
+        <p:nvSpPr>
+          <p:cNvPr id="2" name="Slide Image Placeholder 1"/>
+          <p:cNvSpPr>
+            <a:spLocks noGrp="1" noRot="1" noChangeAspect="1"/>
+          </p:cNvSpPr>
+          <p:nvPr>
+            <p:ph type="sldImg"/>
+          </p:nvPr>
+        </p:nvSpPr>
+        <p:spPr/>
+      </p:sp>
+      <p:sp>
+        <p:nvSpPr>
+          <p:cNvPr id="3" name="Notes Placeholder 2"/>
+          <p:cNvSpPr>
+            <a:spLocks noGrp="1"/>
+          </p:cNvSpPr>
+          <p:nvPr>
+            <p:ph type="body" idx="1"/>
+          </p:nvPr>
+        </p:nvSpPr>
+        <p:spPr/>
+        <p:txBody>
+          <a:bodyPr/>
+          <a:lstStyle/>
+          <a:p>
+            <a:endParaRPr lang="en-US"/>
+          </a:p>
+        </p:txBody>
+      </p:sp>
+      <p:sp>
+        <p:nvSpPr>
+          <p:cNvPr id="4" name="Slide Number Placeholder 3"/>
+          <p:cNvSpPr>
+            <a:spLocks noGrp="1"/>
+          </p:cNvSpPr>
+          <p:nvPr>
+            <p:ph type="sldNum" sz="quarter" idx="5"/>
+          </p:nvPr>
+        </p:nvSpPr>
+        <p:spPr/>
+        <p:txBody>
+          <a:bodyPr/>
+          <a:lstStyle/>
+          <a:p>
+            <a:fld id="{8D41DC27-1B77-475F-905A-14EDEACA9FAC}" type="slidenum">
+              <a:rPr lang="en-US" smtClean="0"/>
+              <a:t>13</a:t>
+            </a:fld>
+            <a:endParaRPr lang="en-US"/>
+          </a:p>
+        </p:txBody>
+      </p:sp>
+    </p:spTree>
+    <p:extLst>
+      <p:ext uri="{BB962C8B-B14F-4D97-AF65-F5344CB8AC3E}">
+        <p14:creationId xmlns:p14="http://schemas.microsoft.com/office/powerpoint/2010/main" val="3481310063"/>
+      </p:ext>
+    </p:extLst>
+  </p:cSld>
+  <p:clrMapOvr>
+    <a:masterClrMapping/>
+  </p:clrMapOvr>
+</p:notes>
+</file>
+
 <file path=ppt/slideLayouts/slideLayout1.xml><?xml version="1.0" encoding="utf-8"?>
 <p:sldLayout xmlns:a="http://schemas.openxmlformats.org/drawingml/2006/main" xmlns:r="http://schemas.openxmlformats.org/officeDocument/2006/relationships" xmlns:p="http://schemas.openxmlformats.org/presentationml/2006/main" showMasterSp="0" type="title" preserve="1">
   <p:cSld name="Title Slide">
@@ -893,7 +992,7 @@
           <a:p>
             <a:fld id="{47A1F03F-464C-4B15-A8A1-EC748B66496D}" type="datetimeFigureOut">
               <a:rPr lang="en-US" smtClean="0"/>
-              <a:t>9/2/2022</a:t>
+              <a:t>16/2/2022</a:t>
             </a:fld>
             <a:endParaRPr lang="en-US"/>
           </a:p>
@@ -1101,7 +1200,7 @@
           <a:p>
             <a:fld id="{47A1F03F-464C-4B15-A8A1-EC748B66496D}" type="datetimeFigureOut">
               <a:rPr lang="en-US" smtClean="0"/>
-              <a:t>9/2/2022</a:t>
+              <a:t>16/2/2022</a:t>
             </a:fld>
             <a:endParaRPr lang="en-US"/>
           </a:p>
@@ -1357,7 +1456,7 @@
           <a:p>
             <a:fld id="{47A1F03F-464C-4B15-A8A1-EC748B66496D}" type="datetimeFigureOut">
               <a:rPr lang="en-US" smtClean="0"/>
-              <a:t>9/2/2022</a:t>
+              <a:t>16/2/2022</a:t>
             </a:fld>
             <a:endParaRPr lang="en-US"/>
           </a:p>
@@ -1531,7 +1630,7 @@
           <a:p>
             <a:fld id="{47A1F03F-464C-4B15-A8A1-EC748B66496D}" type="datetimeFigureOut">
               <a:rPr lang="en-US" smtClean="0"/>
-              <a:t>9/2/2022</a:t>
+              <a:t>16/2/2022</a:t>
             </a:fld>
             <a:endParaRPr lang="en-US"/>
           </a:p>
@@ -1874,7 +1973,7 @@
           <a:p>
             <a:fld id="{47A1F03F-464C-4B15-A8A1-EC748B66496D}" type="datetimeFigureOut">
               <a:rPr lang="en-US" smtClean="0"/>
-              <a:t>9/2/2022</a:t>
+              <a:t>16/2/2022</a:t>
             </a:fld>
             <a:endParaRPr lang="en-US"/>
           </a:p>
@@ -2149,7 +2248,7 @@
           <a:p>
             <a:fld id="{47A1F03F-464C-4B15-A8A1-EC748B66496D}" type="datetimeFigureOut">
               <a:rPr lang="en-US" smtClean="0"/>
-              <a:t>9/2/2022</a:t>
+              <a:t>16/2/2022</a:t>
             </a:fld>
             <a:endParaRPr lang="en-US"/>
           </a:p>
@@ -2528,7 +2627,7 @@
           <a:p>
             <a:fld id="{47A1F03F-464C-4B15-A8A1-EC748B66496D}" type="datetimeFigureOut">
               <a:rPr lang="en-US" smtClean="0"/>
-              <a:t>9/2/2022</a:t>
+              <a:t>16/2/2022</a:t>
             </a:fld>
             <a:endParaRPr lang="en-US"/>
           </a:p>
@@ -2646,7 +2745,7 @@
           <a:p>
             <a:fld id="{47A1F03F-464C-4B15-A8A1-EC748B66496D}" type="datetimeFigureOut">
               <a:rPr lang="en-US" smtClean="0"/>
-              <a:t>9/2/2022</a:t>
+              <a:t>16/2/2022</a:t>
             </a:fld>
             <a:endParaRPr lang="en-US"/>
           </a:p>
@@ -2817,7 +2916,7 @@
           <a:p>
             <a:fld id="{47A1F03F-464C-4B15-A8A1-EC748B66496D}" type="datetimeFigureOut">
               <a:rPr lang="en-US" smtClean="0"/>
-              <a:t>9/2/2022</a:t>
+              <a:t>16/2/2022</a:t>
             </a:fld>
             <a:endParaRPr lang="en-US"/>
           </a:p>
@@ -3171,7 +3270,7 @@
           <a:p>
             <a:fld id="{47A1F03F-464C-4B15-A8A1-EC748B66496D}" type="datetimeFigureOut">
               <a:rPr lang="en-US" smtClean="0"/>
-              <a:t>9/2/2022</a:t>
+              <a:t>16/2/2022</a:t>
             </a:fld>
             <a:endParaRPr lang="en-US"/>
           </a:p>
@@ -3553,7 +3652,7 @@
           <a:p>
             <a:fld id="{47A1F03F-464C-4B15-A8A1-EC748B66496D}" type="datetimeFigureOut">
               <a:rPr lang="en-US" smtClean="0"/>
-              <a:t>9/2/2022</a:t>
+              <a:t>16/2/2022</a:t>
             </a:fld>
             <a:endParaRPr lang="en-US"/>
           </a:p>
@@ -3840,7 +3939,7 @@
           <a:p>
             <a:fld id="{47A1F03F-464C-4B15-A8A1-EC748B66496D}" type="datetimeFigureOut">
               <a:rPr lang="en-US" smtClean="0"/>
-              <a:t>9/2/2022</a:t>
+              <a:t>16/2/2022</a:t>
             </a:fld>
             <a:endParaRPr lang="en-US"/>
           </a:p>
@@ -4791,7 +4890,27 @@
           <a:bodyPr/>
           <a:lstStyle/>
           <a:p>
-            <a:endParaRPr lang="en-US"/>
+            <a:r>
+              <a:rPr lang="en-US">
+                <a:latin typeface="Times New Roman" panose="02020603050405020304" pitchFamily="18" charset="0"/>
+                <a:cs typeface="Times New Roman" panose="02020603050405020304" pitchFamily="18" charset="0"/>
+              </a:rPr>
+              <a:t>Dịch ng</a:t>
+            </a:r>
+            <a:r>
+              <a:rPr lang="vi-VN">
+                <a:latin typeface="Times New Roman" panose="02020603050405020304" pitchFamily="18" charset="0"/>
+                <a:cs typeface="Times New Roman" panose="02020603050405020304" pitchFamily="18" charset="0"/>
+              </a:rPr>
+              <a:t>ư</a:t>
+            </a:r>
+            <a:r>
+              <a:rPr lang="en-US">
+                <a:latin typeface="Times New Roman" panose="02020603050405020304" pitchFamily="18" charset="0"/>
+                <a:cs typeface="Times New Roman" panose="02020603050405020304" pitchFamily="18" charset="0"/>
+              </a:rPr>
+              <a:t>ợc và trích xuất thông tin</a:t>
+            </a:r>
           </a:p>
         </p:txBody>
       </p:sp>
@@ -4813,17 +4932,2944 @@
         </p:nvSpPr>
         <p:spPr/>
         <p:txBody>
-          <a:bodyPr/>
+          <a:bodyPr>
+            <a:normAutofit/>
+          </a:bodyPr>
           <a:lstStyle/>
           <a:p>
-            <a:endParaRPr lang="en-US"/>
+            <a:pPr lvl="1"/>
+            <a:r>
+              <a:rPr lang="en-US" sz="3000">
+                <a:latin typeface="Times New Roman" panose="02020603050405020304" pitchFamily="18" charset="0"/>
+                <a:cs typeface="Times New Roman" panose="02020603050405020304" pitchFamily="18" charset="0"/>
+              </a:rPr>
+              <a:t>Chúng em sử dụng một phần mềm bên thứ 3 là apktool để tiến hành dịch ng</a:t>
+            </a:r>
+            <a:r>
+              <a:rPr lang="vi-VN" sz="3000">
+                <a:latin typeface="Times New Roman" panose="02020603050405020304" pitchFamily="18" charset="0"/>
+                <a:cs typeface="Times New Roman" panose="02020603050405020304" pitchFamily="18" charset="0"/>
+              </a:rPr>
+              <a:t>ư</a:t>
+            </a:r>
+            <a:r>
+              <a:rPr lang="en-US" sz="3000">
+                <a:latin typeface="Times New Roman" panose="02020603050405020304" pitchFamily="18" charset="0"/>
+                <a:cs typeface="Times New Roman" panose="02020603050405020304" pitchFamily="18" charset="0"/>
+              </a:rPr>
+              <a:t>ợc.</a:t>
+            </a:r>
+          </a:p>
+          <a:p>
+            <a:pPr lvl="1"/>
+            <a:r>
+              <a:rPr lang="en-US" sz="3000">
+                <a:latin typeface="Times New Roman" panose="02020603050405020304" pitchFamily="18" charset="0"/>
+                <a:cs typeface="Times New Roman" panose="02020603050405020304" pitchFamily="18" charset="0"/>
+              </a:rPr>
+              <a:t>Sau đó chúng em tiến hành đọc từng file và trích xuất thông tin các API mà ứng dụng sử dụng</a:t>
+            </a:r>
+          </a:p>
+          <a:p>
+            <a:pPr lvl="1"/>
+            <a:r>
+              <a:rPr lang="en-US" sz="3000">
+                <a:latin typeface="Times New Roman" panose="02020603050405020304" pitchFamily="18" charset="0"/>
+                <a:cs typeface="Times New Roman" panose="02020603050405020304" pitchFamily="18" charset="0"/>
+              </a:rPr>
+              <a:t>Từ thông tin trích xuất đ</a:t>
+            </a:r>
+            <a:r>
+              <a:rPr lang="vi-VN" sz="3000">
+                <a:latin typeface="Times New Roman" panose="02020603050405020304" pitchFamily="18" charset="0"/>
+                <a:cs typeface="Times New Roman" panose="02020603050405020304" pitchFamily="18" charset="0"/>
+              </a:rPr>
+              <a:t>ư</a:t>
+            </a:r>
+            <a:r>
+              <a:rPr lang="en-US" sz="3000">
+                <a:latin typeface="Times New Roman" panose="02020603050405020304" pitchFamily="18" charset="0"/>
+                <a:cs typeface="Times New Roman" panose="02020603050405020304" pitchFamily="18" charset="0"/>
+              </a:rPr>
+              <a:t>ợc, chúng em xây dựng các ma trận thể hiện mối quan hệ giữa các APP và API.</a:t>
+            </a:r>
           </a:p>
         </p:txBody>
       </p:sp>
     </p:spTree>
     <p:extLst>
       <p:ext uri="{BB962C8B-B14F-4D97-AF65-F5344CB8AC3E}">
-        <p14:creationId xmlns:p14="http://schemas.microsoft.com/office/powerpoint/2010/main" val="3984872820"/>
+        <p14:creationId xmlns:p14="http://schemas.microsoft.com/office/powerpoint/2010/main" val="1673826465"/>
+      </p:ext>
+    </p:extLst>
+  </p:cSld>
+  <p:clrMapOvr>
+    <a:masterClrMapping/>
+  </p:clrMapOvr>
+</p:sld>
+</file>
+
+<file path=ppt/slides/slide11.xml><?xml version="1.0" encoding="utf-8"?>
+<p:sld xmlns:a="http://schemas.openxmlformats.org/drawingml/2006/main" xmlns:r="http://schemas.openxmlformats.org/officeDocument/2006/relationships" xmlns:p="http://schemas.openxmlformats.org/presentationml/2006/main">
+  <p:cSld>
+    <p:spTree>
+      <p:nvGrpSpPr>
+        <p:cNvPr id="1" name=""/>
+        <p:cNvGrpSpPr/>
+        <p:nvPr/>
+      </p:nvGrpSpPr>
+      <p:grpSpPr>
+        <a:xfrm>
+          <a:off x="0" y="0"/>
+          <a:ext cx="0" cy="0"/>
+          <a:chOff x="0" y="0"/>
+          <a:chExt cx="0" cy="0"/>
+        </a:xfrm>
+      </p:grpSpPr>
+      <p:sp>
+        <p:nvSpPr>
+          <p:cNvPr id="2" name="Title 1">
+            <a:extLst>
+              <a:ext uri="{FF2B5EF4-FFF2-40B4-BE49-F238E27FC236}">
+                <a16:creationId xmlns:a16="http://schemas.microsoft.com/office/drawing/2014/main" id="{D7B00236-7A2B-4968-9658-B5C409EA04FA}"/>
+              </a:ext>
+            </a:extLst>
+          </p:cNvPr>
+          <p:cNvSpPr>
+            <a:spLocks noGrp="1"/>
+          </p:cNvSpPr>
+          <p:nvPr>
+            <p:ph type="title"/>
+          </p:nvPr>
+        </p:nvSpPr>
+        <p:spPr/>
+        <p:txBody>
+          <a:bodyPr/>
+          <a:lstStyle/>
+          <a:p>
+            <a:r>
+              <a:rPr lang="en-US">
+                <a:latin typeface="Times New Roman" panose="02020603050405020304" pitchFamily="18" charset="0"/>
+                <a:cs typeface="Times New Roman" panose="02020603050405020304" pitchFamily="18" charset="0"/>
+              </a:rPr>
+              <a:t>Xây dựng ma trận độ đo t</a:t>
+            </a:r>
+            <a:r>
+              <a:rPr lang="vi-VN">
+                <a:latin typeface="Times New Roman" panose="02020603050405020304" pitchFamily="18" charset="0"/>
+                <a:cs typeface="Times New Roman" panose="02020603050405020304" pitchFamily="18" charset="0"/>
+              </a:rPr>
+              <a:t>ư</a:t>
+            </a:r>
+            <a:r>
+              <a:rPr lang="en-US">
+                <a:latin typeface="Times New Roman" panose="02020603050405020304" pitchFamily="18" charset="0"/>
+                <a:cs typeface="Times New Roman" panose="02020603050405020304" pitchFamily="18" charset="0"/>
+              </a:rPr>
+              <a:t>ơng đồng</a:t>
+            </a:r>
+          </a:p>
+        </p:txBody>
+      </p:sp>
+      <p:sp>
+        <p:nvSpPr>
+          <p:cNvPr id="3" name="Content Placeholder 2">
+            <a:extLst>
+              <a:ext uri="{FF2B5EF4-FFF2-40B4-BE49-F238E27FC236}">
+                <a16:creationId xmlns:a16="http://schemas.microsoft.com/office/drawing/2014/main" id="{6A9501BA-1B94-4468-92A7-1C8C29E4D9F5}"/>
+              </a:ext>
+            </a:extLst>
+          </p:cNvPr>
+          <p:cNvSpPr>
+            <a:spLocks noGrp="1"/>
+          </p:cNvSpPr>
+          <p:nvPr>
+            <p:ph idx="1"/>
+          </p:nvPr>
+        </p:nvSpPr>
+        <p:spPr>
+          <a:xfrm>
+            <a:off x="1097280" y="1845734"/>
+            <a:ext cx="10058400" cy="1583266"/>
+          </a:xfrm>
+        </p:spPr>
+        <p:txBody>
+          <a:bodyPr>
+            <a:normAutofit fontScale="92500"/>
+          </a:bodyPr>
+          <a:lstStyle/>
+          <a:p>
+            <a:pPr algn="just"/>
+            <a:r>
+              <a:rPr lang="en-US" sz="3200">
+                <a:solidFill>
+                  <a:schemeClr val="accent6">
+                    <a:lumMod val="50000"/>
+                  </a:schemeClr>
+                </a:solidFill>
+                <a:latin typeface="Times New Roman" panose="02020603050405020304" pitchFamily="18" charset="0"/>
+                <a:cs typeface="Times New Roman" panose="02020603050405020304" pitchFamily="18" charset="0"/>
+              </a:rPr>
+              <a:t>Dựa vào kết quả nghiên cứu của </a:t>
+            </a:r>
+            <a:r>
+              <a:rPr lang="en-US" sz="3200">
+                <a:latin typeface="Times New Roman" panose="02020603050405020304" pitchFamily="18" charset="0"/>
+                <a:cs typeface="Times New Roman" panose="02020603050405020304" pitchFamily="18" charset="0"/>
+              </a:rPr>
+              <a:t>Thanh Van Thai </a:t>
+            </a:r>
+            <a:r>
+              <a:rPr lang="en-US" sz="3200">
+                <a:solidFill>
+                  <a:schemeClr val="accent6">
+                    <a:lumMod val="50000"/>
+                  </a:schemeClr>
+                </a:solidFill>
+                <a:latin typeface="Times New Roman" panose="02020603050405020304" pitchFamily="18" charset="0"/>
+                <a:cs typeface="Times New Roman" panose="02020603050405020304" pitchFamily="18" charset="0"/>
+              </a:rPr>
+              <a:t>và cộng sự [2], bọn em đi bọn em xây dựng các ma trận độ đo t</a:t>
+            </a:r>
+            <a:r>
+              <a:rPr lang="vi-VN" sz="3200">
+                <a:solidFill>
+                  <a:schemeClr val="accent6">
+                    <a:lumMod val="50000"/>
+                  </a:schemeClr>
+                </a:solidFill>
+                <a:latin typeface="Times New Roman" panose="02020603050405020304" pitchFamily="18" charset="0"/>
+                <a:cs typeface="Times New Roman" panose="02020603050405020304" pitchFamily="18" charset="0"/>
+              </a:rPr>
+              <a:t>ư</a:t>
+            </a:r>
+            <a:r>
+              <a:rPr lang="en-US" sz="3200">
+                <a:solidFill>
+                  <a:schemeClr val="accent6">
+                    <a:lumMod val="50000"/>
+                  </a:schemeClr>
+                </a:solidFill>
+                <a:latin typeface="Times New Roman" panose="02020603050405020304" pitchFamily="18" charset="0"/>
+                <a:cs typeface="Times New Roman" panose="02020603050405020304" pitchFamily="18" charset="0"/>
+              </a:rPr>
+              <a:t>ơng đồng dựa trên 16 siêu đ</a:t>
+            </a:r>
+            <a:r>
+              <a:rPr lang="vi-VN" sz="3200">
+                <a:solidFill>
+                  <a:schemeClr val="accent6">
+                    <a:lumMod val="50000"/>
+                  </a:schemeClr>
+                </a:solidFill>
+                <a:latin typeface="Times New Roman" panose="02020603050405020304" pitchFamily="18" charset="0"/>
+                <a:cs typeface="Times New Roman" panose="02020603050405020304" pitchFamily="18" charset="0"/>
+              </a:rPr>
+              <a:t>ư</a:t>
+            </a:r>
+            <a:r>
+              <a:rPr lang="en-US" sz="3200">
+                <a:solidFill>
+                  <a:schemeClr val="accent6">
+                    <a:lumMod val="50000"/>
+                  </a:schemeClr>
+                </a:solidFill>
+                <a:latin typeface="Times New Roman" panose="02020603050405020304" pitchFamily="18" charset="0"/>
+                <a:cs typeface="Times New Roman" panose="02020603050405020304" pitchFamily="18" charset="0"/>
+              </a:rPr>
+              <a:t>ờng đi bằng công thức tính độ đo t</a:t>
+            </a:r>
+            <a:r>
+              <a:rPr lang="vi-VN" sz="3200">
+                <a:solidFill>
+                  <a:schemeClr val="accent6">
+                    <a:lumMod val="50000"/>
+                  </a:schemeClr>
+                </a:solidFill>
+                <a:latin typeface="Times New Roman" panose="02020603050405020304" pitchFamily="18" charset="0"/>
+                <a:cs typeface="Times New Roman" panose="02020603050405020304" pitchFamily="18" charset="0"/>
+              </a:rPr>
+              <a:t>ư</a:t>
+            </a:r>
+            <a:r>
+              <a:rPr lang="en-US" sz="3200">
+                <a:solidFill>
+                  <a:schemeClr val="accent6">
+                    <a:lumMod val="50000"/>
+                  </a:schemeClr>
+                </a:solidFill>
+                <a:latin typeface="Times New Roman" panose="02020603050405020304" pitchFamily="18" charset="0"/>
+                <a:cs typeface="Times New Roman" panose="02020603050405020304" pitchFamily="18" charset="0"/>
+              </a:rPr>
+              <a:t>ơng đồng:</a:t>
+            </a:r>
+          </a:p>
+          <a:p>
+            <a:pPr algn="just"/>
+            <a:endParaRPr lang="en-US" sz="3800">
+              <a:solidFill>
+                <a:schemeClr val="accent6">
+                  <a:lumMod val="50000"/>
+                </a:schemeClr>
+              </a:solidFill>
+              <a:latin typeface="Times New Roman" panose="02020603050405020304" pitchFamily="18" charset="0"/>
+              <a:cs typeface="Times New Roman" panose="02020603050405020304" pitchFamily="18" charset="0"/>
+            </a:endParaRPr>
+          </a:p>
+          <a:p>
+            <a:pPr algn="just"/>
+            <a:endParaRPr lang="en-US" sz="3200">
+              <a:solidFill>
+                <a:schemeClr val="accent6">
+                  <a:lumMod val="50000"/>
+                </a:schemeClr>
+              </a:solidFill>
+              <a:latin typeface="Times New Roman" panose="02020603050405020304" pitchFamily="18" charset="0"/>
+              <a:cs typeface="Times New Roman" panose="02020603050405020304" pitchFamily="18" charset="0"/>
+            </a:endParaRPr>
+          </a:p>
+        </p:txBody>
+      </p:sp>
+      <mc:AlternateContent xmlns:mc="http://schemas.openxmlformats.org/markup-compatibility/2006">
+        <mc:Choice xmlns:a14="http://schemas.microsoft.com/office/drawing/2010/main" Requires="a14">
+          <p:sp>
+            <p:nvSpPr>
+              <p:cNvPr id="4" name="Rectangle 3">
+                <a:extLst>
+                  <a:ext uri="{FF2B5EF4-FFF2-40B4-BE49-F238E27FC236}">
+                    <a16:creationId xmlns:a16="http://schemas.microsoft.com/office/drawing/2014/main" id="{871B60EC-667B-49C7-9B86-EF8CA296DE2A}"/>
+                  </a:ext>
+                </a:extLst>
+              </p:cNvPr>
+              <p:cNvSpPr/>
+              <p:nvPr/>
+            </p:nvSpPr>
+            <p:spPr>
+              <a:xfrm>
+                <a:off x="1097280" y="3429000"/>
+                <a:ext cx="10360657" cy="1014317"/>
+              </a:xfrm>
+              <a:prstGeom prst="rect">
+                <a:avLst/>
+              </a:prstGeom>
+              <a:noFill/>
+            </p:spPr>
+            <p:txBody>
+              <a:bodyPr wrap="none" lIns="91440" tIns="45720" rIns="91440" bIns="45720">
+                <a:spAutoFit/>
+              </a:bodyPr>
+              <a:lstStyle/>
+              <a:p>
+                <a:pPr algn="just"/>
+                <a14:m>
+                  <m:oMathPara xmlns:m="http://schemas.openxmlformats.org/officeDocument/2006/math">
+                    <m:oMathParaPr>
+                      <m:jc m:val="centerGroup"/>
+                    </m:oMathParaPr>
+                    <m:oMath xmlns:m="http://schemas.openxmlformats.org/officeDocument/2006/math">
+                      <m:r>
+                        <a:rPr lang="en-US" sz="3200" i="1" smtClean="0">
+                          <a:solidFill>
+                            <a:schemeClr val="accent6">
+                              <a:lumMod val="50000"/>
+                            </a:schemeClr>
+                          </a:solidFill>
+                          <a:latin typeface="Cambria Math" panose="02040503050406030204" pitchFamily="18" charset="0"/>
+                        </a:rPr>
+                        <m:t>𝐴𝑣𝑔𝑆𝑖𝑚</m:t>
+                      </m:r>
+                      <m:r>
+                        <a:rPr lang="en-US" sz="3200">
+                          <a:solidFill>
+                            <a:schemeClr val="accent6">
+                              <a:lumMod val="50000"/>
+                            </a:schemeClr>
+                          </a:solidFill>
+                          <a:latin typeface="Cambria Math" panose="02040503050406030204" pitchFamily="18" charset="0"/>
+                        </a:rPr>
+                        <m:t>=</m:t>
+                      </m:r>
+                      <m:f>
+                        <m:fPr>
+                          <m:ctrlPr>
+                            <a:rPr lang="en-US" sz="3200" i="1">
+                              <a:solidFill>
+                                <a:schemeClr val="accent6">
+                                  <a:lumMod val="50000"/>
+                                </a:schemeClr>
+                              </a:solidFill>
+                              <a:latin typeface="Cambria Math" panose="02040503050406030204" pitchFamily="18" charset="0"/>
+                            </a:rPr>
+                          </m:ctrlPr>
+                        </m:fPr>
+                        <m:num>
+                          <m:r>
+                            <a:rPr lang="en-US" sz="3200">
+                              <a:solidFill>
+                                <a:schemeClr val="accent6">
+                                  <a:lumMod val="50000"/>
+                                </a:schemeClr>
+                              </a:solidFill>
+                              <a:latin typeface="Cambria Math" panose="02040503050406030204" pitchFamily="18" charset="0"/>
+                            </a:rPr>
+                            <m:t>1</m:t>
+                          </m:r>
+                        </m:num>
+                        <m:den>
+                          <m:r>
+                            <a:rPr lang="en-US" sz="3200">
+                              <a:solidFill>
+                                <a:schemeClr val="accent6">
+                                  <a:lumMod val="50000"/>
+                                </a:schemeClr>
+                              </a:solidFill>
+                              <a:latin typeface="Cambria Math" panose="02040503050406030204" pitchFamily="18" charset="0"/>
+                            </a:rPr>
+                            <m:t>2</m:t>
+                          </m:r>
+                        </m:den>
+                      </m:f>
+                      <m:r>
+                        <a:rPr lang="en-US" sz="3200">
+                          <a:solidFill>
+                            <a:schemeClr val="accent6">
+                              <a:lumMod val="50000"/>
+                            </a:schemeClr>
+                          </a:solidFill>
+                          <a:latin typeface="Cambria Math" panose="02040503050406030204" pitchFamily="18" charset="0"/>
+                        </a:rPr>
+                        <m:t>[</m:t>
+                      </m:r>
+                      <m:sSub>
+                        <m:sSubPr>
+                          <m:ctrlPr>
+                            <a:rPr lang="en-US" sz="3200" i="1">
+                              <a:solidFill>
+                                <a:schemeClr val="accent6">
+                                  <a:lumMod val="50000"/>
+                                </a:schemeClr>
+                              </a:solidFill>
+                              <a:latin typeface="Cambria Math" panose="02040503050406030204" pitchFamily="18" charset="0"/>
+                            </a:rPr>
+                          </m:ctrlPr>
+                        </m:sSubPr>
+                        <m:e>
+                          <m:r>
+                            <a:rPr lang="en-US" sz="3200" i="1">
+                              <a:solidFill>
+                                <a:schemeClr val="accent6">
+                                  <a:lumMod val="50000"/>
+                                </a:schemeClr>
+                              </a:solidFill>
+                              <a:latin typeface="Cambria Math" panose="02040503050406030204" pitchFamily="18" charset="0"/>
+                            </a:rPr>
+                            <m:t>𝑅</m:t>
+                          </m:r>
+                        </m:e>
+                        <m:sub>
+                          <m:sSub>
+                            <m:sSubPr>
+                              <m:ctrlPr>
+                                <a:rPr lang="en-US" sz="3200" i="1">
+                                  <a:solidFill>
+                                    <a:schemeClr val="accent6">
+                                      <a:lumMod val="50000"/>
+                                    </a:schemeClr>
+                                  </a:solidFill>
+                                  <a:latin typeface="Cambria Math" panose="02040503050406030204" pitchFamily="18" charset="0"/>
+                                </a:rPr>
+                              </m:ctrlPr>
+                            </m:sSubPr>
+                            <m:e>
+                              <m:r>
+                                <a:rPr lang="en-US" sz="3200" i="1">
+                                  <a:solidFill>
+                                    <a:schemeClr val="accent6">
+                                      <a:lumMod val="50000"/>
+                                    </a:schemeClr>
+                                  </a:solidFill>
+                                  <a:latin typeface="Cambria Math" panose="02040503050406030204" pitchFamily="18" charset="0"/>
+                                </a:rPr>
+                                <m:t>𝐴</m:t>
+                              </m:r>
+                            </m:e>
+                            <m:sub>
+                              <m:r>
+                                <a:rPr lang="en-US" sz="3200">
+                                  <a:solidFill>
+                                    <a:schemeClr val="accent6">
+                                      <a:lumMod val="50000"/>
+                                    </a:schemeClr>
+                                  </a:solidFill>
+                                  <a:latin typeface="Cambria Math" panose="02040503050406030204" pitchFamily="18" charset="0"/>
+                                </a:rPr>
+                                <m:t>1</m:t>
+                              </m:r>
+                            </m:sub>
+                          </m:sSub>
+                          <m:sSub>
+                            <m:sSubPr>
+                              <m:ctrlPr>
+                                <a:rPr lang="en-US" sz="3200" i="1">
+                                  <a:solidFill>
+                                    <a:schemeClr val="accent6">
+                                      <a:lumMod val="50000"/>
+                                    </a:schemeClr>
+                                  </a:solidFill>
+                                  <a:latin typeface="Cambria Math" panose="02040503050406030204" pitchFamily="18" charset="0"/>
+                                </a:rPr>
+                              </m:ctrlPr>
+                            </m:sSubPr>
+                            <m:e>
+                              <m:r>
+                                <a:rPr lang="en-US" sz="3200" i="1">
+                                  <a:solidFill>
+                                    <a:schemeClr val="accent6">
+                                      <a:lumMod val="50000"/>
+                                    </a:schemeClr>
+                                  </a:solidFill>
+                                  <a:latin typeface="Cambria Math" panose="02040503050406030204" pitchFamily="18" charset="0"/>
+                                </a:rPr>
+                                <m:t>𝐴</m:t>
+                              </m:r>
+                            </m:e>
+                            <m:sub>
+                              <m:r>
+                                <a:rPr lang="en-US" sz="3200">
+                                  <a:solidFill>
+                                    <a:schemeClr val="accent6">
+                                      <a:lumMod val="50000"/>
+                                    </a:schemeClr>
+                                  </a:solidFill>
+                                  <a:latin typeface="Cambria Math" panose="02040503050406030204" pitchFamily="18" charset="0"/>
+                                </a:rPr>
+                                <m:t>2</m:t>
+                              </m:r>
+                            </m:sub>
+                          </m:sSub>
+                        </m:sub>
+                      </m:sSub>
+                      <m:sSub>
+                        <m:sSubPr>
+                          <m:ctrlPr>
+                            <a:rPr lang="en-US" sz="3200" i="1">
+                              <a:solidFill>
+                                <a:schemeClr val="accent6">
+                                  <a:lumMod val="50000"/>
+                                </a:schemeClr>
+                              </a:solidFill>
+                              <a:latin typeface="Cambria Math" panose="02040503050406030204" pitchFamily="18" charset="0"/>
+                            </a:rPr>
+                          </m:ctrlPr>
+                        </m:sSubPr>
+                        <m:e>
+                          <m:r>
+                            <a:rPr lang="en-US" sz="3200" i="1">
+                              <a:solidFill>
+                                <a:schemeClr val="accent6">
+                                  <a:lumMod val="50000"/>
+                                </a:schemeClr>
+                              </a:solidFill>
+                              <a:latin typeface="Cambria Math" panose="02040503050406030204" pitchFamily="18" charset="0"/>
+                            </a:rPr>
+                            <m:t>𝑅</m:t>
+                          </m:r>
+                        </m:e>
+                        <m:sub>
+                          <m:sSub>
+                            <m:sSubPr>
+                              <m:ctrlPr>
+                                <a:rPr lang="en-US" sz="3200" i="1">
+                                  <a:solidFill>
+                                    <a:schemeClr val="accent6">
+                                      <a:lumMod val="50000"/>
+                                    </a:schemeClr>
+                                  </a:solidFill>
+                                  <a:latin typeface="Cambria Math" panose="02040503050406030204" pitchFamily="18" charset="0"/>
+                                </a:rPr>
+                              </m:ctrlPr>
+                            </m:sSubPr>
+                            <m:e>
+                              <m:r>
+                                <a:rPr lang="en-US" sz="3200" i="1">
+                                  <a:solidFill>
+                                    <a:schemeClr val="accent6">
+                                      <a:lumMod val="50000"/>
+                                    </a:schemeClr>
+                                  </a:solidFill>
+                                  <a:latin typeface="Cambria Math" panose="02040503050406030204" pitchFamily="18" charset="0"/>
+                                </a:rPr>
+                                <m:t>𝐴</m:t>
+                              </m:r>
+                            </m:e>
+                            <m:sub>
+                              <m:r>
+                                <a:rPr lang="en-US" sz="3200">
+                                  <a:solidFill>
+                                    <a:schemeClr val="accent6">
+                                      <a:lumMod val="50000"/>
+                                    </a:schemeClr>
+                                  </a:solidFill>
+                                  <a:latin typeface="Cambria Math" panose="02040503050406030204" pitchFamily="18" charset="0"/>
+                                </a:rPr>
+                                <m:t>2</m:t>
+                              </m:r>
+                            </m:sub>
+                          </m:sSub>
+                          <m:sSub>
+                            <m:sSubPr>
+                              <m:ctrlPr>
+                                <a:rPr lang="en-US" sz="3200" i="1">
+                                  <a:solidFill>
+                                    <a:schemeClr val="accent6">
+                                      <a:lumMod val="50000"/>
+                                    </a:schemeClr>
+                                  </a:solidFill>
+                                  <a:latin typeface="Cambria Math" panose="02040503050406030204" pitchFamily="18" charset="0"/>
+                                </a:rPr>
+                              </m:ctrlPr>
+                            </m:sSubPr>
+                            <m:e>
+                              <m:r>
+                                <a:rPr lang="en-US" sz="3200" i="1">
+                                  <a:solidFill>
+                                    <a:schemeClr val="accent6">
+                                      <a:lumMod val="50000"/>
+                                    </a:schemeClr>
+                                  </a:solidFill>
+                                  <a:latin typeface="Cambria Math" panose="02040503050406030204" pitchFamily="18" charset="0"/>
+                                </a:rPr>
+                                <m:t>𝐴</m:t>
+                              </m:r>
+                            </m:e>
+                            <m:sub>
+                              <m:r>
+                                <a:rPr lang="en-US" sz="3200">
+                                  <a:solidFill>
+                                    <a:schemeClr val="accent6">
+                                      <a:lumMod val="50000"/>
+                                    </a:schemeClr>
+                                  </a:solidFill>
+                                  <a:latin typeface="Cambria Math" panose="02040503050406030204" pitchFamily="18" charset="0"/>
+                                </a:rPr>
+                                <m:t>3</m:t>
+                              </m:r>
+                            </m:sub>
+                          </m:sSub>
+                        </m:sub>
+                      </m:sSub>
+                      <m:r>
+                        <a:rPr lang="en-US" sz="3200">
+                          <a:solidFill>
+                            <a:schemeClr val="accent6">
+                              <a:lumMod val="50000"/>
+                            </a:schemeClr>
+                          </a:solidFill>
+                          <a:latin typeface="Cambria Math" panose="02040503050406030204" pitchFamily="18" charset="0"/>
+                        </a:rPr>
+                        <m:t>…</m:t>
+                      </m:r>
+                      <m:sSub>
+                        <m:sSubPr>
+                          <m:ctrlPr>
+                            <a:rPr lang="en-US" sz="3200" i="1">
+                              <a:solidFill>
+                                <a:schemeClr val="accent6">
+                                  <a:lumMod val="50000"/>
+                                </a:schemeClr>
+                              </a:solidFill>
+                              <a:latin typeface="Cambria Math" panose="02040503050406030204" pitchFamily="18" charset="0"/>
+                            </a:rPr>
+                          </m:ctrlPr>
+                        </m:sSubPr>
+                        <m:e>
+                          <m:r>
+                            <a:rPr lang="en-US" sz="3200" i="1">
+                              <a:solidFill>
+                                <a:schemeClr val="accent6">
+                                  <a:lumMod val="50000"/>
+                                </a:schemeClr>
+                              </a:solidFill>
+                              <a:latin typeface="Cambria Math" panose="02040503050406030204" pitchFamily="18" charset="0"/>
+                            </a:rPr>
+                            <m:t>𝑅</m:t>
+                          </m:r>
+                        </m:e>
+                        <m:sub>
+                          <m:sSub>
+                            <m:sSubPr>
+                              <m:ctrlPr>
+                                <a:rPr lang="en-US" sz="3200" i="1">
+                                  <a:solidFill>
+                                    <a:schemeClr val="accent6">
+                                      <a:lumMod val="50000"/>
+                                    </a:schemeClr>
+                                  </a:solidFill>
+                                  <a:latin typeface="Cambria Math" panose="02040503050406030204" pitchFamily="18" charset="0"/>
+                                </a:rPr>
+                              </m:ctrlPr>
+                            </m:sSubPr>
+                            <m:e>
+                              <m:r>
+                                <a:rPr lang="en-US" sz="3200" i="1">
+                                  <a:solidFill>
+                                    <a:schemeClr val="accent6">
+                                      <a:lumMod val="50000"/>
+                                    </a:schemeClr>
+                                  </a:solidFill>
+                                  <a:latin typeface="Cambria Math" panose="02040503050406030204" pitchFamily="18" charset="0"/>
+                                </a:rPr>
+                                <m:t>𝐴</m:t>
+                              </m:r>
+                            </m:e>
+                            <m:sub>
+                              <m:r>
+                                <a:rPr lang="en-US" sz="3200" i="1">
+                                  <a:solidFill>
+                                    <a:schemeClr val="accent6">
+                                      <a:lumMod val="50000"/>
+                                    </a:schemeClr>
+                                  </a:solidFill>
+                                  <a:latin typeface="Cambria Math" panose="02040503050406030204" pitchFamily="18" charset="0"/>
+                                </a:rPr>
+                                <m:t>𝑙</m:t>
+                              </m:r>
+                            </m:sub>
+                          </m:sSub>
+                          <m:sSub>
+                            <m:sSubPr>
+                              <m:ctrlPr>
+                                <a:rPr lang="en-US" sz="3200" i="1">
+                                  <a:solidFill>
+                                    <a:schemeClr val="accent6">
+                                      <a:lumMod val="50000"/>
+                                    </a:schemeClr>
+                                  </a:solidFill>
+                                  <a:latin typeface="Cambria Math" panose="02040503050406030204" pitchFamily="18" charset="0"/>
+                                </a:rPr>
+                              </m:ctrlPr>
+                            </m:sSubPr>
+                            <m:e>
+                              <m:r>
+                                <a:rPr lang="en-US" sz="3200" i="1">
+                                  <a:solidFill>
+                                    <a:schemeClr val="accent6">
+                                      <a:lumMod val="50000"/>
+                                    </a:schemeClr>
+                                  </a:solidFill>
+                                  <a:latin typeface="Cambria Math" panose="02040503050406030204" pitchFamily="18" charset="0"/>
+                                </a:rPr>
+                                <m:t>𝐴</m:t>
+                              </m:r>
+                            </m:e>
+                            <m:sub>
+                              <m:r>
+                                <a:rPr lang="en-US" sz="3200" i="1">
+                                  <a:solidFill>
+                                    <a:schemeClr val="accent6">
+                                      <a:lumMod val="50000"/>
+                                    </a:schemeClr>
+                                  </a:solidFill>
+                                  <a:latin typeface="Cambria Math" panose="02040503050406030204" pitchFamily="18" charset="0"/>
+                                </a:rPr>
+                                <m:t>𝑙</m:t>
+                              </m:r>
+                              <m:r>
+                                <a:rPr lang="en-US" sz="3200">
+                                  <a:solidFill>
+                                    <a:schemeClr val="accent6">
+                                      <a:lumMod val="50000"/>
+                                    </a:schemeClr>
+                                  </a:solidFill>
+                                  <a:latin typeface="Cambria Math" panose="02040503050406030204" pitchFamily="18" charset="0"/>
+                                </a:rPr>
+                                <m:t>+1</m:t>
+                              </m:r>
+                            </m:sub>
+                          </m:sSub>
+                        </m:sub>
+                      </m:sSub>
+                      <m:r>
+                        <a:rPr lang="en-US" sz="3200">
+                          <a:solidFill>
+                            <a:schemeClr val="accent6">
+                              <a:lumMod val="50000"/>
+                            </a:schemeClr>
+                          </a:solidFill>
+                          <a:latin typeface="Cambria Math" panose="02040503050406030204" pitchFamily="18" charset="0"/>
+                        </a:rPr>
+                        <m:t>+</m:t>
+                      </m:r>
+                      <m:sSub>
+                        <m:sSubPr>
+                          <m:ctrlPr>
+                            <a:rPr lang="en-US" sz="3200" i="1">
+                              <a:solidFill>
+                                <a:schemeClr val="accent6">
+                                  <a:lumMod val="50000"/>
+                                </a:schemeClr>
+                              </a:solidFill>
+                              <a:latin typeface="Cambria Math" panose="02040503050406030204" pitchFamily="18" charset="0"/>
+                            </a:rPr>
+                          </m:ctrlPr>
+                        </m:sSubPr>
+                        <m:e>
+                          <m:r>
+                            <a:rPr lang="en-US" sz="3200" i="1">
+                              <a:solidFill>
+                                <a:schemeClr val="accent6">
+                                  <a:lumMod val="50000"/>
+                                </a:schemeClr>
+                              </a:solidFill>
+                              <a:latin typeface="Cambria Math" panose="02040503050406030204" pitchFamily="18" charset="0"/>
+                            </a:rPr>
+                            <m:t>𝐶</m:t>
+                          </m:r>
+                        </m:e>
+                        <m:sub>
+                          <m:sSub>
+                            <m:sSubPr>
+                              <m:ctrlPr>
+                                <a:rPr lang="en-US" sz="3200" i="1">
+                                  <a:solidFill>
+                                    <a:schemeClr val="accent6">
+                                      <a:lumMod val="50000"/>
+                                    </a:schemeClr>
+                                  </a:solidFill>
+                                  <a:latin typeface="Cambria Math" panose="02040503050406030204" pitchFamily="18" charset="0"/>
+                                </a:rPr>
+                              </m:ctrlPr>
+                            </m:sSubPr>
+                            <m:e>
+                              <m:r>
+                                <a:rPr lang="en-US" sz="3200" i="1">
+                                  <a:solidFill>
+                                    <a:schemeClr val="accent6">
+                                      <a:lumMod val="50000"/>
+                                    </a:schemeClr>
+                                  </a:solidFill>
+                                  <a:latin typeface="Cambria Math" panose="02040503050406030204" pitchFamily="18" charset="0"/>
+                                </a:rPr>
+                                <m:t>𝐴</m:t>
+                              </m:r>
+                            </m:e>
+                            <m:sub>
+                              <m:r>
+                                <a:rPr lang="en-US" sz="3200">
+                                  <a:solidFill>
+                                    <a:schemeClr val="accent6">
+                                      <a:lumMod val="50000"/>
+                                    </a:schemeClr>
+                                  </a:solidFill>
+                                  <a:latin typeface="Cambria Math" panose="02040503050406030204" pitchFamily="18" charset="0"/>
+                                </a:rPr>
+                                <m:t>1</m:t>
+                              </m:r>
+                            </m:sub>
+                          </m:sSub>
+                          <m:sSub>
+                            <m:sSubPr>
+                              <m:ctrlPr>
+                                <a:rPr lang="en-US" sz="3200" i="1">
+                                  <a:solidFill>
+                                    <a:schemeClr val="accent6">
+                                      <a:lumMod val="50000"/>
+                                    </a:schemeClr>
+                                  </a:solidFill>
+                                  <a:latin typeface="Cambria Math" panose="02040503050406030204" pitchFamily="18" charset="0"/>
+                                </a:rPr>
+                              </m:ctrlPr>
+                            </m:sSubPr>
+                            <m:e>
+                              <m:r>
+                                <a:rPr lang="en-US" sz="3200" i="1">
+                                  <a:solidFill>
+                                    <a:schemeClr val="accent6">
+                                      <a:lumMod val="50000"/>
+                                    </a:schemeClr>
+                                  </a:solidFill>
+                                  <a:latin typeface="Cambria Math" panose="02040503050406030204" pitchFamily="18" charset="0"/>
+                                </a:rPr>
+                                <m:t>𝐴</m:t>
+                              </m:r>
+                            </m:e>
+                            <m:sub>
+                              <m:r>
+                                <a:rPr lang="en-US" sz="3200">
+                                  <a:solidFill>
+                                    <a:schemeClr val="accent6">
+                                      <a:lumMod val="50000"/>
+                                    </a:schemeClr>
+                                  </a:solidFill>
+                                  <a:latin typeface="Cambria Math" panose="02040503050406030204" pitchFamily="18" charset="0"/>
+                                </a:rPr>
+                                <m:t>2</m:t>
+                              </m:r>
+                            </m:sub>
+                          </m:sSub>
+                        </m:sub>
+                      </m:sSub>
+                      <m:sSub>
+                        <m:sSubPr>
+                          <m:ctrlPr>
+                            <a:rPr lang="en-US" sz="3200" i="1">
+                              <a:solidFill>
+                                <a:schemeClr val="accent6">
+                                  <a:lumMod val="50000"/>
+                                </a:schemeClr>
+                              </a:solidFill>
+                              <a:latin typeface="Cambria Math" panose="02040503050406030204" pitchFamily="18" charset="0"/>
+                            </a:rPr>
+                          </m:ctrlPr>
+                        </m:sSubPr>
+                        <m:e>
+                          <m:r>
+                            <a:rPr lang="en-US" sz="3200" i="1">
+                              <a:solidFill>
+                                <a:schemeClr val="accent6">
+                                  <a:lumMod val="50000"/>
+                                </a:schemeClr>
+                              </a:solidFill>
+                              <a:latin typeface="Cambria Math" panose="02040503050406030204" pitchFamily="18" charset="0"/>
+                            </a:rPr>
+                            <m:t>𝐶</m:t>
+                          </m:r>
+                        </m:e>
+                        <m:sub>
+                          <m:sSub>
+                            <m:sSubPr>
+                              <m:ctrlPr>
+                                <a:rPr lang="en-US" sz="3200" i="1">
+                                  <a:solidFill>
+                                    <a:schemeClr val="accent6">
+                                      <a:lumMod val="50000"/>
+                                    </a:schemeClr>
+                                  </a:solidFill>
+                                  <a:latin typeface="Cambria Math" panose="02040503050406030204" pitchFamily="18" charset="0"/>
+                                </a:rPr>
+                              </m:ctrlPr>
+                            </m:sSubPr>
+                            <m:e>
+                              <m:r>
+                                <a:rPr lang="en-US" sz="3200" i="1">
+                                  <a:solidFill>
+                                    <a:schemeClr val="accent6">
+                                      <a:lumMod val="50000"/>
+                                    </a:schemeClr>
+                                  </a:solidFill>
+                                  <a:latin typeface="Cambria Math" panose="02040503050406030204" pitchFamily="18" charset="0"/>
+                                </a:rPr>
+                                <m:t>𝐴</m:t>
+                              </m:r>
+                            </m:e>
+                            <m:sub>
+                              <m:r>
+                                <a:rPr lang="en-US" sz="3200">
+                                  <a:solidFill>
+                                    <a:schemeClr val="accent6">
+                                      <a:lumMod val="50000"/>
+                                    </a:schemeClr>
+                                  </a:solidFill>
+                                  <a:latin typeface="Cambria Math" panose="02040503050406030204" pitchFamily="18" charset="0"/>
+                                </a:rPr>
+                                <m:t>2</m:t>
+                              </m:r>
+                            </m:sub>
+                          </m:sSub>
+                          <m:sSub>
+                            <m:sSubPr>
+                              <m:ctrlPr>
+                                <a:rPr lang="en-US" sz="3200" i="1">
+                                  <a:solidFill>
+                                    <a:schemeClr val="accent6">
+                                      <a:lumMod val="50000"/>
+                                    </a:schemeClr>
+                                  </a:solidFill>
+                                  <a:latin typeface="Cambria Math" panose="02040503050406030204" pitchFamily="18" charset="0"/>
+                                </a:rPr>
+                              </m:ctrlPr>
+                            </m:sSubPr>
+                            <m:e>
+                              <m:r>
+                                <a:rPr lang="en-US" sz="3200" i="1">
+                                  <a:solidFill>
+                                    <a:schemeClr val="accent6">
+                                      <a:lumMod val="50000"/>
+                                    </a:schemeClr>
+                                  </a:solidFill>
+                                  <a:latin typeface="Cambria Math" panose="02040503050406030204" pitchFamily="18" charset="0"/>
+                                </a:rPr>
+                                <m:t>𝐴</m:t>
+                              </m:r>
+                            </m:e>
+                            <m:sub>
+                              <m:r>
+                                <a:rPr lang="en-US" sz="3200">
+                                  <a:solidFill>
+                                    <a:schemeClr val="accent6">
+                                      <a:lumMod val="50000"/>
+                                    </a:schemeClr>
+                                  </a:solidFill>
+                                  <a:latin typeface="Cambria Math" panose="02040503050406030204" pitchFamily="18" charset="0"/>
+                                </a:rPr>
+                                <m:t>3</m:t>
+                              </m:r>
+                            </m:sub>
+                          </m:sSub>
+                        </m:sub>
+                      </m:sSub>
+                      <m:r>
+                        <a:rPr lang="en-US" sz="3200">
+                          <a:solidFill>
+                            <a:schemeClr val="accent6">
+                              <a:lumMod val="50000"/>
+                            </a:schemeClr>
+                          </a:solidFill>
+                          <a:latin typeface="Cambria Math" panose="02040503050406030204" pitchFamily="18" charset="0"/>
+                        </a:rPr>
+                        <m:t>…</m:t>
+                      </m:r>
+                      <m:sSub>
+                        <m:sSubPr>
+                          <m:ctrlPr>
+                            <a:rPr lang="en-US" sz="3200" i="1">
+                              <a:solidFill>
+                                <a:schemeClr val="accent6">
+                                  <a:lumMod val="50000"/>
+                                </a:schemeClr>
+                              </a:solidFill>
+                              <a:latin typeface="Cambria Math" panose="02040503050406030204" pitchFamily="18" charset="0"/>
+                            </a:rPr>
+                          </m:ctrlPr>
+                        </m:sSubPr>
+                        <m:e>
+                          <m:r>
+                            <a:rPr lang="en-US" sz="3200" i="1">
+                              <a:solidFill>
+                                <a:schemeClr val="accent6">
+                                  <a:lumMod val="50000"/>
+                                </a:schemeClr>
+                              </a:solidFill>
+                              <a:latin typeface="Cambria Math" panose="02040503050406030204" pitchFamily="18" charset="0"/>
+                            </a:rPr>
+                            <m:t>𝐶</m:t>
+                          </m:r>
+                        </m:e>
+                        <m:sub>
+                          <m:sSub>
+                            <m:sSubPr>
+                              <m:ctrlPr>
+                                <a:rPr lang="en-US" sz="3200" i="1">
+                                  <a:solidFill>
+                                    <a:schemeClr val="accent6">
+                                      <a:lumMod val="50000"/>
+                                    </a:schemeClr>
+                                  </a:solidFill>
+                                  <a:latin typeface="Cambria Math" panose="02040503050406030204" pitchFamily="18" charset="0"/>
+                                </a:rPr>
+                              </m:ctrlPr>
+                            </m:sSubPr>
+                            <m:e>
+                              <m:r>
+                                <a:rPr lang="en-US" sz="3200" i="1">
+                                  <a:solidFill>
+                                    <a:schemeClr val="accent6">
+                                      <a:lumMod val="50000"/>
+                                    </a:schemeClr>
+                                  </a:solidFill>
+                                  <a:latin typeface="Cambria Math" panose="02040503050406030204" pitchFamily="18" charset="0"/>
+                                </a:rPr>
+                                <m:t>𝐴</m:t>
+                              </m:r>
+                            </m:e>
+                            <m:sub>
+                              <m:r>
+                                <a:rPr lang="en-US" sz="3200" i="1">
+                                  <a:solidFill>
+                                    <a:schemeClr val="accent6">
+                                      <a:lumMod val="50000"/>
+                                    </a:schemeClr>
+                                  </a:solidFill>
+                                  <a:latin typeface="Cambria Math" panose="02040503050406030204" pitchFamily="18" charset="0"/>
+                                </a:rPr>
+                                <m:t>𝑙</m:t>
+                              </m:r>
+                            </m:sub>
+                          </m:sSub>
+                          <m:sSub>
+                            <m:sSubPr>
+                              <m:ctrlPr>
+                                <a:rPr lang="en-US" sz="3200" i="1">
+                                  <a:solidFill>
+                                    <a:schemeClr val="accent6">
+                                      <a:lumMod val="50000"/>
+                                    </a:schemeClr>
+                                  </a:solidFill>
+                                  <a:latin typeface="Cambria Math" panose="02040503050406030204" pitchFamily="18" charset="0"/>
+                                </a:rPr>
+                              </m:ctrlPr>
+                            </m:sSubPr>
+                            <m:e>
+                              <m:r>
+                                <a:rPr lang="en-US" sz="3200" i="1">
+                                  <a:solidFill>
+                                    <a:schemeClr val="accent6">
+                                      <a:lumMod val="50000"/>
+                                    </a:schemeClr>
+                                  </a:solidFill>
+                                  <a:latin typeface="Cambria Math" panose="02040503050406030204" pitchFamily="18" charset="0"/>
+                                </a:rPr>
+                                <m:t>𝐴</m:t>
+                              </m:r>
+                            </m:e>
+                            <m:sub>
+                              <m:r>
+                                <a:rPr lang="en-US" sz="3200" i="1">
+                                  <a:solidFill>
+                                    <a:schemeClr val="accent6">
+                                      <a:lumMod val="50000"/>
+                                    </a:schemeClr>
+                                  </a:solidFill>
+                                  <a:latin typeface="Cambria Math" panose="02040503050406030204" pitchFamily="18" charset="0"/>
+                                </a:rPr>
+                                <m:t>𝑙</m:t>
+                              </m:r>
+                              <m:r>
+                                <a:rPr lang="en-US" sz="3200">
+                                  <a:solidFill>
+                                    <a:schemeClr val="accent6">
+                                      <a:lumMod val="50000"/>
+                                    </a:schemeClr>
+                                  </a:solidFill>
+                                  <a:latin typeface="Cambria Math" panose="02040503050406030204" pitchFamily="18" charset="0"/>
+                                </a:rPr>
+                                <m:t>+1</m:t>
+                              </m:r>
+                            </m:sub>
+                          </m:sSub>
+                        </m:sub>
+                      </m:sSub>
+                      <m:r>
+                        <a:rPr lang="en-US" sz="3200">
+                          <a:solidFill>
+                            <a:schemeClr val="accent6">
+                              <a:lumMod val="50000"/>
+                            </a:schemeClr>
+                          </a:solidFill>
+                          <a:latin typeface="Cambria Math" panose="02040503050406030204" pitchFamily="18" charset="0"/>
+                        </a:rPr>
+                        <m:t>]</m:t>
+                      </m:r>
+                    </m:oMath>
+                  </m:oMathPara>
+                </a14:m>
+                <a:endParaRPr lang="en-US" sz="3200">
+                  <a:solidFill>
+                    <a:schemeClr val="accent6">
+                      <a:lumMod val="50000"/>
+                    </a:schemeClr>
+                  </a:solidFill>
+                  <a:latin typeface="Times New Roman" panose="02020603050405020304" pitchFamily="18" charset="0"/>
+                  <a:cs typeface="Times New Roman" panose="02020603050405020304" pitchFamily="18" charset="0"/>
+                </a:endParaRPr>
+              </a:p>
+            </p:txBody>
+          </p:sp>
+        </mc:Choice>
+        <mc:Fallback>
+          <p:sp>
+            <p:nvSpPr>
+              <p:cNvPr id="4" name="Rectangle 3">
+                <a:extLst>
+                  <a:ext uri="{FF2B5EF4-FFF2-40B4-BE49-F238E27FC236}">
+                    <a16:creationId xmlns:a16="http://schemas.microsoft.com/office/drawing/2014/main" id="{871B60EC-667B-49C7-9B86-EF8CA296DE2A}"/>
+                  </a:ext>
+                </a:extLst>
+              </p:cNvPr>
+              <p:cNvSpPr>
+                <a:spLocks noRot="1" noChangeAspect="1" noMove="1" noResize="1" noEditPoints="1" noAdjustHandles="1" noChangeArrowheads="1" noChangeShapeType="1" noTextEdit="1"/>
+              </p:cNvSpPr>
+              <p:nvPr/>
+            </p:nvSpPr>
+            <p:spPr>
+              <a:xfrm>
+                <a:off x="1097280" y="3429000"/>
+                <a:ext cx="10360657" cy="1014317"/>
+              </a:xfrm>
+              <a:prstGeom prst="rect">
+                <a:avLst/>
+              </a:prstGeom>
+              <a:blipFill>
+                <a:blip r:embed="rId2"/>
+                <a:stretch>
+                  <a:fillRect/>
+                </a:stretch>
+              </a:blipFill>
+            </p:spPr>
+            <p:txBody>
+              <a:bodyPr/>
+              <a:lstStyle/>
+              <a:p>
+                <a:r>
+                  <a:rPr lang="en-US">
+                    <a:noFill/>
+                  </a:rPr>
+                  <a:t> </a:t>
+                </a:r>
+              </a:p>
+            </p:txBody>
+          </p:sp>
+        </mc:Fallback>
+      </mc:AlternateContent>
+      <mc:AlternateContent xmlns:mc="http://schemas.openxmlformats.org/markup-compatibility/2006">
+        <mc:Choice xmlns:a14="http://schemas.microsoft.com/office/drawing/2010/main" Requires="a14">
+          <p:sp>
+            <p:nvSpPr>
+              <p:cNvPr id="5" name="Rectangle 4">
+                <a:extLst>
+                  <a:ext uri="{FF2B5EF4-FFF2-40B4-BE49-F238E27FC236}">
+                    <a16:creationId xmlns:a16="http://schemas.microsoft.com/office/drawing/2014/main" id="{69BECC47-3884-439B-9D66-BC0928D1E9C0}"/>
+                  </a:ext>
+                </a:extLst>
+              </p:cNvPr>
+              <p:cNvSpPr/>
+              <p:nvPr/>
+            </p:nvSpPr>
+            <p:spPr>
+              <a:xfrm>
+                <a:off x="1097281" y="4528897"/>
+                <a:ext cx="10058400" cy="1745991"/>
+              </a:xfrm>
+              <a:prstGeom prst="rect">
+                <a:avLst/>
+              </a:prstGeom>
+              <a:noFill/>
+            </p:spPr>
+            <p:txBody>
+              <a:bodyPr wrap="square" lIns="91440" tIns="45720" rIns="91440" bIns="45720">
+                <a:spAutoFit/>
+              </a:bodyPr>
+              <a:lstStyle/>
+              <a:p>
+                <a:pPr algn="just"/>
+                <a:r>
+                  <a:rPr lang="en-US" sz="3200">
+                    <a:solidFill>
+                      <a:schemeClr val="accent6">
+                        <a:lumMod val="50000"/>
+                      </a:schemeClr>
+                    </a:solidFill>
+                    <a:latin typeface="Times New Roman" panose="02020603050405020304" pitchFamily="18" charset="0"/>
+                    <a:cs typeface="Times New Roman" panose="02020603050405020304" pitchFamily="18" charset="0"/>
+                  </a:rPr>
+                  <a:t>Trong đó :</a:t>
+                </a:r>
+              </a:p>
+              <a:p>
+                <a:pPr algn="just"/>
+                <a14:m>
+                  <m:oMath xmlns:m="http://schemas.openxmlformats.org/officeDocument/2006/math">
+                    <m:sSub>
+                      <m:sSubPr>
+                        <m:ctrlPr>
+                          <a:rPr lang="en-US" sz="3200" i="1">
+                            <a:solidFill>
+                              <a:schemeClr val="accent6">
+                                <a:lumMod val="50000"/>
+                              </a:schemeClr>
+                            </a:solidFill>
+                            <a:latin typeface="Cambria Math" panose="02040503050406030204" pitchFamily="18" charset="0"/>
+                            <a:cs typeface="Times New Roman" panose="02020603050405020304" pitchFamily="18" charset="0"/>
+                          </a:rPr>
+                        </m:ctrlPr>
+                      </m:sSubPr>
+                      <m:e>
+                        <m:r>
+                          <a:rPr lang="en-US" sz="3200" i="1">
+                            <a:solidFill>
+                              <a:schemeClr val="accent6">
+                                <a:lumMod val="50000"/>
+                              </a:schemeClr>
+                            </a:solidFill>
+                            <a:latin typeface="Cambria Math" panose="02040503050406030204" pitchFamily="18" charset="0"/>
+                            <a:cs typeface="Times New Roman" panose="02020603050405020304" pitchFamily="18" charset="0"/>
+                          </a:rPr>
+                          <m:t>𝑅</m:t>
+                        </m:r>
+                      </m:e>
+                      <m:sub>
+                        <m:sSub>
+                          <m:sSubPr>
+                            <m:ctrlPr>
+                              <a:rPr lang="en-US" sz="3200" i="1">
+                                <a:solidFill>
+                                  <a:schemeClr val="accent6">
+                                    <a:lumMod val="50000"/>
+                                  </a:schemeClr>
+                                </a:solidFill>
+                                <a:latin typeface="Cambria Math" panose="02040503050406030204" pitchFamily="18" charset="0"/>
+                                <a:cs typeface="Times New Roman" panose="02020603050405020304" pitchFamily="18" charset="0"/>
+                              </a:rPr>
+                            </m:ctrlPr>
+                          </m:sSubPr>
+                          <m:e>
+                            <m:r>
+                              <a:rPr lang="en-US" sz="3200" i="1">
+                                <a:solidFill>
+                                  <a:schemeClr val="accent6">
+                                    <a:lumMod val="50000"/>
+                                  </a:schemeClr>
+                                </a:solidFill>
+                                <a:latin typeface="Cambria Math" panose="02040503050406030204" pitchFamily="18" charset="0"/>
+                                <a:cs typeface="Times New Roman" panose="02020603050405020304" pitchFamily="18" charset="0"/>
+                              </a:rPr>
+                              <m:t>𝐴</m:t>
+                            </m:r>
+                          </m:e>
+                          <m:sub>
+                            <m:r>
+                              <a:rPr lang="en-US" sz="3200" i="1">
+                                <a:solidFill>
+                                  <a:schemeClr val="accent6">
+                                    <a:lumMod val="50000"/>
+                                  </a:schemeClr>
+                                </a:solidFill>
+                                <a:latin typeface="Cambria Math" panose="02040503050406030204" pitchFamily="18" charset="0"/>
+                                <a:cs typeface="Times New Roman" panose="02020603050405020304" pitchFamily="18" charset="0"/>
+                              </a:rPr>
+                              <m:t>𝑖</m:t>
+                            </m:r>
+                          </m:sub>
+                        </m:sSub>
+                        <m:sSub>
+                          <m:sSubPr>
+                            <m:ctrlPr>
+                              <a:rPr lang="en-US" sz="3200" i="1">
+                                <a:solidFill>
+                                  <a:schemeClr val="accent6">
+                                    <a:lumMod val="50000"/>
+                                  </a:schemeClr>
+                                </a:solidFill>
+                                <a:latin typeface="Cambria Math" panose="02040503050406030204" pitchFamily="18" charset="0"/>
+                                <a:cs typeface="Times New Roman" panose="02020603050405020304" pitchFamily="18" charset="0"/>
+                              </a:rPr>
+                            </m:ctrlPr>
+                          </m:sSubPr>
+                          <m:e>
+                            <m:r>
+                              <a:rPr lang="en-US" sz="3200" i="1">
+                                <a:solidFill>
+                                  <a:schemeClr val="accent6">
+                                    <a:lumMod val="50000"/>
+                                  </a:schemeClr>
+                                </a:solidFill>
+                                <a:latin typeface="Cambria Math" panose="02040503050406030204" pitchFamily="18" charset="0"/>
+                                <a:cs typeface="Times New Roman" panose="02020603050405020304" pitchFamily="18" charset="0"/>
+                              </a:rPr>
+                              <m:t>𝐴</m:t>
+                            </m:r>
+                          </m:e>
+                          <m:sub>
+                            <m:r>
+                              <a:rPr lang="en-US" sz="3200" i="1">
+                                <a:solidFill>
+                                  <a:schemeClr val="accent6">
+                                    <a:lumMod val="50000"/>
+                                  </a:schemeClr>
+                                </a:solidFill>
+                                <a:latin typeface="Cambria Math" panose="02040503050406030204" pitchFamily="18" charset="0"/>
+                                <a:cs typeface="Times New Roman" panose="02020603050405020304" pitchFamily="18" charset="0"/>
+                              </a:rPr>
+                              <m:t>𝐽</m:t>
+                            </m:r>
+                          </m:sub>
+                        </m:sSub>
+                      </m:sub>
+                    </m:sSub>
+                  </m:oMath>
+                </a14:m>
+                <a:r>
+                  <a:rPr lang="en-US" sz="3200">
+                    <a:solidFill>
+                      <a:schemeClr val="accent6">
+                        <a:lumMod val="50000"/>
+                      </a:schemeClr>
+                    </a:solidFill>
+                    <a:latin typeface="Times New Roman" panose="02020603050405020304" pitchFamily="18" charset="0"/>
+                    <a:cs typeface="Times New Roman" panose="02020603050405020304" pitchFamily="18" charset="0"/>
+                  </a:rPr>
+                  <a:t> là các ma trận mối quan hệ được chuẩn hoá theo hang</a:t>
+                </a:r>
+              </a:p>
+              <a:p>
+                <a:pPr/>
+                <a14:m>
+                  <m:oMath xmlns:m="http://schemas.openxmlformats.org/officeDocument/2006/math">
+                    <m:sSub>
+                      <m:sSubPr>
+                        <m:ctrlPr>
+                          <a:rPr lang="en-US" sz="3200" b="0" i="1" smtClean="0">
+                            <a:ln w="0"/>
+                            <a:solidFill>
+                              <a:schemeClr val="accent6">
+                                <a:lumMod val="50000"/>
+                              </a:schemeClr>
+                            </a:solidFill>
+                            <a:effectLst/>
+                            <a:latin typeface="Cambria Math" panose="02040503050406030204" pitchFamily="18" charset="0"/>
+                          </a:rPr>
+                        </m:ctrlPr>
+                      </m:sSubPr>
+                      <m:e>
+                        <m:r>
+                          <a:rPr lang="en-US" sz="3200" b="0" i="1" smtClean="0">
+                            <a:ln w="0"/>
+                            <a:solidFill>
+                              <a:schemeClr val="accent6">
+                                <a:lumMod val="50000"/>
+                              </a:schemeClr>
+                            </a:solidFill>
+                            <a:effectLst/>
+                            <a:latin typeface="Cambria Math" panose="02040503050406030204" pitchFamily="18" charset="0"/>
+                          </a:rPr>
+                          <m:t>𝐶</m:t>
+                        </m:r>
+                      </m:e>
+                      <m:sub>
+                        <m:sSub>
+                          <m:sSubPr>
+                            <m:ctrlPr>
+                              <a:rPr lang="en-US" sz="3200" b="0" i="1" smtClean="0">
+                                <a:ln w="0"/>
+                                <a:solidFill>
+                                  <a:schemeClr val="accent6">
+                                    <a:lumMod val="50000"/>
+                                  </a:schemeClr>
+                                </a:solidFill>
+                                <a:effectLst/>
+                                <a:latin typeface="Cambria Math" panose="02040503050406030204" pitchFamily="18" charset="0"/>
+                              </a:rPr>
+                            </m:ctrlPr>
+                          </m:sSubPr>
+                          <m:e>
+                            <m:r>
+                              <a:rPr lang="en-US" sz="3200" b="0" i="1" smtClean="0">
+                                <a:ln w="0"/>
+                                <a:solidFill>
+                                  <a:schemeClr val="accent6">
+                                    <a:lumMod val="50000"/>
+                                  </a:schemeClr>
+                                </a:solidFill>
+                                <a:effectLst/>
+                                <a:latin typeface="Cambria Math" panose="02040503050406030204" pitchFamily="18" charset="0"/>
+                              </a:rPr>
+                              <m:t>𝐴</m:t>
+                            </m:r>
+                          </m:e>
+                          <m:sub>
+                            <m:r>
+                              <a:rPr lang="en-US" sz="3200" b="0" i="1" smtClean="0">
+                                <a:ln w="0"/>
+                                <a:solidFill>
+                                  <a:schemeClr val="accent6">
+                                    <a:lumMod val="50000"/>
+                                  </a:schemeClr>
+                                </a:solidFill>
+                                <a:effectLst/>
+                                <a:latin typeface="Cambria Math" panose="02040503050406030204" pitchFamily="18" charset="0"/>
+                              </a:rPr>
+                              <m:t>𝑖</m:t>
+                            </m:r>
+                          </m:sub>
+                        </m:sSub>
+                        <m:sSub>
+                          <m:sSubPr>
+                            <m:ctrlPr>
+                              <a:rPr lang="en-US" sz="3200" b="0" i="1" smtClean="0">
+                                <a:ln w="0"/>
+                                <a:solidFill>
+                                  <a:schemeClr val="accent6">
+                                    <a:lumMod val="50000"/>
+                                  </a:schemeClr>
+                                </a:solidFill>
+                                <a:effectLst/>
+                                <a:latin typeface="Cambria Math" panose="02040503050406030204" pitchFamily="18" charset="0"/>
+                              </a:rPr>
+                            </m:ctrlPr>
+                          </m:sSubPr>
+                          <m:e>
+                            <m:r>
+                              <a:rPr lang="en-US" sz="3200" b="0" i="1" smtClean="0">
+                                <a:ln w="0"/>
+                                <a:solidFill>
+                                  <a:schemeClr val="accent6">
+                                    <a:lumMod val="50000"/>
+                                  </a:schemeClr>
+                                </a:solidFill>
+                                <a:effectLst/>
+                                <a:latin typeface="Cambria Math" panose="02040503050406030204" pitchFamily="18" charset="0"/>
+                              </a:rPr>
+                              <m:t>𝐴</m:t>
+                            </m:r>
+                          </m:e>
+                          <m:sub>
+                            <m:r>
+                              <a:rPr lang="en-US" sz="3200" b="0" i="1" smtClean="0">
+                                <a:ln w="0"/>
+                                <a:solidFill>
+                                  <a:schemeClr val="accent6">
+                                    <a:lumMod val="50000"/>
+                                  </a:schemeClr>
+                                </a:solidFill>
+                                <a:effectLst/>
+                                <a:latin typeface="Cambria Math" panose="02040503050406030204" pitchFamily="18" charset="0"/>
+                              </a:rPr>
+                              <m:t>𝐽</m:t>
+                            </m:r>
+                          </m:sub>
+                        </m:sSub>
+                      </m:sub>
+                    </m:sSub>
+                  </m:oMath>
+                </a14:m>
+                <a:r>
+                  <a:rPr lang="en-US" sz="3200">
+                    <a:ln w="0"/>
+                    <a:solidFill>
+                      <a:schemeClr val="accent6">
+                        <a:lumMod val="50000"/>
+                      </a:schemeClr>
+                    </a:solidFill>
+                    <a:effectLst>
+                      <a:outerShdw blurRad="38100" dist="19050" dir="2700000" algn="tl" rotWithShape="0">
+                        <a:schemeClr val="dk1">
+                          <a:alpha val="40000"/>
+                        </a:schemeClr>
+                      </a:outerShdw>
+                    </a:effectLst>
+                  </a:rPr>
+                  <a:t> </a:t>
+                </a:r>
+                <a:r>
+                  <a:rPr lang="en-US" sz="3200">
+                    <a:ln w="0"/>
+                    <a:solidFill>
+                      <a:schemeClr val="accent6">
+                        <a:lumMod val="50000"/>
+                      </a:schemeClr>
+                    </a:solidFill>
+                    <a:latin typeface="Times New Roman" panose="02020603050405020304" pitchFamily="18" charset="0"/>
+                    <a:cs typeface="Times New Roman" panose="02020603050405020304" pitchFamily="18" charset="0"/>
+                  </a:rPr>
+                  <a:t>là các ma trận mối quan hệ được chuẩn hoá theo cột</a:t>
+                </a:r>
+              </a:p>
+            </p:txBody>
+          </p:sp>
+        </mc:Choice>
+        <mc:Fallback>
+          <p:sp>
+            <p:nvSpPr>
+              <p:cNvPr id="5" name="Rectangle 4">
+                <a:extLst>
+                  <a:ext uri="{FF2B5EF4-FFF2-40B4-BE49-F238E27FC236}">
+                    <a16:creationId xmlns:a16="http://schemas.microsoft.com/office/drawing/2014/main" id="{69BECC47-3884-439B-9D66-BC0928D1E9C0}"/>
+                  </a:ext>
+                </a:extLst>
+              </p:cNvPr>
+              <p:cNvSpPr>
+                <a:spLocks noRot="1" noChangeAspect="1" noMove="1" noResize="1" noEditPoints="1" noAdjustHandles="1" noChangeArrowheads="1" noChangeShapeType="1" noTextEdit="1"/>
+              </p:cNvSpPr>
+              <p:nvPr/>
+            </p:nvSpPr>
+            <p:spPr>
+              <a:xfrm>
+                <a:off x="1097281" y="4528897"/>
+                <a:ext cx="10058400" cy="1745991"/>
+              </a:xfrm>
+              <a:prstGeom prst="rect">
+                <a:avLst/>
+              </a:prstGeom>
+              <a:blipFill>
+                <a:blip r:embed="rId3"/>
+                <a:stretch>
+                  <a:fillRect l="-1515" t="-4895" r="-364" b="-5245"/>
+                </a:stretch>
+              </a:blipFill>
+            </p:spPr>
+            <p:txBody>
+              <a:bodyPr/>
+              <a:lstStyle/>
+              <a:p>
+                <a:r>
+                  <a:rPr lang="en-US">
+                    <a:noFill/>
+                  </a:rPr>
+                  <a:t> </a:t>
+                </a:r>
+              </a:p>
+            </p:txBody>
+          </p:sp>
+        </mc:Fallback>
+      </mc:AlternateContent>
+    </p:spTree>
+    <p:extLst>
+      <p:ext uri="{BB962C8B-B14F-4D97-AF65-F5344CB8AC3E}">
+        <p14:creationId xmlns:p14="http://schemas.microsoft.com/office/powerpoint/2010/main" val="4122859414"/>
+      </p:ext>
+    </p:extLst>
+  </p:cSld>
+  <p:clrMapOvr>
+    <a:masterClrMapping/>
+  </p:clrMapOvr>
+</p:sld>
+</file>
+
+<file path=ppt/slides/slide12.xml><?xml version="1.0" encoding="utf-8"?>
+<p:sld xmlns:a="http://schemas.openxmlformats.org/drawingml/2006/main" xmlns:r="http://schemas.openxmlformats.org/officeDocument/2006/relationships" xmlns:p="http://schemas.openxmlformats.org/presentationml/2006/main">
+  <p:cSld>
+    <p:spTree>
+      <p:nvGrpSpPr>
+        <p:cNvPr id="1" name=""/>
+        <p:cNvGrpSpPr/>
+        <p:nvPr/>
+      </p:nvGrpSpPr>
+      <p:grpSpPr>
+        <a:xfrm>
+          <a:off x="0" y="0"/>
+          <a:ext cx="0" cy="0"/>
+          <a:chOff x="0" y="0"/>
+          <a:chExt cx="0" cy="0"/>
+        </a:xfrm>
+      </p:grpSpPr>
+      <p:sp>
+        <p:nvSpPr>
+          <p:cNvPr id="2" name="Title 1">
+            <a:extLst>
+              <a:ext uri="{FF2B5EF4-FFF2-40B4-BE49-F238E27FC236}">
+                <a16:creationId xmlns:a16="http://schemas.microsoft.com/office/drawing/2014/main" id="{D7B00236-7A2B-4968-9658-B5C409EA04FA}"/>
+              </a:ext>
+            </a:extLst>
+          </p:cNvPr>
+          <p:cNvSpPr>
+            <a:spLocks noGrp="1"/>
+          </p:cNvSpPr>
+          <p:nvPr>
+            <p:ph type="title"/>
+          </p:nvPr>
+        </p:nvSpPr>
+        <p:spPr/>
+        <p:txBody>
+          <a:bodyPr/>
+          <a:lstStyle/>
+          <a:p>
+            <a:r>
+              <a:rPr lang="en-US">
+                <a:latin typeface="Times New Roman" panose="02020603050405020304" pitchFamily="18" charset="0"/>
+                <a:cs typeface="Times New Roman" panose="02020603050405020304" pitchFamily="18" charset="0"/>
+              </a:rPr>
+              <a:t>Trích xuất đặc tr</a:t>
+            </a:r>
+            <a:r>
+              <a:rPr lang="vi-VN">
+                <a:latin typeface="Times New Roman" panose="02020603050405020304" pitchFamily="18" charset="0"/>
+                <a:cs typeface="Times New Roman" panose="02020603050405020304" pitchFamily="18" charset="0"/>
+              </a:rPr>
+              <a:t>ư</a:t>
+            </a:r>
+            <a:r>
+              <a:rPr lang="en-US">
+                <a:latin typeface="Times New Roman" panose="02020603050405020304" pitchFamily="18" charset="0"/>
+                <a:cs typeface="Times New Roman" panose="02020603050405020304" pitchFamily="18" charset="0"/>
+              </a:rPr>
+              <a:t>ng</a:t>
+            </a:r>
+          </a:p>
+        </p:txBody>
+      </p:sp>
+      <p:sp>
+        <p:nvSpPr>
+          <p:cNvPr id="3" name="Content Placeholder 2">
+            <a:extLst>
+              <a:ext uri="{FF2B5EF4-FFF2-40B4-BE49-F238E27FC236}">
+                <a16:creationId xmlns:a16="http://schemas.microsoft.com/office/drawing/2014/main" id="{6A9501BA-1B94-4468-92A7-1C8C29E4D9F5}"/>
+              </a:ext>
+            </a:extLst>
+          </p:cNvPr>
+          <p:cNvSpPr>
+            <a:spLocks noGrp="1"/>
+          </p:cNvSpPr>
+          <p:nvPr>
+            <p:ph idx="1"/>
+          </p:nvPr>
+        </p:nvSpPr>
+        <p:spPr/>
+        <p:txBody>
+          <a:bodyPr>
+            <a:normAutofit/>
+          </a:bodyPr>
+          <a:lstStyle/>
+          <a:p>
+            <a:pPr algn="just"/>
+            <a:r>
+              <a:rPr lang="en-US" sz="3200">
+                <a:latin typeface="Times New Roman" panose="02020603050405020304" pitchFamily="18" charset="0"/>
+                <a:cs typeface="Times New Roman" panose="02020603050405020304" pitchFamily="18" charset="0"/>
+              </a:rPr>
+              <a:t>Sau khi có đ</a:t>
+            </a:r>
+            <a:r>
+              <a:rPr lang="vi-VN" sz="3200">
+                <a:latin typeface="Times New Roman" panose="02020603050405020304" pitchFamily="18" charset="0"/>
+                <a:cs typeface="Times New Roman" panose="02020603050405020304" pitchFamily="18" charset="0"/>
+              </a:rPr>
+              <a:t>ư</a:t>
+            </a:r>
+            <a:r>
+              <a:rPr lang="en-US" sz="3200">
+                <a:latin typeface="Times New Roman" panose="02020603050405020304" pitchFamily="18" charset="0"/>
+                <a:cs typeface="Times New Roman" panose="02020603050405020304" pitchFamily="18" charset="0"/>
+              </a:rPr>
+              <a:t>ợc các ma trận độ đo t</a:t>
+            </a:r>
+            <a:r>
+              <a:rPr lang="vi-VN" sz="3200">
+                <a:latin typeface="Times New Roman" panose="02020603050405020304" pitchFamily="18" charset="0"/>
+                <a:cs typeface="Times New Roman" panose="02020603050405020304" pitchFamily="18" charset="0"/>
+              </a:rPr>
+              <a:t>ư</a:t>
+            </a:r>
+            <a:r>
+              <a:rPr lang="en-US" sz="3200">
+                <a:latin typeface="Times New Roman" panose="02020603050405020304" pitchFamily="18" charset="0"/>
+                <a:cs typeface="Times New Roman" panose="02020603050405020304" pitchFamily="18" charset="0"/>
+              </a:rPr>
+              <a:t>ơng đồng, chúng em tiến hành trích xuất vector đặc tr</a:t>
+            </a:r>
+            <a:r>
+              <a:rPr lang="vi-VN" sz="3200">
+                <a:latin typeface="Times New Roman" panose="02020603050405020304" pitchFamily="18" charset="0"/>
+                <a:cs typeface="Times New Roman" panose="02020603050405020304" pitchFamily="18" charset="0"/>
+              </a:rPr>
+              <a:t>ư</a:t>
+            </a:r>
+            <a:r>
+              <a:rPr lang="en-US" sz="3200">
+                <a:latin typeface="Times New Roman" panose="02020603050405020304" pitchFamily="18" charset="0"/>
+                <a:cs typeface="Times New Roman" panose="02020603050405020304" pitchFamily="18" charset="0"/>
+              </a:rPr>
+              <a:t>ng.</a:t>
+            </a:r>
+          </a:p>
+          <a:p>
+            <a:pPr algn="just"/>
+            <a:r>
+              <a:rPr lang="en-US" sz="3200">
+                <a:latin typeface="Times New Roman" panose="02020603050405020304" pitchFamily="18" charset="0"/>
+                <a:cs typeface="Times New Roman" panose="02020603050405020304" pitchFamily="18" charset="0"/>
+              </a:rPr>
+              <a:t>Mỗi ma trận sẽ hình thành 5 đặc tr</a:t>
+            </a:r>
+            <a:r>
+              <a:rPr lang="vi-VN" sz="3200">
+                <a:latin typeface="Times New Roman" panose="02020603050405020304" pitchFamily="18" charset="0"/>
+                <a:cs typeface="Times New Roman" panose="02020603050405020304" pitchFamily="18" charset="0"/>
+              </a:rPr>
+              <a:t>ư</a:t>
+            </a:r>
+            <a:r>
+              <a:rPr lang="en-US" sz="3200">
+                <a:latin typeface="Times New Roman" panose="02020603050405020304" pitchFamily="18" charset="0"/>
+                <a:cs typeface="Times New Roman" panose="02020603050405020304" pitchFamily="18" charset="0"/>
+              </a:rPr>
+              <a:t>ng thể hiện sự t</a:t>
+            </a:r>
+            <a:r>
+              <a:rPr lang="vi-VN" sz="3200">
+                <a:latin typeface="Times New Roman" panose="02020603050405020304" pitchFamily="18" charset="0"/>
+                <a:cs typeface="Times New Roman" panose="02020603050405020304" pitchFamily="18" charset="0"/>
+              </a:rPr>
+              <a:t>ư</a:t>
+            </a:r>
+            <a:r>
+              <a:rPr lang="en-US" sz="3200">
+                <a:latin typeface="Times New Roman" panose="02020603050405020304" pitchFamily="18" charset="0"/>
+                <a:cs typeface="Times New Roman" panose="02020603050405020304" pitchFamily="18" charset="0"/>
+              </a:rPr>
+              <a:t>ơng đồng giữa các ứng dụng với các họ ứng dụng.</a:t>
+            </a:r>
+          </a:p>
+          <a:p>
+            <a:pPr algn="just"/>
+            <a:r>
+              <a:rPr lang="en-US" sz="3200">
+                <a:latin typeface="Times New Roman" panose="02020603050405020304" pitchFamily="18" charset="0"/>
+                <a:cs typeface="Times New Roman" panose="02020603050405020304" pitchFamily="18" charset="0"/>
+              </a:rPr>
+              <a:t>5 đặc tr</a:t>
+            </a:r>
+            <a:r>
+              <a:rPr lang="vi-VN" sz="3200">
+                <a:latin typeface="Times New Roman" panose="02020603050405020304" pitchFamily="18" charset="0"/>
+                <a:cs typeface="Times New Roman" panose="02020603050405020304" pitchFamily="18" charset="0"/>
+              </a:rPr>
+              <a:t>ư</a:t>
+            </a:r>
+            <a:r>
+              <a:rPr lang="en-US" sz="3200">
+                <a:latin typeface="Times New Roman" panose="02020603050405020304" pitchFamily="18" charset="0"/>
+                <a:cs typeface="Times New Roman" panose="02020603050405020304" pitchFamily="18" charset="0"/>
+              </a:rPr>
+              <a:t>ng này bao gồm sự t</a:t>
+            </a:r>
+            <a:r>
+              <a:rPr lang="vi-VN" sz="3200">
+                <a:latin typeface="Times New Roman" panose="02020603050405020304" pitchFamily="18" charset="0"/>
+                <a:cs typeface="Times New Roman" panose="02020603050405020304" pitchFamily="18" charset="0"/>
+              </a:rPr>
+              <a:t>ư</a:t>
+            </a:r>
+            <a:r>
+              <a:rPr lang="en-US" sz="3200">
+                <a:latin typeface="Times New Roman" panose="02020603050405020304" pitchFamily="18" charset="0"/>
+                <a:cs typeface="Times New Roman" panose="02020603050405020304" pitchFamily="18" charset="0"/>
+              </a:rPr>
+              <a:t>ơng đồng giữa ứng dụng đ</a:t>
+            </a:r>
+            <a:r>
+              <a:rPr lang="vi-VN" sz="3200">
+                <a:latin typeface="Times New Roman" panose="02020603050405020304" pitchFamily="18" charset="0"/>
+                <a:cs typeface="Times New Roman" panose="02020603050405020304" pitchFamily="18" charset="0"/>
+              </a:rPr>
+              <a:t>ư</a:t>
+            </a:r>
+            <a:r>
+              <a:rPr lang="en-US" sz="3200">
+                <a:latin typeface="Times New Roman" panose="02020603050405020304" pitchFamily="18" charset="0"/>
+                <a:cs typeface="Times New Roman" panose="02020603050405020304" pitchFamily="18" charset="0"/>
+              </a:rPr>
+              <a:t>ợc xét với từng họ ứng dụng : adware, banking, benign, riskware, smsmalware</a:t>
+            </a:r>
+          </a:p>
+        </p:txBody>
+      </p:sp>
+    </p:spTree>
+    <p:extLst>
+      <p:ext uri="{BB962C8B-B14F-4D97-AF65-F5344CB8AC3E}">
+        <p14:creationId xmlns:p14="http://schemas.microsoft.com/office/powerpoint/2010/main" val="1415437705"/>
+      </p:ext>
+    </p:extLst>
+  </p:cSld>
+  <p:clrMapOvr>
+    <a:masterClrMapping/>
+  </p:clrMapOvr>
+</p:sld>
+</file>
+
+<file path=ppt/slides/slide13.xml><?xml version="1.0" encoding="utf-8"?>
+<p:sld xmlns:a="http://schemas.openxmlformats.org/drawingml/2006/main" xmlns:r="http://schemas.openxmlformats.org/officeDocument/2006/relationships" xmlns:p="http://schemas.openxmlformats.org/presentationml/2006/main">
+  <p:cSld>
+    <p:spTree>
+      <p:nvGrpSpPr>
+        <p:cNvPr id="1" name=""/>
+        <p:cNvGrpSpPr/>
+        <p:nvPr/>
+      </p:nvGrpSpPr>
+      <p:grpSpPr>
+        <a:xfrm>
+          <a:off x="0" y="0"/>
+          <a:ext cx="0" cy="0"/>
+          <a:chOff x="0" y="0"/>
+          <a:chExt cx="0" cy="0"/>
+        </a:xfrm>
+      </p:grpSpPr>
+      <p:sp>
+        <p:nvSpPr>
+          <p:cNvPr id="3" name="Content Placeholder 2">
+            <a:extLst>
+              <a:ext uri="{FF2B5EF4-FFF2-40B4-BE49-F238E27FC236}">
+                <a16:creationId xmlns:a16="http://schemas.microsoft.com/office/drawing/2014/main" id="{6A9501BA-1B94-4468-92A7-1C8C29E4D9F5}"/>
+              </a:ext>
+            </a:extLst>
+          </p:cNvPr>
+          <p:cNvSpPr>
+            <a:spLocks noGrp="1"/>
+          </p:cNvSpPr>
+          <p:nvPr>
+            <p:ph idx="1"/>
+          </p:nvPr>
+        </p:nvSpPr>
+        <p:spPr/>
+        <p:txBody>
+          <a:bodyPr>
+            <a:normAutofit/>
+          </a:bodyPr>
+          <a:lstStyle/>
+          <a:p>
+            <a:pPr algn="just"/>
+            <a:r>
+              <a:rPr lang="en-US" sz="3200">
+                <a:latin typeface="Times New Roman" panose="02020603050405020304" pitchFamily="18" charset="0"/>
+                <a:cs typeface="Times New Roman" panose="02020603050405020304" pitchFamily="18" charset="0"/>
+              </a:rPr>
+              <a:t>Chúng em thực hiện bằng cách cộng tổng theo hàng số l</a:t>
+            </a:r>
+            <a:r>
+              <a:rPr lang="vi-VN" sz="3200">
+                <a:latin typeface="Times New Roman" panose="02020603050405020304" pitchFamily="18" charset="0"/>
+                <a:cs typeface="Times New Roman" panose="02020603050405020304" pitchFamily="18" charset="0"/>
+              </a:rPr>
+              <a:t>ư</a:t>
+            </a:r>
+            <a:r>
+              <a:rPr lang="en-US" sz="3200">
+                <a:latin typeface="Times New Roman" panose="02020603050405020304" pitchFamily="18" charset="0"/>
+                <a:cs typeface="Times New Roman" panose="02020603050405020304" pitchFamily="18" charset="0"/>
+              </a:rPr>
+              <a:t>ợng các ứng dụng trong cùng một họ tạo thành một đặc tr</a:t>
+            </a:r>
+            <a:r>
+              <a:rPr lang="vi-VN" sz="3200">
+                <a:latin typeface="Times New Roman" panose="02020603050405020304" pitchFamily="18" charset="0"/>
+                <a:cs typeface="Times New Roman" panose="02020603050405020304" pitchFamily="18" charset="0"/>
+              </a:rPr>
+              <a:t>ư</a:t>
+            </a:r>
+            <a:r>
+              <a:rPr lang="en-US" sz="3200">
+                <a:latin typeface="Times New Roman" panose="02020603050405020304" pitchFamily="18" charset="0"/>
+                <a:cs typeface="Times New Roman" panose="02020603050405020304" pitchFamily="18" charset="0"/>
+              </a:rPr>
+              <a:t>ng.</a:t>
+            </a:r>
+          </a:p>
+          <a:p>
+            <a:pPr algn="just"/>
+            <a:r>
+              <a:rPr lang="en-US" sz="3200">
+                <a:latin typeface="Times New Roman" panose="02020603050405020304" pitchFamily="18" charset="0"/>
+                <a:cs typeface="Times New Roman" panose="02020603050405020304" pitchFamily="18" charset="0"/>
+              </a:rPr>
+              <a:t>Ví dụ:</a:t>
+            </a:r>
+          </a:p>
+          <a:p>
+            <a:pPr algn="just"/>
+            <a:r>
+              <a:rPr lang="en-US" sz="3200">
+                <a:latin typeface="Times New Roman" panose="02020603050405020304" pitchFamily="18" charset="0"/>
+                <a:cs typeface="Times New Roman" panose="02020603050405020304" pitchFamily="18" charset="0"/>
+              </a:rPr>
+              <a:t>Hàng i của ma trận độ đo t</a:t>
+            </a:r>
+            <a:r>
+              <a:rPr lang="vi-VN" sz="3200">
+                <a:latin typeface="Times New Roman" panose="02020603050405020304" pitchFamily="18" charset="0"/>
+                <a:cs typeface="Times New Roman" panose="02020603050405020304" pitchFamily="18" charset="0"/>
+              </a:rPr>
+              <a:t>ư</a:t>
+            </a:r>
+            <a:r>
+              <a:rPr lang="en-US" sz="3200">
+                <a:latin typeface="Times New Roman" panose="02020603050405020304" pitchFamily="18" charset="0"/>
+                <a:cs typeface="Times New Roman" panose="02020603050405020304" pitchFamily="18" charset="0"/>
+              </a:rPr>
+              <a:t>ơng đồng m, sẽ đ</a:t>
+            </a:r>
+            <a:r>
+              <a:rPr lang="vi-VN" sz="3200">
+                <a:latin typeface="Times New Roman" panose="02020603050405020304" pitchFamily="18" charset="0"/>
+                <a:cs typeface="Times New Roman" panose="02020603050405020304" pitchFamily="18" charset="0"/>
+              </a:rPr>
+              <a:t>ư</a:t>
+            </a:r>
+            <a:r>
+              <a:rPr lang="en-US" sz="3200">
+                <a:latin typeface="Times New Roman" panose="02020603050405020304" pitchFamily="18" charset="0"/>
+                <a:cs typeface="Times New Roman" panose="02020603050405020304" pitchFamily="18" charset="0"/>
+              </a:rPr>
+              <a:t>ợc chia thành tổng của 5 đoạn, mỗi đoạn hình thành lên 1 đặc tr</a:t>
+            </a:r>
+            <a:r>
+              <a:rPr lang="vi-VN" sz="3200">
+                <a:latin typeface="Times New Roman" panose="02020603050405020304" pitchFamily="18" charset="0"/>
+                <a:cs typeface="Times New Roman" panose="02020603050405020304" pitchFamily="18" charset="0"/>
+              </a:rPr>
+              <a:t>ư</a:t>
+            </a:r>
+            <a:r>
+              <a:rPr lang="en-US" sz="3200">
+                <a:latin typeface="Times New Roman" panose="02020603050405020304" pitchFamily="18" charset="0"/>
+                <a:cs typeface="Times New Roman" panose="02020603050405020304" pitchFamily="18" charset="0"/>
+              </a:rPr>
+              <a:t>ng</a:t>
+            </a:r>
+          </a:p>
+        </p:txBody>
+      </p:sp>
+      <p:sp>
+        <p:nvSpPr>
+          <p:cNvPr id="4" name="Title 1">
+            <a:extLst>
+              <a:ext uri="{FF2B5EF4-FFF2-40B4-BE49-F238E27FC236}">
+                <a16:creationId xmlns:a16="http://schemas.microsoft.com/office/drawing/2014/main" id="{36D6CB7F-1B7C-478C-84D2-B6337C8C1DF8}"/>
+              </a:ext>
+            </a:extLst>
+          </p:cNvPr>
+          <p:cNvSpPr>
+            <a:spLocks noGrp="1"/>
+          </p:cNvSpPr>
+          <p:nvPr>
+            <p:ph type="title"/>
+          </p:nvPr>
+        </p:nvSpPr>
+        <p:spPr>
+          <a:xfrm>
+            <a:off x="1097280" y="286603"/>
+            <a:ext cx="10058400" cy="1450757"/>
+          </a:xfrm>
+        </p:spPr>
+        <p:txBody>
+          <a:bodyPr/>
+          <a:lstStyle/>
+          <a:p>
+            <a:r>
+              <a:rPr lang="en-US">
+                <a:latin typeface="Times New Roman" panose="02020603050405020304" pitchFamily="18" charset="0"/>
+                <a:cs typeface="Times New Roman" panose="02020603050405020304" pitchFamily="18" charset="0"/>
+              </a:rPr>
+              <a:t>Trích xuất đặc tr</a:t>
+            </a:r>
+            <a:r>
+              <a:rPr lang="vi-VN">
+                <a:latin typeface="Times New Roman" panose="02020603050405020304" pitchFamily="18" charset="0"/>
+                <a:cs typeface="Times New Roman" panose="02020603050405020304" pitchFamily="18" charset="0"/>
+              </a:rPr>
+              <a:t>ư</a:t>
+            </a:r>
+            <a:r>
+              <a:rPr lang="en-US">
+                <a:latin typeface="Times New Roman" panose="02020603050405020304" pitchFamily="18" charset="0"/>
+                <a:cs typeface="Times New Roman" panose="02020603050405020304" pitchFamily="18" charset="0"/>
+              </a:rPr>
+              <a:t>ng</a:t>
+            </a:r>
+          </a:p>
+        </p:txBody>
+      </p:sp>
+      <p:pic>
+        <p:nvPicPr>
+          <p:cNvPr id="5" name="Picture 4">
+            <a:extLst>
+              <a:ext uri="{FF2B5EF4-FFF2-40B4-BE49-F238E27FC236}">
+                <a16:creationId xmlns:a16="http://schemas.microsoft.com/office/drawing/2014/main" id="{E6789F86-23AF-4F48-87CD-AB1F1B90D6BE}"/>
+              </a:ext>
+            </a:extLst>
+          </p:cNvPr>
+          <p:cNvPicPr>
+            <a:picLocks noChangeAspect="1"/>
+          </p:cNvPicPr>
+          <p:nvPr/>
+        </p:nvPicPr>
+        <p:blipFill>
+          <a:blip r:embed="rId3"/>
+          <a:stretch>
+            <a:fillRect/>
+          </a:stretch>
+        </p:blipFill>
+        <p:spPr>
+          <a:xfrm>
+            <a:off x="1781907" y="4946379"/>
+            <a:ext cx="8689146" cy="1625018"/>
+          </a:xfrm>
+          <a:prstGeom prst="rect">
+            <a:avLst/>
+          </a:prstGeom>
+        </p:spPr>
+      </p:pic>
+    </p:spTree>
+    <p:extLst>
+      <p:ext uri="{BB962C8B-B14F-4D97-AF65-F5344CB8AC3E}">
+        <p14:creationId xmlns:p14="http://schemas.microsoft.com/office/powerpoint/2010/main" val="2352643010"/>
+      </p:ext>
+    </p:extLst>
+  </p:cSld>
+  <p:clrMapOvr>
+    <a:masterClrMapping/>
+  </p:clrMapOvr>
+</p:sld>
+</file>
+
+<file path=ppt/slides/slide14.xml><?xml version="1.0" encoding="utf-8"?>
+<p:sld xmlns:a="http://schemas.openxmlformats.org/drawingml/2006/main" xmlns:r="http://schemas.openxmlformats.org/officeDocument/2006/relationships" xmlns:p="http://schemas.openxmlformats.org/presentationml/2006/main">
+  <p:cSld>
+    <p:spTree>
+      <p:nvGrpSpPr>
+        <p:cNvPr id="1" name=""/>
+        <p:cNvGrpSpPr/>
+        <p:nvPr/>
+      </p:nvGrpSpPr>
+      <p:grpSpPr>
+        <a:xfrm>
+          <a:off x="0" y="0"/>
+          <a:ext cx="0" cy="0"/>
+          <a:chOff x="0" y="0"/>
+          <a:chExt cx="0" cy="0"/>
+        </a:xfrm>
+      </p:grpSpPr>
+      <p:sp>
+        <p:nvSpPr>
+          <p:cNvPr id="2" name="Title 1">
+            <a:extLst>
+              <a:ext uri="{FF2B5EF4-FFF2-40B4-BE49-F238E27FC236}">
+                <a16:creationId xmlns:a16="http://schemas.microsoft.com/office/drawing/2014/main" id="{D7B00236-7A2B-4968-9658-B5C409EA04FA}"/>
+              </a:ext>
+            </a:extLst>
+          </p:cNvPr>
+          <p:cNvSpPr>
+            <a:spLocks noGrp="1"/>
+          </p:cNvSpPr>
+          <p:nvPr>
+            <p:ph type="title"/>
+          </p:nvPr>
+        </p:nvSpPr>
+        <p:spPr/>
+        <p:txBody>
+          <a:bodyPr/>
+          <a:lstStyle/>
+          <a:p>
+            <a:r>
+              <a:rPr lang="en-US">
+                <a:latin typeface="Times New Roman" panose="02020603050405020304" pitchFamily="18" charset="0"/>
+                <a:cs typeface="Times New Roman" panose="02020603050405020304" pitchFamily="18" charset="0"/>
+              </a:rPr>
+              <a:t>Ma trận vector đặc tr</a:t>
+            </a:r>
+            <a:r>
+              <a:rPr lang="vi-VN">
+                <a:latin typeface="Times New Roman" panose="02020603050405020304" pitchFamily="18" charset="0"/>
+                <a:cs typeface="Times New Roman" panose="02020603050405020304" pitchFamily="18" charset="0"/>
+              </a:rPr>
+              <a:t>ư</a:t>
+            </a:r>
+            <a:r>
+              <a:rPr lang="en-US">
+                <a:latin typeface="Times New Roman" panose="02020603050405020304" pitchFamily="18" charset="0"/>
+                <a:cs typeface="Times New Roman" panose="02020603050405020304" pitchFamily="18" charset="0"/>
+              </a:rPr>
+              <a:t>ng</a:t>
+            </a:r>
+          </a:p>
+        </p:txBody>
+      </p:sp>
+      <p:sp>
+        <p:nvSpPr>
+          <p:cNvPr id="3" name="Content Placeholder 2">
+            <a:extLst>
+              <a:ext uri="{FF2B5EF4-FFF2-40B4-BE49-F238E27FC236}">
+                <a16:creationId xmlns:a16="http://schemas.microsoft.com/office/drawing/2014/main" id="{6A9501BA-1B94-4468-92A7-1C8C29E4D9F5}"/>
+              </a:ext>
+            </a:extLst>
+          </p:cNvPr>
+          <p:cNvSpPr>
+            <a:spLocks noGrp="1"/>
+          </p:cNvSpPr>
+          <p:nvPr>
+            <p:ph idx="1"/>
+          </p:nvPr>
+        </p:nvSpPr>
+        <p:spPr/>
+        <p:txBody>
+          <a:bodyPr>
+            <a:normAutofit/>
+          </a:bodyPr>
+          <a:lstStyle/>
+          <a:p>
+            <a:pPr algn="just"/>
+            <a:r>
+              <a:rPr lang="en-US" sz="3200">
+                <a:latin typeface="Times New Roman" panose="02020603050405020304" pitchFamily="18" charset="0"/>
+                <a:cs typeface="Times New Roman" panose="02020603050405020304" pitchFamily="18" charset="0"/>
+              </a:rPr>
+              <a:t>Với mỗi ứng dụng, chúng em thu thập đ</a:t>
+            </a:r>
+            <a:r>
+              <a:rPr lang="vi-VN" sz="3200">
+                <a:latin typeface="Times New Roman" panose="02020603050405020304" pitchFamily="18" charset="0"/>
+                <a:cs typeface="Times New Roman" panose="02020603050405020304" pitchFamily="18" charset="0"/>
+              </a:rPr>
+              <a:t>ư</a:t>
+            </a:r>
+            <a:r>
+              <a:rPr lang="en-US" sz="3200">
+                <a:latin typeface="Times New Roman" panose="02020603050405020304" pitchFamily="18" charset="0"/>
+                <a:cs typeface="Times New Roman" panose="02020603050405020304" pitchFamily="18" charset="0"/>
+              </a:rPr>
+              <a:t>ợc 80 đặc tr</a:t>
+            </a:r>
+            <a:r>
+              <a:rPr lang="vi-VN" sz="3200">
+                <a:latin typeface="Times New Roman" panose="02020603050405020304" pitchFamily="18" charset="0"/>
+                <a:cs typeface="Times New Roman" panose="02020603050405020304" pitchFamily="18" charset="0"/>
+              </a:rPr>
+              <a:t>ư</a:t>
+            </a:r>
+            <a:r>
+              <a:rPr lang="en-US" sz="3200">
+                <a:latin typeface="Times New Roman" panose="02020603050405020304" pitchFamily="18" charset="0"/>
+                <a:cs typeface="Times New Roman" panose="02020603050405020304" pitchFamily="18" charset="0"/>
+              </a:rPr>
+              <a:t>ng, vậy ma trận vector đặc tr</a:t>
+            </a:r>
+            <a:r>
+              <a:rPr lang="vi-VN" sz="3200">
+                <a:latin typeface="Times New Roman" panose="02020603050405020304" pitchFamily="18" charset="0"/>
+                <a:cs typeface="Times New Roman" panose="02020603050405020304" pitchFamily="18" charset="0"/>
+              </a:rPr>
+              <a:t>ư</a:t>
+            </a:r>
+            <a:r>
+              <a:rPr lang="en-US" sz="3200">
+                <a:latin typeface="Times New Roman" panose="02020603050405020304" pitchFamily="18" charset="0"/>
+                <a:cs typeface="Times New Roman" panose="02020603050405020304" pitchFamily="18" charset="0"/>
+              </a:rPr>
+              <a:t>ng của chúng em sẽ có số hàng là tổng số ứng dụng trong tập dữ liệu, số cột là 80.</a:t>
+            </a:r>
+          </a:p>
+          <a:p>
+            <a:pPr algn="just"/>
+            <a:r>
+              <a:rPr lang="en-US" sz="3200">
+                <a:latin typeface="Times New Roman" panose="02020603050405020304" pitchFamily="18" charset="0"/>
+                <a:cs typeface="Times New Roman" panose="02020603050405020304" pitchFamily="18" charset="0"/>
+              </a:rPr>
+              <a:t>Từ đó chúng em có ma trận vector đặc tr</a:t>
+            </a:r>
+            <a:r>
+              <a:rPr lang="vi-VN" sz="3200">
+                <a:latin typeface="Times New Roman" panose="02020603050405020304" pitchFamily="18" charset="0"/>
+                <a:cs typeface="Times New Roman" panose="02020603050405020304" pitchFamily="18" charset="0"/>
+              </a:rPr>
+              <a:t>ư</a:t>
+            </a:r>
+            <a:r>
+              <a:rPr lang="en-US" sz="3200">
+                <a:latin typeface="Times New Roman" panose="02020603050405020304" pitchFamily="18" charset="0"/>
+                <a:cs typeface="Times New Roman" panose="02020603050405020304" pitchFamily="18" charset="0"/>
+              </a:rPr>
+              <a:t>ng và tiến hành đ</a:t>
+            </a:r>
+            <a:r>
+              <a:rPr lang="vi-VN" sz="3200">
+                <a:latin typeface="Times New Roman" panose="02020603050405020304" pitchFamily="18" charset="0"/>
+                <a:cs typeface="Times New Roman" panose="02020603050405020304" pitchFamily="18" charset="0"/>
+              </a:rPr>
+              <a:t>ư</a:t>
+            </a:r>
+            <a:r>
+              <a:rPr lang="en-US" sz="3200">
+                <a:latin typeface="Times New Roman" panose="02020603050405020304" pitchFamily="18" charset="0"/>
+                <a:cs typeface="Times New Roman" panose="02020603050405020304" pitchFamily="18" charset="0"/>
+              </a:rPr>
+              <a:t>a vào mô hình học máy để training</a:t>
+            </a:r>
+          </a:p>
+        </p:txBody>
+      </p:sp>
+    </p:spTree>
+    <p:extLst>
+      <p:ext uri="{BB962C8B-B14F-4D97-AF65-F5344CB8AC3E}">
+        <p14:creationId xmlns:p14="http://schemas.microsoft.com/office/powerpoint/2010/main" val="1116727250"/>
+      </p:ext>
+    </p:extLst>
+  </p:cSld>
+  <p:clrMapOvr>
+    <a:masterClrMapping/>
+  </p:clrMapOvr>
+</p:sld>
+</file>
+
+<file path=ppt/slides/slide15.xml><?xml version="1.0" encoding="utf-8"?>
+<p:sld xmlns:a="http://schemas.openxmlformats.org/drawingml/2006/main" xmlns:r="http://schemas.openxmlformats.org/officeDocument/2006/relationships" xmlns:p="http://schemas.openxmlformats.org/presentationml/2006/main">
+  <p:cSld>
+    <p:spTree>
+      <p:nvGrpSpPr>
+        <p:cNvPr id="1" name=""/>
+        <p:cNvGrpSpPr/>
+        <p:nvPr/>
+      </p:nvGrpSpPr>
+      <p:grpSpPr>
+        <a:xfrm>
+          <a:off x="0" y="0"/>
+          <a:ext cx="0" cy="0"/>
+          <a:chOff x="0" y="0"/>
+          <a:chExt cx="0" cy="0"/>
+        </a:xfrm>
+      </p:grpSpPr>
+      <p:sp>
+        <p:nvSpPr>
+          <p:cNvPr id="2" name="Title 1">
+            <a:extLst>
+              <a:ext uri="{FF2B5EF4-FFF2-40B4-BE49-F238E27FC236}">
+                <a16:creationId xmlns:a16="http://schemas.microsoft.com/office/drawing/2014/main" id="{D7B00236-7A2B-4968-9658-B5C409EA04FA}"/>
+              </a:ext>
+            </a:extLst>
+          </p:cNvPr>
+          <p:cNvSpPr>
+            <a:spLocks noGrp="1"/>
+          </p:cNvSpPr>
+          <p:nvPr>
+            <p:ph type="title"/>
+          </p:nvPr>
+        </p:nvSpPr>
+        <p:spPr/>
+        <p:txBody>
+          <a:bodyPr>
+            <a:normAutofit/>
+          </a:bodyPr>
+          <a:lstStyle/>
+          <a:p>
+            <a:r>
+              <a:rPr lang="en-US">
+                <a:latin typeface="Times New Roman" panose="02020603050405020304" pitchFamily="18" charset="0"/>
+                <a:cs typeface="Times New Roman" panose="02020603050405020304" pitchFamily="18" charset="0"/>
+              </a:rPr>
+              <a:t>Đánh giá mô hình học máy</a:t>
+            </a:r>
+          </a:p>
+        </p:txBody>
+      </p:sp>
+      <p:sp>
+        <p:nvSpPr>
+          <p:cNvPr id="3" name="Content Placeholder 2">
+            <a:extLst>
+              <a:ext uri="{FF2B5EF4-FFF2-40B4-BE49-F238E27FC236}">
+                <a16:creationId xmlns:a16="http://schemas.microsoft.com/office/drawing/2014/main" id="{6A9501BA-1B94-4468-92A7-1C8C29E4D9F5}"/>
+              </a:ext>
+            </a:extLst>
+          </p:cNvPr>
+          <p:cNvSpPr>
+            <a:spLocks noGrp="1"/>
+          </p:cNvSpPr>
+          <p:nvPr>
+            <p:ph idx="1"/>
+          </p:nvPr>
+        </p:nvSpPr>
+        <p:spPr/>
+        <p:txBody>
+          <a:bodyPr>
+            <a:normAutofit/>
+          </a:bodyPr>
+          <a:lstStyle/>
+          <a:p>
+            <a:r>
+              <a:rPr lang="en-US" sz="3200">
+                <a:latin typeface="Times New Roman" panose="02020603050405020304" pitchFamily="18" charset="0"/>
+                <a:cs typeface="Times New Roman" panose="02020603050405020304" pitchFamily="18" charset="0"/>
+              </a:rPr>
+              <a:t>Chúng em đ</a:t>
+            </a:r>
+            <a:r>
+              <a:rPr lang="vi-VN" sz="3200">
+                <a:latin typeface="Times New Roman" panose="02020603050405020304" pitchFamily="18" charset="0"/>
+                <a:cs typeface="Times New Roman" panose="02020603050405020304" pitchFamily="18" charset="0"/>
+              </a:rPr>
+              <a:t>ư</a:t>
+            </a:r>
+            <a:r>
+              <a:rPr lang="en-US" sz="3200">
+                <a:latin typeface="Times New Roman" panose="02020603050405020304" pitchFamily="18" charset="0"/>
+                <a:cs typeface="Times New Roman" panose="02020603050405020304" pitchFamily="18" charset="0"/>
+              </a:rPr>
+              <a:t>a ma trận vector đặc tr</a:t>
+            </a:r>
+            <a:r>
+              <a:rPr lang="vi-VN" sz="3200">
+                <a:latin typeface="Times New Roman" panose="02020603050405020304" pitchFamily="18" charset="0"/>
+                <a:cs typeface="Times New Roman" panose="02020603050405020304" pitchFamily="18" charset="0"/>
+              </a:rPr>
+              <a:t>ư</a:t>
+            </a:r>
+            <a:r>
+              <a:rPr lang="en-US" sz="3200">
+                <a:latin typeface="Times New Roman" panose="02020603050405020304" pitchFamily="18" charset="0"/>
+                <a:cs typeface="Times New Roman" panose="02020603050405020304" pitchFamily="18" charset="0"/>
+              </a:rPr>
+              <a:t>ng vào training theo từng mô hình học máy</a:t>
+            </a:r>
+          </a:p>
+          <a:p>
+            <a:r>
+              <a:rPr lang="en-US" sz="3200">
+                <a:latin typeface="Times New Roman" panose="02020603050405020304" pitchFamily="18" charset="0"/>
+                <a:cs typeface="Times New Roman" panose="02020603050405020304" pitchFamily="18" charset="0"/>
+              </a:rPr>
+              <a:t>Đối với quá trình training – validate, độ chính xác của mô hình lên đến trung bình là 92%.</a:t>
+            </a:r>
+          </a:p>
+          <a:p>
+            <a:r>
+              <a:rPr lang="en-US" sz="3200">
+                <a:latin typeface="Times New Roman" panose="02020603050405020304" pitchFamily="18" charset="0"/>
+                <a:cs typeface="Times New Roman" panose="02020603050405020304" pitchFamily="18" charset="0"/>
+              </a:rPr>
+              <a:t>Tuy nhiên quá trình Testing chỉ đạt đ</a:t>
+            </a:r>
+            <a:r>
+              <a:rPr lang="vi-VN" sz="3200">
+                <a:latin typeface="Times New Roman" panose="02020603050405020304" pitchFamily="18" charset="0"/>
+                <a:cs typeface="Times New Roman" panose="02020603050405020304" pitchFamily="18" charset="0"/>
+              </a:rPr>
+              <a:t>ư</a:t>
+            </a:r>
+            <a:r>
+              <a:rPr lang="en-US" sz="3200">
+                <a:latin typeface="Times New Roman" panose="02020603050405020304" pitchFamily="18" charset="0"/>
+                <a:cs typeface="Times New Roman" panose="02020603050405020304" pitchFamily="18" charset="0"/>
+              </a:rPr>
+              <a:t>ợc độ chính xác r</a:t>
+            </a:r>
+            <a:r>
+              <a:rPr lang="vi-VN" sz="3200">
+                <a:latin typeface="Times New Roman" panose="02020603050405020304" pitchFamily="18" charset="0"/>
+                <a:cs typeface="Times New Roman" panose="02020603050405020304" pitchFamily="18" charset="0"/>
+              </a:rPr>
+              <a:t>ơ</a:t>
+            </a:r>
+            <a:r>
+              <a:rPr lang="en-US" sz="3200">
+                <a:latin typeface="Times New Roman" panose="02020603050405020304" pitchFamily="18" charset="0"/>
+                <a:cs typeface="Times New Roman" panose="02020603050405020304" pitchFamily="18" charset="0"/>
+              </a:rPr>
+              <a:t>i vào khoảng 82%, lý do là quá trình trích  tách vector đặc tr</a:t>
+            </a:r>
+            <a:r>
+              <a:rPr lang="vi-VN" sz="3200">
+                <a:latin typeface="Times New Roman" panose="02020603050405020304" pitchFamily="18" charset="0"/>
+                <a:cs typeface="Times New Roman" panose="02020603050405020304" pitchFamily="18" charset="0"/>
+              </a:rPr>
+              <a:t>ư</a:t>
+            </a:r>
+            <a:r>
+              <a:rPr lang="en-US" sz="3200">
+                <a:latin typeface="Times New Roman" panose="02020603050405020304" pitchFamily="18" charset="0"/>
+                <a:cs typeface="Times New Roman" panose="02020603050405020304" pitchFamily="18" charset="0"/>
+              </a:rPr>
+              <a:t>ng của một ứng dụng bên ngoài sẽ có một chút sai số so với các vector đặc tr</a:t>
+            </a:r>
+            <a:r>
+              <a:rPr lang="vi-VN" sz="3200">
+                <a:latin typeface="Times New Roman" panose="02020603050405020304" pitchFamily="18" charset="0"/>
+                <a:cs typeface="Times New Roman" panose="02020603050405020304" pitchFamily="18" charset="0"/>
+              </a:rPr>
+              <a:t>ư</a:t>
+            </a:r>
+            <a:r>
+              <a:rPr lang="en-US" sz="3200">
+                <a:latin typeface="Times New Roman" panose="02020603050405020304" pitchFamily="18" charset="0"/>
+                <a:cs typeface="Times New Roman" panose="02020603050405020304" pitchFamily="18" charset="0"/>
+              </a:rPr>
+              <a:t>ng đ</a:t>
+            </a:r>
+            <a:r>
+              <a:rPr lang="vi-VN" sz="3200">
+                <a:latin typeface="Times New Roman" panose="02020603050405020304" pitchFamily="18" charset="0"/>
+                <a:cs typeface="Times New Roman" panose="02020603050405020304" pitchFamily="18" charset="0"/>
+              </a:rPr>
+              <a:t>ư</a:t>
+            </a:r>
+            <a:r>
+              <a:rPr lang="en-US" sz="3200">
+                <a:latin typeface="Times New Roman" panose="02020603050405020304" pitchFamily="18" charset="0"/>
+                <a:cs typeface="Times New Roman" panose="02020603050405020304" pitchFamily="18" charset="0"/>
+              </a:rPr>
+              <a:t>ợc sử dụng để xây dựng mô hình</a:t>
+            </a:r>
+          </a:p>
+        </p:txBody>
+      </p:sp>
+    </p:spTree>
+    <p:extLst>
+      <p:ext uri="{BB962C8B-B14F-4D97-AF65-F5344CB8AC3E}">
+        <p14:creationId xmlns:p14="http://schemas.microsoft.com/office/powerpoint/2010/main" val="2431607960"/>
+      </p:ext>
+    </p:extLst>
+  </p:cSld>
+  <p:clrMapOvr>
+    <a:masterClrMapping/>
+  </p:clrMapOvr>
+</p:sld>
+</file>
+
+<file path=ppt/slides/slide16.xml><?xml version="1.0" encoding="utf-8"?>
+<p:sld xmlns:a="http://schemas.openxmlformats.org/drawingml/2006/main" xmlns:r="http://schemas.openxmlformats.org/officeDocument/2006/relationships" xmlns:p="http://schemas.openxmlformats.org/presentationml/2006/main">
+  <p:cSld>
+    <p:spTree>
+      <p:nvGrpSpPr>
+        <p:cNvPr id="1" name=""/>
+        <p:cNvGrpSpPr/>
+        <p:nvPr/>
+      </p:nvGrpSpPr>
+      <p:grpSpPr>
+        <a:xfrm>
+          <a:off x="0" y="0"/>
+          <a:ext cx="0" cy="0"/>
+          <a:chOff x="0" y="0"/>
+          <a:chExt cx="0" cy="0"/>
+        </a:xfrm>
+      </p:grpSpPr>
+      <p:sp>
+        <p:nvSpPr>
+          <p:cNvPr id="2" name="Title 1">
+            <a:extLst>
+              <a:ext uri="{FF2B5EF4-FFF2-40B4-BE49-F238E27FC236}">
+                <a16:creationId xmlns:a16="http://schemas.microsoft.com/office/drawing/2014/main" id="{D7B00236-7A2B-4968-9658-B5C409EA04FA}"/>
+              </a:ext>
+            </a:extLst>
+          </p:cNvPr>
+          <p:cNvSpPr>
+            <a:spLocks noGrp="1"/>
+          </p:cNvSpPr>
+          <p:nvPr>
+            <p:ph type="title"/>
+          </p:nvPr>
+        </p:nvSpPr>
+        <p:spPr/>
+        <p:txBody>
+          <a:bodyPr>
+            <a:normAutofit/>
+          </a:bodyPr>
+          <a:lstStyle/>
+          <a:p>
+            <a:r>
+              <a:rPr lang="en-US">
+                <a:latin typeface="Times New Roman" panose="02020603050405020304" pitchFamily="18" charset="0"/>
+                <a:cs typeface="Times New Roman" panose="02020603050405020304" pitchFamily="18" charset="0"/>
+              </a:rPr>
+              <a:t>Phát triển hệ thống</a:t>
+            </a:r>
+          </a:p>
+        </p:txBody>
+      </p:sp>
+      <p:sp>
+        <p:nvSpPr>
+          <p:cNvPr id="3" name="Content Placeholder 2">
+            <a:extLst>
+              <a:ext uri="{FF2B5EF4-FFF2-40B4-BE49-F238E27FC236}">
+                <a16:creationId xmlns:a16="http://schemas.microsoft.com/office/drawing/2014/main" id="{6A9501BA-1B94-4468-92A7-1C8C29E4D9F5}"/>
+              </a:ext>
+            </a:extLst>
+          </p:cNvPr>
+          <p:cNvSpPr>
+            <a:spLocks noGrp="1"/>
+          </p:cNvSpPr>
+          <p:nvPr>
+            <p:ph idx="1"/>
+          </p:nvPr>
+        </p:nvSpPr>
+        <p:spPr/>
+        <p:txBody>
+          <a:bodyPr>
+            <a:normAutofit/>
+          </a:bodyPr>
+          <a:lstStyle/>
+          <a:p>
+            <a:r>
+              <a:rPr lang="en-US" sz="3200">
+                <a:latin typeface="Times New Roman" panose="02020603050405020304" pitchFamily="18" charset="0"/>
+                <a:cs typeface="Times New Roman" panose="02020603050405020304" pitchFamily="18" charset="0"/>
+              </a:rPr>
+              <a:t>Chúng em lựa chọn mô hình có tham số tốt nhất để làm lõi đoán nhận, bọn em sẽ phát triển lên thành một hệ thống phát hiện ứng dụng độc hại dựa trên lõi này.</a:t>
+            </a:r>
+          </a:p>
+        </p:txBody>
+      </p:sp>
+    </p:spTree>
+    <p:extLst>
+      <p:ext uri="{BB962C8B-B14F-4D97-AF65-F5344CB8AC3E}">
+        <p14:creationId xmlns:p14="http://schemas.microsoft.com/office/powerpoint/2010/main" val="405429594"/>
+      </p:ext>
+    </p:extLst>
+  </p:cSld>
+  <p:clrMapOvr>
+    <a:masterClrMapping/>
+  </p:clrMapOvr>
+</p:sld>
+</file>
+
+<file path=ppt/slides/slide17.xml><?xml version="1.0" encoding="utf-8"?>
+<p:sld xmlns:a="http://schemas.openxmlformats.org/drawingml/2006/main" xmlns:r="http://schemas.openxmlformats.org/officeDocument/2006/relationships" xmlns:p="http://schemas.openxmlformats.org/presentationml/2006/main">
+  <p:cSld>
+    <p:spTree>
+      <p:nvGrpSpPr>
+        <p:cNvPr id="1" name=""/>
+        <p:cNvGrpSpPr/>
+        <p:nvPr/>
+      </p:nvGrpSpPr>
+      <p:grpSpPr>
+        <a:xfrm>
+          <a:off x="0" y="0"/>
+          <a:ext cx="0" cy="0"/>
+          <a:chOff x="0" y="0"/>
+          <a:chExt cx="0" cy="0"/>
+        </a:xfrm>
+      </p:grpSpPr>
+      <p:sp>
+        <p:nvSpPr>
+          <p:cNvPr id="4" name="Title 1">
+            <a:extLst>
+              <a:ext uri="{FF2B5EF4-FFF2-40B4-BE49-F238E27FC236}">
+                <a16:creationId xmlns:a16="http://schemas.microsoft.com/office/drawing/2014/main" id="{732093A5-097F-42C4-9893-6A2150D3F1AC}"/>
+              </a:ext>
+            </a:extLst>
+          </p:cNvPr>
+          <p:cNvSpPr>
+            <a:spLocks noGrp="1"/>
+          </p:cNvSpPr>
+          <p:nvPr>
+            <p:ph type="title"/>
+          </p:nvPr>
+        </p:nvSpPr>
+        <p:spPr>
+          <a:xfrm>
+            <a:off x="1096963" y="287338"/>
+            <a:ext cx="10058400" cy="1449387"/>
+          </a:xfrm>
+        </p:spPr>
+        <p:txBody>
+          <a:bodyPr>
+            <a:normAutofit/>
+          </a:bodyPr>
+          <a:lstStyle/>
+          <a:p>
+            <a:r>
+              <a:rPr lang="en-US">
+                <a:latin typeface="Times New Roman" panose="02020603050405020304" pitchFamily="18" charset="0"/>
+                <a:cs typeface="Times New Roman" panose="02020603050405020304" pitchFamily="18" charset="0"/>
+              </a:rPr>
+              <a:t>Phát triển hệ thống</a:t>
+            </a:r>
+          </a:p>
+        </p:txBody>
+      </p:sp>
+      <p:pic>
+        <p:nvPicPr>
+          <p:cNvPr id="5" name="Picture 4">
+            <a:extLst>
+              <a:ext uri="{FF2B5EF4-FFF2-40B4-BE49-F238E27FC236}">
+                <a16:creationId xmlns:a16="http://schemas.microsoft.com/office/drawing/2014/main" id="{DC6449B7-1863-460E-8F98-D474C7EEACF6}"/>
+              </a:ext>
+            </a:extLst>
+          </p:cNvPr>
+          <p:cNvPicPr/>
+          <p:nvPr/>
+        </p:nvPicPr>
+        <p:blipFill>
+          <a:blip r:embed="rId2"/>
+          <a:stretch>
+            <a:fillRect/>
+          </a:stretch>
+        </p:blipFill>
+        <p:spPr>
+          <a:xfrm>
+            <a:off x="2057574" y="1969074"/>
+            <a:ext cx="8076852" cy="4195752"/>
+          </a:xfrm>
+          <a:prstGeom prst="rect">
+            <a:avLst/>
+          </a:prstGeom>
+        </p:spPr>
+      </p:pic>
+    </p:spTree>
+    <p:extLst>
+      <p:ext uri="{BB962C8B-B14F-4D97-AF65-F5344CB8AC3E}">
+        <p14:creationId xmlns:p14="http://schemas.microsoft.com/office/powerpoint/2010/main" val="310739773"/>
+      </p:ext>
+    </p:extLst>
+  </p:cSld>
+  <p:clrMapOvr>
+    <a:masterClrMapping/>
+  </p:clrMapOvr>
+</p:sld>
+</file>
+
+<file path=ppt/slides/slide18.xml><?xml version="1.0" encoding="utf-8"?>
+<p:sld xmlns:a="http://schemas.openxmlformats.org/drawingml/2006/main" xmlns:r="http://schemas.openxmlformats.org/officeDocument/2006/relationships" xmlns:p="http://schemas.openxmlformats.org/presentationml/2006/main">
+  <p:cSld>
+    <p:spTree>
+      <p:nvGrpSpPr>
+        <p:cNvPr id="1" name=""/>
+        <p:cNvGrpSpPr/>
+        <p:nvPr/>
+      </p:nvGrpSpPr>
+      <p:grpSpPr>
+        <a:xfrm>
+          <a:off x="0" y="0"/>
+          <a:ext cx="0" cy="0"/>
+          <a:chOff x="0" y="0"/>
+          <a:chExt cx="0" cy="0"/>
+        </a:xfrm>
+      </p:grpSpPr>
+      <p:sp>
+        <p:nvSpPr>
+          <p:cNvPr id="3" name="Content Placeholder 2">
+            <a:extLst>
+              <a:ext uri="{FF2B5EF4-FFF2-40B4-BE49-F238E27FC236}">
+                <a16:creationId xmlns:a16="http://schemas.microsoft.com/office/drawing/2014/main" id="{3E09BA25-2760-464A-B131-AD6AB2C8E9AF}"/>
+              </a:ext>
+            </a:extLst>
+          </p:cNvPr>
+          <p:cNvSpPr>
+            <a:spLocks noGrp="1"/>
+          </p:cNvSpPr>
+          <p:nvPr>
+            <p:ph idx="1"/>
+          </p:nvPr>
+        </p:nvSpPr>
+        <p:spPr/>
+        <p:txBody>
+          <a:bodyPr>
+            <a:normAutofit/>
+          </a:bodyPr>
+          <a:lstStyle/>
+          <a:p>
+            <a:pPr algn="just"/>
+            <a:r>
+              <a:rPr lang="en-US" sz="3200">
+                <a:latin typeface="Times New Roman" panose="02020603050405020304" pitchFamily="18" charset="0"/>
+                <a:cs typeface="Times New Roman" panose="02020603050405020304" pitchFamily="18" charset="0"/>
+              </a:rPr>
+              <a:t>Hệ thống server bọn em lựa chọn python flask để xây dựng, còn về phía client bọn em sẽ sử dụng Java để xây dựng lên ứng dụng andorid</a:t>
+            </a:r>
+          </a:p>
+        </p:txBody>
+      </p:sp>
+      <p:sp>
+        <p:nvSpPr>
+          <p:cNvPr id="7" name="Title 1">
+            <a:extLst>
+              <a:ext uri="{FF2B5EF4-FFF2-40B4-BE49-F238E27FC236}">
+                <a16:creationId xmlns:a16="http://schemas.microsoft.com/office/drawing/2014/main" id="{5695D418-618E-41B1-BE89-0830E74F9537}"/>
+              </a:ext>
+            </a:extLst>
+          </p:cNvPr>
+          <p:cNvSpPr>
+            <a:spLocks noGrp="1"/>
+          </p:cNvSpPr>
+          <p:nvPr>
+            <p:ph type="title"/>
+          </p:nvPr>
+        </p:nvSpPr>
+        <p:spPr>
+          <a:xfrm>
+            <a:off x="1096963" y="287338"/>
+            <a:ext cx="10058400" cy="1449387"/>
+          </a:xfrm>
+        </p:spPr>
+        <p:txBody>
+          <a:bodyPr>
+            <a:normAutofit/>
+          </a:bodyPr>
+          <a:lstStyle/>
+          <a:p>
+            <a:r>
+              <a:rPr lang="en-US">
+                <a:latin typeface="Times New Roman" panose="02020603050405020304" pitchFamily="18" charset="0"/>
+                <a:cs typeface="Times New Roman" panose="02020603050405020304" pitchFamily="18" charset="0"/>
+              </a:rPr>
+              <a:t>Phát triển hệ thống</a:t>
+            </a:r>
+          </a:p>
+        </p:txBody>
+      </p:sp>
+    </p:spTree>
+    <p:extLst>
+      <p:ext uri="{BB962C8B-B14F-4D97-AF65-F5344CB8AC3E}">
+        <p14:creationId xmlns:p14="http://schemas.microsoft.com/office/powerpoint/2010/main" val="503382325"/>
+      </p:ext>
+    </p:extLst>
+  </p:cSld>
+  <p:clrMapOvr>
+    <a:masterClrMapping/>
+  </p:clrMapOvr>
+</p:sld>
+</file>
+
+<file path=ppt/slides/slide19.xml><?xml version="1.0" encoding="utf-8"?>
+<p:sld xmlns:a="http://schemas.openxmlformats.org/drawingml/2006/main" xmlns:r="http://schemas.openxmlformats.org/officeDocument/2006/relationships" xmlns:p="http://schemas.openxmlformats.org/presentationml/2006/main">
+  <p:cSld>
+    <p:spTree>
+      <p:nvGrpSpPr>
+        <p:cNvPr id="1" name=""/>
+        <p:cNvGrpSpPr/>
+        <p:nvPr/>
+      </p:nvGrpSpPr>
+      <p:grpSpPr>
+        <a:xfrm>
+          <a:off x="0" y="0"/>
+          <a:ext cx="0" cy="0"/>
+          <a:chOff x="0" y="0"/>
+          <a:chExt cx="0" cy="0"/>
+        </a:xfrm>
+      </p:grpSpPr>
+      <p:sp>
+        <p:nvSpPr>
+          <p:cNvPr id="4" name="Title 1">
+            <a:extLst>
+              <a:ext uri="{FF2B5EF4-FFF2-40B4-BE49-F238E27FC236}">
+                <a16:creationId xmlns:a16="http://schemas.microsoft.com/office/drawing/2014/main" id="{3965C551-21EB-41B3-B0BF-3679E31C5675}"/>
+              </a:ext>
+            </a:extLst>
+          </p:cNvPr>
+          <p:cNvSpPr>
+            <a:spLocks noGrp="1"/>
+          </p:cNvSpPr>
+          <p:nvPr>
+            <p:ph type="title"/>
+          </p:nvPr>
+        </p:nvSpPr>
+        <p:spPr>
+          <a:xfrm>
+            <a:off x="1096963" y="287338"/>
+            <a:ext cx="10058400" cy="1449387"/>
+          </a:xfrm>
+        </p:spPr>
+        <p:txBody>
+          <a:bodyPr>
+            <a:normAutofit/>
+          </a:bodyPr>
+          <a:lstStyle/>
+          <a:p>
+            <a:r>
+              <a:rPr lang="en-US">
+                <a:latin typeface="Times New Roman" panose="02020603050405020304" pitchFamily="18" charset="0"/>
+                <a:cs typeface="Times New Roman" panose="02020603050405020304" pitchFamily="18" charset="0"/>
+              </a:rPr>
+              <a:t>Phát triển hệ thống</a:t>
+            </a:r>
+          </a:p>
+        </p:txBody>
+      </p:sp>
+      <p:pic>
+        <p:nvPicPr>
+          <p:cNvPr id="8" name="Content Placeholder 7">
+            <a:extLst>
+              <a:ext uri="{FF2B5EF4-FFF2-40B4-BE49-F238E27FC236}">
+                <a16:creationId xmlns:a16="http://schemas.microsoft.com/office/drawing/2014/main" id="{C23EB850-9EE6-4DA3-BF8D-542C343D2C92}"/>
+              </a:ext>
+            </a:extLst>
+          </p:cNvPr>
+          <p:cNvPicPr>
+            <a:picLocks noGrp="1"/>
+          </p:cNvPicPr>
+          <p:nvPr>
+            <p:ph idx="1"/>
+          </p:nvPr>
+        </p:nvPicPr>
+        <p:blipFill>
+          <a:blip r:embed="rId2"/>
+          <a:stretch>
+            <a:fillRect/>
+          </a:stretch>
+        </p:blipFill>
+        <p:spPr>
+          <a:xfrm>
+            <a:off x="1096963" y="1924922"/>
+            <a:ext cx="2432790" cy="4022725"/>
+          </a:xfrm>
+          <a:prstGeom prst="rect">
+            <a:avLst/>
+          </a:prstGeom>
+        </p:spPr>
+      </p:pic>
+      <p:pic>
+        <p:nvPicPr>
+          <p:cNvPr id="9" name="Picture 8">
+            <a:extLst>
+              <a:ext uri="{FF2B5EF4-FFF2-40B4-BE49-F238E27FC236}">
+                <a16:creationId xmlns:a16="http://schemas.microsoft.com/office/drawing/2014/main" id="{7B17BBD9-BACE-4A82-B4DB-9FFF9247F802}"/>
+              </a:ext>
+            </a:extLst>
+          </p:cNvPr>
+          <p:cNvPicPr/>
+          <p:nvPr/>
+        </p:nvPicPr>
+        <p:blipFill>
+          <a:blip r:embed="rId3"/>
+          <a:stretch>
+            <a:fillRect/>
+          </a:stretch>
+        </p:blipFill>
+        <p:spPr>
+          <a:xfrm>
+            <a:off x="3783608" y="1924922"/>
+            <a:ext cx="2206349" cy="4022724"/>
+          </a:xfrm>
+          <a:prstGeom prst="rect">
+            <a:avLst/>
+          </a:prstGeom>
+        </p:spPr>
+      </p:pic>
+      <p:pic>
+        <p:nvPicPr>
+          <p:cNvPr id="10" name="Picture 9">
+            <a:extLst>
+              <a:ext uri="{FF2B5EF4-FFF2-40B4-BE49-F238E27FC236}">
+                <a16:creationId xmlns:a16="http://schemas.microsoft.com/office/drawing/2014/main" id="{A236E978-2D6E-4A07-869D-7648BE8C9047}"/>
+              </a:ext>
+            </a:extLst>
+          </p:cNvPr>
+          <p:cNvPicPr/>
+          <p:nvPr/>
+        </p:nvPicPr>
+        <p:blipFill>
+          <a:blip r:embed="rId4"/>
+          <a:stretch>
+            <a:fillRect/>
+          </a:stretch>
+        </p:blipFill>
+        <p:spPr>
+          <a:xfrm>
+            <a:off x="6243812" y="1924922"/>
+            <a:ext cx="2292700" cy="4022724"/>
+          </a:xfrm>
+          <a:prstGeom prst="rect">
+            <a:avLst/>
+          </a:prstGeom>
+        </p:spPr>
+      </p:pic>
+      <p:pic>
+        <p:nvPicPr>
+          <p:cNvPr id="11" name="Picture 10">
+            <a:extLst>
+              <a:ext uri="{FF2B5EF4-FFF2-40B4-BE49-F238E27FC236}">
+                <a16:creationId xmlns:a16="http://schemas.microsoft.com/office/drawing/2014/main" id="{E5378B0A-64E7-43DC-A632-61D930D3B315}"/>
+              </a:ext>
+            </a:extLst>
+          </p:cNvPr>
+          <p:cNvPicPr/>
+          <p:nvPr/>
+        </p:nvPicPr>
+        <p:blipFill>
+          <a:blip r:embed="rId5"/>
+          <a:stretch>
+            <a:fillRect/>
+          </a:stretch>
+        </p:blipFill>
+        <p:spPr>
+          <a:xfrm>
+            <a:off x="8790366" y="1924922"/>
+            <a:ext cx="2440183" cy="4022724"/>
+          </a:xfrm>
+          <a:prstGeom prst="rect">
+            <a:avLst/>
+          </a:prstGeom>
+        </p:spPr>
+      </p:pic>
+    </p:spTree>
+    <p:extLst>
+      <p:ext uri="{BB962C8B-B14F-4D97-AF65-F5344CB8AC3E}">
+        <p14:creationId xmlns:p14="http://schemas.microsoft.com/office/powerpoint/2010/main" val="2943164799"/>
       </p:ext>
     </p:extLst>
   </p:cSld>
@@ -4935,12 +7981,195 @@
               <a:t>Lý thuyết về phần mềm độc hại</a:t>
             </a:r>
           </a:p>
+          <a:p>
+            <a:pPr marL="514350" indent="-514350">
+              <a:buFont typeface="+mj-lt"/>
+              <a:buAutoNum type="arabicPeriod"/>
+            </a:pPr>
+            <a:r>
+              <a:rPr lang="en-US" sz="3200">
+                <a:solidFill>
+                  <a:schemeClr val="tx1"/>
+                </a:solidFill>
+                <a:latin typeface="Times New Roman" panose="02020603050405020304" pitchFamily="18" charset="0"/>
+                <a:cs typeface="Times New Roman" panose="02020603050405020304" pitchFamily="18" charset="0"/>
+              </a:rPr>
+              <a:t>Lý thuyết mạng thông tin không đồng nhất</a:t>
+            </a:r>
+          </a:p>
+          <a:p>
+            <a:pPr marL="514350" indent="-514350">
+              <a:buFont typeface="+mj-lt"/>
+              <a:buAutoNum type="arabicPeriod"/>
+            </a:pPr>
+            <a:r>
+              <a:rPr lang="en-US" sz="3200">
+                <a:solidFill>
+                  <a:schemeClr val="tx1"/>
+                </a:solidFill>
+                <a:latin typeface="Times New Roman" panose="02020603050405020304" pitchFamily="18" charset="0"/>
+                <a:cs typeface="Times New Roman" panose="02020603050405020304" pitchFamily="18" charset="0"/>
+              </a:rPr>
+              <a:t>Xây dựng hệ thống ứng dụng</a:t>
+            </a:r>
+          </a:p>
         </p:txBody>
       </p:sp>
     </p:spTree>
     <p:extLst>
       <p:ext uri="{BB962C8B-B14F-4D97-AF65-F5344CB8AC3E}">
         <p14:creationId xmlns:p14="http://schemas.microsoft.com/office/powerpoint/2010/main" val="42166755"/>
+      </p:ext>
+    </p:extLst>
+  </p:cSld>
+  <p:clrMapOvr>
+    <a:masterClrMapping/>
+  </p:clrMapOvr>
+</p:sld>
+</file>
+
+<file path=ppt/slides/slide20.xml><?xml version="1.0" encoding="utf-8"?>
+<p:sld xmlns:a="http://schemas.openxmlformats.org/drawingml/2006/main" xmlns:r="http://schemas.openxmlformats.org/officeDocument/2006/relationships" xmlns:p="http://schemas.openxmlformats.org/presentationml/2006/main">
+  <p:cSld>
+    <p:spTree>
+      <p:nvGrpSpPr>
+        <p:cNvPr id="1" name=""/>
+        <p:cNvGrpSpPr/>
+        <p:nvPr/>
+      </p:nvGrpSpPr>
+      <p:grpSpPr>
+        <a:xfrm>
+          <a:off x="0" y="0"/>
+          <a:ext cx="0" cy="0"/>
+          <a:chOff x="0" y="0"/>
+          <a:chExt cx="0" cy="0"/>
+        </a:xfrm>
+      </p:grpSpPr>
+      <p:sp>
+        <p:nvSpPr>
+          <p:cNvPr id="2" name="Title 1">
+            <a:extLst>
+              <a:ext uri="{FF2B5EF4-FFF2-40B4-BE49-F238E27FC236}">
+                <a16:creationId xmlns:a16="http://schemas.microsoft.com/office/drawing/2014/main" id="{50F96440-993C-4151-B8D8-6E2FE1A8D491}"/>
+              </a:ext>
+            </a:extLst>
+          </p:cNvPr>
+          <p:cNvSpPr>
+            <a:spLocks noGrp="1"/>
+          </p:cNvSpPr>
+          <p:nvPr>
+            <p:ph type="title"/>
+          </p:nvPr>
+        </p:nvSpPr>
+        <p:spPr/>
+        <p:txBody>
+          <a:bodyPr/>
+          <a:lstStyle/>
+          <a:p>
+            <a:r>
+              <a:rPr lang="en-US">
+                <a:latin typeface="Times New Roman" panose="02020603050405020304" pitchFamily="18" charset="0"/>
+                <a:cs typeface="Times New Roman" panose="02020603050405020304" pitchFamily="18" charset="0"/>
+              </a:rPr>
+              <a:t>Tham Khảo</a:t>
+            </a:r>
+          </a:p>
+        </p:txBody>
+      </p:sp>
+      <p:sp>
+        <p:nvSpPr>
+          <p:cNvPr id="3" name="Content Placeholder 2">
+            <a:extLst>
+              <a:ext uri="{FF2B5EF4-FFF2-40B4-BE49-F238E27FC236}">
+                <a16:creationId xmlns:a16="http://schemas.microsoft.com/office/drawing/2014/main" id="{E3793689-FCCA-4D20-88BC-F845891AE5E4}"/>
+              </a:ext>
+            </a:extLst>
+          </p:cNvPr>
+          <p:cNvSpPr>
+            <a:spLocks noGrp="1"/>
+          </p:cNvSpPr>
+          <p:nvPr>
+            <p:ph idx="1"/>
+          </p:nvPr>
+        </p:nvSpPr>
+        <p:spPr/>
+        <p:txBody>
+          <a:bodyPr>
+            <a:normAutofit/>
+          </a:bodyPr>
+          <a:lstStyle/>
+          <a:p>
+            <a:pPr algn="just"/>
+            <a:r>
+              <a:rPr lang="en-US" sz="2500">
+                <a:solidFill>
+                  <a:schemeClr val="accent6">
+                    <a:lumMod val="50000"/>
+                  </a:schemeClr>
+                </a:solidFill>
+                <a:latin typeface="Times New Roman" panose="02020603050405020304" pitchFamily="18" charset="0"/>
+                <a:cs typeface="Times New Roman" panose="02020603050405020304" pitchFamily="18" charset="0"/>
+              </a:rPr>
+              <a:t>[1]. Jaemin Jung, Hyunjin Kim, Dongjin Shin, Myeonggeon Lee, Hyunjae Lee, Seong-je Cho, Kyoungwon Suh.  </a:t>
+            </a:r>
+            <a:r>
+              <a:rPr lang="en-US" sz="2500" i="1">
+                <a:solidFill>
+                  <a:schemeClr val="accent6">
+                    <a:lumMod val="50000"/>
+                  </a:schemeClr>
+                </a:solidFill>
+                <a:latin typeface="Times New Roman" panose="02020603050405020304" pitchFamily="18" charset="0"/>
+                <a:cs typeface="Times New Roman" panose="02020603050405020304" pitchFamily="18" charset="0"/>
+              </a:rPr>
+              <a:t>“Android Malware Detection base on Usefull API Calls and Machine Learning”, 2018</a:t>
+            </a:r>
+          </a:p>
+          <a:p>
+            <a:pPr algn="just"/>
+            <a:r>
+              <a:rPr lang="en-US" sz="2500">
+                <a:solidFill>
+                  <a:schemeClr val="accent6">
+                    <a:lumMod val="50000"/>
+                  </a:schemeClr>
+                </a:solidFill>
+                <a:latin typeface="Times New Roman" panose="02020603050405020304" pitchFamily="18" charset="0"/>
+                <a:cs typeface="Times New Roman" panose="02020603050405020304" pitchFamily="18" charset="0"/>
+              </a:rPr>
+              <a:t>[2]. Thanh Van Thai, Van Phac Nguyen, Quoc Quan Truong, Van Hung Le, </a:t>
+            </a:r>
+            <a:r>
+              <a:rPr lang="en-US" sz="2500" i="1">
+                <a:solidFill>
+                  <a:schemeClr val="accent6">
+                    <a:lumMod val="50000"/>
+                  </a:schemeClr>
+                </a:solidFill>
+                <a:latin typeface="Times New Roman" panose="02020603050405020304" pitchFamily="18" charset="0"/>
+                <a:cs typeface="Times New Roman" panose="02020603050405020304" pitchFamily="18" charset="0"/>
+              </a:rPr>
+              <a:t>“A freature representation method base on Henterogeneous information network for android malware detection”</a:t>
+            </a:r>
+            <a:r>
+              <a:rPr lang="en-US" sz="2500">
+                <a:solidFill>
+                  <a:schemeClr val="accent6">
+                    <a:lumMod val="50000"/>
+                  </a:schemeClr>
+                </a:solidFill>
+                <a:latin typeface="Times New Roman" panose="02020603050405020304" pitchFamily="18" charset="0"/>
+                <a:cs typeface="Times New Roman" panose="02020603050405020304" pitchFamily="18" charset="0"/>
+              </a:rPr>
+              <a:t>.2020</a:t>
+            </a:r>
+          </a:p>
+        </p:txBody>
+      </p:sp>
+    </p:spTree>
+    <p:extLst>
+      <p:ext uri="{BB962C8B-B14F-4D97-AF65-F5344CB8AC3E}">
+        <p14:creationId xmlns:p14="http://schemas.microsoft.com/office/powerpoint/2010/main" val="531442911"/>
       </p:ext>
     </p:extLst>
   </p:cSld>
@@ -5445,7 +8674,7 @@
           <p:cNvPr id="2" name="Title 1">
             <a:extLst>
               <a:ext uri="{FF2B5EF4-FFF2-40B4-BE49-F238E27FC236}">
-                <a16:creationId xmlns:a16="http://schemas.microsoft.com/office/drawing/2014/main" id="{94B9D919-108B-4057-8929-F3C687364086}"/>
+                <a16:creationId xmlns:a16="http://schemas.microsoft.com/office/drawing/2014/main" id="{D7B00236-7A2B-4968-9658-B5C409EA04FA}"/>
               </a:ext>
             </a:extLst>
           </p:cNvPr>
@@ -5456,7 +8685,12 @@
             <p:ph type="title"/>
           </p:nvPr>
         </p:nvSpPr>
-        <p:spPr/>
+        <p:spPr>
+          <a:xfrm>
+            <a:off x="1097280" y="286603"/>
+            <a:ext cx="10701430" cy="1450757"/>
+          </a:xfrm>
+        </p:spPr>
         <p:txBody>
           <a:bodyPr/>
           <a:lstStyle/>
@@ -5466,7 +8700,7 @@
                 <a:latin typeface="Times New Roman" panose="02020603050405020304" pitchFamily="18" charset="0"/>
                 <a:cs typeface="Times New Roman" panose="02020603050405020304" pitchFamily="18" charset="0"/>
               </a:rPr>
-              <a:t>Adware</a:t>
+              <a:t>Lý thuyết mạng thông tin không đồng nhất</a:t>
             </a:r>
           </a:p>
         </p:txBody>
@@ -5476,7 +8710,7 @@
           <p:cNvPr id="3" name="Content Placeholder 2">
             <a:extLst>
               <a:ext uri="{FF2B5EF4-FFF2-40B4-BE49-F238E27FC236}">
-                <a16:creationId xmlns:a16="http://schemas.microsoft.com/office/drawing/2014/main" id="{B893C182-5704-42AF-A6F1-91F626E73C83}"/>
+                <a16:creationId xmlns:a16="http://schemas.microsoft.com/office/drawing/2014/main" id="{6A9501BA-1B94-4468-92A7-1C8C29E4D9F5}"/>
               </a:ext>
             </a:extLst>
           </p:cNvPr>
@@ -5500,7 +8734,7 @@
                 <a:latin typeface="Times New Roman" panose="02020603050405020304" pitchFamily="18" charset="0"/>
                 <a:cs typeface="Times New Roman" panose="02020603050405020304" pitchFamily="18" charset="0"/>
               </a:rPr>
-              <a:t>Adware đ</a:t>
+              <a:t>Mạng thông tin không đồng nhất là một mạng thông tin, trong đó có nhiều loại đối t</a:t>
             </a:r>
             <a:r>
               <a:rPr lang="vi-VN" sz="3200">
@@ -5514,7 +8748,7 @@
                 <a:latin typeface="Times New Roman" panose="02020603050405020304" pitchFamily="18" charset="0"/>
                 <a:cs typeface="Times New Roman" panose="02020603050405020304" pitchFamily="18" charset="0"/>
               </a:rPr>
-              <a:t>ợc hiểu là phần mềm hỗ trợ quản cáo, phần mềm độc hại này th</a:t>
+              <a:t>ợng đ</a:t>
             </a:r>
             <a:r>
               <a:rPr lang="vi-VN" sz="3200">
@@ -5528,7 +8762,7 @@
                 <a:latin typeface="Times New Roman" panose="02020603050405020304" pitchFamily="18" charset="0"/>
                 <a:cs typeface="Times New Roman" panose="02020603050405020304" pitchFamily="18" charset="0"/>
               </a:rPr>
-              <a:t>ờng can thiệp vào thiết bị và hiển thị các thông báo quản cáo không mong muốn lên trên thiết bị của nạn nhân.</a:t>
+              <a:t>ợc liên kết theo nhiều cách khác nhau tạo thành một mạng.</a:t>
             </a:r>
           </a:p>
           <a:p>
@@ -5538,29 +8772,43 @@
                 <a:latin typeface="Times New Roman" panose="02020603050405020304" pitchFamily="18" charset="0"/>
                 <a:cs typeface="Times New Roman" panose="02020603050405020304" pitchFamily="18" charset="0"/>
               </a:rPr>
-              <a:t>Nó gây nên trải nghiệm khó chịu cho ng</a:t>
-            </a:r>
-            <a:r>
-              <a:rPr lang="vi-VN" sz="3200">
-                <a:latin typeface="Times New Roman" panose="02020603050405020304" pitchFamily="18" charset="0"/>
-                <a:cs typeface="Times New Roman" panose="02020603050405020304" pitchFamily="18" charset="0"/>
-              </a:rPr>
-              <a:t>ư</a:t>
-            </a:r>
-            <a:r>
-              <a:rPr lang="en-US" sz="3200">
-                <a:latin typeface="Times New Roman" panose="02020603050405020304" pitchFamily="18" charset="0"/>
-                <a:cs typeface="Times New Roman" panose="02020603050405020304" pitchFamily="18" charset="0"/>
-              </a:rPr>
-              <a:t>ời dùng và cũng gián tiếp tạo thêm những lỗ hổng cho các ứng dụng độc hại khác.</a:t>
-            </a:r>
-          </a:p>
-        </p:txBody>
-      </p:sp>
+              <a:t>Ví dụ: </a:t>
+            </a:r>
+          </a:p>
+        </p:txBody>
+      </p:sp>
+      <p:pic>
+        <p:nvPicPr>
+          <p:cNvPr id="4" name="Picture 3">
+            <a:extLst>
+              <a:ext uri="{FF2B5EF4-FFF2-40B4-BE49-F238E27FC236}">
+                <a16:creationId xmlns:a16="http://schemas.microsoft.com/office/drawing/2014/main" id="{73D6F945-9397-4D9A-8A6C-D04B07520E1E}"/>
+              </a:ext>
+            </a:extLst>
+          </p:cNvPr>
+          <p:cNvPicPr/>
+          <p:nvPr/>
+        </p:nvPicPr>
+        <p:blipFill>
+          <a:blip r:embed="rId2"/>
+          <a:stretch>
+            <a:fillRect/>
+          </a:stretch>
+        </p:blipFill>
+        <p:spPr>
+          <a:xfrm>
+            <a:off x="3720873" y="3429000"/>
+            <a:ext cx="5403461" cy="2440094"/>
+          </a:xfrm>
+          <a:prstGeom prst="rect">
+            <a:avLst/>
+          </a:prstGeom>
+        </p:spPr>
+      </p:pic>
     </p:spTree>
     <p:extLst>
       <p:ext uri="{BB962C8B-B14F-4D97-AF65-F5344CB8AC3E}">
-        <p14:creationId xmlns:p14="http://schemas.microsoft.com/office/powerpoint/2010/main" val="3216020394"/>
+        <p14:creationId xmlns:p14="http://schemas.microsoft.com/office/powerpoint/2010/main" val="1158739444"/>
       </p:ext>
     </p:extLst>
   </p:cSld>
@@ -5613,7 +8861,7 @@
                 <a:latin typeface="Times New Roman" panose="02020603050405020304" pitchFamily="18" charset="0"/>
                 <a:cs typeface="Times New Roman" panose="02020603050405020304" pitchFamily="18" charset="0"/>
               </a:rPr>
-              <a:t>Banking</a:t>
+              <a:t>Mạng thông tin không đồng nhất</a:t>
             </a:r>
           </a:p>
         </p:txBody>
@@ -5634,80 +8882,1078 @@
             <p:ph idx="1"/>
           </p:nvPr>
         </p:nvSpPr>
-        <p:spPr/>
+        <p:spPr>
+          <a:xfrm>
+            <a:off x="1097280" y="1845734"/>
+            <a:ext cx="10058400" cy="4023360"/>
+          </a:xfrm>
+        </p:spPr>
         <p:txBody>
           <a:bodyPr>
             <a:normAutofit/>
           </a:bodyPr>
           <a:lstStyle/>
           <a:p>
-            <a:pPr algn="just"/>
             <a:r>
               <a:rPr lang="en-US" sz="3200">
                 <a:latin typeface="Times New Roman" panose="02020603050405020304" pitchFamily="18" charset="0"/>
                 <a:cs typeface="Times New Roman" panose="02020603050405020304" pitchFamily="18" charset="0"/>
               </a:rPr>
-              <a:t>Banking là một họ ứng dụng độc hại đ</a:t>
-            </a:r>
-            <a:r>
-              <a:rPr lang="vi-VN" sz="3200">
-                <a:latin typeface="Times New Roman" panose="02020603050405020304" pitchFamily="18" charset="0"/>
-                <a:cs typeface="Times New Roman" panose="02020603050405020304" pitchFamily="18" charset="0"/>
-              </a:rPr>
-              <a:t>ư</a:t>
-            </a:r>
-            <a:r>
-              <a:rPr lang="en-US" sz="3200">
-                <a:latin typeface="Times New Roman" panose="02020603050405020304" pitchFamily="18" charset="0"/>
-                <a:cs typeface="Times New Roman" panose="02020603050405020304" pitchFamily="18" charset="0"/>
-              </a:rPr>
-              <a:t>ợc sinh ra với mục đích là đánh cắp thông tin tài khoản ngân hàng ng</a:t>
-            </a:r>
-            <a:r>
-              <a:rPr lang="vi-VN" sz="3200">
-                <a:latin typeface="Times New Roman" panose="02020603050405020304" pitchFamily="18" charset="0"/>
-                <a:cs typeface="Times New Roman" panose="02020603050405020304" pitchFamily="18" charset="0"/>
-              </a:rPr>
-              <a:t>ư</a:t>
-            </a:r>
-            <a:r>
-              <a:rPr lang="en-US" sz="3200">
-                <a:latin typeface="Times New Roman" panose="02020603050405020304" pitchFamily="18" charset="0"/>
-                <a:cs typeface="Times New Roman" panose="02020603050405020304" pitchFamily="18" charset="0"/>
-              </a:rPr>
-              <a:t>ời dùng.</a:t>
-            </a:r>
-          </a:p>
-          <a:p>
-            <a:pPr algn="just"/>
-            <a:r>
-              <a:rPr lang="en-US" sz="3200">
-                <a:latin typeface="Times New Roman" panose="02020603050405020304" pitchFamily="18" charset="0"/>
-                <a:cs typeface="Times New Roman" panose="02020603050405020304" pitchFamily="18" charset="0"/>
-              </a:rPr>
-              <a:t>Với thời đại dịch chuyển sang công nghệ số, rất nhiều ng</a:t>
-            </a:r>
-            <a:r>
-              <a:rPr lang="vi-VN" sz="3200">
-                <a:latin typeface="Times New Roman" panose="02020603050405020304" pitchFamily="18" charset="0"/>
-                <a:cs typeface="Times New Roman" panose="02020603050405020304" pitchFamily="18" charset="0"/>
-              </a:rPr>
-              <a:t>ư</a:t>
-            </a:r>
-            <a:r>
-              <a:rPr lang="en-US" sz="3200">
-                <a:latin typeface="Times New Roman" panose="02020603050405020304" pitchFamily="18" charset="0"/>
-                <a:cs typeface="Times New Roman" panose="02020603050405020304" pitchFamily="18" charset="0"/>
-              </a:rPr>
-              <a:t>ời dùng sử dụng cách thanh toán bằng chuyển khoản thay vì dùng tiền mặt thì các ứng dụng độc hại banking xuất hiện ngày càng nhiều.</a:t>
-            </a:r>
-          </a:p>
-        </p:txBody>
-      </p:sp>
+              <a:t>Mạng thông tin không đồng nhất trong hệ thống phát hiện phần mềm độc hại.</a:t>
+            </a:r>
+          </a:p>
+        </p:txBody>
+      </p:sp>
+      <p:sp>
+        <p:nvSpPr>
+          <p:cNvPr id="6" name="Rectangle 5">
+            <a:extLst>
+              <a:ext uri="{FF2B5EF4-FFF2-40B4-BE49-F238E27FC236}">
+                <a16:creationId xmlns:a16="http://schemas.microsoft.com/office/drawing/2014/main" id="{B9C50B3C-FA20-4EF5-B7B9-5685BEFEAA3B}"/>
+              </a:ext>
+            </a:extLst>
+          </p:cNvPr>
+          <p:cNvSpPr/>
+          <p:nvPr/>
+        </p:nvSpPr>
+        <p:spPr>
+          <a:xfrm>
+            <a:off x="5359073" y="3209385"/>
+            <a:ext cx="1012722" cy="560439"/>
+          </a:xfrm>
+          <a:prstGeom prst="rect">
+            <a:avLst/>
+          </a:prstGeom>
+        </p:spPr>
+        <p:style>
+          <a:lnRef idx="2">
+            <a:schemeClr val="accent1">
+              <a:shade val="50000"/>
+            </a:schemeClr>
+          </a:lnRef>
+          <a:fillRef idx="1">
+            <a:schemeClr val="accent1"/>
+          </a:fillRef>
+          <a:effectRef idx="0">
+            <a:schemeClr val="accent1"/>
+          </a:effectRef>
+          <a:fontRef idx="minor">
+            <a:schemeClr val="lt1"/>
+          </a:fontRef>
+        </p:style>
+        <p:txBody>
+          <a:bodyPr rtlCol="0" anchor="ctr"/>
+          <a:lstStyle/>
+          <a:p>
+            <a:pPr algn="ctr"/>
+            <a:r>
+              <a:rPr lang="en-US">
+                <a:latin typeface="Times New Roman" panose="02020603050405020304" pitchFamily="18" charset="0"/>
+                <a:cs typeface="Times New Roman" panose="02020603050405020304" pitchFamily="18" charset="0"/>
+              </a:rPr>
+              <a:t>APP</a:t>
+            </a:r>
+          </a:p>
+        </p:txBody>
+      </p:sp>
+      <p:sp>
+        <p:nvSpPr>
+          <p:cNvPr id="7" name="Rectangle 6">
+            <a:extLst>
+              <a:ext uri="{FF2B5EF4-FFF2-40B4-BE49-F238E27FC236}">
+                <a16:creationId xmlns:a16="http://schemas.microsoft.com/office/drawing/2014/main" id="{0199FD24-E9CA-4E02-8B56-132D4F96A8F7}"/>
+              </a:ext>
+            </a:extLst>
+          </p:cNvPr>
+          <p:cNvSpPr/>
+          <p:nvPr/>
+        </p:nvSpPr>
+        <p:spPr>
+          <a:xfrm>
+            <a:off x="5359073" y="4243042"/>
+            <a:ext cx="1012722" cy="560439"/>
+          </a:xfrm>
+          <a:prstGeom prst="rect">
+            <a:avLst/>
+          </a:prstGeom>
+        </p:spPr>
+        <p:style>
+          <a:lnRef idx="2">
+            <a:schemeClr val="accent1">
+              <a:shade val="50000"/>
+            </a:schemeClr>
+          </a:lnRef>
+          <a:fillRef idx="1">
+            <a:schemeClr val="accent1"/>
+          </a:fillRef>
+          <a:effectRef idx="0">
+            <a:schemeClr val="accent1"/>
+          </a:effectRef>
+          <a:fontRef idx="minor">
+            <a:schemeClr val="lt1"/>
+          </a:fontRef>
+        </p:style>
+        <p:txBody>
+          <a:bodyPr rtlCol="0" anchor="ctr"/>
+          <a:lstStyle/>
+          <a:p>
+            <a:pPr algn="ctr"/>
+            <a:r>
+              <a:rPr lang="en-US">
+                <a:latin typeface="Times New Roman" panose="02020603050405020304" pitchFamily="18" charset="0"/>
+                <a:cs typeface="Times New Roman" panose="02020603050405020304" pitchFamily="18" charset="0"/>
+              </a:rPr>
+              <a:t>APP</a:t>
+            </a:r>
+          </a:p>
+        </p:txBody>
+      </p:sp>
+      <p:sp>
+        <p:nvSpPr>
+          <p:cNvPr id="8" name="Rectangle 7">
+            <a:extLst>
+              <a:ext uri="{FF2B5EF4-FFF2-40B4-BE49-F238E27FC236}">
+                <a16:creationId xmlns:a16="http://schemas.microsoft.com/office/drawing/2014/main" id="{D804FAB8-ABA7-48BC-9A76-7F62080D9904}"/>
+              </a:ext>
+            </a:extLst>
+          </p:cNvPr>
+          <p:cNvSpPr/>
+          <p:nvPr/>
+        </p:nvSpPr>
+        <p:spPr>
+          <a:xfrm>
+            <a:off x="5359073" y="5276700"/>
+            <a:ext cx="1012722" cy="560439"/>
+          </a:xfrm>
+          <a:prstGeom prst="rect">
+            <a:avLst/>
+          </a:prstGeom>
+        </p:spPr>
+        <p:style>
+          <a:lnRef idx="2">
+            <a:schemeClr val="accent1">
+              <a:shade val="50000"/>
+            </a:schemeClr>
+          </a:lnRef>
+          <a:fillRef idx="1">
+            <a:schemeClr val="accent1"/>
+          </a:fillRef>
+          <a:effectRef idx="0">
+            <a:schemeClr val="accent1"/>
+          </a:effectRef>
+          <a:fontRef idx="minor">
+            <a:schemeClr val="lt1"/>
+          </a:fontRef>
+        </p:style>
+        <p:txBody>
+          <a:bodyPr rtlCol="0" anchor="ctr"/>
+          <a:lstStyle/>
+          <a:p>
+            <a:pPr algn="ctr"/>
+            <a:r>
+              <a:rPr lang="en-US">
+                <a:latin typeface="Times New Roman" panose="02020603050405020304" pitchFamily="18" charset="0"/>
+                <a:cs typeface="Times New Roman" panose="02020603050405020304" pitchFamily="18" charset="0"/>
+              </a:rPr>
+              <a:t>APP</a:t>
+            </a:r>
+          </a:p>
+        </p:txBody>
+      </p:sp>
+      <p:sp>
+        <p:nvSpPr>
+          <p:cNvPr id="9" name="Oval 8">
+            <a:extLst>
+              <a:ext uri="{FF2B5EF4-FFF2-40B4-BE49-F238E27FC236}">
+                <a16:creationId xmlns:a16="http://schemas.microsoft.com/office/drawing/2014/main" id="{27CD68A3-0CEA-4457-87A0-BA97E125DDC7}"/>
+              </a:ext>
+            </a:extLst>
+          </p:cNvPr>
+          <p:cNvSpPr/>
+          <p:nvPr/>
+        </p:nvSpPr>
+        <p:spPr>
+          <a:xfrm>
+            <a:off x="1857806" y="3125539"/>
+            <a:ext cx="1160207" cy="708769"/>
+          </a:xfrm>
+          <a:prstGeom prst="ellipse">
+            <a:avLst/>
+          </a:prstGeom>
+        </p:spPr>
+        <p:style>
+          <a:lnRef idx="2">
+            <a:schemeClr val="accent1">
+              <a:shade val="50000"/>
+            </a:schemeClr>
+          </a:lnRef>
+          <a:fillRef idx="1">
+            <a:schemeClr val="accent1"/>
+          </a:fillRef>
+          <a:effectRef idx="0">
+            <a:schemeClr val="accent1"/>
+          </a:effectRef>
+          <a:fontRef idx="minor">
+            <a:schemeClr val="lt1"/>
+          </a:fontRef>
+        </p:style>
+        <p:txBody>
+          <a:bodyPr rtlCol="0" anchor="ctr"/>
+          <a:lstStyle/>
+          <a:p>
+            <a:pPr algn="ctr"/>
+            <a:r>
+              <a:rPr lang="en-US">
+                <a:latin typeface="Times New Roman" panose="02020603050405020304" pitchFamily="18" charset="0"/>
+                <a:cs typeface="Times New Roman" panose="02020603050405020304" pitchFamily="18" charset="0"/>
+              </a:rPr>
+              <a:t>API</a:t>
+            </a:r>
+          </a:p>
+        </p:txBody>
+      </p:sp>
+      <p:sp>
+        <p:nvSpPr>
+          <p:cNvPr id="10" name="Oval 9">
+            <a:extLst>
+              <a:ext uri="{FF2B5EF4-FFF2-40B4-BE49-F238E27FC236}">
+                <a16:creationId xmlns:a16="http://schemas.microsoft.com/office/drawing/2014/main" id="{6A39537E-AA8F-4DBE-B248-36DB07EA820D}"/>
+              </a:ext>
+            </a:extLst>
+          </p:cNvPr>
+          <p:cNvSpPr/>
+          <p:nvPr/>
+        </p:nvSpPr>
+        <p:spPr>
+          <a:xfrm>
+            <a:off x="1735393" y="5028393"/>
+            <a:ext cx="1160207" cy="708769"/>
+          </a:xfrm>
+          <a:prstGeom prst="ellipse">
+            <a:avLst/>
+          </a:prstGeom>
+        </p:spPr>
+        <p:style>
+          <a:lnRef idx="2">
+            <a:schemeClr val="accent1">
+              <a:shade val="50000"/>
+            </a:schemeClr>
+          </a:lnRef>
+          <a:fillRef idx="1">
+            <a:schemeClr val="accent1"/>
+          </a:fillRef>
+          <a:effectRef idx="0">
+            <a:schemeClr val="accent1"/>
+          </a:effectRef>
+          <a:fontRef idx="minor">
+            <a:schemeClr val="lt1"/>
+          </a:fontRef>
+        </p:style>
+        <p:txBody>
+          <a:bodyPr rtlCol="0" anchor="ctr"/>
+          <a:lstStyle/>
+          <a:p>
+            <a:pPr algn="ctr"/>
+            <a:r>
+              <a:rPr lang="en-US">
+                <a:latin typeface="Times New Roman" panose="02020603050405020304" pitchFamily="18" charset="0"/>
+                <a:cs typeface="Times New Roman" panose="02020603050405020304" pitchFamily="18" charset="0"/>
+              </a:rPr>
+              <a:t>API</a:t>
+            </a:r>
+          </a:p>
+        </p:txBody>
+      </p:sp>
+      <p:sp>
+        <p:nvSpPr>
+          <p:cNvPr id="11" name="Oval 10">
+            <a:extLst>
+              <a:ext uri="{FF2B5EF4-FFF2-40B4-BE49-F238E27FC236}">
+                <a16:creationId xmlns:a16="http://schemas.microsoft.com/office/drawing/2014/main" id="{925D5355-3E9E-4CBE-A68F-E9B4FA02FB7D}"/>
+              </a:ext>
+            </a:extLst>
+          </p:cNvPr>
+          <p:cNvSpPr/>
+          <p:nvPr/>
+        </p:nvSpPr>
+        <p:spPr>
+          <a:xfrm>
+            <a:off x="7758141" y="2707941"/>
+            <a:ext cx="1160207" cy="708769"/>
+          </a:xfrm>
+          <a:prstGeom prst="ellipse">
+            <a:avLst/>
+          </a:prstGeom>
+        </p:spPr>
+        <p:style>
+          <a:lnRef idx="2">
+            <a:schemeClr val="accent1">
+              <a:shade val="50000"/>
+            </a:schemeClr>
+          </a:lnRef>
+          <a:fillRef idx="1">
+            <a:schemeClr val="accent1"/>
+          </a:fillRef>
+          <a:effectRef idx="0">
+            <a:schemeClr val="accent1"/>
+          </a:effectRef>
+          <a:fontRef idx="minor">
+            <a:schemeClr val="lt1"/>
+          </a:fontRef>
+        </p:style>
+        <p:txBody>
+          <a:bodyPr rtlCol="0" anchor="ctr"/>
+          <a:lstStyle/>
+          <a:p>
+            <a:pPr algn="ctr"/>
+            <a:r>
+              <a:rPr lang="en-US">
+                <a:latin typeface="Times New Roman" panose="02020603050405020304" pitchFamily="18" charset="0"/>
+                <a:cs typeface="Times New Roman" panose="02020603050405020304" pitchFamily="18" charset="0"/>
+              </a:rPr>
+              <a:t>API</a:t>
+            </a:r>
+          </a:p>
+        </p:txBody>
+      </p:sp>
+      <p:sp>
+        <p:nvSpPr>
+          <p:cNvPr id="12" name="Oval 11">
+            <a:extLst>
+              <a:ext uri="{FF2B5EF4-FFF2-40B4-BE49-F238E27FC236}">
+                <a16:creationId xmlns:a16="http://schemas.microsoft.com/office/drawing/2014/main" id="{358BC3A4-CA6B-45C5-B888-A6DD8E69ABF0}"/>
+              </a:ext>
+            </a:extLst>
+          </p:cNvPr>
+          <p:cNvSpPr/>
+          <p:nvPr/>
+        </p:nvSpPr>
+        <p:spPr>
+          <a:xfrm>
+            <a:off x="9114502" y="4061144"/>
+            <a:ext cx="1160207" cy="708769"/>
+          </a:xfrm>
+          <a:prstGeom prst="ellipse">
+            <a:avLst/>
+          </a:prstGeom>
+        </p:spPr>
+        <p:style>
+          <a:lnRef idx="2">
+            <a:schemeClr val="accent1">
+              <a:shade val="50000"/>
+            </a:schemeClr>
+          </a:lnRef>
+          <a:fillRef idx="1">
+            <a:schemeClr val="accent1"/>
+          </a:fillRef>
+          <a:effectRef idx="0">
+            <a:schemeClr val="accent1"/>
+          </a:effectRef>
+          <a:fontRef idx="minor">
+            <a:schemeClr val="lt1"/>
+          </a:fontRef>
+        </p:style>
+        <p:txBody>
+          <a:bodyPr rtlCol="0" anchor="ctr"/>
+          <a:lstStyle/>
+          <a:p>
+            <a:pPr algn="ctr"/>
+            <a:r>
+              <a:rPr lang="en-US">
+                <a:latin typeface="Times New Roman" panose="02020603050405020304" pitchFamily="18" charset="0"/>
+                <a:cs typeface="Times New Roman" panose="02020603050405020304" pitchFamily="18" charset="0"/>
+              </a:rPr>
+              <a:t>API</a:t>
+            </a:r>
+          </a:p>
+        </p:txBody>
+      </p:sp>
+      <p:sp>
+        <p:nvSpPr>
+          <p:cNvPr id="13" name="Oval 12">
+            <a:extLst>
+              <a:ext uri="{FF2B5EF4-FFF2-40B4-BE49-F238E27FC236}">
+                <a16:creationId xmlns:a16="http://schemas.microsoft.com/office/drawing/2014/main" id="{54ECFAC4-EC59-4C13-AE01-C29A3A3EF27A}"/>
+              </a:ext>
+            </a:extLst>
+          </p:cNvPr>
+          <p:cNvSpPr/>
+          <p:nvPr/>
+        </p:nvSpPr>
+        <p:spPr>
+          <a:xfrm>
+            <a:off x="7675061" y="5434702"/>
+            <a:ext cx="1160207" cy="708769"/>
+          </a:xfrm>
+          <a:prstGeom prst="ellipse">
+            <a:avLst/>
+          </a:prstGeom>
+        </p:spPr>
+        <p:style>
+          <a:lnRef idx="2">
+            <a:schemeClr val="accent1">
+              <a:shade val="50000"/>
+            </a:schemeClr>
+          </a:lnRef>
+          <a:fillRef idx="1">
+            <a:schemeClr val="accent1"/>
+          </a:fillRef>
+          <a:effectRef idx="0">
+            <a:schemeClr val="accent1"/>
+          </a:effectRef>
+          <a:fontRef idx="minor">
+            <a:schemeClr val="lt1"/>
+          </a:fontRef>
+        </p:style>
+        <p:txBody>
+          <a:bodyPr rtlCol="0" anchor="ctr"/>
+          <a:lstStyle/>
+          <a:p>
+            <a:pPr algn="ctr"/>
+            <a:r>
+              <a:rPr lang="en-US">
+                <a:latin typeface="Times New Roman" panose="02020603050405020304" pitchFamily="18" charset="0"/>
+                <a:cs typeface="Times New Roman" panose="02020603050405020304" pitchFamily="18" charset="0"/>
+              </a:rPr>
+              <a:t>API</a:t>
+            </a:r>
+          </a:p>
+        </p:txBody>
+      </p:sp>
+      <p:cxnSp>
+        <p:nvCxnSpPr>
+          <p:cNvPr id="15" name="Straight Arrow Connector 14">
+            <a:extLst>
+              <a:ext uri="{FF2B5EF4-FFF2-40B4-BE49-F238E27FC236}">
+                <a16:creationId xmlns:a16="http://schemas.microsoft.com/office/drawing/2014/main" id="{8A271471-75F8-4152-8B5B-D4504CF68D51}"/>
+              </a:ext>
+            </a:extLst>
+          </p:cNvPr>
+          <p:cNvCxnSpPr>
+            <a:stCxn id="6" idx="3"/>
+            <a:endCxn id="11" idx="2"/>
+          </p:cNvCxnSpPr>
+          <p:nvPr/>
+        </p:nvCxnSpPr>
+        <p:spPr>
+          <a:xfrm flipV="1">
+            <a:off x="6371795" y="3062326"/>
+            <a:ext cx="1386346" cy="427279"/>
+          </a:xfrm>
+          <a:prstGeom prst="straightConnector1">
+            <a:avLst/>
+          </a:prstGeom>
+          <a:ln w="19050">
+            <a:solidFill>
+              <a:srgbClr val="00B0F0"/>
+            </a:solidFill>
+            <a:tailEnd type="triangle"/>
+          </a:ln>
+        </p:spPr>
+        <p:style>
+          <a:lnRef idx="1">
+            <a:schemeClr val="accent1"/>
+          </a:lnRef>
+          <a:fillRef idx="0">
+            <a:schemeClr val="accent1"/>
+          </a:fillRef>
+          <a:effectRef idx="0">
+            <a:schemeClr val="accent1"/>
+          </a:effectRef>
+          <a:fontRef idx="minor">
+            <a:schemeClr val="tx1"/>
+          </a:fontRef>
+        </p:style>
+      </p:cxnSp>
+      <p:cxnSp>
+        <p:nvCxnSpPr>
+          <p:cNvPr id="17" name="Straight Arrow Connector 16">
+            <a:extLst>
+              <a:ext uri="{FF2B5EF4-FFF2-40B4-BE49-F238E27FC236}">
+                <a16:creationId xmlns:a16="http://schemas.microsoft.com/office/drawing/2014/main" id="{545DB947-E9E6-4A5C-84B1-EE8AF90A0C67}"/>
+              </a:ext>
+            </a:extLst>
+          </p:cNvPr>
+          <p:cNvCxnSpPr>
+            <a:stCxn id="6" idx="1"/>
+            <a:endCxn id="9" idx="6"/>
+          </p:cNvCxnSpPr>
+          <p:nvPr/>
+        </p:nvCxnSpPr>
+        <p:spPr>
+          <a:xfrm flipH="1" flipV="1">
+            <a:off x="3018013" y="3479924"/>
+            <a:ext cx="2341060" cy="9681"/>
+          </a:xfrm>
+          <a:prstGeom prst="straightConnector1">
+            <a:avLst/>
+          </a:prstGeom>
+          <a:ln w="19050">
+            <a:solidFill>
+              <a:srgbClr val="00B0F0"/>
+            </a:solidFill>
+            <a:tailEnd type="triangle"/>
+          </a:ln>
+        </p:spPr>
+        <p:style>
+          <a:lnRef idx="1">
+            <a:schemeClr val="accent1"/>
+          </a:lnRef>
+          <a:fillRef idx="0">
+            <a:schemeClr val="accent1"/>
+          </a:fillRef>
+          <a:effectRef idx="0">
+            <a:schemeClr val="accent1"/>
+          </a:effectRef>
+          <a:fontRef idx="minor">
+            <a:schemeClr val="tx1"/>
+          </a:fontRef>
+        </p:style>
+      </p:cxnSp>
+      <p:cxnSp>
+        <p:nvCxnSpPr>
+          <p:cNvPr id="19" name="Straight Arrow Connector 18">
+            <a:extLst>
+              <a:ext uri="{FF2B5EF4-FFF2-40B4-BE49-F238E27FC236}">
+                <a16:creationId xmlns:a16="http://schemas.microsoft.com/office/drawing/2014/main" id="{CD5A4F13-DF2A-4EAA-B39A-0CFA06EDFF5B}"/>
+              </a:ext>
+            </a:extLst>
+          </p:cNvPr>
+          <p:cNvCxnSpPr>
+            <a:stCxn id="6" idx="1"/>
+            <a:endCxn id="10" idx="6"/>
+          </p:cNvCxnSpPr>
+          <p:nvPr/>
+        </p:nvCxnSpPr>
+        <p:spPr>
+          <a:xfrm flipH="1">
+            <a:off x="2895600" y="3489605"/>
+            <a:ext cx="2463473" cy="1893173"/>
+          </a:xfrm>
+          <a:prstGeom prst="straightConnector1">
+            <a:avLst/>
+          </a:prstGeom>
+          <a:ln w="19050">
+            <a:solidFill>
+              <a:srgbClr val="00B0F0"/>
+            </a:solidFill>
+            <a:tailEnd type="triangle"/>
+          </a:ln>
+        </p:spPr>
+        <p:style>
+          <a:lnRef idx="1">
+            <a:schemeClr val="accent1"/>
+          </a:lnRef>
+          <a:fillRef idx="0">
+            <a:schemeClr val="accent1"/>
+          </a:fillRef>
+          <a:effectRef idx="0">
+            <a:schemeClr val="accent1"/>
+          </a:effectRef>
+          <a:fontRef idx="minor">
+            <a:schemeClr val="tx1"/>
+          </a:fontRef>
+        </p:style>
+      </p:cxnSp>
+      <p:cxnSp>
+        <p:nvCxnSpPr>
+          <p:cNvPr id="21" name="Straight Arrow Connector 20">
+            <a:extLst>
+              <a:ext uri="{FF2B5EF4-FFF2-40B4-BE49-F238E27FC236}">
+                <a16:creationId xmlns:a16="http://schemas.microsoft.com/office/drawing/2014/main" id="{C753A209-5011-4E8F-B333-44D230376D8B}"/>
+              </a:ext>
+            </a:extLst>
+          </p:cNvPr>
+          <p:cNvCxnSpPr>
+            <a:cxnSpLocks/>
+            <a:stCxn id="7" idx="1"/>
+            <a:endCxn id="9" idx="5"/>
+          </p:cNvCxnSpPr>
+          <p:nvPr/>
+        </p:nvCxnSpPr>
+        <p:spPr>
+          <a:xfrm flipH="1" flipV="1">
+            <a:off x="2848105" y="3730511"/>
+            <a:ext cx="2510968" cy="792751"/>
+          </a:xfrm>
+          <a:prstGeom prst="straightConnector1">
+            <a:avLst/>
+          </a:prstGeom>
+          <a:ln w="19050">
+            <a:solidFill>
+              <a:srgbClr val="00B0F0"/>
+            </a:solidFill>
+            <a:tailEnd type="triangle"/>
+          </a:ln>
+        </p:spPr>
+        <p:style>
+          <a:lnRef idx="1">
+            <a:schemeClr val="accent1"/>
+          </a:lnRef>
+          <a:fillRef idx="0">
+            <a:schemeClr val="accent1"/>
+          </a:fillRef>
+          <a:effectRef idx="0">
+            <a:schemeClr val="accent1"/>
+          </a:effectRef>
+          <a:fontRef idx="minor">
+            <a:schemeClr val="tx1"/>
+          </a:fontRef>
+        </p:style>
+      </p:cxnSp>
+      <p:cxnSp>
+        <p:nvCxnSpPr>
+          <p:cNvPr id="24" name="Straight Arrow Connector 23">
+            <a:extLst>
+              <a:ext uri="{FF2B5EF4-FFF2-40B4-BE49-F238E27FC236}">
+                <a16:creationId xmlns:a16="http://schemas.microsoft.com/office/drawing/2014/main" id="{453BD22E-6BE7-4C27-9416-8E0AE8C26A7E}"/>
+              </a:ext>
+            </a:extLst>
+          </p:cNvPr>
+          <p:cNvCxnSpPr>
+            <a:stCxn id="7" idx="3"/>
+            <a:endCxn id="13" idx="2"/>
+          </p:cNvCxnSpPr>
+          <p:nvPr/>
+        </p:nvCxnSpPr>
+        <p:spPr>
+          <a:xfrm>
+            <a:off x="6371795" y="4523262"/>
+            <a:ext cx="1303266" cy="1265825"/>
+          </a:xfrm>
+          <a:prstGeom prst="straightConnector1">
+            <a:avLst/>
+          </a:prstGeom>
+          <a:ln w="19050">
+            <a:solidFill>
+              <a:srgbClr val="00B0F0"/>
+            </a:solidFill>
+            <a:tailEnd type="triangle"/>
+          </a:ln>
+        </p:spPr>
+        <p:style>
+          <a:lnRef idx="1">
+            <a:schemeClr val="accent1"/>
+          </a:lnRef>
+          <a:fillRef idx="0">
+            <a:schemeClr val="accent1"/>
+          </a:fillRef>
+          <a:effectRef idx="0">
+            <a:schemeClr val="accent1"/>
+          </a:effectRef>
+          <a:fontRef idx="minor">
+            <a:schemeClr val="tx1"/>
+          </a:fontRef>
+        </p:style>
+      </p:cxnSp>
+      <p:cxnSp>
+        <p:nvCxnSpPr>
+          <p:cNvPr id="26" name="Straight Arrow Connector 25">
+            <a:extLst>
+              <a:ext uri="{FF2B5EF4-FFF2-40B4-BE49-F238E27FC236}">
+                <a16:creationId xmlns:a16="http://schemas.microsoft.com/office/drawing/2014/main" id="{74DCD8CA-D46D-40AD-95D1-A51076E9BF3D}"/>
+              </a:ext>
+            </a:extLst>
+          </p:cNvPr>
+          <p:cNvCxnSpPr>
+            <a:stCxn id="7" idx="3"/>
+            <a:endCxn id="12" idx="2"/>
+          </p:cNvCxnSpPr>
+          <p:nvPr/>
+        </p:nvCxnSpPr>
+        <p:spPr>
+          <a:xfrm flipV="1">
+            <a:off x="6371795" y="4415529"/>
+            <a:ext cx="2742707" cy="107733"/>
+          </a:xfrm>
+          <a:prstGeom prst="straightConnector1">
+            <a:avLst/>
+          </a:prstGeom>
+          <a:ln w="19050">
+            <a:solidFill>
+              <a:srgbClr val="00B0F0"/>
+            </a:solidFill>
+            <a:tailEnd type="triangle"/>
+          </a:ln>
+        </p:spPr>
+        <p:style>
+          <a:lnRef idx="1">
+            <a:schemeClr val="accent1"/>
+          </a:lnRef>
+          <a:fillRef idx="0">
+            <a:schemeClr val="accent1"/>
+          </a:fillRef>
+          <a:effectRef idx="0">
+            <a:schemeClr val="accent1"/>
+          </a:effectRef>
+          <a:fontRef idx="minor">
+            <a:schemeClr val="tx1"/>
+          </a:fontRef>
+        </p:style>
+      </p:cxnSp>
+      <p:cxnSp>
+        <p:nvCxnSpPr>
+          <p:cNvPr id="28" name="Straight Arrow Connector 27">
+            <a:extLst>
+              <a:ext uri="{FF2B5EF4-FFF2-40B4-BE49-F238E27FC236}">
+                <a16:creationId xmlns:a16="http://schemas.microsoft.com/office/drawing/2014/main" id="{5AA50FD3-65EC-4A3F-87D1-03903FBE54D7}"/>
+              </a:ext>
+            </a:extLst>
+          </p:cNvPr>
+          <p:cNvCxnSpPr>
+            <a:stCxn id="8" idx="3"/>
+            <a:endCxn id="11" idx="3"/>
+          </p:cNvCxnSpPr>
+          <p:nvPr/>
+        </p:nvCxnSpPr>
+        <p:spPr>
+          <a:xfrm flipV="1">
+            <a:off x="6371795" y="3312913"/>
+            <a:ext cx="1556254" cy="2244007"/>
+          </a:xfrm>
+          <a:prstGeom prst="straightConnector1">
+            <a:avLst/>
+          </a:prstGeom>
+          <a:ln w="19050">
+            <a:solidFill>
+              <a:srgbClr val="00B0F0"/>
+            </a:solidFill>
+            <a:tailEnd type="triangle"/>
+          </a:ln>
+        </p:spPr>
+        <p:style>
+          <a:lnRef idx="1">
+            <a:schemeClr val="accent1"/>
+          </a:lnRef>
+          <a:fillRef idx="0">
+            <a:schemeClr val="accent1"/>
+          </a:fillRef>
+          <a:effectRef idx="0">
+            <a:schemeClr val="accent1"/>
+          </a:effectRef>
+          <a:fontRef idx="minor">
+            <a:schemeClr val="tx1"/>
+          </a:fontRef>
+        </p:style>
+      </p:cxnSp>
+      <p:cxnSp>
+        <p:nvCxnSpPr>
+          <p:cNvPr id="30" name="Straight Arrow Connector 29">
+            <a:extLst>
+              <a:ext uri="{FF2B5EF4-FFF2-40B4-BE49-F238E27FC236}">
+                <a16:creationId xmlns:a16="http://schemas.microsoft.com/office/drawing/2014/main" id="{C7B78064-699B-4DB0-8F18-DA0F68DBCCDF}"/>
+              </a:ext>
+            </a:extLst>
+          </p:cNvPr>
+          <p:cNvCxnSpPr>
+            <a:stCxn id="8" idx="3"/>
+            <a:endCxn id="12" idx="2"/>
+          </p:cNvCxnSpPr>
+          <p:nvPr/>
+        </p:nvCxnSpPr>
+        <p:spPr>
+          <a:xfrm flipV="1">
+            <a:off x="6371795" y="4415529"/>
+            <a:ext cx="2742707" cy="1141391"/>
+          </a:xfrm>
+          <a:prstGeom prst="straightConnector1">
+            <a:avLst/>
+          </a:prstGeom>
+          <a:ln w="19050">
+            <a:solidFill>
+              <a:srgbClr val="00B0F0"/>
+            </a:solidFill>
+            <a:tailEnd type="triangle"/>
+          </a:ln>
+        </p:spPr>
+        <p:style>
+          <a:lnRef idx="1">
+            <a:schemeClr val="accent1"/>
+          </a:lnRef>
+          <a:fillRef idx="0">
+            <a:schemeClr val="accent1"/>
+          </a:fillRef>
+          <a:effectRef idx="0">
+            <a:schemeClr val="accent1"/>
+          </a:effectRef>
+          <a:fontRef idx="minor">
+            <a:schemeClr val="tx1"/>
+          </a:fontRef>
+        </p:style>
+      </p:cxnSp>
+      <p:cxnSp>
+        <p:nvCxnSpPr>
+          <p:cNvPr id="32" name="Straight Arrow Connector 31">
+            <a:extLst>
+              <a:ext uri="{FF2B5EF4-FFF2-40B4-BE49-F238E27FC236}">
+                <a16:creationId xmlns:a16="http://schemas.microsoft.com/office/drawing/2014/main" id="{0EF234FB-5443-457B-BC1D-997C410C5707}"/>
+              </a:ext>
+            </a:extLst>
+          </p:cNvPr>
+          <p:cNvCxnSpPr>
+            <a:stCxn id="8" idx="1"/>
+            <a:endCxn id="10" idx="6"/>
+          </p:cNvCxnSpPr>
+          <p:nvPr/>
+        </p:nvCxnSpPr>
+        <p:spPr>
+          <a:xfrm flipH="1" flipV="1">
+            <a:off x="2895600" y="5382778"/>
+            <a:ext cx="2463473" cy="174142"/>
+          </a:xfrm>
+          <a:prstGeom prst="straightConnector1">
+            <a:avLst/>
+          </a:prstGeom>
+          <a:ln w="19050">
+            <a:solidFill>
+              <a:srgbClr val="00B0F0"/>
+            </a:solidFill>
+            <a:tailEnd type="triangle"/>
+          </a:ln>
+        </p:spPr>
+        <p:style>
+          <a:lnRef idx="1">
+            <a:schemeClr val="accent1"/>
+          </a:lnRef>
+          <a:fillRef idx="0">
+            <a:schemeClr val="accent1"/>
+          </a:fillRef>
+          <a:effectRef idx="0">
+            <a:schemeClr val="accent1"/>
+          </a:effectRef>
+          <a:fontRef idx="minor">
+            <a:schemeClr val="tx1"/>
+          </a:fontRef>
+        </p:style>
+      </p:cxnSp>
+      <p:cxnSp>
+        <p:nvCxnSpPr>
+          <p:cNvPr id="46" name="Straight Arrow Connector 45">
+            <a:extLst>
+              <a:ext uri="{FF2B5EF4-FFF2-40B4-BE49-F238E27FC236}">
+                <a16:creationId xmlns:a16="http://schemas.microsoft.com/office/drawing/2014/main" id="{A4A93BA4-EAB0-4F8A-A534-7C332AB40CCC}"/>
+              </a:ext>
+            </a:extLst>
+          </p:cNvPr>
+          <p:cNvCxnSpPr>
+            <a:stCxn id="9" idx="7"/>
+            <a:endCxn id="11" idx="1"/>
+          </p:cNvCxnSpPr>
+          <p:nvPr/>
+        </p:nvCxnSpPr>
+        <p:spPr>
+          <a:xfrm flipV="1">
+            <a:off x="2848105" y="2811738"/>
+            <a:ext cx="5079944" cy="417598"/>
+          </a:xfrm>
+          <a:prstGeom prst="straightConnector1">
+            <a:avLst/>
+          </a:prstGeom>
+          <a:ln w="38100">
+            <a:headEnd type="triangle"/>
+            <a:tailEnd type="triangle"/>
+          </a:ln>
+        </p:spPr>
+        <p:style>
+          <a:lnRef idx="1">
+            <a:schemeClr val="accent1"/>
+          </a:lnRef>
+          <a:fillRef idx="0">
+            <a:schemeClr val="accent1"/>
+          </a:fillRef>
+          <a:effectRef idx="0">
+            <a:schemeClr val="accent1"/>
+          </a:effectRef>
+          <a:fontRef idx="minor">
+            <a:schemeClr val="tx1"/>
+          </a:fontRef>
+        </p:style>
+      </p:cxnSp>
+      <p:cxnSp>
+        <p:nvCxnSpPr>
+          <p:cNvPr id="48" name="Straight Arrow Connector 47">
+            <a:extLst>
+              <a:ext uri="{FF2B5EF4-FFF2-40B4-BE49-F238E27FC236}">
+                <a16:creationId xmlns:a16="http://schemas.microsoft.com/office/drawing/2014/main" id="{F411B889-0B60-40A0-8C43-A4F25E646100}"/>
+              </a:ext>
+            </a:extLst>
+          </p:cNvPr>
+          <p:cNvCxnSpPr>
+            <a:stCxn id="9" idx="4"/>
+            <a:endCxn id="10" idx="0"/>
+          </p:cNvCxnSpPr>
+          <p:nvPr/>
+        </p:nvCxnSpPr>
+        <p:spPr>
+          <a:xfrm flipH="1">
+            <a:off x="2315497" y="3834308"/>
+            <a:ext cx="122413" cy="1194085"/>
+          </a:xfrm>
+          <a:prstGeom prst="straightConnector1">
+            <a:avLst/>
+          </a:prstGeom>
+          <a:ln w="38100">
+            <a:solidFill>
+              <a:srgbClr val="C00000"/>
+            </a:solidFill>
+            <a:headEnd type="triangle"/>
+            <a:tailEnd type="triangle"/>
+          </a:ln>
+        </p:spPr>
+        <p:style>
+          <a:lnRef idx="1">
+            <a:schemeClr val="accent1"/>
+          </a:lnRef>
+          <a:fillRef idx="0">
+            <a:schemeClr val="accent1"/>
+          </a:fillRef>
+          <a:effectRef idx="0">
+            <a:schemeClr val="accent1"/>
+          </a:effectRef>
+          <a:fontRef idx="minor">
+            <a:schemeClr val="tx1"/>
+          </a:fontRef>
+        </p:style>
+      </p:cxnSp>
+      <p:cxnSp>
+        <p:nvCxnSpPr>
+          <p:cNvPr id="50" name="Straight Arrow Connector 49">
+            <a:extLst>
+              <a:ext uri="{FF2B5EF4-FFF2-40B4-BE49-F238E27FC236}">
+                <a16:creationId xmlns:a16="http://schemas.microsoft.com/office/drawing/2014/main" id="{39FE8127-B6DA-470B-B891-8F3644B00B6B}"/>
+              </a:ext>
+            </a:extLst>
+          </p:cNvPr>
+          <p:cNvCxnSpPr>
+            <a:stCxn id="11" idx="4"/>
+            <a:endCxn id="13" idx="0"/>
+          </p:cNvCxnSpPr>
+          <p:nvPr/>
+        </p:nvCxnSpPr>
+        <p:spPr>
+          <a:xfrm flipH="1">
+            <a:off x="8255165" y="3416710"/>
+            <a:ext cx="83080" cy="2017992"/>
+          </a:xfrm>
+          <a:prstGeom prst="straightConnector1">
+            <a:avLst/>
+          </a:prstGeom>
+          <a:ln w="38100">
+            <a:solidFill>
+              <a:srgbClr val="00B050"/>
+            </a:solidFill>
+            <a:headEnd type="triangle"/>
+            <a:tailEnd type="triangle"/>
+          </a:ln>
+        </p:spPr>
+        <p:style>
+          <a:lnRef idx="1">
+            <a:schemeClr val="accent1"/>
+          </a:lnRef>
+          <a:fillRef idx="0">
+            <a:schemeClr val="accent1"/>
+          </a:fillRef>
+          <a:effectRef idx="0">
+            <a:schemeClr val="accent1"/>
+          </a:effectRef>
+          <a:fontRef idx="minor">
+            <a:schemeClr val="tx1"/>
+          </a:fontRef>
+        </p:style>
+      </p:cxnSp>
+      <p:cxnSp>
+        <p:nvCxnSpPr>
+          <p:cNvPr id="52" name="Straight Arrow Connector 51">
+            <a:extLst>
+              <a:ext uri="{FF2B5EF4-FFF2-40B4-BE49-F238E27FC236}">
+                <a16:creationId xmlns:a16="http://schemas.microsoft.com/office/drawing/2014/main" id="{ACFE5C87-17BE-465A-AF6D-D23BFB4B7148}"/>
+              </a:ext>
+            </a:extLst>
+          </p:cNvPr>
+          <p:cNvCxnSpPr>
+            <a:stCxn id="11" idx="5"/>
+            <a:endCxn id="12" idx="0"/>
+          </p:cNvCxnSpPr>
+          <p:nvPr/>
+        </p:nvCxnSpPr>
+        <p:spPr>
+          <a:xfrm>
+            <a:off x="8748440" y="3312913"/>
+            <a:ext cx="946166" cy="748231"/>
+          </a:xfrm>
+          <a:prstGeom prst="straightConnector1">
+            <a:avLst/>
+          </a:prstGeom>
+          <a:ln w="38100">
+            <a:headEnd type="triangle"/>
+            <a:tailEnd type="triangle"/>
+          </a:ln>
+        </p:spPr>
+        <p:style>
+          <a:lnRef idx="1">
+            <a:schemeClr val="accent1"/>
+          </a:lnRef>
+          <a:fillRef idx="0">
+            <a:schemeClr val="accent1"/>
+          </a:fillRef>
+          <a:effectRef idx="0">
+            <a:schemeClr val="accent1"/>
+          </a:effectRef>
+          <a:fontRef idx="minor">
+            <a:schemeClr val="tx1"/>
+          </a:fontRef>
+        </p:style>
+      </p:cxnSp>
+      <p:cxnSp>
+        <p:nvCxnSpPr>
+          <p:cNvPr id="54" name="Straight Arrow Connector 53">
+            <a:extLst>
+              <a:ext uri="{FF2B5EF4-FFF2-40B4-BE49-F238E27FC236}">
+                <a16:creationId xmlns:a16="http://schemas.microsoft.com/office/drawing/2014/main" id="{8A2B1627-4C14-4213-A358-6AC474637A89}"/>
+              </a:ext>
+            </a:extLst>
+          </p:cNvPr>
+          <p:cNvCxnSpPr>
+            <a:stCxn id="13" idx="7"/>
+            <a:endCxn id="12" idx="4"/>
+          </p:cNvCxnSpPr>
+          <p:nvPr/>
+        </p:nvCxnSpPr>
+        <p:spPr>
+          <a:xfrm flipV="1">
+            <a:off x="8665360" y="4769913"/>
+            <a:ext cx="1029246" cy="768586"/>
+          </a:xfrm>
+          <a:prstGeom prst="straightConnector1">
+            <a:avLst/>
+          </a:prstGeom>
+          <a:ln w="38100">
+            <a:solidFill>
+              <a:srgbClr val="7030A0"/>
+            </a:solidFill>
+            <a:headEnd type="triangle"/>
+            <a:tailEnd type="triangle"/>
+          </a:ln>
+        </p:spPr>
+        <p:style>
+          <a:lnRef idx="1">
+            <a:schemeClr val="accent1"/>
+          </a:lnRef>
+          <a:fillRef idx="0">
+            <a:schemeClr val="accent1"/>
+          </a:fillRef>
+          <a:effectRef idx="0">
+            <a:schemeClr val="accent1"/>
+          </a:effectRef>
+          <a:fontRef idx="minor">
+            <a:schemeClr val="tx1"/>
+          </a:fontRef>
+        </p:style>
+      </p:cxnSp>
     </p:spTree>
     <p:extLst>
       <p:ext uri="{BB962C8B-B14F-4D97-AF65-F5344CB8AC3E}">
-        <p14:creationId xmlns:p14="http://schemas.microsoft.com/office/powerpoint/2010/main" val="1110365125"/>
+        <p14:creationId xmlns:p14="http://schemas.microsoft.com/office/powerpoint/2010/main" val="308643035"/>
       </p:ext>
     </p:extLst>
   </p:cSld>
@@ -5760,7 +10006,7 @@
                 <a:latin typeface="Times New Roman" panose="02020603050405020304" pitchFamily="18" charset="0"/>
                 <a:cs typeface="Times New Roman" panose="02020603050405020304" pitchFamily="18" charset="0"/>
               </a:rPr>
-              <a:t>Riskware</a:t>
+              <a:t>Xây dựng hệ thống</a:t>
             </a:r>
           </a:p>
         </p:txBody>
@@ -5788,7 +10034,58 @@
           </a:bodyPr>
           <a:lstStyle/>
           <a:p>
-            <a:pPr algn="just"/>
+            <a:r>
+              <a:rPr lang="en-US" sz="3200">
+                <a:latin typeface="Times New Roman" panose="02020603050405020304" pitchFamily="18" charset="0"/>
+                <a:cs typeface="Times New Roman" panose="02020603050405020304" pitchFamily="18" charset="0"/>
+              </a:rPr>
+              <a:t>Tổng quan về quá trình xây dựng hệ thống của chúng em bao gồm các giai đoạn:</a:t>
+            </a:r>
+          </a:p>
+          <a:p>
+            <a:pPr marL="514350" indent="-514350">
+              <a:buFont typeface="+mj-lt"/>
+              <a:buAutoNum type="arabicPeriod"/>
+            </a:pPr>
+            <a:r>
+              <a:rPr lang="en-US" sz="3200">
+                <a:latin typeface="Times New Roman" panose="02020603050405020304" pitchFamily="18" charset="0"/>
+                <a:cs typeface="Times New Roman" panose="02020603050405020304" pitchFamily="18" charset="0"/>
+              </a:rPr>
+              <a:t>Xây dựng mô hình học máy</a:t>
+            </a:r>
+          </a:p>
+          <a:p>
+            <a:pPr marL="514350" indent="-514350">
+              <a:buFont typeface="+mj-lt"/>
+              <a:buAutoNum type="arabicPeriod"/>
+            </a:pPr>
+            <a:r>
+              <a:rPr lang="en-US" sz="3200">
+                <a:latin typeface="Times New Roman" panose="02020603050405020304" pitchFamily="18" charset="0"/>
+                <a:cs typeface="Times New Roman" panose="02020603050405020304" pitchFamily="18" charset="0"/>
+              </a:rPr>
+              <a:t>Đánh giá các mô hình học máy</a:t>
+            </a:r>
+          </a:p>
+          <a:p>
+            <a:pPr marL="514350" indent="-514350">
+              <a:buFont typeface="+mj-lt"/>
+              <a:buAutoNum type="arabicPeriod"/>
+            </a:pPr>
+            <a:r>
+              <a:rPr lang="en-US" sz="3200">
+                <a:latin typeface="Times New Roman" panose="02020603050405020304" pitchFamily="18" charset="0"/>
+                <a:cs typeface="Times New Roman" panose="02020603050405020304" pitchFamily="18" charset="0"/>
+              </a:rPr>
+              <a:t>Phát triển hệ thống dựa trên mô hình học máy tốt nhất</a:t>
+            </a:r>
+          </a:p>
+          <a:p>
+            <a:pPr marL="514350" indent="-514350">
+              <a:buFont typeface="+mj-lt"/>
+              <a:buAutoNum type="arabicPeriod"/>
+            </a:pPr>
             <a:endParaRPr lang="en-US" sz="3200">
               <a:latin typeface="Times New Roman" panose="02020603050405020304" pitchFamily="18" charset="0"/>
               <a:cs typeface="Times New Roman" panose="02020603050405020304" pitchFamily="18" charset="0"/>
@@ -5799,7 +10096,7 @@
     </p:spTree>
     <p:extLst>
       <p:ext uri="{BB962C8B-B14F-4D97-AF65-F5344CB8AC3E}">
-        <p14:creationId xmlns:p14="http://schemas.microsoft.com/office/powerpoint/2010/main" val="1274664944"/>
+        <p14:creationId xmlns:p14="http://schemas.microsoft.com/office/powerpoint/2010/main" val="3984872820"/>
       </p:ext>
     </p:extLst>
   </p:cSld>
@@ -5847,7 +10144,13 @@
           <a:bodyPr/>
           <a:lstStyle/>
           <a:p>
-            <a:endParaRPr lang="en-US"/>
+            <a:r>
+              <a:rPr lang="en-US">
+                <a:latin typeface="Times New Roman" panose="02020603050405020304" pitchFamily="18" charset="0"/>
+                <a:cs typeface="Times New Roman" panose="02020603050405020304" pitchFamily="18" charset="0"/>
+              </a:rPr>
+              <a:t>Xây dựng mô hình học máy</a:t>
+            </a:r>
           </a:p>
         </p:txBody>
       </p:sp>
@@ -5869,17 +10172,70 @@
         </p:nvSpPr>
         <p:spPr/>
         <p:txBody>
-          <a:bodyPr/>
+          <a:bodyPr>
+            <a:normAutofit/>
+          </a:bodyPr>
           <a:lstStyle/>
           <a:p>
-            <a:endParaRPr lang="en-US"/>
+            <a:pPr marL="514350" indent="-514350" algn="just">
+              <a:buFont typeface="+mj-lt"/>
+              <a:buAutoNum type="arabicPeriod"/>
+            </a:pPr>
+            <a:r>
+              <a:rPr lang="en-US" sz="3200">
+                <a:latin typeface="Times New Roman" panose="02020603050405020304" pitchFamily="18" charset="0"/>
+                <a:cs typeface="Times New Roman" panose="02020603050405020304" pitchFamily="18" charset="0"/>
+              </a:rPr>
+              <a:t>Dựa trên nghiên cứu của Jaemin Jung và cộng sự [1], chúng em đi xây dựng một tập dữ liệu API dataset để làm c</a:t>
+            </a:r>
+            <a:r>
+              <a:rPr lang="vi-VN" sz="3200">
+                <a:latin typeface="Times New Roman" panose="02020603050405020304" pitchFamily="18" charset="0"/>
+                <a:cs typeface="Times New Roman" panose="02020603050405020304" pitchFamily="18" charset="0"/>
+              </a:rPr>
+              <a:t>ơ</a:t>
+            </a:r>
+            <a:r>
+              <a:rPr lang="en-US" sz="3200">
+                <a:latin typeface="Times New Roman" panose="02020603050405020304" pitchFamily="18" charset="0"/>
+                <a:cs typeface="Times New Roman" panose="02020603050405020304" pitchFamily="18" charset="0"/>
+              </a:rPr>
+              <a:t> sở trích xuất đặc tr</a:t>
+            </a:r>
+            <a:r>
+              <a:rPr lang="vi-VN" sz="3200">
+                <a:latin typeface="Times New Roman" panose="02020603050405020304" pitchFamily="18" charset="0"/>
+                <a:cs typeface="Times New Roman" panose="02020603050405020304" pitchFamily="18" charset="0"/>
+              </a:rPr>
+              <a:t>ư</a:t>
+            </a:r>
+            <a:r>
+              <a:rPr lang="en-US" sz="3200">
+                <a:latin typeface="Times New Roman" panose="02020603050405020304" pitchFamily="18" charset="0"/>
+                <a:cs typeface="Times New Roman" panose="02020603050405020304" pitchFamily="18" charset="0"/>
+              </a:rPr>
+              <a:t>ng.</a:t>
+            </a:r>
+          </a:p>
+          <a:p>
+            <a:pPr marL="514350" indent="-514350" algn="just">
+              <a:buFont typeface="+mj-lt"/>
+              <a:buAutoNum type="arabicPeriod"/>
+            </a:pPr>
+            <a:r>
+              <a:rPr lang="en-US" sz="3200">
+                <a:latin typeface="Times New Roman" panose="02020603050405020304" pitchFamily="18" charset="0"/>
+                <a:cs typeface="Times New Roman" panose="02020603050405020304" pitchFamily="18" charset="0"/>
+              </a:rPr>
+              <a:t>Thu thập các ứng dụng độc hại và lành tính. Bao gồm các họ ứng dụng: adware, banking, benign, riskware, smsmalware</a:t>
+            </a:r>
           </a:p>
         </p:txBody>
       </p:sp>
     </p:spTree>
     <p:extLst>
       <p:ext uri="{BB962C8B-B14F-4D97-AF65-F5344CB8AC3E}">
-        <p14:creationId xmlns:p14="http://schemas.microsoft.com/office/powerpoint/2010/main" val="1158739444"/>
+        <p14:creationId xmlns:p14="http://schemas.microsoft.com/office/powerpoint/2010/main" val="924476995"/>
       </p:ext>
     </p:extLst>
   </p:cSld>
@@ -5924,10 +10280,18 @@
         </p:nvSpPr>
         <p:spPr/>
         <p:txBody>
-          <a:bodyPr/>
+          <a:bodyPr>
+            <a:normAutofit/>
+          </a:bodyPr>
           <a:lstStyle/>
           <a:p>
-            <a:endParaRPr lang="en-US"/>
+            <a:r>
+              <a:rPr lang="en-US">
+                <a:latin typeface="Times New Roman" panose="02020603050405020304" pitchFamily="18" charset="0"/>
+                <a:cs typeface="Times New Roman" panose="02020603050405020304" pitchFamily="18" charset="0"/>
+              </a:rPr>
+              <a:t>Tập dữ liệu CICDatasest</a:t>
+            </a:r>
           </a:p>
         </p:txBody>
       </p:sp>
@@ -5949,17 +10313,75 @@
         </p:nvSpPr>
         <p:spPr/>
         <p:txBody>
-          <a:bodyPr/>
+          <a:bodyPr>
+            <a:normAutofit/>
+          </a:bodyPr>
           <a:lstStyle/>
           <a:p>
-            <a:endParaRPr lang="en-US"/>
+            <a:r>
+              <a:rPr lang="en-US" sz="3200">
+                <a:latin typeface="Times New Roman" panose="02020603050405020304" pitchFamily="18" charset="0"/>
+                <a:cs typeface="Times New Roman" panose="02020603050405020304" pitchFamily="18" charset="0"/>
+              </a:rPr>
+              <a:t>Chứa bao gồm:</a:t>
+            </a:r>
+          </a:p>
+          <a:p>
+            <a:pPr lvl="1"/>
+            <a:r>
+              <a:rPr lang="en-US" sz="3000">
+                <a:latin typeface="Times New Roman" panose="02020603050405020304" pitchFamily="18" charset="0"/>
+                <a:cs typeface="Times New Roman" panose="02020603050405020304" pitchFamily="18" charset="0"/>
+              </a:rPr>
+              <a:t>1415 ứng dụng độc hại adware</a:t>
+            </a:r>
+          </a:p>
+          <a:p>
+            <a:pPr lvl="1"/>
+            <a:r>
+              <a:rPr lang="en-US" sz="3000">
+                <a:latin typeface="Times New Roman" panose="02020603050405020304" pitchFamily="18" charset="0"/>
+                <a:cs typeface="Times New Roman" panose="02020603050405020304" pitchFamily="18" charset="0"/>
+              </a:rPr>
+              <a:t>1900 ứng dụng độc hại banking</a:t>
+            </a:r>
+          </a:p>
+          <a:p>
+            <a:pPr lvl="1"/>
+            <a:r>
+              <a:rPr lang="en-US" sz="3000">
+                <a:latin typeface="Times New Roman" panose="02020603050405020304" pitchFamily="18" charset="0"/>
+                <a:cs typeface="Times New Roman" panose="02020603050405020304" pitchFamily="18" charset="0"/>
+              </a:rPr>
+              <a:t>1911 ứng dụng lành tính benign</a:t>
+            </a:r>
+          </a:p>
+          <a:p>
+            <a:pPr lvl="1"/>
+            <a:r>
+              <a:rPr lang="en-US" sz="3000">
+                <a:latin typeface="Times New Roman" panose="02020603050405020304" pitchFamily="18" charset="0"/>
+                <a:cs typeface="Times New Roman" panose="02020603050405020304" pitchFamily="18" charset="0"/>
+              </a:rPr>
+              <a:t>2262 ứng dụng độc hại riskware</a:t>
+            </a:r>
+          </a:p>
+          <a:p>
+            <a:pPr lvl="1"/>
+            <a:r>
+              <a:rPr lang="en-US" sz="3000">
+                <a:latin typeface="Times New Roman" panose="02020603050405020304" pitchFamily="18" charset="0"/>
+                <a:cs typeface="Times New Roman" panose="02020603050405020304" pitchFamily="18" charset="0"/>
+              </a:rPr>
+              <a:t>4722 ứng dụng độc hại smsmalware</a:t>
+            </a:r>
           </a:p>
         </p:txBody>
       </p:sp>
     </p:spTree>
     <p:extLst>
       <p:ext uri="{BB962C8B-B14F-4D97-AF65-F5344CB8AC3E}">
-        <p14:creationId xmlns:p14="http://schemas.microsoft.com/office/powerpoint/2010/main" val="308643035"/>
+        <p14:creationId xmlns:p14="http://schemas.microsoft.com/office/powerpoint/2010/main" val="3892021072"/>
       </p:ext>
     </p:extLst>
   </p:cSld>

--- a/Thái-Thị-Thanh-Vân_Nhóm1_v1.0.pptx
+++ b/Thái-Thị-Thanh-Vân_Nhóm1_v1.0.pptx
@@ -5,29 +5,31 @@
     <p:sldMasterId id="2147483660" r:id="rId1"/>
   </p:sldMasterIdLst>
   <p:notesMasterIdLst>
-    <p:notesMasterId r:id="rId22"/>
+    <p:notesMasterId r:id="rId24"/>
   </p:notesMasterIdLst>
   <p:sldIdLst>
     <p:sldId id="256" r:id="rId2"/>
     <p:sldId id="259" r:id="rId3"/>
     <p:sldId id="257" r:id="rId4"/>
     <p:sldId id="258" r:id="rId5"/>
-    <p:sldId id="263" r:id="rId6"/>
-    <p:sldId id="264" r:id="rId7"/>
-    <p:sldId id="265" r:id="rId8"/>
-    <p:sldId id="266" r:id="rId9"/>
-    <p:sldId id="267" r:id="rId10"/>
-    <p:sldId id="268" r:id="rId11"/>
-    <p:sldId id="269" r:id="rId12"/>
-    <p:sldId id="270" r:id="rId13"/>
-    <p:sldId id="271" r:id="rId14"/>
-    <p:sldId id="272" r:id="rId15"/>
-    <p:sldId id="273" r:id="rId16"/>
-    <p:sldId id="274" r:id="rId17"/>
-    <p:sldId id="275" r:id="rId18"/>
-    <p:sldId id="276" r:id="rId19"/>
-    <p:sldId id="277" r:id="rId20"/>
-    <p:sldId id="278" r:id="rId21"/>
+    <p:sldId id="279" r:id="rId6"/>
+    <p:sldId id="263" r:id="rId7"/>
+    <p:sldId id="264" r:id="rId8"/>
+    <p:sldId id="280" r:id="rId9"/>
+    <p:sldId id="281" r:id="rId10"/>
+    <p:sldId id="265" r:id="rId11"/>
+    <p:sldId id="266" r:id="rId12"/>
+    <p:sldId id="267" r:id="rId13"/>
+    <p:sldId id="268" r:id="rId14"/>
+    <p:sldId id="282" r:id="rId15"/>
+    <p:sldId id="269" r:id="rId16"/>
+    <p:sldId id="270" r:id="rId17"/>
+    <p:sldId id="271" r:id="rId18"/>
+    <p:sldId id="272" r:id="rId19"/>
+    <p:sldId id="273" r:id="rId20"/>
+    <p:sldId id="274" r:id="rId21"/>
+    <p:sldId id="276" r:id="rId22"/>
+    <p:sldId id="278" r:id="rId23"/>
   </p:sldIdLst>
   <p:sldSz cx="12192000" cy="6858000"/>
   <p:notesSz cx="6858000" cy="9144000"/>
@@ -216,7 +218,7 @@
           <a:p>
             <a:fld id="{A0C56725-D351-473A-9739-DC74FF4A96E0}" type="datetimeFigureOut">
               <a:rPr lang="en-US" smtClean="0"/>
-              <a:t>16/2/2022</a:t>
+              <a:t>12/3/2022</a:t>
             </a:fld>
             <a:endParaRPr lang="en-US"/>
           </a:p>
@@ -747,7 +749,91 @@
           <a:p>
             <a:fld id="{8D41DC27-1B77-475F-905A-14EDEACA9FAC}" type="slidenum">
               <a:rPr lang="en-US" smtClean="0"/>
-              <a:t>13</a:t>
+              <a:t>11</a:t>
+            </a:fld>
+            <a:endParaRPr lang="en-US"/>
+          </a:p>
+        </p:txBody>
+      </p:sp>
+    </p:spTree>
+    <p:extLst>
+      <p:ext uri="{BB962C8B-B14F-4D97-AF65-F5344CB8AC3E}">
+        <p14:creationId xmlns:p14="http://schemas.microsoft.com/office/powerpoint/2010/main" val="899999192"/>
+      </p:ext>
+    </p:extLst>
+  </p:cSld>
+  <p:clrMapOvr>
+    <a:masterClrMapping/>
+  </p:clrMapOvr>
+</p:notes>
+</file>
+
+<file path=ppt/notesSlides/notesSlide4.xml><?xml version="1.0" encoding="utf-8"?>
+<p:notes xmlns:a="http://schemas.openxmlformats.org/drawingml/2006/main" xmlns:r="http://schemas.openxmlformats.org/officeDocument/2006/relationships" xmlns:p="http://schemas.openxmlformats.org/presentationml/2006/main">
+  <p:cSld>
+    <p:spTree>
+      <p:nvGrpSpPr>
+        <p:cNvPr id="1" name=""/>
+        <p:cNvGrpSpPr/>
+        <p:nvPr/>
+      </p:nvGrpSpPr>
+      <p:grpSpPr>
+        <a:xfrm>
+          <a:off x="0" y="0"/>
+          <a:ext cx="0" cy="0"/>
+          <a:chOff x="0" y="0"/>
+          <a:chExt cx="0" cy="0"/>
+        </a:xfrm>
+      </p:grpSpPr>
+      <p:sp>
+        <p:nvSpPr>
+          <p:cNvPr id="2" name="Slide Image Placeholder 1"/>
+          <p:cNvSpPr>
+            <a:spLocks noGrp="1" noRot="1" noChangeAspect="1"/>
+          </p:cNvSpPr>
+          <p:nvPr>
+            <p:ph type="sldImg"/>
+          </p:nvPr>
+        </p:nvSpPr>
+        <p:spPr/>
+      </p:sp>
+      <p:sp>
+        <p:nvSpPr>
+          <p:cNvPr id="3" name="Notes Placeholder 2"/>
+          <p:cNvSpPr>
+            <a:spLocks noGrp="1"/>
+          </p:cNvSpPr>
+          <p:nvPr>
+            <p:ph type="body" idx="1"/>
+          </p:nvPr>
+        </p:nvSpPr>
+        <p:spPr/>
+        <p:txBody>
+          <a:bodyPr/>
+          <a:lstStyle/>
+          <a:p>
+            <a:endParaRPr lang="en-US"/>
+          </a:p>
+        </p:txBody>
+      </p:sp>
+      <p:sp>
+        <p:nvSpPr>
+          <p:cNvPr id="4" name="Slide Number Placeholder 3"/>
+          <p:cNvSpPr>
+            <a:spLocks noGrp="1"/>
+          </p:cNvSpPr>
+          <p:nvPr>
+            <p:ph type="sldNum" sz="quarter" idx="5"/>
+          </p:nvPr>
+        </p:nvSpPr>
+        <p:spPr/>
+        <p:txBody>
+          <a:bodyPr/>
+          <a:lstStyle/>
+          <a:p>
+            <a:fld id="{8D41DC27-1B77-475F-905A-14EDEACA9FAC}" type="slidenum">
+              <a:rPr lang="en-US" smtClean="0"/>
+              <a:t>17</a:t>
             </a:fld>
             <a:endParaRPr lang="en-US"/>
           </a:p>
@@ -992,7 +1078,7 @@
           <a:p>
             <a:fld id="{47A1F03F-464C-4B15-A8A1-EC748B66496D}" type="datetimeFigureOut">
               <a:rPr lang="en-US" smtClean="0"/>
-              <a:t>16/2/2022</a:t>
+              <a:t>12/3/2022</a:t>
             </a:fld>
             <a:endParaRPr lang="en-US"/>
           </a:p>
@@ -1200,7 +1286,7 @@
           <a:p>
             <a:fld id="{47A1F03F-464C-4B15-A8A1-EC748B66496D}" type="datetimeFigureOut">
               <a:rPr lang="en-US" smtClean="0"/>
-              <a:t>16/2/2022</a:t>
+              <a:t>12/3/2022</a:t>
             </a:fld>
             <a:endParaRPr lang="en-US"/>
           </a:p>
@@ -1456,7 +1542,7 @@
           <a:p>
             <a:fld id="{47A1F03F-464C-4B15-A8A1-EC748B66496D}" type="datetimeFigureOut">
               <a:rPr lang="en-US" smtClean="0"/>
-              <a:t>16/2/2022</a:t>
+              <a:t>12/3/2022</a:t>
             </a:fld>
             <a:endParaRPr lang="en-US"/>
           </a:p>
@@ -1630,7 +1716,7 @@
           <a:p>
             <a:fld id="{47A1F03F-464C-4B15-A8A1-EC748B66496D}" type="datetimeFigureOut">
               <a:rPr lang="en-US" smtClean="0"/>
-              <a:t>16/2/2022</a:t>
+              <a:t>12/3/2022</a:t>
             </a:fld>
             <a:endParaRPr lang="en-US"/>
           </a:p>
@@ -1973,7 +2059,7 @@
           <a:p>
             <a:fld id="{47A1F03F-464C-4B15-A8A1-EC748B66496D}" type="datetimeFigureOut">
               <a:rPr lang="en-US" smtClean="0"/>
-              <a:t>16/2/2022</a:t>
+              <a:t>12/3/2022</a:t>
             </a:fld>
             <a:endParaRPr lang="en-US"/>
           </a:p>
@@ -2248,7 +2334,7 @@
           <a:p>
             <a:fld id="{47A1F03F-464C-4B15-A8A1-EC748B66496D}" type="datetimeFigureOut">
               <a:rPr lang="en-US" smtClean="0"/>
-              <a:t>16/2/2022</a:t>
+              <a:t>12/3/2022</a:t>
             </a:fld>
             <a:endParaRPr lang="en-US"/>
           </a:p>
@@ -2627,7 +2713,7 @@
           <a:p>
             <a:fld id="{47A1F03F-464C-4B15-A8A1-EC748B66496D}" type="datetimeFigureOut">
               <a:rPr lang="en-US" smtClean="0"/>
-              <a:t>16/2/2022</a:t>
+              <a:t>12/3/2022</a:t>
             </a:fld>
             <a:endParaRPr lang="en-US"/>
           </a:p>
@@ -2745,7 +2831,7 @@
           <a:p>
             <a:fld id="{47A1F03F-464C-4B15-A8A1-EC748B66496D}" type="datetimeFigureOut">
               <a:rPr lang="en-US" smtClean="0"/>
-              <a:t>16/2/2022</a:t>
+              <a:t>12/3/2022</a:t>
             </a:fld>
             <a:endParaRPr lang="en-US"/>
           </a:p>
@@ -2916,7 +3002,7 @@
           <a:p>
             <a:fld id="{47A1F03F-464C-4B15-A8A1-EC748B66496D}" type="datetimeFigureOut">
               <a:rPr lang="en-US" smtClean="0"/>
-              <a:t>16/2/2022</a:t>
+              <a:t>12/3/2022</a:t>
             </a:fld>
             <a:endParaRPr lang="en-US"/>
           </a:p>
@@ -3270,7 +3356,7 @@
           <a:p>
             <a:fld id="{47A1F03F-464C-4B15-A8A1-EC748B66496D}" type="datetimeFigureOut">
               <a:rPr lang="en-US" smtClean="0"/>
-              <a:t>16/2/2022</a:t>
+              <a:t>12/3/2022</a:t>
             </a:fld>
             <a:endParaRPr lang="en-US"/>
           </a:p>
@@ -3652,7 +3738,7 @@
           <a:p>
             <a:fld id="{47A1F03F-464C-4B15-A8A1-EC748B66496D}" type="datetimeFigureOut">
               <a:rPr lang="en-US" smtClean="0"/>
-              <a:t>16/2/2022</a:t>
+              <a:t>12/3/2022</a:t>
             </a:fld>
             <a:endParaRPr lang="en-US"/>
           </a:p>
@@ -3939,7 +4025,7 @@
           <a:p>
             <a:fld id="{47A1F03F-464C-4B15-A8A1-EC748B66496D}" type="datetimeFigureOut">
               <a:rPr lang="en-US" smtClean="0"/>
-              <a:t>16/2/2022</a:t>
+              <a:t>12/3/2022</a:t>
             </a:fld>
             <a:endParaRPr lang="en-US"/>
           </a:p>
@@ -4494,9 +4580,6 @@
             <a:r>
               <a:rPr lang="en-US" sz="6000" b="0" cap="none" spc="0">
                 <a:ln w="0"/>
-                <a:solidFill>
-                  <a:schemeClr val="tx1"/>
-                </a:solidFill>
                 <a:latin typeface="Times New Roman" panose="02020603050405020304" pitchFamily="18" charset="0"/>
                 <a:cs typeface="Times New Roman" panose="02020603050405020304" pitchFamily="18" charset="0"/>
               </a:rPr>
@@ -4528,9 +4611,6 @@
             </a:r>
             <a:endParaRPr lang="en-US" sz="6000" b="0" cap="none" spc="0">
               <a:ln w="0"/>
-              <a:solidFill>
-                <a:schemeClr val="tx1"/>
-              </a:solidFill>
               <a:latin typeface="Times New Roman" panose="02020603050405020304" pitchFamily="18" charset="0"/>
               <a:cs typeface="Times New Roman" panose="02020603050405020304" pitchFamily="18" charset="0"/>
             </a:endParaRPr>
@@ -4569,9 +4649,6 @@
             <a:r>
               <a:rPr lang="en-US" sz="4000" i="1" cap="none" spc="0">
                 <a:ln w="0"/>
-                <a:solidFill>
-                  <a:schemeClr val="tx1"/>
-                </a:solidFill>
                 <a:latin typeface="Times New Roman" panose="02020603050405020304" pitchFamily="18" charset="0"/>
                 <a:cs typeface="Times New Roman" panose="02020603050405020304" pitchFamily="18" charset="0"/>
               </a:rPr>
@@ -4587,9 +4664,6 @@
             </a:r>
             <a:endParaRPr lang="en-US" sz="4000" i="1" cap="none" spc="0">
               <a:ln w="0"/>
-              <a:solidFill>
-                <a:schemeClr val="tx1"/>
-              </a:solidFill>
               <a:latin typeface="Times New Roman" panose="02020603050405020304" pitchFamily="18" charset="0"/>
               <a:cs typeface="Times New Roman" panose="02020603050405020304" pitchFamily="18" charset="0"/>
             </a:endParaRPr>
@@ -4627,9 +4701,6 @@
             <a:r>
               <a:rPr lang="en-US" sz="2800" b="0" cap="none" spc="0">
                 <a:ln w="0"/>
-                <a:solidFill>
-                  <a:schemeClr val="tx1"/>
-                </a:solidFill>
                 <a:latin typeface="Times New Roman" panose="02020603050405020304" pitchFamily="18" charset="0"/>
                 <a:cs typeface="Times New Roman" panose="02020603050405020304" pitchFamily="18" charset="0"/>
               </a:rPr>
@@ -4638,9 +4709,6 @@
             <a:r>
               <a:rPr lang="vi-VN" sz="2800" b="0" cap="none" spc="0">
                 <a:ln w="0"/>
-                <a:solidFill>
-                  <a:schemeClr val="tx1"/>
-                </a:solidFill>
                 <a:latin typeface="Times New Roman" panose="02020603050405020304" pitchFamily="18" charset="0"/>
                 <a:cs typeface="Times New Roman" panose="02020603050405020304" pitchFamily="18" charset="0"/>
               </a:rPr>
@@ -4664,9 +4732,6 @@
             </a:r>
             <a:endParaRPr lang="en-US" sz="2800" b="1" cap="none" spc="0">
               <a:ln w="0"/>
-              <a:solidFill>
-                <a:schemeClr val="tx1"/>
-              </a:solidFill>
               <a:latin typeface="Times New Roman" panose="02020603050405020304" pitchFamily="18" charset="0"/>
               <a:cs typeface="Times New Roman" panose="02020603050405020304" pitchFamily="18" charset="0"/>
             </a:endParaRPr>
@@ -4704,9 +4769,6 @@
             <a:r>
               <a:rPr lang="en-US" sz="2800" b="0" cap="none" spc="0">
                 <a:ln w="0"/>
-                <a:solidFill>
-                  <a:schemeClr val="tx1"/>
-                </a:solidFill>
                 <a:latin typeface="Times New Roman" panose="02020603050405020304" pitchFamily="18" charset="0"/>
                 <a:cs typeface="Times New Roman" panose="02020603050405020304" pitchFamily="18" charset="0"/>
               </a:rPr>
@@ -4722,9 +4784,6 @@
             </a:r>
             <a:endParaRPr lang="en-US" sz="2800" b="1" cap="none" spc="0">
               <a:ln w="0"/>
-              <a:solidFill>
-                <a:schemeClr val="tx1"/>
-              </a:solidFill>
               <a:latin typeface="Times New Roman" panose="02020603050405020304" pitchFamily="18" charset="0"/>
               <a:cs typeface="Times New Roman" panose="02020603050405020304" pitchFamily="18" charset="0"/>
             </a:endParaRPr>
@@ -4762,9 +4821,6 @@
             <a:r>
               <a:rPr lang="en-US" sz="2800" cap="none" spc="0">
                 <a:ln w="0"/>
-                <a:solidFill>
-                  <a:schemeClr val="tx1"/>
-                </a:solidFill>
                 <a:latin typeface="Times New Roman" panose="02020603050405020304" pitchFamily="18" charset="0"/>
                 <a:cs typeface="Times New Roman" panose="02020603050405020304" pitchFamily="18" charset="0"/>
               </a:rPr>
@@ -4773,9 +4829,6 @@
             <a:r>
               <a:rPr lang="vi-VN" sz="2800" cap="none" spc="0">
                 <a:ln w="0"/>
-                <a:solidFill>
-                  <a:schemeClr val="tx1"/>
-                </a:solidFill>
                 <a:latin typeface="Times New Roman" panose="02020603050405020304" pitchFamily="18" charset="0"/>
                 <a:cs typeface="Times New Roman" panose="02020603050405020304" pitchFamily="18" charset="0"/>
               </a:rPr>
@@ -4784,9 +4837,6 @@
             <a:r>
               <a:rPr lang="en-US" sz="2800" cap="none" spc="0">
                 <a:ln w="0"/>
-                <a:solidFill>
-                  <a:schemeClr val="tx1"/>
-                </a:solidFill>
                 <a:latin typeface="Times New Roman" panose="02020603050405020304" pitchFamily="18" charset="0"/>
                 <a:cs typeface="Times New Roman" panose="02020603050405020304" pitchFamily="18" charset="0"/>
               </a:rPr>
@@ -4830,9 +4880,6 @@
             </a:r>
             <a:endParaRPr lang="en-US" sz="2800" cap="none" spc="0">
               <a:ln w="0"/>
-              <a:solidFill>
-                <a:schemeClr val="tx1"/>
-              </a:solidFill>
               <a:latin typeface="Times New Roman" panose="02020603050405020304" pitchFamily="18" charset="0"/>
               <a:cs typeface="Times New Roman" panose="02020603050405020304" pitchFamily="18" charset="0"/>
             </a:endParaRPr>
@@ -4887,29 +4934,20 @@
         </p:nvSpPr>
         <p:spPr/>
         <p:txBody>
-          <a:bodyPr/>
+          <a:bodyPr>
+            <a:normAutofit/>
+          </a:bodyPr>
           <a:lstStyle/>
           <a:p>
             <a:r>
-              <a:rPr lang="en-US">
-                <a:latin typeface="Times New Roman" panose="02020603050405020304" pitchFamily="18" charset="0"/>
-                <a:cs typeface="Times New Roman" panose="02020603050405020304" pitchFamily="18" charset="0"/>
-              </a:rPr>
-              <a:t>Dịch ng</a:t>
-            </a:r>
-            <a:r>
-              <a:rPr lang="vi-VN">
-                <a:latin typeface="Times New Roman" panose="02020603050405020304" pitchFamily="18" charset="0"/>
-                <a:cs typeface="Times New Roman" panose="02020603050405020304" pitchFamily="18" charset="0"/>
-              </a:rPr>
-              <a:t>ư</a:t>
-            </a:r>
-            <a:r>
-              <a:rPr lang="en-US">
-                <a:latin typeface="Times New Roman" panose="02020603050405020304" pitchFamily="18" charset="0"/>
-                <a:cs typeface="Times New Roman" panose="02020603050405020304" pitchFamily="18" charset="0"/>
-              </a:rPr>
-              <a:t>ợc và trích xuất thông tin</a:t>
+              <a:rPr lang="en-US" sz="4000">
+                <a:solidFill>
+                  <a:schemeClr val="tx1"/>
+                </a:solidFill>
+                <a:latin typeface="Times New Roman" panose="02020603050405020304" pitchFamily="18" charset="0"/>
+                <a:cs typeface="Times New Roman" panose="02020603050405020304" pitchFamily="18" charset="0"/>
+              </a:rPr>
+              <a:t>4. Xây dựng hệ thống</a:t>
             </a:r>
           </a:p>
         </p:txBody>
@@ -4937,69 +4975,84 @@
           </a:bodyPr>
           <a:lstStyle/>
           <a:p>
-            <a:pPr lvl="1"/>
-            <a:r>
-              <a:rPr lang="en-US" sz="3000">
-                <a:latin typeface="Times New Roman" panose="02020603050405020304" pitchFamily="18" charset="0"/>
-                <a:cs typeface="Times New Roman" panose="02020603050405020304" pitchFamily="18" charset="0"/>
-              </a:rPr>
-              <a:t>Chúng em sử dụng một phần mềm bên thứ 3 là apktool để tiến hành dịch ng</a:t>
-            </a:r>
-            <a:r>
-              <a:rPr lang="vi-VN" sz="3000">
-                <a:latin typeface="Times New Roman" panose="02020603050405020304" pitchFamily="18" charset="0"/>
-                <a:cs typeface="Times New Roman" panose="02020603050405020304" pitchFamily="18" charset="0"/>
-              </a:rPr>
-              <a:t>ư</a:t>
-            </a:r>
-            <a:r>
-              <a:rPr lang="en-US" sz="3000">
-                <a:latin typeface="Times New Roman" panose="02020603050405020304" pitchFamily="18" charset="0"/>
-                <a:cs typeface="Times New Roman" panose="02020603050405020304" pitchFamily="18" charset="0"/>
-              </a:rPr>
-              <a:t>ợc.</a:t>
-            </a:r>
-          </a:p>
-          <a:p>
-            <a:pPr lvl="1"/>
-            <a:r>
-              <a:rPr lang="en-US" sz="3000">
-                <a:latin typeface="Times New Roman" panose="02020603050405020304" pitchFamily="18" charset="0"/>
-                <a:cs typeface="Times New Roman" panose="02020603050405020304" pitchFamily="18" charset="0"/>
-              </a:rPr>
-              <a:t>Sau đó chúng em tiến hành đọc từng file và trích xuất thông tin các API mà ứng dụng sử dụng</a:t>
-            </a:r>
-          </a:p>
-          <a:p>
-            <a:pPr lvl="1"/>
-            <a:r>
-              <a:rPr lang="en-US" sz="3000">
-                <a:latin typeface="Times New Roman" panose="02020603050405020304" pitchFamily="18" charset="0"/>
-                <a:cs typeface="Times New Roman" panose="02020603050405020304" pitchFamily="18" charset="0"/>
-              </a:rPr>
-              <a:t>Từ thông tin trích xuất đ</a:t>
-            </a:r>
-            <a:r>
-              <a:rPr lang="vi-VN" sz="3000">
-                <a:latin typeface="Times New Roman" panose="02020603050405020304" pitchFamily="18" charset="0"/>
-                <a:cs typeface="Times New Roman" panose="02020603050405020304" pitchFamily="18" charset="0"/>
-              </a:rPr>
-              <a:t>ư</a:t>
-            </a:r>
-            <a:r>
-              <a:rPr lang="en-US" sz="3000">
-                <a:latin typeface="Times New Roman" panose="02020603050405020304" pitchFamily="18" charset="0"/>
-                <a:cs typeface="Times New Roman" panose="02020603050405020304" pitchFamily="18" charset="0"/>
-              </a:rPr>
-              <a:t>ợc, chúng em xây dựng các ma trận thể hiện mối quan hệ giữa các APP và API.</a:t>
-            </a:r>
+            <a:pPr marL="0" indent="0">
+              <a:buNone/>
+            </a:pPr>
+            <a:r>
+              <a:rPr lang="en-US" sz="2500">
+                <a:solidFill>
+                  <a:schemeClr val="tx1"/>
+                </a:solidFill>
+                <a:latin typeface="Times New Roman" panose="02020603050405020304" pitchFamily="18" charset="0"/>
+                <a:cs typeface="Times New Roman" panose="02020603050405020304" pitchFamily="18" charset="0"/>
+              </a:rPr>
+              <a:t>Tổng quan về quá trình xây dựng hệ thống của chúng em bao gồm các giai đoạn:</a:t>
+            </a:r>
+          </a:p>
+          <a:p>
+            <a:pPr marL="0" indent="0">
+              <a:buNone/>
+            </a:pPr>
+            <a:r>
+              <a:rPr lang="en-US" sz="2500">
+                <a:solidFill>
+                  <a:schemeClr val="tx1"/>
+                </a:solidFill>
+                <a:latin typeface="Times New Roman" panose="02020603050405020304" pitchFamily="18" charset="0"/>
+                <a:cs typeface="Times New Roman" panose="02020603050405020304" pitchFamily="18" charset="0"/>
+              </a:rPr>
+              <a:t>4.1. Xây dựng mô hình học máy</a:t>
+            </a:r>
+          </a:p>
+          <a:p>
+            <a:pPr marL="0" indent="0">
+              <a:buNone/>
+            </a:pPr>
+            <a:r>
+              <a:rPr lang="en-US" sz="2500">
+                <a:solidFill>
+                  <a:schemeClr val="tx1"/>
+                </a:solidFill>
+                <a:latin typeface="Times New Roman" panose="02020603050405020304" pitchFamily="18" charset="0"/>
+                <a:cs typeface="Times New Roman" panose="02020603050405020304" pitchFamily="18" charset="0"/>
+              </a:rPr>
+              <a:t>4.2. Đánh giá các mô hình học máy</a:t>
+            </a:r>
+          </a:p>
+          <a:p>
+            <a:pPr marL="0" indent="0">
+              <a:buNone/>
+            </a:pPr>
+            <a:r>
+              <a:rPr lang="en-US" sz="2500">
+                <a:solidFill>
+                  <a:schemeClr val="tx1"/>
+                </a:solidFill>
+                <a:latin typeface="Times New Roman" panose="02020603050405020304" pitchFamily="18" charset="0"/>
+                <a:cs typeface="Times New Roman" panose="02020603050405020304" pitchFamily="18" charset="0"/>
+              </a:rPr>
+              <a:t>4.3. Phát triển hệ thống dựa trên mô hình học máy tốt nhất</a:t>
+            </a:r>
+          </a:p>
+          <a:p>
+            <a:pPr marL="514350" indent="-514350">
+              <a:buFont typeface="+mj-lt"/>
+              <a:buAutoNum type="arabicPeriod"/>
+            </a:pPr>
+            <a:endParaRPr lang="en-US" sz="2500">
+              <a:solidFill>
+                <a:schemeClr val="tx1"/>
+              </a:solidFill>
+              <a:latin typeface="Times New Roman" panose="02020603050405020304" pitchFamily="18" charset="0"/>
+              <a:cs typeface="Times New Roman" panose="02020603050405020304" pitchFamily="18" charset="0"/>
+            </a:endParaRPr>
           </a:p>
         </p:txBody>
       </p:sp>
     </p:spTree>
     <p:extLst>
       <p:ext uri="{BB962C8B-B14F-4D97-AF65-F5344CB8AC3E}">
-        <p14:creationId xmlns:p14="http://schemas.microsoft.com/office/powerpoint/2010/main" val="1673826465"/>
+        <p14:creationId xmlns:p14="http://schemas.microsoft.com/office/powerpoint/2010/main" val="3984872820"/>
       </p:ext>
     </p:extLst>
   </p:cSld>
@@ -5044,29 +5097,334 @@
         </p:nvSpPr>
         <p:spPr/>
         <p:txBody>
-          <a:bodyPr/>
+          <a:bodyPr>
+            <a:normAutofit/>
+          </a:bodyPr>
           <a:lstStyle/>
           <a:p>
             <a:r>
-              <a:rPr lang="en-US">
-                <a:latin typeface="Times New Roman" panose="02020603050405020304" pitchFamily="18" charset="0"/>
-                <a:cs typeface="Times New Roman" panose="02020603050405020304" pitchFamily="18" charset="0"/>
-              </a:rPr>
-              <a:t>Xây dựng ma trận độ đo t</a:t>
-            </a:r>
-            <a:r>
-              <a:rPr lang="vi-VN">
+              <a:rPr lang="en-US" sz="4000">
+                <a:solidFill>
+                  <a:schemeClr val="tx1"/>
+                </a:solidFill>
+                <a:latin typeface="Times New Roman" panose="02020603050405020304" pitchFamily="18" charset="0"/>
+                <a:cs typeface="Times New Roman" panose="02020603050405020304" pitchFamily="18" charset="0"/>
+              </a:rPr>
+              <a:t>4.1. Xây dựng mô hình học máy</a:t>
+            </a:r>
+          </a:p>
+        </p:txBody>
+      </p:sp>
+      <p:sp>
+        <p:nvSpPr>
+          <p:cNvPr id="4" name="Rectangle 3">
+            <a:extLst>
+              <a:ext uri="{FF2B5EF4-FFF2-40B4-BE49-F238E27FC236}">
+                <a16:creationId xmlns:a16="http://schemas.microsoft.com/office/drawing/2014/main" id="{B2A421DB-560B-43E0-B860-53F88CE9999B}"/>
+              </a:ext>
+            </a:extLst>
+          </p:cNvPr>
+          <p:cNvSpPr/>
+          <p:nvPr/>
+        </p:nvSpPr>
+        <p:spPr>
+          <a:xfrm>
+            <a:off x="1066800" y="2694039"/>
+            <a:ext cx="10058400" cy="1246495"/>
+          </a:xfrm>
+          <a:prstGeom prst="rect">
+            <a:avLst/>
+          </a:prstGeom>
+          <a:noFill/>
+        </p:spPr>
+        <p:txBody>
+          <a:bodyPr wrap="square" lIns="91440" tIns="45720" rIns="91440" bIns="45720">
+            <a:spAutoFit/>
+          </a:bodyPr>
+          <a:lstStyle/>
+          <a:p>
+            <a:r>
+              <a:rPr lang="en-US" sz="2500" b="0" cap="none" spc="0">
+                <a:ln w="0"/>
+                <a:solidFill>
+                  <a:schemeClr val="tx1"/>
+                </a:solidFill>
+                <a:latin typeface="Times New Roman" panose="02020603050405020304" pitchFamily="18" charset="0"/>
+                <a:cs typeface="Times New Roman" panose="02020603050405020304" pitchFamily="18" charset="0"/>
+              </a:rPr>
+              <a:t>Tập API Dataset đ</a:t>
+            </a:r>
+            <a:r>
+              <a:rPr lang="vi-VN" sz="2500" b="0" cap="none" spc="0">
+                <a:ln w="0"/>
+                <a:solidFill>
+                  <a:schemeClr val="tx1"/>
+                </a:solidFill>
                 <a:latin typeface="Times New Roman" panose="02020603050405020304" pitchFamily="18" charset="0"/>
                 <a:cs typeface="Times New Roman" panose="02020603050405020304" pitchFamily="18" charset="0"/>
               </a:rPr>
               <a:t>ư</a:t>
             </a:r>
             <a:r>
-              <a:rPr lang="en-US">
-                <a:latin typeface="Times New Roman" panose="02020603050405020304" pitchFamily="18" charset="0"/>
-                <a:cs typeface="Times New Roman" panose="02020603050405020304" pitchFamily="18" charset="0"/>
-              </a:rPr>
-              <a:t>ơng đồng</a:t>
+              <a:rPr lang="en-US" sz="2500" b="0" cap="none" spc="0">
+                <a:ln w="0"/>
+                <a:solidFill>
+                  <a:schemeClr val="tx1"/>
+                </a:solidFill>
+                <a:latin typeface="Times New Roman" panose="02020603050405020304" pitchFamily="18" charset="0"/>
+                <a:cs typeface="Times New Roman" panose="02020603050405020304" pitchFamily="18" charset="0"/>
+              </a:rPr>
+              <a:t>ợc x</a:t>
+            </a:r>
+            <a:r>
+              <a:rPr lang="en-US" sz="2500">
+                <a:ln w="0"/>
+                <a:latin typeface="Times New Roman" panose="02020603050405020304" pitchFamily="18" charset="0"/>
+                <a:cs typeface="Times New Roman" panose="02020603050405020304" pitchFamily="18" charset="0"/>
+              </a:rPr>
+              <a:t>ây dựng bằng cách sử dụng tập ứng dụng gồm 600 ứng dụng, đ</a:t>
+            </a:r>
+            <a:r>
+              <a:rPr lang="vi-VN" sz="2500">
+                <a:ln w="0"/>
+                <a:latin typeface="Times New Roman" panose="02020603050405020304" pitchFamily="18" charset="0"/>
+                <a:cs typeface="Times New Roman" panose="02020603050405020304" pitchFamily="18" charset="0"/>
+              </a:rPr>
+              <a:t>ư</a:t>
+            </a:r>
+            <a:r>
+              <a:rPr lang="en-US" sz="2500">
+                <a:ln w="0"/>
+                <a:latin typeface="Times New Roman" panose="02020603050405020304" pitchFamily="18" charset="0"/>
+                <a:cs typeface="Times New Roman" panose="02020603050405020304" pitchFamily="18" charset="0"/>
+              </a:rPr>
+              <a:t>ợc dịch ng</a:t>
+            </a:r>
+            <a:r>
+              <a:rPr lang="vi-VN" sz="2500">
+                <a:ln w="0"/>
+                <a:latin typeface="Times New Roman" panose="02020603050405020304" pitchFamily="18" charset="0"/>
+                <a:cs typeface="Times New Roman" panose="02020603050405020304" pitchFamily="18" charset="0"/>
+              </a:rPr>
+              <a:t>ư</a:t>
+            </a:r>
+            <a:r>
+              <a:rPr lang="en-US" sz="2500">
+                <a:ln w="0"/>
+                <a:latin typeface="Times New Roman" panose="02020603050405020304" pitchFamily="18" charset="0"/>
+                <a:cs typeface="Times New Roman" panose="02020603050405020304" pitchFamily="18" charset="0"/>
+              </a:rPr>
+              <a:t>ợc và lấy ra những lời gọi API bắt đầu bằng Landoird và Ljava.</a:t>
+            </a:r>
+          </a:p>
+        </p:txBody>
+      </p:sp>
+      <p:sp>
+        <p:nvSpPr>
+          <p:cNvPr id="5" name="Rectangle 4">
+            <a:extLst>
+              <a:ext uri="{FF2B5EF4-FFF2-40B4-BE49-F238E27FC236}">
+                <a16:creationId xmlns:a16="http://schemas.microsoft.com/office/drawing/2014/main" id="{C3B1B317-88C3-4440-8775-397484D9AFEA}"/>
+              </a:ext>
+            </a:extLst>
+          </p:cNvPr>
+          <p:cNvSpPr/>
+          <p:nvPr/>
+        </p:nvSpPr>
+        <p:spPr>
+          <a:xfrm>
+            <a:off x="1066800" y="3958833"/>
+            <a:ext cx="10058400" cy="861774"/>
+          </a:xfrm>
+          <a:prstGeom prst="rect">
+            <a:avLst/>
+          </a:prstGeom>
+          <a:noFill/>
+        </p:spPr>
+        <p:txBody>
+          <a:bodyPr wrap="square" lIns="91440" tIns="45720" rIns="91440" bIns="45720">
+            <a:spAutoFit/>
+          </a:bodyPr>
+          <a:lstStyle/>
+          <a:p>
+            <a:r>
+              <a:rPr lang="en-US" sz="2500" b="0" cap="none" spc="0">
+                <a:ln w="0"/>
+                <a:solidFill>
+                  <a:schemeClr val="tx1"/>
+                </a:solidFill>
+                <a:latin typeface="Times New Roman" panose="02020603050405020304" pitchFamily="18" charset="0"/>
+                <a:cs typeface="Times New Roman" panose="02020603050405020304" pitchFamily="18" charset="0"/>
+              </a:rPr>
+              <a:t>Tiếp theo sẽ đi lấy 250 API đ</a:t>
+            </a:r>
+            <a:r>
+              <a:rPr lang="vi-VN" sz="2500" b="0" cap="none" spc="0">
+                <a:ln w="0"/>
+                <a:solidFill>
+                  <a:schemeClr val="tx1"/>
+                </a:solidFill>
+                <a:latin typeface="Times New Roman" panose="02020603050405020304" pitchFamily="18" charset="0"/>
+                <a:cs typeface="Times New Roman" panose="02020603050405020304" pitchFamily="18" charset="0"/>
+              </a:rPr>
+              <a:t>ư</a:t>
+            </a:r>
+            <a:r>
+              <a:rPr lang="en-US" sz="2500">
+                <a:ln w="0"/>
+                <a:latin typeface="Times New Roman" panose="02020603050405020304" pitchFamily="18" charset="0"/>
+                <a:cs typeface="Times New Roman" panose="02020603050405020304" pitchFamily="18" charset="0"/>
+              </a:rPr>
+              <a:t>ợc sử dụng nhiều nhất của benign và malware, tổng cộng thu thập đ</a:t>
+            </a:r>
+            <a:r>
+              <a:rPr lang="vi-VN" sz="2500">
+                <a:ln w="0"/>
+                <a:latin typeface="Times New Roman" panose="02020603050405020304" pitchFamily="18" charset="0"/>
+                <a:cs typeface="Times New Roman" panose="02020603050405020304" pitchFamily="18" charset="0"/>
+              </a:rPr>
+              <a:t>ư</a:t>
+            </a:r>
+            <a:r>
+              <a:rPr lang="en-US" sz="2500">
+                <a:ln w="0"/>
+                <a:latin typeface="Times New Roman" panose="02020603050405020304" pitchFamily="18" charset="0"/>
+                <a:cs typeface="Times New Roman" panose="02020603050405020304" pitchFamily="18" charset="0"/>
+              </a:rPr>
+              <a:t>ợc 500 API.</a:t>
+            </a:r>
+          </a:p>
+        </p:txBody>
+      </p:sp>
+      <p:sp>
+        <p:nvSpPr>
+          <p:cNvPr id="6" name="Rectangle 5">
+            <a:extLst>
+              <a:ext uri="{FF2B5EF4-FFF2-40B4-BE49-F238E27FC236}">
+                <a16:creationId xmlns:a16="http://schemas.microsoft.com/office/drawing/2014/main" id="{B299D764-F421-43E7-B31C-0EE61B36359E}"/>
+              </a:ext>
+            </a:extLst>
+          </p:cNvPr>
+          <p:cNvSpPr/>
+          <p:nvPr/>
+        </p:nvSpPr>
+        <p:spPr>
+          <a:xfrm>
+            <a:off x="1097280" y="1813966"/>
+            <a:ext cx="10058400" cy="861774"/>
+          </a:xfrm>
+          <a:prstGeom prst="rect">
+            <a:avLst/>
+          </a:prstGeom>
+          <a:noFill/>
+        </p:spPr>
+        <p:txBody>
+          <a:bodyPr wrap="square" lIns="91440" tIns="45720" rIns="91440" bIns="45720">
+            <a:spAutoFit/>
+          </a:bodyPr>
+          <a:lstStyle/>
+          <a:p>
+            <a:pPr algn="just"/>
+            <a:r>
+              <a:rPr lang="en-US" sz="2500">
+                <a:latin typeface="Times New Roman" panose="02020603050405020304" pitchFamily="18" charset="0"/>
+                <a:cs typeface="Times New Roman" panose="02020603050405020304" pitchFamily="18" charset="0"/>
+              </a:rPr>
+              <a:t>Dựa trên nghiên cứu của Jaemin Jung và cộng sự [1], chúng em đi xây dựng một tập dữ liệu API dataset để làm c</a:t>
+            </a:r>
+            <a:r>
+              <a:rPr lang="vi-VN" sz="2500">
+                <a:latin typeface="Times New Roman" panose="02020603050405020304" pitchFamily="18" charset="0"/>
+                <a:cs typeface="Times New Roman" panose="02020603050405020304" pitchFamily="18" charset="0"/>
+              </a:rPr>
+              <a:t>ơ</a:t>
+            </a:r>
+            <a:r>
+              <a:rPr lang="en-US" sz="2500">
+                <a:latin typeface="Times New Roman" panose="02020603050405020304" pitchFamily="18" charset="0"/>
+                <a:cs typeface="Times New Roman" panose="02020603050405020304" pitchFamily="18" charset="0"/>
+              </a:rPr>
+              <a:t> sở trích xuất đặc tr</a:t>
+            </a:r>
+            <a:r>
+              <a:rPr lang="vi-VN" sz="2500">
+                <a:latin typeface="Times New Roman" panose="02020603050405020304" pitchFamily="18" charset="0"/>
+                <a:cs typeface="Times New Roman" panose="02020603050405020304" pitchFamily="18" charset="0"/>
+              </a:rPr>
+              <a:t>ư</a:t>
+            </a:r>
+            <a:r>
+              <a:rPr lang="en-US" sz="2500">
+                <a:latin typeface="Times New Roman" panose="02020603050405020304" pitchFamily="18" charset="0"/>
+                <a:cs typeface="Times New Roman" panose="02020603050405020304" pitchFamily="18" charset="0"/>
+              </a:rPr>
+              <a:t>ng</a:t>
+            </a:r>
+          </a:p>
+        </p:txBody>
+      </p:sp>
+    </p:spTree>
+    <p:extLst>
+      <p:ext uri="{BB962C8B-B14F-4D97-AF65-F5344CB8AC3E}">
+        <p14:creationId xmlns:p14="http://schemas.microsoft.com/office/powerpoint/2010/main" val="924476995"/>
+      </p:ext>
+    </p:extLst>
+  </p:cSld>
+  <p:clrMapOvr>
+    <a:masterClrMapping/>
+  </p:clrMapOvr>
+</p:sld>
+</file>
+
+<file path=ppt/slides/slide12.xml><?xml version="1.0" encoding="utf-8"?>
+<p:sld xmlns:a="http://schemas.openxmlformats.org/drawingml/2006/main" xmlns:r="http://schemas.openxmlformats.org/officeDocument/2006/relationships" xmlns:p="http://schemas.openxmlformats.org/presentationml/2006/main">
+  <p:cSld>
+    <p:spTree>
+      <p:nvGrpSpPr>
+        <p:cNvPr id="1" name=""/>
+        <p:cNvGrpSpPr/>
+        <p:nvPr/>
+      </p:nvGrpSpPr>
+      <p:grpSpPr>
+        <a:xfrm>
+          <a:off x="0" y="0"/>
+          <a:ext cx="0" cy="0"/>
+          <a:chOff x="0" y="0"/>
+          <a:chExt cx="0" cy="0"/>
+        </a:xfrm>
+      </p:grpSpPr>
+      <p:sp>
+        <p:nvSpPr>
+          <p:cNvPr id="2" name="Title 1">
+            <a:extLst>
+              <a:ext uri="{FF2B5EF4-FFF2-40B4-BE49-F238E27FC236}">
+                <a16:creationId xmlns:a16="http://schemas.microsoft.com/office/drawing/2014/main" id="{D7B00236-7A2B-4968-9658-B5C409EA04FA}"/>
+              </a:ext>
+            </a:extLst>
+          </p:cNvPr>
+          <p:cNvSpPr>
+            <a:spLocks noGrp="1"/>
+          </p:cNvSpPr>
+          <p:nvPr>
+            <p:ph type="title"/>
+          </p:nvPr>
+        </p:nvSpPr>
+        <p:spPr/>
+        <p:txBody>
+          <a:bodyPr>
+            <a:normAutofit/>
+          </a:bodyPr>
+          <a:lstStyle/>
+          <a:p>
+            <a:r>
+              <a:rPr lang="en-US" sz="4000">
+                <a:solidFill>
+                  <a:schemeClr val="tx1"/>
+                </a:solidFill>
+                <a:latin typeface="Times New Roman" panose="02020603050405020304" pitchFamily="18" charset="0"/>
+                <a:cs typeface="Times New Roman" panose="02020603050405020304" pitchFamily="18" charset="0"/>
+              </a:rPr>
+              <a:t>Thu thập dữ liệu</a:t>
             </a:r>
           </a:p>
         </p:txBody>
@@ -5087,6 +5445,614 @@
             <p:ph idx="1"/>
           </p:nvPr>
         </p:nvSpPr>
+        <p:spPr/>
+        <p:txBody>
+          <a:bodyPr>
+            <a:normAutofit/>
+          </a:bodyPr>
+          <a:lstStyle/>
+          <a:p>
+            <a:r>
+              <a:rPr lang="en-US" sz="2500">
+                <a:solidFill>
+                  <a:schemeClr val="tx1"/>
+                </a:solidFill>
+                <a:latin typeface="Times New Roman" panose="02020603050405020304" pitchFamily="18" charset="0"/>
+                <a:cs typeface="Times New Roman" panose="02020603050405020304" pitchFamily="18" charset="0"/>
+              </a:rPr>
+              <a:t>Chúng em sử dụng tập dữ liệu CICDataset chứa bao gồm:</a:t>
+            </a:r>
+          </a:p>
+          <a:p>
+            <a:pPr lvl="1"/>
+            <a:r>
+              <a:rPr lang="en-US" sz="2500">
+                <a:solidFill>
+                  <a:schemeClr val="tx1"/>
+                </a:solidFill>
+                <a:latin typeface="Times New Roman" panose="02020603050405020304" pitchFamily="18" charset="0"/>
+                <a:cs typeface="Times New Roman" panose="02020603050405020304" pitchFamily="18" charset="0"/>
+              </a:rPr>
+              <a:t>1415 ứng dụng độc hại adware</a:t>
+            </a:r>
+          </a:p>
+          <a:p>
+            <a:pPr lvl="1"/>
+            <a:r>
+              <a:rPr lang="en-US" sz="2500">
+                <a:solidFill>
+                  <a:schemeClr val="tx1"/>
+                </a:solidFill>
+                <a:latin typeface="Times New Roman" panose="02020603050405020304" pitchFamily="18" charset="0"/>
+                <a:cs typeface="Times New Roman" panose="02020603050405020304" pitchFamily="18" charset="0"/>
+              </a:rPr>
+              <a:t>1900 ứng dụng độc hại banking</a:t>
+            </a:r>
+          </a:p>
+          <a:p>
+            <a:pPr lvl="1"/>
+            <a:r>
+              <a:rPr lang="en-US" sz="2500">
+                <a:solidFill>
+                  <a:schemeClr val="tx1"/>
+                </a:solidFill>
+                <a:latin typeface="Times New Roman" panose="02020603050405020304" pitchFamily="18" charset="0"/>
+                <a:cs typeface="Times New Roman" panose="02020603050405020304" pitchFamily="18" charset="0"/>
+              </a:rPr>
+              <a:t>1911 ứng dụng lành tính benign</a:t>
+            </a:r>
+          </a:p>
+          <a:p>
+            <a:pPr lvl="1"/>
+            <a:r>
+              <a:rPr lang="en-US" sz="2500">
+                <a:solidFill>
+                  <a:schemeClr val="tx1"/>
+                </a:solidFill>
+                <a:latin typeface="Times New Roman" panose="02020603050405020304" pitchFamily="18" charset="0"/>
+                <a:cs typeface="Times New Roman" panose="02020603050405020304" pitchFamily="18" charset="0"/>
+              </a:rPr>
+              <a:t>2262 ứng dụng độc hại riskware</a:t>
+            </a:r>
+          </a:p>
+          <a:p>
+            <a:pPr lvl="1"/>
+            <a:r>
+              <a:rPr lang="en-US" sz="2500">
+                <a:solidFill>
+                  <a:schemeClr val="tx1"/>
+                </a:solidFill>
+                <a:latin typeface="Times New Roman" panose="02020603050405020304" pitchFamily="18" charset="0"/>
+                <a:cs typeface="Times New Roman" panose="02020603050405020304" pitchFamily="18" charset="0"/>
+              </a:rPr>
+              <a:t>4722 ứng dụng độc hại smsmalware</a:t>
+            </a:r>
+          </a:p>
+        </p:txBody>
+      </p:sp>
+    </p:spTree>
+    <p:extLst>
+      <p:ext uri="{BB962C8B-B14F-4D97-AF65-F5344CB8AC3E}">
+        <p14:creationId xmlns:p14="http://schemas.microsoft.com/office/powerpoint/2010/main" val="3892021072"/>
+      </p:ext>
+    </p:extLst>
+  </p:cSld>
+  <p:clrMapOvr>
+    <a:masterClrMapping/>
+  </p:clrMapOvr>
+</p:sld>
+</file>
+
+<file path=ppt/slides/slide13.xml><?xml version="1.0" encoding="utf-8"?>
+<p:sld xmlns:a="http://schemas.openxmlformats.org/drawingml/2006/main" xmlns:r="http://schemas.openxmlformats.org/officeDocument/2006/relationships" xmlns:p="http://schemas.openxmlformats.org/presentationml/2006/main">
+  <p:cSld>
+    <p:spTree>
+      <p:nvGrpSpPr>
+        <p:cNvPr id="1" name=""/>
+        <p:cNvGrpSpPr/>
+        <p:nvPr/>
+      </p:nvGrpSpPr>
+      <p:grpSpPr>
+        <a:xfrm>
+          <a:off x="0" y="0"/>
+          <a:ext cx="0" cy="0"/>
+          <a:chOff x="0" y="0"/>
+          <a:chExt cx="0" cy="0"/>
+        </a:xfrm>
+      </p:grpSpPr>
+      <p:sp>
+        <p:nvSpPr>
+          <p:cNvPr id="2" name="Title 1">
+            <a:extLst>
+              <a:ext uri="{FF2B5EF4-FFF2-40B4-BE49-F238E27FC236}">
+                <a16:creationId xmlns:a16="http://schemas.microsoft.com/office/drawing/2014/main" id="{D7B00236-7A2B-4968-9658-B5C409EA04FA}"/>
+              </a:ext>
+            </a:extLst>
+          </p:cNvPr>
+          <p:cNvSpPr>
+            <a:spLocks noGrp="1"/>
+          </p:cNvSpPr>
+          <p:nvPr>
+            <p:ph type="title"/>
+          </p:nvPr>
+        </p:nvSpPr>
+        <p:spPr/>
+        <p:txBody>
+          <a:bodyPr>
+            <a:normAutofit/>
+          </a:bodyPr>
+          <a:lstStyle/>
+          <a:p>
+            <a:r>
+              <a:rPr lang="en-US" sz="4000">
+                <a:solidFill>
+                  <a:schemeClr val="tx1"/>
+                </a:solidFill>
+                <a:latin typeface="Times New Roman" panose="02020603050405020304" pitchFamily="18" charset="0"/>
+                <a:cs typeface="Times New Roman" panose="02020603050405020304" pitchFamily="18" charset="0"/>
+              </a:rPr>
+              <a:t>Dịch ng</a:t>
+            </a:r>
+            <a:r>
+              <a:rPr lang="vi-VN" sz="4000">
+                <a:solidFill>
+                  <a:schemeClr val="tx1"/>
+                </a:solidFill>
+                <a:latin typeface="Times New Roman" panose="02020603050405020304" pitchFamily="18" charset="0"/>
+                <a:cs typeface="Times New Roman" panose="02020603050405020304" pitchFamily="18" charset="0"/>
+              </a:rPr>
+              <a:t>ư</a:t>
+            </a:r>
+            <a:r>
+              <a:rPr lang="en-US" sz="4000">
+                <a:solidFill>
+                  <a:schemeClr val="tx1"/>
+                </a:solidFill>
+                <a:latin typeface="Times New Roman" panose="02020603050405020304" pitchFamily="18" charset="0"/>
+                <a:cs typeface="Times New Roman" panose="02020603050405020304" pitchFamily="18" charset="0"/>
+              </a:rPr>
+              <a:t>ợc và trích xuất thông tin</a:t>
+            </a:r>
+          </a:p>
+        </p:txBody>
+      </p:sp>
+      <p:sp>
+        <p:nvSpPr>
+          <p:cNvPr id="4" name="Rectangle 3">
+            <a:extLst>
+              <a:ext uri="{FF2B5EF4-FFF2-40B4-BE49-F238E27FC236}">
+                <a16:creationId xmlns:a16="http://schemas.microsoft.com/office/drawing/2014/main" id="{43903413-9ED9-412D-AD6D-7D5C423C1B43}"/>
+              </a:ext>
+            </a:extLst>
+          </p:cNvPr>
+          <p:cNvSpPr/>
+          <p:nvPr/>
+        </p:nvSpPr>
+        <p:spPr>
+          <a:xfrm>
+            <a:off x="419400" y="1846457"/>
+            <a:ext cx="11084884" cy="2015936"/>
+          </a:xfrm>
+          <a:prstGeom prst="rect">
+            <a:avLst/>
+          </a:prstGeom>
+          <a:noFill/>
+        </p:spPr>
+        <p:txBody>
+          <a:bodyPr wrap="square" lIns="91440" tIns="45720" rIns="91440" bIns="45720">
+            <a:spAutoFit/>
+          </a:bodyPr>
+          <a:lstStyle/>
+          <a:p>
+            <a:pPr marL="800100" lvl="1" indent="-342900">
+              <a:buFont typeface="Arial" panose="020B0604020202020204" pitchFamily="34" charset="0"/>
+              <a:buChar char="•"/>
+            </a:pPr>
+            <a:r>
+              <a:rPr lang="en-US" sz="2500">
+                <a:latin typeface="Times New Roman" panose="02020603050405020304" pitchFamily="18" charset="0"/>
+                <a:cs typeface="Times New Roman" panose="02020603050405020304" pitchFamily="18" charset="0"/>
+              </a:rPr>
+              <a:t>Sử dụng một phần mềm bên thứ 3 là apktool để tiến hành dịch ng</a:t>
+            </a:r>
+            <a:r>
+              <a:rPr lang="vi-VN" sz="2500">
+                <a:latin typeface="Times New Roman" panose="02020603050405020304" pitchFamily="18" charset="0"/>
+                <a:cs typeface="Times New Roman" panose="02020603050405020304" pitchFamily="18" charset="0"/>
+              </a:rPr>
+              <a:t>ư</a:t>
+            </a:r>
+            <a:r>
+              <a:rPr lang="en-US" sz="2500">
+                <a:latin typeface="Times New Roman" panose="02020603050405020304" pitchFamily="18" charset="0"/>
+                <a:cs typeface="Times New Roman" panose="02020603050405020304" pitchFamily="18" charset="0"/>
+              </a:rPr>
+              <a:t>ợc.</a:t>
+            </a:r>
+          </a:p>
+          <a:p>
+            <a:pPr marL="800100" lvl="1" indent="-342900">
+              <a:buFont typeface="Arial" panose="020B0604020202020204" pitchFamily="34" charset="0"/>
+              <a:buChar char="•"/>
+            </a:pPr>
+            <a:r>
+              <a:rPr lang="en-US" sz="2500">
+                <a:latin typeface="Times New Roman" panose="02020603050405020304" pitchFamily="18" charset="0"/>
+                <a:cs typeface="Times New Roman" panose="02020603050405020304" pitchFamily="18" charset="0"/>
+              </a:rPr>
+              <a:t>Sau đó chúng em tiến hành đọc từng file và trích xuất thông tin các API mà ứng dụng sử dụng</a:t>
+            </a:r>
+          </a:p>
+          <a:p>
+            <a:pPr marL="800100" lvl="1" indent="-342900">
+              <a:buFont typeface="Arial" panose="020B0604020202020204" pitchFamily="34" charset="0"/>
+              <a:buChar char="•"/>
+            </a:pPr>
+            <a:r>
+              <a:rPr lang="en-US" sz="2500">
+                <a:latin typeface="Times New Roman" panose="02020603050405020304" pitchFamily="18" charset="0"/>
+                <a:cs typeface="Times New Roman" panose="02020603050405020304" pitchFamily="18" charset="0"/>
+              </a:rPr>
+              <a:t>Từ thông tin trích xuất đ</a:t>
+            </a:r>
+            <a:r>
+              <a:rPr lang="vi-VN" sz="2500">
+                <a:latin typeface="Times New Roman" panose="02020603050405020304" pitchFamily="18" charset="0"/>
+                <a:cs typeface="Times New Roman" panose="02020603050405020304" pitchFamily="18" charset="0"/>
+              </a:rPr>
+              <a:t>ư</a:t>
+            </a:r>
+            <a:r>
+              <a:rPr lang="en-US" sz="2500">
+                <a:latin typeface="Times New Roman" panose="02020603050405020304" pitchFamily="18" charset="0"/>
+                <a:cs typeface="Times New Roman" panose="02020603050405020304" pitchFamily="18" charset="0"/>
+              </a:rPr>
+              <a:t>ợc, chúng em xây dựng các ma trận thể hiện mối quan hệ giữa các APP và API.</a:t>
+            </a:r>
+          </a:p>
+        </p:txBody>
+      </p:sp>
+      <p:pic>
+        <p:nvPicPr>
+          <p:cNvPr id="5" name="Picture 4">
+            <a:extLst>
+              <a:ext uri="{FF2B5EF4-FFF2-40B4-BE49-F238E27FC236}">
+                <a16:creationId xmlns:a16="http://schemas.microsoft.com/office/drawing/2014/main" id="{CFC07DA7-72B4-4EE8-811C-6667ADA3ADB1}"/>
+              </a:ext>
+            </a:extLst>
+          </p:cNvPr>
+          <p:cNvPicPr/>
+          <p:nvPr/>
+        </p:nvPicPr>
+        <p:blipFill>
+          <a:blip r:embed="rId2">
+            <a:extLst>
+              <a:ext uri="{28A0092B-C50C-407E-A947-70E740481C1C}">
+                <a14:useLocalDpi xmlns:a14="http://schemas.microsoft.com/office/drawing/2010/main" val="0"/>
+              </a:ext>
+            </a:extLst>
+          </a:blip>
+          <a:srcRect/>
+          <a:stretch>
+            <a:fillRect/>
+          </a:stretch>
+        </p:blipFill>
+        <p:spPr bwMode="auto">
+          <a:xfrm>
+            <a:off x="3110066" y="3971490"/>
+            <a:ext cx="5971868" cy="2245781"/>
+          </a:xfrm>
+          <a:prstGeom prst="rect">
+            <a:avLst/>
+          </a:prstGeom>
+          <a:noFill/>
+          <a:ln>
+            <a:noFill/>
+          </a:ln>
+        </p:spPr>
+      </p:pic>
+    </p:spTree>
+    <p:extLst>
+      <p:ext uri="{BB962C8B-B14F-4D97-AF65-F5344CB8AC3E}">
+        <p14:creationId xmlns:p14="http://schemas.microsoft.com/office/powerpoint/2010/main" val="1673826465"/>
+      </p:ext>
+    </p:extLst>
+  </p:cSld>
+  <p:clrMapOvr>
+    <a:masterClrMapping/>
+  </p:clrMapOvr>
+</p:sld>
+</file>
+
+<file path=ppt/slides/slide14.xml><?xml version="1.0" encoding="utf-8"?>
+<p:sld xmlns:a="http://schemas.openxmlformats.org/drawingml/2006/main" xmlns:r="http://schemas.openxmlformats.org/officeDocument/2006/relationships" xmlns:p="http://schemas.openxmlformats.org/presentationml/2006/main">
+  <p:cSld>
+    <p:spTree>
+      <p:nvGrpSpPr>
+        <p:cNvPr id="1" name=""/>
+        <p:cNvGrpSpPr/>
+        <p:nvPr/>
+      </p:nvGrpSpPr>
+      <p:grpSpPr>
+        <a:xfrm>
+          <a:off x="0" y="0"/>
+          <a:ext cx="0" cy="0"/>
+          <a:chOff x="0" y="0"/>
+          <a:chExt cx="0" cy="0"/>
+        </a:xfrm>
+      </p:grpSpPr>
+      <p:sp>
+        <p:nvSpPr>
+          <p:cNvPr id="2" name="Title 1">
+            <a:extLst>
+              <a:ext uri="{FF2B5EF4-FFF2-40B4-BE49-F238E27FC236}">
+                <a16:creationId xmlns:a16="http://schemas.microsoft.com/office/drawing/2014/main" id="{D7B00236-7A2B-4968-9658-B5C409EA04FA}"/>
+              </a:ext>
+            </a:extLst>
+          </p:cNvPr>
+          <p:cNvSpPr>
+            <a:spLocks noGrp="1"/>
+          </p:cNvSpPr>
+          <p:nvPr>
+            <p:ph type="title"/>
+          </p:nvPr>
+        </p:nvSpPr>
+        <p:spPr/>
+        <p:txBody>
+          <a:bodyPr>
+            <a:normAutofit/>
+          </a:bodyPr>
+          <a:lstStyle/>
+          <a:p>
+            <a:r>
+              <a:rPr lang="en-US" sz="4000">
+                <a:solidFill>
+                  <a:schemeClr val="tx1"/>
+                </a:solidFill>
+                <a:latin typeface="Times New Roman" panose="02020603050405020304" pitchFamily="18" charset="0"/>
+                <a:cs typeface="Times New Roman" panose="02020603050405020304" pitchFamily="18" charset="0"/>
+              </a:rPr>
+              <a:t>Xây dựng ma trận mối quan hệ</a:t>
+            </a:r>
+          </a:p>
+        </p:txBody>
+      </p:sp>
+      <p:sp>
+        <p:nvSpPr>
+          <p:cNvPr id="3" name="Rectangle 2">
+            <a:extLst>
+              <a:ext uri="{FF2B5EF4-FFF2-40B4-BE49-F238E27FC236}">
+                <a16:creationId xmlns:a16="http://schemas.microsoft.com/office/drawing/2014/main" id="{891DA150-7607-470D-B9E6-15DEE7E9436E}"/>
+              </a:ext>
+            </a:extLst>
+          </p:cNvPr>
+          <p:cNvSpPr/>
+          <p:nvPr/>
+        </p:nvSpPr>
+        <p:spPr>
+          <a:xfrm>
+            <a:off x="1097280" y="1915284"/>
+            <a:ext cx="10058400" cy="2785378"/>
+          </a:xfrm>
+          <a:prstGeom prst="rect">
+            <a:avLst/>
+          </a:prstGeom>
+          <a:noFill/>
+        </p:spPr>
+        <p:txBody>
+          <a:bodyPr wrap="square" lIns="91440" tIns="45720" rIns="91440" bIns="45720">
+            <a:spAutoFit/>
+          </a:bodyPr>
+          <a:lstStyle/>
+          <a:p>
+            <a:r>
+              <a:rPr lang="en-US" sz="2500">
+                <a:latin typeface="Times New Roman" panose="02020603050405020304" pitchFamily="18" charset="0"/>
+                <a:cs typeface="Times New Roman" panose="02020603050405020304" pitchFamily="18" charset="0"/>
+              </a:rPr>
+              <a:t>Mạng thông tin không đồng nhất của chúng em có bao gồm bốn loại quan hệ giữa các đối t</a:t>
+            </a:r>
+            <a:r>
+              <a:rPr lang="vi-VN" sz="2500">
+                <a:latin typeface="Times New Roman" panose="02020603050405020304" pitchFamily="18" charset="0"/>
+                <a:cs typeface="Times New Roman" panose="02020603050405020304" pitchFamily="18" charset="0"/>
+              </a:rPr>
+              <a:t>ư</a:t>
+            </a:r>
+            <a:r>
+              <a:rPr lang="en-US" sz="2500">
+                <a:latin typeface="Times New Roman" panose="02020603050405020304" pitchFamily="18" charset="0"/>
+                <a:cs typeface="Times New Roman" panose="02020603050405020304" pitchFamily="18" charset="0"/>
+              </a:rPr>
+              <a:t>ợng bao gồm:</a:t>
+            </a:r>
+          </a:p>
+          <a:p>
+            <a:endParaRPr lang="en-US" sz="2500">
+              <a:latin typeface="Times New Roman" panose="02020603050405020304" pitchFamily="18" charset="0"/>
+              <a:cs typeface="Times New Roman" panose="02020603050405020304" pitchFamily="18" charset="0"/>
+            </a:endParaRPr>
+          </a:p>
+          <a:p>
+            <a:pPr marL="342900" indent="-342900">
+              <a:buFont typeface="Arial" panose="020B0604020202020204" pitchFamily="34" charset="0"/>
+              <a:buChar char="•"/>
+            </a:pPr>
+            <a:r>
+              <a:rPr lang="en-US" sz="2500" b="0" cap="none" spc="0">
+                <a:ln w="0"/>
+                <a:solidFill>
+                  <a:schemeClr val="tx1"/>
+                </a:solidFill>
+                <a:latin typeface="Times New Roman" panose="02020603050405020304" pitchFamily="18" charset="0"/>
+                <a:cs typeface="Times New Roman" panose="02020603050405020304" pitchFamily="18" charset="0"/>
+              </a:rPr>
+              <a:t>Mối quan hệ các </a:t>
+            </a:r>
+            <a:r>
+              <a:rPr lang="en-US" sz="2500">
+                <a:ln w="0"/>
+                <a:latin typeface="Times New Roman" panose="02020603050405020304" pitchFamily="18" charset="0"/>
+                <a:cs typeface="Times New Roman" panose="02020603050405020304" pitchFamily="18" charset="0"/>
+              </a:rPr>
+              <a:t>ứng dụng cùng API</a:t>
+            </a:r>
+          </a:p>
+          <a:p>
+            <a:pPr marL="342900" indent="-342900">
+              <a:buFont typeface="Arial" panose="020B0604020202020204" pitchFamily="34" charset="0"/>
+              <a:buChar char="•"/>
+            </a:pPr>
+            <a:r>
+              <a:rPr lang="en-US" sz="2500" b="0" cap="none" spc="0">
+                <a:ln w="0"/>
+                <a:solidFill>
+                  <a:schemeClr val="tx1"/>
+                </a:solidFill>
+                <a:latin typeface="Times New Roman" panose="02020603050405020304" pitchFamily="18" charset="0"/>
+                <a:cs typeface="Times New Roman" panose="02020603050405020304" pitchFamily="18" charset="0"/>
+              </a:rPr>
+              <a:t>Mối quan hệ các API cùng invoke</a:t>
+            </a:r>
+          </a:p>
+          <a:p>
+            <a:pPr marL="342900" indent="-342900">
+              <a:buFont typeface="Arial" panose="020B0604020202020204" pitchFamily="34" charset="0"/>
+              <a:buChar char="•"/>
+            </a:pPr>
+            <a:r>
+              <a:rPr lang="en-US" sz="2500">
+                <a:ln w="0"/>
+                <a:latin typeface="Times New Roman" panose="02020603050405020304" pitchFamily="18" charset="0"/>
+                <a:cs typeface="Times New Roman" panose="02020603050405020304" pitchFamily="18" charset="0"/>
+              </a:rPr>
+              <a:t>Mối quan hệ các API cùng method</a:t>
+            </a:r>
+          </a:p>
+          <a:p>
+            <a:pPr marL="342900" indent="-342900">
+              <a:buFont typeface="Arial" panose="020B0604020202020204" pitchFamily="34" charset="0"/>
+              <a:buChar char="•"/>
+            </a:pPr>
+            <a:r>
+              <a:rPr lang="en-US" sz="2500">
+                <a:ln w="0"/>
+                <a:latin typeface="Times New Roman" panose="02020603050405020304" pitchFamily="18" charset="0"/>
+                <a:cs typeface="Times New Roman" panose="02020603050405020304" pitchFamily="18" charset="0"/>
+              </a:rPr>
+              <a:t>Mối quan hệ các API cùng package</a:t>
+            </a:r>
+            <a:endParaRPr lang="en-US" sz="2500" b="0" cap="none" spc="0">
+              <a:ln w="0"/>
+              <a:solidFill>
+                <a:schemeClr val="tx1"/>
+              </a:solidFill>
+            </a:endParaRPr>
+          </a:p>
+        </p:txBody>
+      </p:sp>
+    </p:spTree>
+    <p:extLst>
+      <p:ext uri="{BB962C8B-B14F-4D97-AF65-F5344CB8AC3E}">
+        <p14:creationId xmlns:p14="http://schemas.microsoft.com/office/powerpoint/2010/main" val="1534055697"/>
+      </p:ext>
+    </p:extLst>
+  </p:cSld>
+  <p:clrMapOvr>
+    <a:masterClrMapping/>
+  </p:clrMapOvr>
+</p:sld>
+</file>
+
+<file path=ppt/slides/slide15.xml><?xml version="1.0" encoding="utf-8"?>
+<p:sld xmlns:a="http://schemas.openxmlformats.org/drawingml/2006/main" xmlns:r="http://schemas.openxmlformats.org/officeDocument/2006/relationships" xmlns:p="http://schemas.openxmlformats.org/presentationml/2006/main">
+  <p:cSld>
+    <p:spTree>
+      <p:nvGrpSpPr>
+        <p:cNvPr id="1" name=""/>
+        <p:cNvGrpSpPr/>
+        <p:nvPr/>
+      </p:nvGrpSpPr>
+      <p:grpSpPr>
+        <a:xfrm>
+          <a:off x="0" y="0"/>
+          <a:ext cx="0" cy="0"/>
+          <a:chOff x="0" y="0"/>
+          <a:chExt cx="0" cy="0"/>
+        </a:xfrm>
+      </p:grpSpPr>
+      <p:sp>
+        <p:nvSpPr>
+          <p:cNvPr id="2" name="Title 1">
+            <a:extLst>
+              <a:ext uri="{FF2B5EF4-FFF2-40B4-BE49-F238E27FC236}">
+                <a16:creationId xmlns:a16="http://schemas.microsoft.com/office/drawing/2014/main" id="{D7B00236-7A2B-4968-9658-B5C409EA04FA}"/>
+              </a:ext>
+            </a:extLst>
+          </p:cNvPr>
+          <p:cNvSpPr>
+            <a:spLocks noGrp="1"/>
+          </p:cNvSpPr>
+          <p:nvPr>
+            <p:ph type="title"/>
+          </p:nvPr>
+        </p:nvSpPr>
+        <p:spPr/>
+        <p:txBody>
+          <a:bodyPr>
+            <a:normAutofit/>
+          </a:bodyPr>
+          <a:lstStyle/>
+          <a:p>
+            <a:r>
+              <a:rPr lang="en-US" sz="4000">
+                <a:solidFill>
+                  <a:schemeClr val="tx1"/>
+                </a:solidFill>
+                <a:latin typeface="Times New Roman" panose="02020603050405020304" pitchFamily="18" charset="0"/>
+                <a:cs typeface="Times New Roman" panose="02020603050405020304" pitchFamily="18" charset="0"/>
+              </a:rPr>
+              <a:t>Xây dựng ma trận độ đo t</a:t>
+            </a:r>
+            <a:r>
+              <a:rPr lang="vi-VN" sz="4000">
+                <a:solidFill>
+                  <a:schemeClr val="tx1"/>
+                </a:solidFill>
+                <a:latin typeface="Times New Roman" panose="02020603050405020304" pitchFamily="18" charset="0"/>
+                <a:cs typeface="Times New Roman" panose="02020603050405020304" pitchFamily="18" charset="0"/>
+              </a:rPr>
+              <a:t>ư</a:t>
+            </a:r>
+            <a:r>
+              <a:rPr lang="en-US" sz="4000">
+                <a:solidFill>
+                  <a:schemeClr val="tx1"/>
+                </a:solidFill>
+                <a:latin typeface="Times New Roman" panose="02020603050405020304" pitchFamily="18" charset="0"/>
+                <a:cs typeface="Times New Roman" panose="02020603050405020304" pitchFamily="18" charset="0"/>
+              </a:rPr>
+              <a:t>ơng đồng</a:t>
+            </a:r>
+          </a:p>
+        </p:txBody>
+      </p:sp>
+      <p:sp>
+        <p:nvSpPr>
+          <p:cNvPr id="3" name="Content Placeholder 2">
+            <a:extLst>
+              <a:ext uri="{FF2B5EF4-FFF2-40B4-BE49-F238E27FC236}">
+                <a16:creationId xmlns:a16="http://schemas.microsoft.com/office/drawing/2014/main" id="{6A9501BA-1B94-4468-92A7-1C8C29E4D9F5}"/>
+              </a:ext>
+            </a:extLst>
+          </p:cNvPr>
+          <p:cNvSpPr>
+            <a:spLocks noGrp="1"/>
+          </p:cNvSpPr>
+          <p:nvPr>
+            <p:ph idx="1"/>
+          </p:nvPr>
+        </p:nvSpPr>
         <p:spPr>
           <a:xfrm>
             <a:off x="1097280" y="1845734"/>
@@ -5095,48 +6061,25 @@
         </p:spPr>
         <p:txBody>
           <a:bodyPr>
-            <a:normAutofit fontScale="92500"/>
+            <a:normAutofit/>
           </a:bodyPr>
           <a:lstStyle/>
           <a:p>
             <a:pPr algn="just"/>
             <a:r>
-              <a:rPr lang="en-US" sz="3200">
-                <a:solidFill>
-                  <a:schemeClr val="accent6">
-                    <a:lumMod val="50000"/>
-                  </a:schemeClr>
-                </a:solidFill>
-                <a:latin typeface="Times New Roman" panose="02020603050405020304" pitchFamily="18" charset="0"/>
-                <a:cs typeface="Times New Roman" panose="02020603050405020304" pitchFamily="18" charset="0"/>
-              </a:rPr>
-              <a:t>Dựa vào kết quả nghiên cứu của </a:t>
-            </a:r>
-            <a:r>
-              <a:rPr lang="en-US" sz="3200">
-                <a:latin typeface="Times New Roman" panose="02020603050405020304" pitchFamily="18" charset="0"/>
-                <a:cs typeface="Times New Roman" panose="02020603050405020304" pitchFamily="18" charset="0"/>
-              </a:rPr>
-              <a:t>Thanh Van Thai </a:t>
-            </a:r>
-            <a:r>
-              <a:rPr lang="en-US" sz="3200">
-                <a:solidFill>
-                  <a:schemeClr val="accent6">
-                    <a:lumMod val="50000"/>
-                  </a:schemeClr>
-                </a:solidFill>
-                <a:latin typeface="Times New Roman" panose="02020603050405020304" pitchFamily="18" charset="0"/>
-                <a:cs typeface="Times New Roman" panose="02020603050405020304" pitchFamily="18" charset="0"/>
-              </a:rPr>
-              <a:t>và cộng sự [2], bọn em đi bọn em xây dựng các ma trận độ đo t</a:t>
-            </a:r>
-            <a:r>
-              <a:rPr lang="vi-VN" sz="3200">
-                <a:solidFill>
-                  <a:schemeClr val="accent6">
-                    <a:lumMod val="50000"/>
-                  </a:schemeClr>
+              <a:rPr lang="en-US" sz="2500">
+                <a:solidFill>
+                  <a:schemeClr val="tx1"/>
+                </a:solidFill>
+                <a:latin typeface="Times New Roman" panose="02020603050405020304" pitchFamily="18" charset="0"/>
+                <a:cs typeface="Times New Roman" panose="02020603050405020304" pitchFamily="18" charset="0"/>
+              </a:rPr>
+              <a:t>Dựa vào kết quả nghiên cứu của Thanh Van Thai và cộng sự [2], bọn em đi bọn em xây dựng các ma trận độ đo t</a:t>
+            </a:r>
+            <a:r>
+              <a:rPr lang="vi-VN" sz="2500">
+                <a:solidFill>
+                  <a:schemeClr val="tx1"/>
                 </a:solidFill>
                 <a:latin typeface="Times New Roman" panose="02020603050405020304" pitchFamily="18" charset="0"/>
                 <a:cs typeface="Times New Roman" panose="02020603050405020304" pitchFamily="18" charset="0"/>
@@ -5144,11 +6087,9 @@
               <a:t>ư</a:t>
             </a:r>
             <a:r>
-              <a:rPr lang="en-US" sz="3200">
-                <a:solidFill>
-                  <a:schemeClr val="accent6">
-                    <a:lumMod val="50000"/>
-                  </a:schemeClr>
+              <a:rPr lang="en-US" sz="2500">
+                <a:solidFill>
+                  <a:schemeClr val="tx1"/>
                 </a:solidFill>
                 <a:latin typeface="Times New Roman" panose="02020603050405020304" pitchFamily="18" charset="0"/>
                 <a:cs typeface="Times New Roman" panose="02020603050405020304" pitchFamily="18" charset="0"/>
@@ -5156,11 +6097,9 @@
               <a:t>ơng đồng dựa trên 16 siêu đ</a:t>
             </a:r>
             <a:r>
-              <a:rPr lang="vi-VN" sz="3200">
-                <a:solidFill>
-                  <a:schemeClr val="accent6">
-                    <a:lumMod val="50000"/>
-                  </a:schemeClr>
+              <a:rPr lang="vi-VN" sz="2500">
+                <a:solidFill>
+                  <a:schemeClr val="tx1"/>
                 </a:solidFill>
                 <a:latin typeface="Times New Roman" panose="02020603050405020304" pitchFamily="18" charset="0"/>
                 <a:cs typeface="Times New Roman" panose="02020603050405020304" pitchFamily="18" charset="0"/>
@@ -5168,11 +6107,9 @@
               <a:t>ư</a:t>
             </a:r>
             <a:r>
-              <a:rPr lang="en-US" sz="3200">
-                <a:solidFill>
-                  <a:schemeClr val="accent6">
-                    <a:lumMod val="50000"/>
-                  </a:schemeClr>
+              <a:rPr lang="en-US" sz="2500">
+                <a:solidFill>
+                  <a:schemeClr val="tx1"/>
                 </a:solidFill>
                 <a:latin typeface="Times New Roman" panose="02020603050405020304" pitchFamily="18" charset="0"/>
                 <a:cs typeface="Times New Roman" panose="02020603050405020304" pitchFamily="18" charset="0"/>
@@ -5180,11 +6117,9 @@
               <a:t>ờng đi bằng công thức tính độ đo t</a:t>
             </a:r>
             <a:r>
-              <a:rPr lang="vi-VN" sz="3200">
-                <a:solidFill>
-                  <a:schemeClr val="accent6">
-                    <a:lumMod val="50000"/>
-                  </a:schemeClr>
+              <a:rPr lang="vi-VN" sz="2500">
+                <a:solidFill>
+                  <a:schemeClr val="tx1"/>
                 </a:solidFill>
                 <a:latin typeface="Times New Roman" panose="02020603050405020304" pitchFamily="18" charset="0"/>
                 <a:cs typeface="Times New Roman" panose="02020603050405020304" pitchFamily="18" charset="0"/>
@@ -5192,11 +6127,9 @@
               <a:t>ư</a:t>
             </a:r>
             <a:r>
-              <a:rPr lang="en-US" sz="3200">
-                <a:solidFill>
-                  <a:schemeClr val="accent6">
-                    <a:lumMod val="50000"/>
-                  </a:schemeClr>
+              <a:rPr lang="en-US" sz="2500">
+                <a:solidFill>
+                  <a:schemeClr val="tx1"/>
                 </a:solidFill>
                 <a:latin typeface="Times New Roman" panose="02020603050405020304" pitchFamily="18" charset="0"/>
                 <a:cs typeface="Times New Roman" panose="02020603050405020304" pitchFamily="18" charset="0"/>
@@ -5206,11 +6139,9 @@
           </a:p>
           <a:p>
             <a:pPr algn="just"/>
-            <a:endParaRPr lang="en-US" sz="3800">
+            <a:endParaRPr lang="en-US" sz="2500">
               <a:solidFill>
-                <a:schemeClr val="accent6">
-                  <a:lumMod val="50000"/>
-                </a:schemeClr>
+                <a:schemeClr val="tx1"/>
               </a:solidFill>
               <a:latin typeface="Times New Roman" panose="02020603050405020304" pitchFamily="18" charset="0"/>
               <a:cs typeface="Times New Roman" panose="02020603050405020304" pitchFamily="18" charset="0"/>
@@ -5218,11 +6149,9 @@
           </a:p>
           <a:p>
             <a:pPr algn="just"/>
-            <a:endParaRPr lang="en-US" sz="3200">
+            <a:endParaRPr lang="en-US" sz="2500">
               <a:solidFill>
-                <a:schemeClr val="accent6">
-                  <a:lumMod val="50000"/>
-                </a:schemeClr>
+                <a:schemeClr val="tx1"/>
               </a:solidFill>
               <a:latin typeface="Times New Roman" panose="02020603050405020304" pitchFamily="18" charset="0"/>
               <a:cs typeface="Times New Roman" panose="02020603050405020304" pitchFamily="18" charset="0"/>
@@ -5230,8 +6159,8 @@
           </a:p>
         </p:txBody>
       </p:sp>
-      <mc:AlternateContent xmlns:mc="http://schemas.openxmlformats.org/markup-compatibility/2006">
-        <mc:Choice xmlns:a14="http://schemas.microsoft.com/office/drawing/2010/main" Requires="a14">
+      <mc:AlternateContent xmlns:mc="http://schemas.openxmlformats.org/markup-compatibility/2006" xmlns:a14="http://schemas.microsoft.com/office/drawing/2010/main">
+        <mc:Choice Requires="a14">
           <p:sp>
             <p:nvSpPr>
               <p:cNvPr id="4" name="Rectangle 3">
@@ -5246,8 +6175,8 @@
             </p:nvSpPr>
             <p:spPr>
               <a:xfrm>
-                <a:off x="1097280" y="3429000"/>
-                <a:ext cx="10360657" cy="1014317"/>
+                <a:off x="2212200" y="3429000"/>
+                <a:ext cx="8130816" cy="812595"/>
               </a:xfrm>
               <a:prstGeom prst="rect">
                 <a:avLst/>
@@ -5268,22 +6197,18 @@
                     </m:oMathParaPr>
                     <m:oMath xmlns:m="http://schemas.openxmlformats.org/officeDocument/2006/math">
                       <m:r>
-                        <a:rPr lang="en-US" sz="3200" i="1" smtClean="0">
+                        <a:rPr lang="en-US" sz="2500" i="1" smtClean="0">
                           <a:solidFill>
-                            <a:schemeClr val="accent6">
-                              <a:lumMod val="50000"/>
-                            </a:schemeClr>
+                            <a:schemeClr val="tx1"/>
                           </a:solidFill>
                           <a:latin typeface="Cambria Math" panose="02040503050406030204" pitchFamily="18" charset="0"/>
                         </a:rPr>
                         <m:t>𝐴𝑣𝑔𝑆𝑖𝑚</m:t>
                       </m:r>
                       <m:r>
-                        <a:rPr lang="en-US" sz="3200">
+                        <a:rPr lang="en-US" sz="2500">
                           <a:solidFill>
-                            <a:schemeClr val="accent6">
-                              <a:lumMod val="50000"/>
-                            </a:schemeClr>
+                            <a:schemeClr val="tx1"/>
                           </a:solidFill>
                           <a:latin typeface="Cambria Math" panose="02040503050406030204" pitchFamily="18" charset="0"/>
                         </a:rPr>
@@ -5292,11 +6217,9 @@
                       <m:f>
                         <m:fPr>
                           <m:ctrlPr>
-                            <a:rPr lang="en-US" sz="3200" i="1">
+                            <a:rPr lang="en-US" sz="2500" i="1">
                               <a:solidFill>
-                                <a:schemeClr val="accent6">
-                                  <a:lumMod val="50000"/>
-                                </a:schemeClr>
+                                <a:schemeClr val="tx1"/>
                               </a:solidFill>
                               <a:latin typeface="Cambria Math" panose="02040503050406030204" pitchFamily="18" charset="0"/>
                             </a:rPr>
@@ -5304,11 +6227,9 @@
                         </m:fPr>
                         <m:num>
                           <m:r>
-                            <a:rPr lang="en-US" sz="3200">
+                            <a:rPr lang="en-US" sz="2500">
                               <a:solidFill>
-                                <a:schemeClr val="accent6">
-                                  <a:lumMod val="50000"/>
-                                </a:schemeClr>
+                                <a:schemeClr val="tx1"/>
                               </a:solidFill>
                               <a:latin typeface="Cambria Math" panose="02040503050406030204" pitchFamily="18" charset="0"/>
                             </a:rPr>
@@ -5317,11 +6238,9 @@
                         </m:num>
                         <m:den>
                           <m:r>
-                            <a:rPr lang="en-US" sz="3200">
+                            <a:rPr lang="en-US" sz="2500">
                               <a:solidFill>
-                                <a:schemeClr val="accent6">
-                                  <a:lumMod val="50000"/>
-                                </a:schemeClr>
+                                <a:schemeClr val="tx1"/>
                               </a:solidFill>
                               <a:latin typeface="Cambria Math" panose="02040503050406030204" pitchFamily="18" charset="0"/>
                             </a:rPr>
@@ -5330,11 +6249,9 @@
                         </m:den>
                       </m:f>
                       <m:r>
-                        <a:rPr lang="en-US" sz="3200">
+                        <a:rPr lang="en-US" sz="2500">
                           <a:solidFill>
-                            <a:schemeClr val="accent6">
-                              <a:lumMod val="50000"/>
-                            </a:schemeClr>
+                            <a:schemeClr val="tx1"/>
                           </a:solidFill>
                           <a:latin typeface="Cambria Math" panose="02040503050406030204" pitchFamily="18" charset="0"/>
                         </a:rPr>
@@ -5343,11 +6260,9 @@
                       <m:sSub>
                         <m:sSubPr>
                           <m:ctrlPr>
-                            <a:rPr lang="en-US" sz="3200" i="1">
+                            <a:rPr lang="en-US" sz="2500" i="1">
                               <a:solidFill>
-                                <a:schemeClr val="accent6">
-                                  <a:lumMod val="50000"/>
-                                </a:schemeClr>
+                                <a:schemeClr val="tx1"/>
                               </a:solidFill>
                               <a:latin typeface="Cambria Math" panose="02040503050406030204" pitchFamily="18" charset="0"/>
                             </a:rPr>
@@ -5355,11 +6270,9 @@
                         </m:sSubPr>
                         <m:e>
                           <m:r>
-                            <a:rPr lang="en-US" sz="3200" i="1">
+                            <a:rPr lang="en-US" sz="2500" i="1">
                               <a:solidFill>
-                                <a:schemeClr val="accent6">
-                                  <a:lumMod val="50000"/>
-                                </a:schemeClr>
+                                <a:schemeClr val="tx1"/>
                               </a:solidFill>
                               <a:latin typeface="Cambria Math" panose="02040503050406030204" pitchFamily="18" charset="0"/>
                             </a:rPr>
@@ -5370,11 +6283,9 @@
                           <m:sSub>
                             <m:sSubPr>
                               <m:ctrlPr>
-                                <a:rPr lang="en-US" sz="3200" i="1">
+                                <a:rPr lang="en-US" sz="2500" i="1">
                                   <a:solidFill>
-                                    <a:schemeClr val="accent6">
-                                      <a:lumMod val="50000"/>
-                                    </a:schemeClr>
+                                    <a:schemeClr val="tx1"/>
                                   </a:solidFill>
                                   <a:latin typeface="Cambria Math" panose="02040503050406030204" pitchFamily="18" charset="0"/>
                                 </a:rPr>
@@ -5382,11 +6293,9 @@
                             </m:sSubPr>
                             <m:e>
                               <m:r>
-                                <a:rPr lang="en-US" sz="3200" i="1">
+                                <a:rPr lang="en-US" sz="2500" i="1">
                                   <a:solidFill>
-                                    <a:schemeClr val="accent6">
-                                      <a:lumMod val="50000"/>
-                                    </a:schemeClr>
+                                    <a:schemeClr val="tx1"/>
                                   </a:solidFill>
                                   <a:latin typeface="Cambria Math" panose="02040503050406030204" pitchFamily="18" charset="0"/>
                                 </a:rPr>
@@ -5395,11 +6304,9 @@
                             </m:e>
                             <m:sub>
                               <m:r>
-                                <a:rPr lang="en-US" sz="3200">
+                                <a:rPr lang="en-US" sz="2500">
                                   <a:solidFill>
-                                    <a:schemeClr val="accent6">
-                                      <a:lumMod val="50000"/>
-                                    </a:schemeClr>
+                                    <a:schemeClr val="tx1"/>
                                   </a:solidFill>
                                   <a:latin typeface="Cambria Math" panose="02040503050406030204" pitchFamily="18" charset="0"/>
                                 </a:rPr>
@@ -5410,11 +6317,9 @@
                           <m:sSub>
                             <m:sSubPr>
                               <m:ctrlPr>
-                                <a:rPr lang="en-US" sz="3200" i="1">
+                                <a:rPr lang="en-US" sz="2500" i="1">
                                   <a:solidFill>
-                                    <a:schemeClr val="accent6">
-                                      <a:lumMod val="50000"/>
-                                    </a:schemeClr>
+                                    <a:schemeClr val="tx1"/>
                                   </a:solidFill>
                                   <a:latin typeface="Cambria Math" panose="02040503050406030204" pitchFamily="18" charset="0"/>
                                 </a:rPr>
@@ -5422,11 +6327,9 @@
                             </m:sSubPr>
                             <m:e>
                               <m:r>
-                                <a:rPr lang="en-US" sz="3200" i="1">
+                                <a:rPr lang="en-US" sz="2500" i="1">
                                   <a:solidFill>
-                                    <a:schemeClr val="accent6">
-                                      <a:lumMod val="50000"/>
-                                    </a:schemeClr>
+                                    <a:schemeClr val="tx1"/>
                                   </a:solidFill>
                                   <a:latin typeface="Cambria Math" panose="02040503050406030204" pitchFamily="18" charset="0"/>
                                 </a:rPr>
@@ -5435,11 +6338,9 @@
                             </m:e>
                             <m:sub>
                               <m:r>
-                                <a:rPr lang="en-US" sz="3200">
+                                <a:rPr lang="en-US" sz="2500">
                                   <a:solidFill>
-                                    <a:schemeClr val="accent6">
-                                      <a:lumMod val="50000"/>
-                                    </a:schemeClr>
+                                    <a:schemeClr val="tx1"/>
                                   </a:solidFill>
                                   <a:latin typeface="Cambria Math" panose="02040503050406030204" pitchFamily="18" charset="0"/>
                                 </a:rPr>
@@ -5452,11 +6353,9 @@
                       <m:sSub>
                         <m:sSubPr>
                           <m:ctrlPr>
-                            <a:rPr lang="en-US" sz="3200" i="1">
+                            <a:rPr lang="en-US" sz="2500" i="1">
                               <a:solidFill>
-                                <a:schemeClr val="accent6">
-                                  <a:lumMod val="50000"/>
-                                </a:schemeClr>
+                                <a:schemeClr val="tx1"/>
                               </a:solidFill>
                               <a:latin typeface="Cambria Math" panose="02040503050406030204" pitchFamily="18" charset="0"/>
                             </a:rPr>
@@ -5464,11 +6363,9 @@
                         </m:sSubPr>
                         <m:e>
                           <m:r>
-                            <a:rPr lang="en-US" sz="3200" i="1">
+                            <a:rPr lang="en-US" sz="2500" i="1">
                               <a:solidFill>
-                                <a:schemeClr val="accent6">
-                                  <a:lumMod val="50000"/>
-                                </a:schemeClr>
+                                <a:schemeClr val="tx1"/>
                               </a:solidFill>
                               <a:latin typeface="Cambria Math" panose="02040503050406030204" pitchFamily="18" charset="0"/>
                             </a:rPr>
@@ -5479,11 +6376,9 @@
                           <m:sSub>
                             <m:sSubPr>
                               <m:ctrlPr>
-                                <a:rPr lang="en-US" sz="3200" i="1">
+                                <a:rPr lang="en-US" sz="2500" i="1">
                                   <a:solidFill>
-                                    <a:schemeClr val="accent6">
-                                      <a:lumMod val="50000"/>
-                                    </a:schemeClr>
+                                    <a:schemeClr val="tx1"/>
                                   </a:solidFill>
                                   <a:latin typeface="Cambria Math" panose="02040503050406030204" pitchFamily="18" charset="0"/>
                                 </a:rPr>
@@ -5491,11 +6386,9 @@
                             </m:sSubPr>
                             <m:e>
                               <m:r>
-                                <a:rPr lang="en-US" sz="3200" i="1">
+                                <a:rPr lang="en-US" sz="2500" i="1">
                                   <a:solidFill>
-                                    <a:schemeClr val="accent6">
-                                      <a:lumMod val="50000"/>
-                                    </a:schemeClr>
+                                    <a:schemeClr val="tx1"/>
                                   </a:solidFill>
                                   <a:latin typeface="Cambria Math" panose="02040503050406030204" pitchFamily="18" charset="0"/>
                                 </a:rPr>
@@ -5504,11 +6397,9 @@
                             </m:e>
                             <m:sub>
                               <m:r>
-                                <a:rPr lang="en-US" sz="3200">
+                                <a:rPr lang="en-US" sz="2500">
                                   <a:solidFill>
-                                    <a:schemeClr val="accent6">
-                                      <a:lumMod val="50000"/>
-                                    </a:schemeClr>
+                                    <a:schemeClr val="tx1"/>
                                   </a:solidFill>
                                   <a:latin typeface="Cambria Math" panose="02040503050406030204" pitchFamily="18" charset="0"/>
                                 </a:rPr>
@@ -5519,11 +6410,9 @@
                           <m:sSub>
                             <m:sSubPr>
                               <m:ctrlPr>
-                                <a:rPr lang="en-US" sz="3200" i="1">
+                                <a:rPr lang="en-US" sz="2500" i="1">
                                   <a:solidFill>
-                                    <a:schemeClr val="accent6">
-                                      <a:lumMod val="50000"/>
-                                    </a:schemeClr>
+                                    <a:schemeClr val="tx1"/>
                                   </a:solidFill>
                                   <a:latin typeface="Cambria Math" panose="02040503050406030204" pitchFamily="18" charset="0"/>
                                 </a:rPr>
@@ -5531,11 +6420,9 @@
                             </m:sSubPr>
                             <m:e>
                               <m:r>
-                                <a:rPr lang="en-US" sz="3200" i="1">
+                                <a:rPr lang="en-US" sz="2500" i="1">
                                   <a:solidFill>
-                                    <a:schemeClr val="accent6">
-                                      <a:lumMod val="50000"/>
-                                    </a:schemeClr>
+                                    <a:schemeClr val="tx1"/>
                                   </a:solidFill>
                                   <a:latin typeface="Cambria Math" panose="02040503050406030204" pitchFamily="18" charset="0"/>
                                 </a:rPr>
@@ -5544,11 +6431,9 @@
                             </m:e>
                             <m:sub>
                               <m:r>
-                                <a:rPr lang="en-US" sz="3200">
+                                <a:rPr lang="en-US" sz="2500">
                                   <a:solidFill>
-                                    <a:schemeClr val="accent6">
-                                      <a:lumMod val="50000"/>
-                                    </a:schemeClr>
+                                    <a:schemeClr val="tx1"/>
                                   </a:solidFill>
                                   <a:latin typeface="Cambria Math" panose="02040503050406030204" pitchFamily="18" charset="0"/>
                                 </a:rPr>
@@ -5559,11 +6444,9 @@
                         </m:sub>
                       </m:sSub>
                       <m:r>
-                        <a:rPr lang="en-US" sz="3200">
+                        <a:rPr lang="en-US" sz="2500">
                           <a:solidFill>
-                            <a:schemeClr val="accent6">
-                              <a:lumMod val="50000"/>
-                            </a:schemeClr>
+                            <a:schemeClr val="tx1"/>
                           </a:solidFill>
                           <a:latin typeface="Cambria Math" panose="02040503050406030204" pitchFamily="18" charset="0"/>
                         </a:rPr>
@@ -5572,11 +6455,9 @@
                       <m:sSub>
                         <m:sSubPr>
                           <m:ctrlPr>
-                            <a:rPr lang="en-US" sz="3200" i="1">
+                            <a:rPr lang="en-US" sz="2500" i="1">
                               <a:solidFill>
-                                <a:schemeClr val="accent6">
-                                  <a:lumMod val="50000"/>
-                                </a:schemeClr>
+                                <a:schemeClr val="tx1"/>
                               </a:solidFill>
                               <a:latin typeface="Cambria Math" panose="02040503050406030204" pitchFamily="18" charset="0"/>
                             </a:rPr>
@@ -5584,11 +6465,9 @@
                         </m:sSubPr>
                         <m:e>
                           <m:r>
-                            <a:rPr lang="en-US" sz="3200" i="1">
+                            <a:rPr lang="en-US" sz="2500" i="1">
                               <a:solidFill>
-                                <a:schemeClr val="accent6">
-                                  <a:lumMod val="50000"/>
-                                </a:schemeClr>
+                                <a:schemeClr val="tx1"/>
                               </a:solidFill>
                               <a:latin typeface="Cambria Math" panose="02040503050406030204" pitchFamily="18" charset="0"/>
                             </a:rPr>
@@ -5599,11 +6478,9 @@
                           <m:sSub>
                             <m:sSubPr>
                               <m:ctrlPr>
-                                <a:rPr lang="en-US" sz="3200" i="1">
+                                <a:rPr lang="en-US" sz="2500" i="1">
                                   <a:solidFill>
-                                    <a:schemeClr val="accent6">
-                                      <a:lumMod val="50000"/>
-                                    </a:schemeClr>
+                                    <a:schemeClr val="tx1"/>
                                   </a:solidFill>
                                   <a:latin typeface="Cambria Math" panose="02040503050406030204" pitchFamily="18" charset="0"/>
                                 </a:rPr>
@@ -5611,11 +6488,9 @@
                             </m:sSubPr>
                             <m:e>
                               <m:r>
-                                <a:rPr lang="en-US" sz="3200" i="1">
+                                <a:rPr lang="en-US" sz="2500" i="1">
                                   <a:solidFill>
-                                    <a:schemeClr val="accent6">
-                                      <a:lumMod val="50000"/>
-                                    </a:schemeClr>
+                                    <a:schemeClr val="tx1"/>
                                   </a:solidFill>
                                   <a:latin typeface="Cambria Math" panose="02040503050406030204" pitchFamily="18" charset="0"/>
                                 </a:rPr>
@@ -5624,11 +6499,9 @@
                             </m:e>
                             <m:sub>
                               <m:r>
-                                <a:rPr lang="en-US" sz="3200" i="1">
+                                <a:rPr lang="en-US" sz="2500" i="1">
                                   <a:solidFill>
-                                    <a:schemeClr val="accent6">
-                                      <a:lumMod val="50000"/>
-                                    </a:schemeClr>
+                                    <a:schemeClr val="tx1"/>
                                   </a:solidFill>
                                   <a:latin typeface="Cambria Math" panose="02040503050406030204" pitchFamily="18" charset="0"/>
                                 </a:rPr>
@@ -5639,11 +6512,9 @@
                           <m:sSub>
                             <m:sSubPr>
                               <m:ctrlPr>
-                                <a:rPr lang="en-US" sz="3200" i="1">
+                                <a:rPr lang="en-US" sz="2500" i="1">
                                   <a:solidFill>
-                                    <a:schemeClr val="accent6">
-                                      <a:lumMod val="50000"/>
-                                    </a:schemeClr>
+                                    <a:schemeClr val="tx1"/>
                                   </a:solidFill>
                                   <a:latin typeface="Cambria Math" panose="02040503050406030204" pitchFamily="18" charset="0"/>
                                 </a:rPr>
@@ -5651,11 +6522,9 @@
                             </m:sSubPr>
                             <m:e>
                               <m:r>
-                                <a:rPr lang="en-US" sz="3200" i="1">
+                                <a:rPr lang="en-US" sz="2500" i="1">
                                   <a:solidFill>
-                                    <a:schemeClr val="accent6">
-                                      <a:lumMod val="50000"/>
-                                    </a:schemeClr>
+                                    <a:schemeClr val="tx1"/>
                                   </a:solidFill>
                                   <a:latin typeface="Cambria Math" panose="02040503050406030204" pitchFamily="18" charset="0"/>
                                 </a:rPr>
@@ -5664,22 +6533,18 @@
                             </m:e>
                             <m:sub>
                               <m:r>
-                                <a:rPr lang="en-US" sz="3200" i="1">
+                                <a:rPr lang="en-US" sz="2500" i="1">
                                   <a:solidFill>
-                                    <a:schemeClr val="accent6">
-                                      <a:lumMod val="50000"/>
-                                    </a:schemeClr>
+                                    <a:schemeClr val="tx1"/>
                                   </a:solidFill>
                                   <a:latin typeface="Cambria Math" panose="02040503050406030204" pitchFamily="18" charset="0"/>
                                 </a:rPr>
                                 <m:t>𝑙</m:t>
                               </m:r>
                               <m:r>
-                                <a:rPr lang="en-US" sz="3200">
+                                <a:rPr lang="en-US" sz="2500">
                                   <a:solidFill>
-                                    <a:schemeClr val="accent6">
-                                      <a:lumMod val="50000"/>
-                                    </a:schemeClr>
+                                    <a:schemeClr val="tx1"/>
                                   </a:solidFill>
                                   <a:latin typeface="Cambria Math" panose="02040503050406030204" pitchFamily="18" charset="0"/>
                                 </a:rPr>
@@ -5690,11 +6555,9 @@
                         </m:sub>
                       </m:sSub>
                       <m:r>
-                        <a:rPr lang="en-US" sz="3200">
+                        <a:rPr lang="en-US" sz="2500">
                           <a:solidFill>
-                            <a:schemeClr val="accent6">
-                              <a:lumMod val="50000"/>
-                            </a:schemeClr>
+                            <a:schemeClr val="tx1"/>
                           </a:solidFill>
                           <a:latin typeface="Cambria Math" panose="02040503050406030204" pitchFamily="18" charset="0"/>
                         </a:rPr>
@@ -5703,11 +6566,9 @@
                       <m:sSub>
                         <m:sSubPr>
                           <m:ctrlPr>
-                            <a:rPr lang="en-US" sz="3200" i="1">
+                            <a:rPr lang="en-US" sz="2500" i="1">
                               <a:solidFill>
-                                <a:schemeClr val="accent6">
-                                  <a:lumMod val="50000"/>
-                                </a:schemeClr>
+                                <a:schemeClr val="tx1"/>
                               </a:solidFill>
                               <a:latin typeface="Cambria Math" panose="02040503050406030204" pitchFamily="18" charset="0"/>
                             </a:rPr>
@@ -5715,11 +6576,9 @@
                         </m:sSubPr>
                         <m:e>
                           <m:r>
-                            <a:rPr lang="en-US" sz="3200" i="1">
+                            <a:rPr lang="en-US" sz="2500" i="1">
                               <a:solidFill>
-                                <a:schemeClr val="accent6">
-                                  <a:lumMod val="50000"/>
-                                </a:schemeClr>
+                                <a:schemeClr val="tx1"/>
                               </a:solidFill>
                               <a:latin typeface="Cambria Math" panose="02040503050406030204" pitchFamily="18" charset="0"/>
                             </a:rPr>
@@ -5730,11 +6589,9 @@
                           <m:sSub>
                             <m:sSubPr>
                               <m:ctrlPr>
-                                <a:rPr lang="en-US" sz="3200" i="1">
+                                <a:rPr lang="en-US" sz="2500" i="1">
                                   <a:solidFill>
-                                    <a:schemeClr val="accent6">
-                                      <a:lumMod val="50000"/>
-                                    </a:schemeClr>
+                                    <a:schemeClr val="tx1"/>
                                   </a:solidFill>
                                   <a:latin typeface="Cambria Math" panose="02040503050406030204" pitchFamily="18" charset="0"/>
                                 </a:rPr>
@@ -5742,11 +6599,9 @@
                             </m:sSubPr>
                             <m:e>
                               <m:r>
-                                <a:rPr lang="en-US" sz="3200" i="1">
+                                <a:rPr lang="en-US" sz="2500" i="1">
                                   <a:solidFill>
-                                    <a:schemeClr val="accent6">
-                                      <a:lumMod val="50000"/>
-                                    </a:schemeClr>
+                                    <a:schemeClr val="tx1"/>
                                   </a:solidFill>
                                   <a:latin typeface="Cambria Math" panose="02040503050406030204" pitchFamily="18" charset="0"/>
                                 </a:rPr>
@@ -5755,11 +6610,9 @@
                             </m:e>
                             <m:sub>
                               <m:r>
-                                <a:rPr lang="en-US" sz="3200">
+                                <a:rPr lang="en-US" sz="2500">
                                   <a:solidFill>
-                                    <a:schemeClr val="accent6">
-                                      <a:lumMod val="50000"/>
-                                    </a:schemeClr>
+                                    <a:schemeClr val="tx1"/>
                                   </a:solidFill>
                                   <a:latin typeface="Cambria Math" panose="02040503050406030204" pitchFamily="18" charset="0"/>
                                 </a:rPr>
@@ -5770,11 +6623,9 @@
                           <m:sSub>
                             <m:sSubPr>
                               <m:ctrlPr>
-                                <a:rPr lang="en-US" sz="3200" i="1">
+                                <a:rPr lang="en-US" sz="2500" i="1">
                                   <a:solidFill>
-                                    <a:schemeClr val="accent6">
-                                      <a:lumMod val="50000"/>
-                                    </a:schemeClr>
+                                    <a:schemeClr val="tx1"/>
                                   </a:solidFill>
                                   <a:latin typeface="Cambria Math" panose="02040503050406030204" pitchFamily="18" charset="0"/>
                                 </a:rPr>
@@ -5782,11 +6633,9 @@
                             </m:sSubPr>
                             <m:e>
                               <m:r>
-                                <a:rPr lang="en-US" sz="3200" i="1">
+                                <a:rPr lang="en-US" sz="2500" i="1">
                                   <a:solidFill>
-                                    <a:schemeClr val="accent6">
-                                      <a:lumMod val="50000"/>
-                                    </a:schemeClr>
+                                    <a:schemeClr val="tx1"/>
                                   </a:solidFill>
                                   <a:latin typeface="Cambria Math" panose="02040503050406030204" pitchFamily="18" charset="0"/>
                                 </a:rPr>
@@ -5795,11 +6644,9 @@
                             </m:e>
                             <m:sub>
                               <m:r>
-                                <a:rPr lang="en-US" sz="3200">
+                                <a:rPr lang="en-US" sz="2500">
                                   <a:solidFill>
-                                    <a:schemeClr val="accent6">
-                                      <a:lumMod val="50000"/>
-                                    </a:schemeClr>
+                                    <a:schemeClr val="tx1"/>
                                   </a:solidFill>
                                   <a:latin typeface="Cambria Math" panose="02040503050406030204" pitchFamily="18" charset="0"/>
                                 </a:rPr>
@@ -5812,11 +6659,9 @@
                       <m:sSub>
                         <m:sSubPr>
                           <m:ctrlPr>
-                            <a:rPr lang="en-US" sz="3200" i="1">
+                            <a:rPr lang="en-US" sz="2500" i="1">
                               <a:solidFill>
-                                <a:schemeClr val="accent6">
-                                  <a:lumMod val="50000"/>
-                                </a:schemeClr>
+                                <a:schemeClr val="tx1"/>
                               </a:solidFill>
                               <a:latin typeface="Cambria Math" panose="02040503050406030204" pitchFamily="18" charset="0"/>
                             </a:rPr>
@@ -5824,11 +6669,9 @@
                         </m:sSubPr>
                         <m:e>
                           <m:r>
-                            <a:rPr lang="en-US" sz="3200" i="1">
+                            <a:rPr lang="en-US" sz="2500" i="1">
                               <a:solidFill>
-                                <a:schemeClr val="accent6">
-                                  <a:lumMod val="50000"/>
-                                </a:schemeClr>
+                                <a:schemeClr val="tx1"/>
                               </a:solidFill>
                               <a:latin typeface="Cambria Math" panose="02040503050406030204" pitchFamily="18" charset="0"/>
                             </a:rPr>
@@ -5839,11 +6682,9 @@
                           <m:sSub>
                             <m:sSubPr>
                               <m:ctrlPr>
-                                <a:rPr lang="en-US" sz="3200" i="1">
+                                <a:rPr lang="en-US" sz="2500" i="1">
                                   <a:solidFill>
-                                    <a:schemeClr val="accent6">
-                                      <a:lumMod val="50000"/>
-                                    </a:schemeClr>
+                                    <a:schemeClr val="tx1"/>
                                   </a:solidFill>
                                   <a:latin typeface="Cambria Math" panose="02040503050406030204" pitchFamily="18" charset="0"/>
                                 </a:rPr>
@@ -5851,11 +6692,9 @@
                             </m:sSubPr>
                             <m:e>
                               <m:r>
-                                <a:rPr lang="en-US" sz="3200" i="1">
+                                <a:rPr lang="en-US" sz="2500" i="1">
                                   <a:solidFill>
-                                    <a:schemeClr val="accent6">
-                                      <a:lumMod val="50000"/>
-                                    </a:schemeClr>
+                                    <a:schemeClr val="tx1"/>
                                   </a:solidFill>
                                   <a:latin typeface="Cambria Math" panose="02040503050406030204" pitchFamily="18" charset="0"/>
                                 </a:rPr>
@@ -5864,11 +6703,9 @@
                             </m:e>
                             <m:sub>
                               <m:r>
-                                <a:rPr lang="en-US" sz="3200">
+                                <a:rPr lang="en-US" sz="2500">
                                   <a:solidFill>
-                                    <a:schemeClr val="accent6">
-                                      <a:lumMod val="50000"/>
-                                    </a:schemeClr>
+                                    <a:schemeClr val="tx1"/>
                                   </a:solidFill>
                                   <a:latin typeface="Cambria Math" panose="02040503050406030204" pitchFamily="18" charset="0"/>
                                 </a:rPr>
@@ -5879,11 +6716,9 @@
                           <m:sSub>
                             <m:sSubPr>
                               <m:ctrlPr>
-                                <a:rPr lang="en-US" sz="3200" i="1">
+                                <a:rPr lang="en-US" sz="2500" i="1">
                                   <a:solidFill>
-                                    <a:schemeClr val="accent6">
-                                      <a:lumMod val="50000"/>
-                                    </a:schemeClr>
+                                    <a:schemeClr val="tx1"/>
                                   </a:solidFill>
                                   <a:latin typeface="Cambria Math" panose="02040503050406030204" pitchFamily="18" charset="0"/>
                                 </a:rPr>
@@ -5891,11 +6726,9 @@
                             </m:sSubPr>
                             <m:e>
                               <m:r>
-                                <a:rPr lang="en-US" sz="3200" i="1">
+                                <a:rPr lang="en-US" sz="2500" i="1">
                                   <a:solidFill>
-                                    <a:schemeClr val="accent6">
-                                      <a:lumMod val="50000"/>
-                                    </a:schemeClr>
+                                    <a:schemeClr val="tx1"/>
                                   </a:solidFill>
                                   <a:latin typeface="Cambria Math" panose="02040503050406030204" pitchFamily="18" charset="0"/>
                                 </a:rPr>
@@ -5904,11 +6737,9 @@
                             </m:e>
                             <m:sub>
                               <m:r>
-                                <a:rPr lang="en-US" sz="3200">
+                                <a:rPr lang="en-US" sz="2500">
                                   <a:solidFill>
-                                    <a:schemeClr val="accent6">
-                                      <a:lumMod val="50000"/>
-                                    </a:schemeClr>
+                                    <a:schemeClr val="tx1"/>
                                   </a:solidFill>
                                   <a:latin typeface="Cambria Math" panose="02040503050406030204" pitchFamily="18" charset="0"/>
                                 </a:rPr>
@@ -5919,11 +6750,9 @@
                         </m:sub>
                       </m:sSub>
                       <m:r>
-                        <a:rPr lang="en-US" sz="3200">
+                        <a:rPr lang="en-US" sz="2500">
                           <a:solidFill>
-                            <a:schemeClr val="accent6">
-                              <a:lumMod val="50000"/>
-                            </a:schemeClr>
+                            <a:schemeClr val="tx1"/>
                           </a:solidFill>
                           <a:latin typeface="Cambria Math" panose="02040503050406030204" pitchFamily="18" charset="0"/>
                         </a:rPr>
@@ -5932,11 +6761,9 @@
                       <m:sSub>
                         <m:sSubPr>
                           <m:ctrlPr>
-                            <a:rPr lang="en-US" sz="3200" i="1">
+                            <a:rPr lang="en-US" sz="2500" i="1">
                               <a:solidFill>
-                                <a:schemeClr val="accent6">
-                                  <a:lumMod val="50000"/>
-                                </a:schemeClr>
+                                <a:schemeClr val="tx1"/>
                               </a:solidFill>
                               <a:latin typeface="Cambria Math" panose="02040503050406030204" pitchFamily="18" charset="0"/>
                             </a:rPr>
@@ -5944,11 +6771,9 @@
                         </m:sSubPr>
                         <m:e>
                           <m:r>
-                            <a:rPr lang="en-US" sz="3200" i="1">
+                            <a:rPr lang="en-US" sz="2500" i="1">
                               <a:solidFill>
-                                <a:schemeClr val="accent6">
-                                  <a:lumMod val="50000"/>
-                                </a:schemeClr>
+                                <a:schemeClr val="tx1"/>
                               </a:solidFill>
                               <a:latin typeface="Cambria Math" panose="02040503050406030204" pitchFamily="18" charset="0"/>
                             </a:rPr>
@@ -5959,11 +6784,9 @@
                           <m:sSub>
                             <m:sSubPr>
                               <m:ctrlPr>
-                                <a:rPr lang="en-US" sz="3200" i="1">
+                                <a:rPr lang="en-US" sz="2500" i="1">
                                   <a:solidFill>
-                                    <a:schemeClr val="accent6">
-                                      <a:lumMod val="50000"/>
-                                    </a:schemeClr>
+                                    <a:schemeClr val="tx1"/>
                                   </a:solidFill>
                                   <a:latin typeface="Cambria Math" panose="02040503050406030204" pitchFamily="18" charset="0"/>
                                 </a:rPr>
@@ -5971,11 +6794,9 @@
                             </m:sSubPr>
                             <m:e>
                               <m:r>
-                                <a:rPr lang="en-US" sz="3200" i="1">
+                                <a:rPr lang="en-US" sz="2500" i="1">
                                   <a:solidFill>
-                                    <a:schemeClr val="accent6">
-                                      <a:lumMod val="50000"/>
-                                    </a:schemeClr>
+                                    <a:schemeClr val="tx1"/>
                                   </a:solidFill>
                                   <a:latin typeface="Cambria Math" panose="02040503050406030204" pitchFamily="18" charset="0"/>
                                 </a:rPr>
@@ -5984,11 +6805,9 @@
                             </m:e>
                             <m:sub>
                               <m:r>
-                                <a:rPr lang="en-US" sz="3200" i="1">
+                                <a:rPr lang="en-US" sz="2500" i="1">
                                   <a:solidFill>
-                                    <a:schemeClr val="accent6">
-                                      <a:lumMod val="50000"/>
-                                    </a:schemeClr>
+                                    <a:schemeClr val="tx1"/>
                                   </a:solidFill>
                                   <a:latin typeface="Cambria Math" panose="02040503050406030204" pitchFamily="18" charset="0"/>
                                 </a:rPr>
@@ -5999,11 +6818,9 @@
                           <m:sSub>
                             <m:sSubPr>
                               <m:ctrlPr>
-                                <a:rPr lang="en-US" sz="3200" i="1">
+                                <a:rPr lang="en-US" sz="2500" i="1">
                                   <a:solidFill>
-                                    <a:schemeClr val="accent6">
-                                      <a:lumMod val="50000"/>
-                                    </a:schemeClr>
+                                    <a:schemeClr val="tx1"/>
                                   </a:solidFill>
                                   <a:latin typeface="Cambria Math" panose="02040503050406030204" pitchFamily="18" charset="0"/>
                                 </a:rPr>
@@ -6011,11 +6828,9 @@
                             </m:sSubPr>
                             <m:e>
                               <m:r>
-                                <a:rPr lang="en-US" sz="3200" i="1">
+                                <a:rPr lang="en-US" sz="2500" i="1">
                                   <a:solidFill>
-                                    <a:schemeClr val="accent6">
-                                      <a:lumMod val="50000"/>
-                                    </a:schemeClr>
+                                    <a:schemeClr val="tx1"/>
                                   </a:solidFill>
                                   <a:latin typeface="Cambria Math" panose="02040503050406030204" pitchFamily="18" charset="0"/>
                                 </a:rPr>
@@ -6024,22 +6839,18 @@
                             </m:e>
                             <m:sub>
                               <m:r>
-                                <a:rPr lang="en-US" sz="3200" i="1">
+                                <a:rPr lang="en-US" sz="2500" i="1">
                                   <a:solidFill>
-                                    <a:schemeClr val="accent6">
-                                      <a:lumMod val="50000"/>
-                                    </a:schemeClr>
+                                    <a:schemeClr val="tx1"/>
                                   </a:solidFill>
                                   <a:latin typeface="Cambria Math" panose="02040503050406030204" pitchFamily="18" charset="0"/>
                                 </a:rPr>
                                 <m:t>𝑙</m:t>
                               </m:r>
                               <m:r>
-                                <a:rPr lang="en-US" sz="3200">
+                                <a:rPr lang="en-US" sz="2500">
                                   <a:solidFill>
-                                    <a:schemeClr val="accent6">
-                                      <a:lumMod val="50000"/>
-                                    </a:schemeClr>
+                                    <a:schemeClr val="tx1"/>
                                   </a:solidFill>
                                   <a:latin typeface="Cambria Math" panose="02040503050406030204" pitchFamily="18" charset="0"/>
                                 </a:rPr>
@@ -6050,11 +6861,9 @@
                         </m:sub>
                       </m:sSub>
                       <m:r>
-                        <a:rPr lang="en-US" sz="3200">
+                        <a:rPr lang="en-US" sz="2500">
                           <a:solidFill>
-                            <a:schemeClr val="accent6">
-                              <a:lumMod val="50000"/>
-                            </a:schemeClr>
+                            <a:schemeClr val="tx1"/>
                           </a:solidFill>
                           <a:latin typeface="Cambria Math" panose="02040503050406030204" pitchFamily="18" charset="0"/>
                         </a:rPr>
@@ -6063,11 +6872,9 @@
                     </m:oMath>
                   </m:oMathPara>
                 </a14:m>
-                <a:endParaRPr lang="en-US" sz="3200">
+                <a:endParaRPr lang="en-US" sz="2500">
                   <a:solidFill>
-                    <a:schemeClr val="accent6">
-                      <a:lumMod val="50000"/>
-                    </a:schemeClr>
+                    <a:schemeClr val="tx1"/>
                   </a:solidFill>
                   <a:latin typeface="Times New Roman" panose="02020603050405020304" pitchFamily="18" charset="0"/>
                   <a:cs typeface="Times New Roman" panose="02020603050405020304" pitchFamily="18" charset="0"/>
@@ -6076,7 +6883,7 @@
             </p:txBody>
           </p:sp>
         </mc:Choice>
-        <mc:Fallback>
+        <mc:Fallback xmlns="">
           <p:sp>
             <p:nvSpPr>
               <p:cNvPr id="4" name="Rectangle 3">
@@ -6093,8 +6900,8 @@
             </p:nvSpPr>
             <p:spPr>
               <a:xfrm>
-                <a:off x="1097280" y="3429000"/>
-                <a:ext cx="10360657" cy="1014317"/>
+                <a:off x="2212200" y="3429000"/>
+                <a:ext cx="8130816" cy="812595"/>
               </a:xfrm>
               <a:prstGeom prst="rect">
                 <a:avLst/>
@@ -6121,8 +6928,8 @@
           </p:sp>
         </mc:Fallback>
       </mc:AlternateContent>
-      <mc:AlternateContent xmlns:mc="http://schemas.openxmlformats.org/markup-compatibility/2006">
-        <mc:Choice xmlns:a14="http://schemas.microsoft.com/office/drawing/2010/main" Requires="a14">
+      <mc:AlternateContent xmlns:mc="http://schemas.openxmlformats.org/markup-compatibility/2006" xmlns:a14="http://schemas.microsoft.com/office/drawing/2010/main">
+        <mc:Choice Requires="a14">
           <p:sp>
             <p:nvSpPr>
               <p:cNvPr id="5" name="Rectangle 4">
@@ -6138,7 +6945,7 @@
             <p:spPr>
               <a:xfrm>
                 <a:off x="1097281" y="4528897"/>
-                <a:ext cx="10058400" cy="1745991"/>
+                <a:ext cx="10058400" cy="1384353"/>
               </a:xfrm>
               <a:prstGeom prst="rect">
                 <a:avLst/>
@@ -6153,11 +6960,9 @@
               <a:p>
                 <a:pPr algn="just"/>
                 <a:r>
-                  <a:rPr lang="en-US" sz="3200">
+                  <a:rPr lang="en-US" sz="2500">
                     <a:solidFill>
-                      <a:schemeClr val="accent6">
-                        <a:lumMod val="50000"/>
-                      </a:schemeClr>
+                      <a:schemeClr val="tx1"/>
                     </a:solidFill>
                     <a:latin typeface="Times New Roman" panose="02020603050405020304" pitchFamily="18" charset="0"/>
                     <a:cs typeface="Times New Roman" panose="02020603050405020304" pitchFamily="18" charset="0"/>
@@ -6172,11 +6977,9 @@
                     <m:sSub>
                       <m:sSubPr>
                         <m:ctrlPr>
-                          <a:rPr lang="en-US" sz="3200" i="1">
+                          <a:rPr lang="en-US" sz="2500" i="1">
                             <a:solidFill>
-                              <a:schemeClr val="accent6">
-                                <a:lumMod val="50000"/>
-                              </a:schemeClr>
+                              <a:schemeClr val="tx1"/>
                             </a:solidFill>
                             <a:latin typeface="Cambria Math" panose="02040503050406030204" pitchFamily="18" charset="0"/>
                             <a:cs typeface="Times New Roman" panose="02020603050405020304" pitchFamily="18" charset="0"/>
@@ -6185,11 +6988,9 @@
                       </m:sSubPr>
                       <m:e>
                         <m:r>
-                          <a:rPr lang="en-US" sz="3200" i="1">
+                          <a:rPr lang="en-US" sz="2500" i="1">
                             <a:solidFill>
-                              <a:schemeClr val="accent6">
-                                <a:lumMod val="50000"/>
-                              </a:schemeClr>
+                              <a:schemeClr val="tx1"/>
                             </a:solidFill>
                             <a:latin typeface="Cambria Math" panose="02040503050406030204" pitchFamily="18" charset="0"/>
                             <a:cs typeface="Times New Roman" panose="02020603050405020304" pitchFamily="18" charset="0"/>
@@ -6201,11 +7002,9 @@
                         <m:sSub>
                           <m:sSubPr>
                             <m:ctrlPr>
-                              <a:rPr lang="en-US" sz="3200" i="1">
+                              <a:rPr lang="en-US" sz="2500" i="1">
                                 <a:solidFill>
-                                  <a:schemeClr val="accent6">
-                                    <a:lumMod val="50000"/>
-                                  </a:schemeClr>
+                                  <a:schemeClr val="tx1"/>
                                 </a:solidFill>
                                 <a:latin typeface="Cambria Math" panose="02040503050406030204" pitchFamily="18" charset="0"/>
                                 <a:cs typeface="Times New Roman" panose="02020603050405020304" pitchFamily="18" charset="0"/>
@@ -6214,11 +7013,9 @@
                           </m:sSubPr>
                           <m:e>
                             <m:r>
-                              <a:rPr lang="en-US" sz="3200" i="1">
+                              <a:rPr lang="en-US" sz="2500" i="1">
                                 <a:solidFill>
-                                  <a:schemeClr val="accent6">
-                                    <a:lumMod val="50000"/>
-                                  </a:schemeClr>
+                                  <a:schemeClr val="tx1"/>
                                 </a:solidFill>
                                 <a:latin typeface="Cambria Math" panose="02040503050406030204" pitchFamily="18" charset="0"/>
                                 <a:cs typeface="Times New Roman" panose="02020603050405020304" pitchFamily="18" charset="0"/>
@@ -6228,11 +7025,9 @@
                           </m:e>
                           <m:sub>
                             <m:r>
-                              <a:rPr lang="en-US" sz="3200" i="1">
+                              <a:rPr lang="en-US" sz="2500" i="1">
                                 <a:solidFill>
-                                  <a:schemeClr val="accent6">
-                                    <a:lumMod val="50000"/>
-                                  </a:schemeClr>
+                                  <a:schemeClr val="tx1"/>
                                 </a:solidFill>
                                 <a:latin typeface="Cambria Math" panose="02040503050406030204" pitchFamily="18" charset="0"/>
                                 <a:cs typeface="Times New Roman" panose="02020603050405020304" pitchFamily="18" charset="0"/>
@@ -6244,11 +7039,9 @@
                         <m:sSub>
                           <m:sSubPr>
                             <m:ctrlPr>
-                              <a:rPr lang="en-US" sz="3200" i="1">
+                              <a:rPr lang="en-US" sz="2500" i="1">
                                 <a:solidFill>
-                                  <a:schemeClr val="accent6">
-                                    <a:lumMod val="50000"/>
-                                  </a:schemeClr>
+                                  <a:schemeClr val="tx1"/>
                                 </a:solidFill>
                                 <a:latin typeface="Cambria Math" panose="02040503050406030204" pitchFamily="18" charset="0"/>
                                 <a:cs typeface="Times New Roman" panose="02020603050405020304" pitchFamily="18" charset="0"/>
@@ -6257,11 +7050,9 @@
                           </m:sSubPr>
                           <m:e>
                             <m:r>
-                              <a:rPr lang="en-US" sz="3200" i="1">
+                              <a:rPr lang="en-US" sz="2500" i="1">
                                 <a:solidFill>
-                                  <a:schemeClr val="accent6">
-                                    <a:lumMod val="50000"/>
-                                  </a:schemeClr>
+                                  <a:schemeClr val="tx1"/>
                                 </a:solidFill>
                                 <a:latin typeface="Cambria Math" panose="02040503050406030204" pitchFamily="18" charset="0"/>
                                 <a:cs typeface="Times New Roman" panose="02020603050405020304" pitchFamily="18" charset="0"/>
@@ -6271,11 +7062,9 @@
                           </m:e>
                           <m:sub>
                             <m:r>
-                              <a:rPr lang="en-US" sz="3200" i="1">
+                              <a:rPr lang="en-US" sz="2500" i="1">
                                 <a:solidFill>
-                                  <a:schemeClr val="accent6">
-                                    <a:lumMod val="50000"/>
-                                  </a:schemeClr>
+                                  <a:schemeClr val="tx1"/>
                                 </a:solidFill>
                                 <a:latin typeface="Cambria Math" panose="02040503050406030204" pitchFamily="18" charset="0"/>
                                 <a:cs typeface="Times New Roman" panose="02020603050405020304" pitchFamily="18" charset="0"/>
@@ -6289,11 +7078,9 @@
                   </m:oMath>
                 </a14:m>
                 <a:r>
-                  <a:rPr lang="en-US" sz="3200">
+                  <a:rPr lang="en-US" sz="2500">
                     <a:solidFill>
-                      <a:schemeClr val="accent6">
-                        <a:lumMod val="50000"/>
-                      </a:schemeClr>
+                      <a:schemeClr val="tx1"/>
                     </a:solidFill>
                     <a:latin typeface="Times New Roman" panose="02020603050405020304" pitchFamily="18" charset="0"/>
                     <a:cs typeface="Times New Roman" panose="02020603050405020304" pitchFamily="18" charset="0"/>
@@ -6302,18 +7089,15 @@
                 </a:r>
               </a:p>
               <a:p>
-                <a:pPr/>
                 <a14:m>
                   <m:oMath xmlns:m="http://schemas.openxmlformats.org/officeDocument/2006/math">
                     <m:sSub>
                       <m:sSubPr>
                         <m:ctrlPr>
-                          <a:rPr lang="en-US" sz="3200" b="0" i="1" smtClean="0">
+                          <a:rPr lang="en-US" sz="2500" b="0" i="1" smtClean="0">
                             <a:ln w="0"/>
                             <a:solidFill>
-                              <a:schemeClr val="accent6">
-                                <a:lumMod val="50000"/>
-                              </a:schemeClr>
+                              <a:schemeClr val="tx1"/>
                             </a:solidFill>
                             <a:effectLst/>
                             <a:latin typeface="Cambria Math" panose="02040503050406030204" pitchFamily="18" charset="0"/>
@@ -6322,12 +7106,10 @@
                       </m:sSubPr>
                       <m:e>
                         <m:r>
-                          <a:rPr lang="en-US" sz="3200" b="0" i="1" smtClean="0">
+                          <a:rPr lang="en-US" sz="2500" b="0" i="1" smtClean="0">
                             <a:ln w="0"/>
                             <a:solidFill>
-                              <a:schemeClr val="accent6">
-                                <a:lumMod val="50000"/>
-                              </a:schemeClr>
+                              <a:schemeClr val="tx1"/>
                             </a:solidFill>
                             <a:effectLst/>
                             <a:latin typeface="Cambria Math" panose="02040503050406030204" pitchFamily="18" charset="0"/>
@@ -6339,12 +7121,10 @@
                         <m:sSub>
                           <m:sSubPr>
                             <m:ctrlPr>
-                              <a:rPr lang="en-US" sz="3200" b="0" i="1" smtClean="0">
+                              <a:rPr lang="en-US" sz="2500" b="0" i="1" smtClean="0">
                                 <a:ln w="0"/>
                                 <a:solidFill>
-                                  <a:schemeClr val="accent6">
-                                    <a:lumMod val="50000"/>
-                                  </a:schemeClr>
+                                  <a:schemeClr val="tx1"/>
                                 </a:solidFill>
                                 <a:effectLst/>
                                 <a:latin typeface="Cambria Math" panose="02040503050406030204" pitchFamily="18" charset="0"/>
@@ -6353,12 +7133,10 @@
                           </m:sSubPr>
                           <m:e>
                             <m:r>
-                              <a:rPr lang="en-US" sz="3200" b="0" i="1" smtClean="0">
+                              <a:rPr lang="en-US" sz="2500" b="0" i="1" smtClean="0">
                                 <a:ln w="0"/>
                                 <a:solidFill>
-                                  <a:schemeClr val="accent6">
-                                    <a:lumMod val="50000"/>
-                                  </a:schemeClr>
+                                  <a:schemeClr val="tx1"/>
                                 </a:solidFill>
                                 <a:effectLst/>
                                 <a:latin typeface="Cambria Math" panose="02040503050406030204" pitchFamily="18" charset="0"/>
@@ -6368,12 +7146,10 @@
                           </m:e>
                           <m:sub>
                             <m:r>
-                              <a:rPr lang="en-US" sz="3200" b="0" i="1" smtClean="0">
+                              <a:rPr lang="en-US" sz="2500" b="0" i="1" smtClean="0">
                                 <a:ln w="0"/>
                                 <a:solidFill>
-                                  <a:schemeClr val="accent6">
-                                    <a:lumMod val="50000"/>
-                                  </a:schemeClr>
+                                  <a:schemeClr val="tx1"/>
                                 </a:solidFill>
                                 <a:effectLst/>
                                 <a:latin typeface="Cambria Math" panose="02040503050406030204" pitchFamily="18" charset="0"/>
@@ -6385,12 +7161,10 @@
                         <m:sSub>
                           <m:sSubPr>
                             <m:ctrlPr>
-                              <a:rPr lang="en-US" sz="3200" b="0" i="1" smtClean="0">
+                              <a:rPr lang="en-US" sz="2500" b="0" i="1" smtClean="0">
                                 <a:ln w="0"/>
                                 <a:solidFill>
-                                  <a:schemeClr val="accent6">
-                                    <a:lumMod val="50000"/>
-                                  </a:schemeClr>
+                                  <a:schemeClr val="tx1"/>
                                 </a:solidFill>
                                 <a:effectLst/>
                                 <a:latin typeface="Cambria Math" panose="02040503050406030204" pitchFamily="18" charset="0"/>
@@ -6399,12 +7173,10 @@
                           </m:sSubPr>
                           <m:e>
                             <m:r>
-                              <a:rPr lang="en-US" sz="3200" b="0" i="1" smtClean="0">
+                              <a:rPr lang="en-US" sz="2500" b="0" i="1" smtClean="0">
                                 <a:ln w="0"/>
                                 <a:solidFill>
-                                  <a:schemeClr val="accent6">
-                                    <a:lumMod val="50000"/>
-                                  </a:schemeClr>
+                                  <a:schemeClr val="tx1"/>
                                 </a:solidFill>
                                 <a:effectLst/>
                                 <a:latin typeface="Cambria Math" panose="02040503050406030204" pitchFamily="18" charset="0"/>
@@ -6414,12 +7186,10 @@
                           </m:e>
                           <m:sub>
                             <m:r>
-                              <a:rPr lang="en-US" sz="3200" b="0" i="1" smtClean="0">
+                              <a:rPr lang="en-US" sz="2500" b="0" i="1" smtClean="0">
                                 <a:ln w="0"/>
                                 <a:solidFill>
-                                  <a:schemeClr val="accent6">
-                                    <a:lumMod val="50000"/>
-                                  </a:schemeClr>
+                                  <a:schemeClr val="tx1"/>
                                 </a:solidFill>
                                 <a:effectLst/>
                                 <a:latin typeface="Cambria Math" panose="02040503050406030204" pitchFamily="18" charset="0"/>
@@ -6433,12 +7203,10 @@
                   </m:oMath>
                 </a14:m>
                 <a:r>
-                  <a:rPr lang="en-US" sz="3200">
+                  <a:rPr lang="en-US" sz="2500">
                     <a:ln w="0"/>
                     <a:solidFill>
-                      <a:schemeClr val="accent6">
-                        <a:lumMod val="50000"/>
-                      </a:schemeClr>
+                      <a:schemeClr val="tx1"/>
                     </a:solidFill>
                     <a:effectLst>
                       <a:outerShdw blurRad="38100" dist="19050" dir="2700000" algn="tl" rotWithShape="0">
@@ -6451,12 +7219,10 @@
                   <a:t> </a:t>
                 </a:r>
                 <a:r>
-                  <a:rPr lang="en-US" sz="3200">
+                  <a:rPr lang="en-US" sz="2500">
                     <a:ln w="0"/>
                     <a:solidFill>
-                      <a:schemeClr val="accent6">
-                        <a:lumMod val="50000"/>
-                      </a:schemeClr>
+                      <a:schemeClr val="tx1"/>
                     </a:solidFill>
                     <a:latin typeface="Times New Roman" panose="02020603050405020304" pitchFamily="18" charset="0"/>
                     <a:cs typeface="Times New Roman" panose="02020603050405020304" pitchFamily="18" charset="0"/>
@@ -6467,7 +7233,7 @@
             </p:txBody>
           </p:sp>
         </mc:Choice>
-        <mc:Fallback>
+        <mc:Fallback xmlns="">
           <p:sp>
             <p:nvSpPr>
               <p:cNvPr id="5" name="Rectangle 4">
@@ -6485,7 +7251,7 @@
             <p:spPr>
               <a:xfrm>
                 <a:off x="1097281" y="4528897"/>
-                <a:ext cx="10058400" cy="1745991"/>
+                <a:ext cx="10058400" cy="1384353"/>
               </a:xfrm>
               <a:prstGeom prst="rect">
                 <a:avLst/>
@@ -6493,7 +7259,7 @@
               <a:blipFill>
                 <a:blip r:embed="rId3"/>
                 <a:stretch>
-                  <a:fillRect l="-1515" t="-4895" r="-364" b="-5245"/>
+                  <a:fillRect l="-970" t="-3965" b="-4405"/>
                 </a:stretch>
               </a:blipFill>
             </p:spPr>
@@ -6525,882 +7291,6 @@
 </p:sld>
 </file>
 
-<file path=ppt/slides/slide12.xml><?xml version="1.0" encoding="utf-8"?>
-<p:sld xmlns:a="http://schemas.openxmlformats.org/drawingml/2006/main" xmlns:r="http://schemas.openxmlformats.org/officeDocument/2006/relationships" xmlns:p="http://schemas.openxmlformats.org/presentationml/2006/main">
-  <p:cSld>
-    <p:spTree>
-      <p:nvGrpSpPr>
-        <p:cNvPr id="1" name=""/>
-        <p:cNvGrpSpPr/>
-        <p:nvPr/>
-      </p:nvGrpSpPr>
-      <p:grpSpPr>
-        <a:xfrm>
-          <a:off x="0" y="0"/>
-          <a:ext cx="0" cy="0"/>
-          <a:chOff x="0" y="0"/>
-          <a:chExt cx="0" cy="0"/>
-        </a:xfrm>
-      </p:grpSpPr>
-      <p:sp>
-        <p:nvSpPr>
-          <p:cNvPr id="2" name="Title 1">
-            <a:extLst>
-              <a:ext uri="{FF2B5EF4-FFF2-40B4-BE49-F238E27FC236}">
-                <a16:creationId xmlns:a16="http://schemas.microsoft.com/office/drawing/2014/main" id="{D7B00236-7A2B-4968-9658-B5C409EA04FA}"/>
-              </a:ext>
-            </a:extLst>
-          </p:cNvPr>
-          <p:cNvSpPr>
-            <a:spLocks noGrp="1"/>
-          </p:cNvSpPr>
-          <p:nvPr>
-            <p:ph type="title"/>
-          </p:nvPr>
-        </p:nvSpPr>
-        <p:spPr/>
-        <p:txBody>
-          <a:bodyPr/>
-          <a:lstStyle/>
-          <a:p>
-            <a:r>
-              <a:rPr lang="en-US">
-                <a:latin typeface="Times New Roman" panose="02020603050405020304" pitchFamily="18" charset="0"/>
-                <a:cs typeface="Times New Roman" panose="02020603050405020304" pitchFamily="18" charset="0"/>
-              </a:rPr>
-              <a:t>Trích xuất đặc tr</a:t>
-            </a:r>
-            <a:r>
-              <a:rPr lang="vi-VN">
-                <a:latin typeface="Times New Roman" panose="02020603050405020304" pitchFamily="18" charset="0"/>
-                <a:cs typeface="Times New Roman" panose="02020603050405020304" pitchFamily="18" charset="0"/>
-              </a:rPr>
-              <a:t>ư</a:t>
-            </a:r>
-            <a:r>
-              <a:rPr lang="en-US">
-                <a:latin typeface="Times New Roman" panose="02020603050405020304" pitchFamily="18" charset="0"/>
-                <a:cs typeface="Times New Roman" panose="02020603050405020304" pitchFamily="18" charset="0"/>
-              </a:rPr>
-              <a:t>ng</a:t>
-            </a:r>
-          </a:p>
-        </p:txBody>
-      </p:sp>
-      <p:sp>
-        <p:nvSpPr>
-          <p:cNvPr id="3" name="Content Placeholder 2">
-            <a:extLst>
-              <a:ext uri="{FF2B5EF4-FFF2-40B4-BE49-F238E27FC236}">
-                <a16:creationId xmlns:a16="http://schemas.microsoft.com/office/drawing/2014/main" id="{6A9501BA-1B94-4468-92A7-1C8C29E4D9F5}"/>
-              </a:ext>
-            </a:extLst>
-          </p:cNvPr>
-          <p:cNvSpPr>
-            <a:spLocks noGrp="1"/>
-          </p:cNvSpPr>
-          <p:nvPr>
-            <p:ph idx="1"/>
-          </p:nvPr>
-        </p:nvSpPr>
-        <p:spPr/>
-        <p:txBody>
-          <a:bodyPr>
-            <a:normAutofit/>
-          </a:bodyPr>
-          <a:lstStyle/>
-          <a:p>
-            <a:pPr algn="just"/>
-            <a:r>
-              <a:rPr lang="en-US" sz="3200">
-                <a:latin typeface="Times New Roman" panose="02020603050405020304" pitchFamily="18" charset="0"/>
-                <a:cs typeface="Times New Roman" panose="02020603050405020304" pitchFamily="18" charset="0"/>
-              </a:rPr>
-              <a:t>Sau khi có đ</a:t>
-            </a:r>
-            <a:r>
-              <a:rPr lang="vi-VN" sz="3200">
-                <a:latin typeface="Times New Roman" panose="02020603050405020304" pitchFamily="18" charset="0"/>
-                <a:cs typeface="Times New Roman" panose="02020603050405020304" pitchFamily="18" charset="0"/>
-              </a:rPr>
-              <a:t>ư</a:t>
-            </a:r>
-            <a:r>
-              <a:rPr lang="en-US" sz="3200">
-                <a:latin typeface="Times New Roman" panose="02020603050405020304" pitchFamily="18" charset="0"/>
-                <a:cs typeface="Times New Roman" panose="02020603050405020304" pitchFamily="18" charset="0"/>
-              </a:rPr>
-              <a:t>ợc các ma trận độ đo t</a:t>
-            </a:r>
-            <a:r>
-              <a:rPr lang="vi-VN" sz="3200">
-                <a:latin typeface="Times New Roman" panose="02020603050405020304" pitchFamily="18" charset="0"/>
-                <a:cs typeface="Times New Roman" panose="02020603050405020304" pitchFamily="18" charset="0"/>
-              </a:rPr>
-              <a:t>ư</a:t>
-            </a:r>
-            <a:r>
-              <a:rPr lang="en-US" sz="3200">
-                <a:latin typeface="Times New Roman" panose="02020603050405020304" pitchFamily="18" charset="0"/>
-                <a:cs typeface="Times New Roman" panose="02020603050405020304" pitchFamily="18" charset="0"/>
-              </a:rPr>
-              <a:t>ơng đồng, chúng em tiến hành trích xuất vector đặc tr</a:t>
-            </a:r>
-            <a:r>
-              <a:rPr lang="vi-VN" sz="3200">
-                <a:latin typeface="Times New Roman" panose="02020603050405020304" pitchFamily="18" charset="0"/>
-                <a:cs typeface="Times New Roman" panose="02020603050405020304" pitchFamily="18" charset="0"/>
-              </a:rPr>
-              <a:t>ư</a:t>
-            </a:r>
-            <a:r>
-              <a:rPr lang="en-US" sz="3200">
-                <a:latin typeface="Times New Roman" panose="02020603050405020304" pitchFamily="18" charset="0"/>
-                <a:cs typeface="Times New Roman" panose="02020603050405020304" pitchFamily="18" charset="0"/>
-              </a:rPr>
-              <a:t>ng.</a:t>
-            </a:r>
-          </a:p>
-          <a:p>
-            <a:pPr algn="just"/>
-            <a:r>
-              <a:rPr lang="en-US" sz="3200">
-                <a:latin typeface="Times New Roman" panose="02020603050405020304" pitchFamily="18" charset="0"/>
-                <a:cs typeface="Times New Roman" panose="02020603050405020304" pitchFamily="18" charset="0"/>
-              </a:rPr>
-              <a:t>Mỗi ma trận sẽ hình thành 5 đặc tr</a:t>
-            </a:r>
-            <a:r>
-              <a:rPr lang="vi-VN" sz="3200">
-                <a:latin typeface="Times New Roman" panose="02020603050405020304" pitchFamily="18" charset="0"/>
-                <a:cs typeface="Times New Roman" panose="02020603050405020304" pitchFamily="18" charset="0"/>
-              </a:rPr>
-              <a:t>ư</a:t>
-            </a:r>
-            <a:r>
-              <a:rPr lang="en-US" sz="3200">
-                <a:latin typeface="Times New Roman" panose="02020603050405020304" pitchFamily="18" charset="0"/>
-                <a:cs typeface="Times New Roman" panose="02020603050405020304" pitchFamily="18" charset="0"/>
-              </a:rPr>
-              <a:t>ng thể hiện sự t</a:t>
-            </a:r>
-            <a:r>
-              <a:rPr lang="vi-VN" sz="3200">
-                <a:latin typeface="Times New Roman" panose="02020603050405020304" pitchFamily="18" charset="0"/>
-                <a:cs typeface="Times New Roman" panose="02020603050405020304" pitchFamily="18" charset="0"/>
-              </a:rPr>
-              <a:t>ư</a:t>
-            </a:r>
-            <a:r>
-              <a:rPr lang="en-US" sz="3200">
-                <a:latin typeface="Times New Roman" panose="02020603050405020304" pitchFamily="18" charset="0"/>
-                <a:cs typeface="Times New Roman" panose="02020603050405020304" pitchFamily="18" charset="0"/>
-              </a:rPr>
-              <a:t>ơng đồng giữa các ứng dụng với các họ ứng dụng.</a:t>
-            </a:r>
-          </a:p>
-          <a:p>
-            <a:pPr algn="just"/>
-            <a:r>
-              <a:rPr lang="en-US" sz="3200">
-                <a:latin typeface="Times New Roman" panose="02020603050405020304" pitchFamily="18" charset="0"/>
-                <a:cs typeface="Times New Roman" panose="02020603050405020304" pitchFamily="18" charset="0"/>
-              </a:rPr>
-              <a:t>5 đặc tr</a:t>
-            </a:r>
-            <a:r>
-              <a:rPr lang="vi-VN" sz="3200">
-                <a:latin typeface="Times New Roman" panose="02020603050405020304" pitchFamily="18" charset="0"/>
-                <a:cs typeface="Times New Roman" panose="02020603050405020304" pitchFamily="18" charset="0"/>
-              </a:rPr>
-              <a:t>ư</a:t>
-            </a:r>
-            <a:r>
-              <a:rPr lang="en-US" sz="3200">
-                <a:latin typeface="Times New Roman" panose="02020603050405020304" pitchFamily="18" charset="0"/>
-                <a:cs typeface="Times New Roman" panose="02020603050405020304" pitchFamily="18" charset="0"/>
-              </a:rPr>
-              <a:t>ng này bao gồm sự t</a:t>
-            </a:r>
-            <a:r>
-              <a:rPr lang="vi-VN" sz="3200">
-                <a:latin typeface="Times New Roman" panose="02020603050405020304" pitchFamily="18" charset="0"/>
-                <a:cs typeface="Times New Roman" panose="02020603050405020304" pitchFamily="18" charset="0"/>
-              </a:rPr>
-              <a:t>ư</a:t>
-            </a:r>
-            <a:r>
-              <a:rPr lang="en-US" sz="3200">
-                <a:latin typeface="Times New Roman" panose="02020603050405020304" pitchFamily="18" charset="0"/>
-                <a:cs typeface="Times New Roman" panose="02020603050405020304" pitchFamily="18" charset="0"/>
-              </a:rPr>
-              <a:t>ơng đồng giữa ứng dụng đ</a:t>
-            </a:r>
-            <a:r>
-              <a:rPr lang="vi-VN" sz="3200">
-                <a:latin typeface="Times New Roman" panose="02020603050405020304" pitchFamily="18" charset="0"/>
-                <a:cs typeface="Times New Roman" panose="02020603050405020304" pitchFamily="18" charset="0"/>
-              </a:rPr>
-              <a:t>ư</a:t>
-            </a:r>
-            <a:r>
-              <a:rPr lang="en-US" sz="3200">
-                <a:latin typeface="Times New Roman" panose="02020603050405020304" pitchFamily="18" charset="0"/>
-                <a:cs typeface="Times New Roman" panose="02020603050405020304" pitchFamily="18" charset="0"/>
-              </a:rPr>
-              <a:t>ợc xét với từng họ ứng dụng : adware, banking, benign, riskware, smsmalware</a:t>
-            </a:r>
-          </a:p>
-        </p:txBody>
-      </p:sp>
-    </p:spTree>
-    <p:extLst>
-      <p:ext uri="{BB962C8B-B14F-4D97-AF65-F5344CB8AC3E}">
-        <p14:creationId xmlns:p14="http://schemas.microsoft.com/office/powerpoint/2010/main" val="1415437705"/>
-      </p:ext>
-    </p:extLst>
-  </p:cSld>
-  <p:clrMapOvr>
-    <a:masterClrMapping/>
-  </p:clrMapOvr>
-</p:sld>
-</file>
-
-<file path=ppt/slides/slide13.xml><?xml version="1.0" encoding="utf-8"?>
-<p:sld xmlns:a="http://schemas.openxmlformats.org/drawingml/2006/main" xmlns:r="http://schemas.openxmlformats.org/officeDocument/2006/relationships" xmlns:p="http://schemas.openxmlformats.org/presentationml/2006/main">
-  <p:cSld>
-    <p:spTree>
-      <p:nvGrpSpPr>
-        <p:cNvPr id="1" name=""/>
-        <p:cNvGrpSpPr/>
-        <p:nvPr/>
-      </p:nvGrpSpPr>
-      <p:grpSpPr>
-        <a:xfrm>
-          <a:off x="0" y="0"/>
-          <a:ext cx="0" cy="0"/>
-          <a:chOff x="0" y="0"/>
-          <a:chExt cx="0" cy="0"/>
-        </a:xfrm>
-      </p:grpSpPr>
-      <p:sp>
-        <p:nvSpPr>
-          <p:cNvPr id="3" name="Content Placeholder 2">
-            <a:extLst>
-              <a:ext uri="{FF2B5EF4-FFF2-40B4-BE49-F238E27FC236}">
-                <a16:creationId xmlns:a16="http://schemas.microsoft.com/office/drawing/2014/main" id="{6A9501BA-1B94-4468-92A7-1C8C29E4D9F5}"/>
-              </a:ext>
-            </a:extLst>
-          </p:cNvPr>
-          <p:cNvSpPr>
-            <a:spLocks noGrp="1"/>
-          </p:cNvSpPr>
-          <p:nvPr>
-            <p:ph idx="1"/>
-          </p:nvPr>
-        </p:nvSpPr>
-        <p:spPr/>
-        <p:txBody>
-          <a:bodyPr>
-            <a:normAutofit/>
-          </a:bodyPr>
-          <a:lstStyle/>
-          <a:p>
-            <a:pPr algn="just"/>
-            <a:r>
-              <a:rPr lang="en-US" sz="3200">
-                <a:latin typeface="Times New Roman" panose="02020603050405020304" pitchFamily="18" charset="0"/>
-                <a:cs typeface="Times New Roman" panose="02020603050405020304" pitchFamily="18" charset="0"/>
-              </a:rPr>
-              <a:t>Chúng em thực hiện bằng cách cộng tổng theo hàng số l</a:t>
-            </a:r>
-            <a:r>
-              <a:rPr lang="vi-VN" sz="3200">
-                <a:latin typeface="Times New Roman" panose="02020603050405020304" pitchFamily="18" charset="0"/>
-                <a:cs typeface="Times New Roman" panose="02020603050405020304" pitchFamily="18" charset="0"/>
-              </a:rPr>
-              <a:t>ư</a:t>
-            </a:r>
-            <a:r>
-              <a:rPr lang="en-US" sz="3200">
-                <a:latin typeface="Times New Roman" panose="02020603050405020304" pitchFamily="18" charset="0"/>
-                <a:cs typeface="Times New Roman" panose="02020603050405020304" pitchFamily="18" charset="0"/>
-              </a:rPr>
-              <a:t>ợng các ứng dụng trong cùng một họ tạo thành một đặc tr</a:t>
-            </a:r>
-            <a:r>
-              <a:rPr lang="vi-VN" sz="3200">
-                <a:latin typeface="Times New Roman" panose="02020603050405020304" pitchFamily="18" charset="0"/>
-                <a:cs typeface="Times New Roman" panose="02020603050405020304" pitchFamily="18" charset="0"/>
-              </a:rPr>
-              <a:t>ư</a:t>
-            </a:r>
-            <a:r>
-              <a:rPr lang="en-US" sz="3200">
-                <a:latin typeface="Times New Roman" panose="02020603050405020304" pitchFamily="18" charset="0"/>
-                <a:cs typeface="Times New Roman" panose="02020603050405020304" pitchFamily="18" charset="0"/>
-              </a:rPr>
-              <a:t>ng.</a:t>
-            </a:r>
-          </a:p>
-          <a:p>
-            <a:pPr algn="just"/>
-            <a:r>
-              <a:rPr lang="en-US" sz="3200">
-                <a:latin typeface="Times New Roman" panose="02020603050405020304" pitchFamily="18" charset="0"/>
-                <a:cs typeface="Times New Roman" panose="02020603050405020304" pitchFamily="18" charset="0"/>
-              </a:rPr>
-              <a:t>Ví dụ:</a:t>
-            </a:r>
-          </a:p>
-          <a:p>
-            <a:pPr algn="just"/>
-            <a:r>
-              <a:rPr lang="en-US" sz="3200">
-                <a:latin typeface="Times New Roman" panose="02020603050405020304" pitchFamily="18" charset="0"/>
-                <a:cs typeface="Times New Roman" panose="02020603050405020304" pitchFamily="18" charset="0"/>
-              </a:rPr>
-              <a:t>Hàng i của ma trận độ đo t</a:t>
-            </a:r>
-            <a:r>
-              <a:rPr lang="vi-VN" sz="3200">
-                <a:latin typeface="Times New Roman" panose="02020603050405020304" pitchFamily="18" charset="0"/>
-                <a:cs typeface="Times New Roman" panose="02020603050405020304" pitchFamily="18" charset="0"/>
-              </a:rPr>
-              <a:t>ư</a:t>
-            </a:r>
-            <a:r>
-              <a:rPr lang="en-US" sz="3200">
-                <a:latin typeface="Times New Roman" panose="02020603050405020304" pitchFamily="18" charset="0"/>
-                <a:cs typeface="Times New Roman" panose="02020603050405020304" pitchFamily="18" charset="0"/>
-              </a:rPr>
-              <a:t>ơng đồng m, sẽ đ</a:t>
-            </a:r>
-            <a:r>
-              <a:rPr lang="vi-VN" sz="3200">
-                <a:latin typeface="Times New Roman" panose="02020603050405020304" pitchFamily="18" charset="0"/>
-                <a:cs typeface="Times New Roman" panose="02020603050405020304" pitchFamily="18" charset="0"/>
-              </a:rPr>
-              <a:t>ư</a:t>
-            </a:r>
-            <a:r>
-              <a:rPr lang="en-US" sz="3200">
-                <a:latin typeface="Times New Roman" panose="02020603050405020304" pitchFamily="18" charset="0"/>
-                <a:cs typeface="Times New Roman" panose="02020603050405020304" pitchFamily="18" charset="0"/>
-              </a:rPr>
-              <a:t>ợc chia thành tổng của 5 đoạn, mỗi đoạn hình thành lên 1 đặc tr</a:t>
-            </a:r>
-            <a:r>
-              <a:rPr lang="vi-VN" sz="3200">
-                <a:latin typeface="Times New Roman" panose="02020603050405020304" pitchFamily="18" charset="0"/>
-                <a:cs typeface="Times New Roman" panose="02020603050405020304" pitchFamily="18" charset="0"/>
-              </a:rPr>
-              <a:t>ư</a:t>
-            </a:r>
-            <a:r>
-              <a:rPr lang="en-US" sz="3200">
-                <a:latin typeface="Times New Roman" panose="02020603050405020304" pitchFamily="18" charset="0"/>
-                <a:cs typeface="Times New Roman" panose="02020603050405020304" pitchFamily="18" charset="0"/>
-              </a:rPr>
-              <a:t>ng</a:t>
-            </a:r>
-          </a:p>
-        </p:txBody>
-      </p:sp>
-      <p:sp>
-        <p:nvSpPr>
-          <p:cNvPr id="4" name="Title 1">
-            <a:extLst>
-              <a:ext uri="{FF2B5EF4-FFF2-40B4-BE49-F238E27FC236}">
-                <a16:creationId xmlns:a16="http://schemas.microsoft.com/office/drawing/2014/main" id="{36D6CB7F-1B7C-478C-84D2-B6337C8C1DF8}"/>
-              </a:ext>
-            </a:extLst>
-          </p:cNvPr>
-          <p:cNvSpPr>
-            <a:spLocks noGrp="1"/>
-          </p:cNvSpPr>
-          <p:nvPr>
-            <p:ph type="title"/>
-          </p:nvPr>
-        </p:nvSpPr>
-        <p:spPr>
-          <a:xfrm>
-            <a:off x="1097280" y="286603"/>
-            <a:ext cx="10058400" cy="1450757"/>
-          </a:xfrm>
-        </p:spPr>
-        <p:txBody>
-          <a:bodyPr/>
-          <a:lstStyle/>
-          <a:p>
-            <a:r>
-              <a:rPr lang="en-US">
-                <a:latin typeface="Times New Roman" panose="02020603050405020304" pitchFamily="18" charset="0"/>
-                <a:cs typeface="Times New Roman" panose="02020603050405020304" pitchFamily="18" charset="0"/>
-              </a:rPr>
-              <a:t>Trích xuất đặc tr</a:t>
-            </a:r>
-            <a:r>
-              <a:rPr lang="vi-VN">
-                <a:latin typeface="Times New Roman" panose="02020603050405020304" pitchFamily="18" charset="0"/>
-                <a:cs typeface="Times New Roman" panose="02020603050405020304" pitchFamily="18" charset="0"/>
-              </a:rPr>
-              <a:t>ư</a:t>
-            </a:r>
-            <a:r>
-              <a:rPr lang="en-US">
-                <a:latin typeface="Times New Roman" panose="02020603050405020304" pitchFamily="18" charset="0"/>
-                <a:cs typeface="Times New Roman" panose="02020603050405020304" pitchFamily="18" charset="0"/>
-              </a:rPr>
-              <a:t>ng</a:t>
-            </a:r>
-          </a:p>
-        </p:txBody>
-      </p:sp>
-      <p:pic>
-        <p:nvPicPr>
-          <p:cNvPr id="5" name="Picture 4">
-            <a:extLst>
-              <a:ext uri="{FF2B5EF4-FFF2-40B4-BE49-F238E27FC236}">
-                <a16:creationId xmlns:a16="http://schemas.microsoft.com/office/drawing/2014/main" id="{E6789F86-23AF-4F48-87CD-AB1F1B90D6BE}"/>
-              </a:ext>
-            </a:extLst>
-          </p:cNvPr>
-          <p:cNvPicPr>
-            <a:picLocks noChangeAspect="1"/>
-          </p:cNvPicPr>
-          <p:nvPr/>
-        </p:nvPicPr>
-        <p:blipFill>
-          <a:blip r:embed="rId3"/>
-          <a:stretch>
-            <a:fillRect/>
-          </a:stretch>
-        </p:blipFill>
-        <p:spPr>
-          <a:xfrm>
-            <a:off x="1781907" y="4946379"/>
-            <a:ext cx="8689146" cy="1625018"/>
-          </a:xfrm>
-          <a:prstGeom prst="rect">
-            <a:avLst/>
-          </a:prstGeom>
-        </p:spPr>
-      </p:pic>
-    </p:spTree>
-    <p:extLst>
-      <p:ext uri="{BB962C8B-B14F-4D97-AF65-F5344CB8AC3E}">
-        <p14:creationId xmlns:p14="http://schemas.microsoft.com/office/powerpoint/2010/main" val="2352643010"/>
-      </p:ext>
-    </p:extLst>
-  </p:cSld>
-  <p:clrMapOvr>
-    <a:masterClrMapping/>
-  </p:clrMapOvr>
-</p:sld>
-</file>
-
-<file path=ppt/slides/slide14.xml><?xml version="1.0" encoding="utf-8"?>
-<p:sld xmlns:a="http://schemas.openxmlformats.org/drawingml/2006/main" xmlns:r="http://schemas.openxmlformats.org/officeDocument/2006/relationships" xmlns:p="http://schemas.openxmlformats.org/presentationml/2006/main">
-  <p:cSld>
-    <p:spTree>
-      <p:nvGrpSpPr>
-        <p:cNvPr id="1" name=""/>
-        <p:cNvGrpSpPr/>
-        <p:nvPr/>
-      </p:nvGrpSpPr>
-      <p:grpSpPr>
-        <a:xfrm>
-          <a:off x="0" y="0"/>
-          <a:ext cx="0" cy="0"/>
-          <a:chOff x="0" y="0"/>
-          <a:chExt cx="0" cy="0"/>
-        </a:xfrm>
-      </p:grpSpPr>
-      <p:sp>
-        <p:nvSpPr>
-          <p:cNvPr id="2" name="Title 1">
-            <a:extLst>
-              <a:ext uri="{FF2B5EF4-FFF2-40B4-BE49-F238E27FC236}">
-                <a16:creationId xmlns:a16="http://schemas.microsoft.com/office/drawing/2014/main" id="{D7B00236-7A2B-4968-9658-B5C409EA04FA}"/>
-              </a:ext>
-            </a:extLst>
-          </p:cNvPr>
-          <p:cNvSpPr>
-            <a:spLocks noGrp="1"/>
-          </p:cNvSpPr>
-          <p:nvPr>
-            <p:ph type="title"/>
-          </p:nvPr>
-        </p:nvSpPr>
-        <p:spPr/>
-        <p:txBody>
-          <a:bodyPr/>
-          <a:lstStyle/>
-          <a:p>
-            <a:r>
-              <a:rPr lang="en-US">
-                <a:latin typeface="Times New Roman" panose="02020603050405020304" pitchFamily="18" charset="0"/>
-                <a:cs typeface="Times New Roman" panose="02020603050405020304" pitchFamily="18" charset="0"/>
-              </a:rPr>
-              <a:t>Ma trận vector đặc tr</a:t>
-            </a:r>
-            <a:r>
-              <a:rPr lang="vi-VN">
-                <a:latin typeface="Times New Roman" panose="02020603050405020304" pitchFamily="18" charset="0"/>
-                <a:cs typeface="Times New Roman" panose="02020603050405020304" pitchFamily="18" charset="0"/>
-              </a:rPr>
-              <a:t>ư</a:t>
-            </a:r>
-            <a:r>
-              <a:rPr lang="en-US">
-                <a:latin typeface="Times New Roman" panose="02020603050405020304" pitchFamily="18" charset="0"/>
-                <a:cs typeface="Times New Roman" panose="02020603050405020304" pitchFamily="18" charset="0"/>
-              </a:rPr>
-              <a:t>ng</a:t>
-            </a:r>
-          </a:p>
-        </p:txBody>
-      </p:sp>
-      <p:sp>
-        <p:nvSpPr>
-          <p:cNvPr id="3" name="Content Placeholder 2">
-            <a:extLst>
-              <a:ext uri="{FF2B5EF4-FFF2-40B4-BE49-F238E27FC236}">
-                <a16:creationId xmlns:a16="http://schemas.microsoft.com/office/drawing/2014/main" id="{6A9501BA-1B94-4468-92A7-1C8C29E4D9F5}"/>
-              </a:ext>
-            </a:extLst>
-          </p:cNvPr>
-          <p:cNvSpPr>
-            <a:spLocks noGrp="1"/>
-          </p:cNvSpPr>
-          <p:nvPr>
-            <p:ph idx="1"/>
-          </p:nvPr>
-        </p:nvSpPr>
-        <p:spPr/>
-        <p:txBody>
-          <a:bodyPr>
-            <a:normAutofit/>
-          </a:bodyPr>
-          <a:lstStyle/>
-          <a:p>
-            <a:pPr algn="just"/>
-            <a:r>
-              <a:rPr lang="en-US" sz="3200">
-                <a:latin typeface="Times New Roman" panose="02020603050405020304" pitchFamily="18" charset="0"/>
-                <a:cs typeface="Times New Roman" panose="02020603050405020304" pitchFamily="18" charset="0"/>
-              </a:rPr>
-              <a:t>Với mỗi ứng dụng, chúng em thu thập đ</a:t>
-            </a:r>
-            <a:r>
-              <a:rPr lang="vi-VN" sz="3200">
-                <a:latin typeface="Times New Roman" panose="02020603050405020304" pitchFamily="18" charset="0"/>
-                <a:cs typeface="Times New Roman" panose="02020603050405020304" pitchFamily="18" charset="0"/>
-              </a:rPr>
-              <a:t>ư</a:t>
-            </a:r>
-            <a:r>
-              <a:rPr lang="en-US" sz="3200">
-                <a:latin typeface="Times New Roman" panose="02020603050405020304" pitchFamily="18" charset="0"/>
-                <a:cs typeface="Times New Roman" panose="02020603050405020304" pitchFamily="18" charset="0"/>
-              </a:rPr>
-              <a:t>ợc 80 đặc tr</a:t>
-            </a:r>
-            <a:r>
-              <a:rPr lang="vi-VN" sz="3200">
-                <a:latin typeface="Times New Roman" panose="02020603050405020304" pitchFamily="18" charset="0"/>
-                <a:cs typeface="Times New Roman" panose="02020603050405020304" pitchFamily="18" charset="0"/>
-              </a:rPr>
-              <a:t>ư</a:t>
-            </a:r>
-            <a:r>
-              <a:rPr lang="en-US" sz="3200">
-                <a:latin typeface="Times New Roman" panose="02020603050405020304" pitchFamily="18" charset="0"/>
-                <a:cs typeface="Times New Roman" panose="02020603050405020304" pitchFamily="18" charset="0"/>
-              </a:rPr>
-              <a:t>ng, vậy ma trận vector đặc tr</a:t>
-            </a:r>
-            <a:r>
-              <a:rPr lang="vi-VN" sz="3200">
-                <a:latin typeface="Times New Roman" panose="02020603050405020304" pitchFamily="18" charset="0"/>
-                <a:cs typeface="Times New Roman" panose="02020603050405020304" pitchFamily="18" charset="0"/>
-              </a:rPr>
-              <a:t>ư</a:t>
-            </a:r>
-            <a:r>
-              <a:rPr lang="en-US" sz="3200">
-                <a:latin typeface="Times New Roman" panose="02020603050405020304" pitchFamily="18" charset="0"/>
-                <a:cs typeface="Times New Roman" panose="02020603050405020304" pitchFamily="18" charset="0"/>
-              </a:rPr>
-              <a:t>ng của chúng em sẽ có số hàng là tổng số ứng dụng trong tập dữ liệu, số cột là 80.</a:t>
-            </a:r>
-          </a:p>
-          <a:p>
-            <a:pPr algn="just"/>
-            <a:r>
-              <a:rPr lang="en-US" sz="3200">
-                <a:latin typeface="Times New Roman" panose="02020603050405020304" pitchFamily="18" charset="0"/>
-                <a:cs typeface="Times New Roman" panose="02020603050405020304" pitchFamily="18" charset="0"/>
-              </a:rPr>
-              <a:t>Từ đó chúng em có ma trận vector đặc tr</a:t>
-            </a:r>
-            <a:r>
-              <a:rPr lang="vi-VN" sz="3200">
-                <a:latin typeface="Times New Roman" panose="02020603050405020304" pitchFamily="18" charset="0"/>
-                <a:cs typeface="Times New Roman" panose="02020603050405020304" pitchFamily="18" charset="0"/>
-              </a:rPr>
-              <a:t>ư</a:t>
-            </a:r>
-            <a:r>
-              <a:rPr lang="en-US" sz="3200">
-                <a:latin typeface="Times New Roman" panose="02020603050405020304" pitchFamily="18" charset="0"/>
-                <a:cs typeface="Times New Roman" panose="02020603050405020304" pitchFamily="18" charset="0"/>
-              </a:rPr>
-              <a:t>ng và tiến hành đ</a:t>
-            </a:r>
-            <a:r>
-              <a:rPr lang="vi-VN" sz="3200">
-                <a:latin typeface="Times New Roman" panose="02020603050405020304" pitchFamily="18" charset="0"/>
-                <a:cs typeface="Times New Roman" panose="02020603050405020304" pitchFamily="18" charset="0"/>
-              </a:rPr>
-              <a:t>ư</a:t>
-            </a:r>
-            <a:r>
-              <a:rPr lang="en-US" sz="3200">
-                <a:latin typeface="Times New Roman" panose="02020603050405020304" pitchFamily="18" charset="0"/>
-                <a:cs typeface="Times New Roman" panose="02020603050405020304" pitchFamily="18" charset="0"/>
-              </a:rPr>
-              <a:t>a vào mô hình học máy để training</a:t>
-            </a:r>
-          </a:p>
-        </p:txBody>
-      </p:sp>
-    </p:spTree>
-    <p:extLst>
-      <p:ext uri="{BB962C8B-B14F-4D97-AF65-F5344CB8AC3E}">
-        <p14:creationId xmlns:p14="http://schemas.microsoft.com/office/powerpoint/2010/main" val="1116727250"/>
-      </p:ext>
-    </p:extLst>
-  </p:cSld>
-  <p:clrMapOvr>
-    <a:masterClrMapping/>
-  </p:clrMapOvr>
-</p:sld>
-</file>
-
-<file path=ppt/slides/slide15.xml><?xml version="1.0" encoding="utf-8"?>
-<p:sld xmlns:a="http://schemas.openxmlformats.org/drawingml/2006/main" xmlns:r="http://schemas.openxmlformats.org/officeDocument/2006/relationships" xmlns:p="http://schemas.openxmlformats.org/presentationml/2006/main">
-  <p:cSld>
-    <p:spTree>
-      <p:nvGrpSpPr>
-        <p:cNvPr id="1" name=""/>
-        <p:cNvGrpSpPr/>
-        <p:nvPr/>
-      </p:nvGrpSpPr>
-      <p:grpSpPr>
-        <a:xfrm>
-          <a:off x="0" y="0"/>
-          <a:ext cx="0" cy="0"/>
-          <a:chOff x="0" y="0"/>
-          <a:chExt cx="0" cy="0"/>
-        </a:xfrm>
-      </p:grpSpPr>
-      <p:sp>
-        <p:nvSpPr>
-          <p:cNvPr id="2" name="Title 1">
-            <a:extLst>
-              <a:ext uri="{FF2B5EF4-FFF2-40B4-BE49-F238E27FC236}">
-                <a16:creationId xmlns:a16="http://schemas.microsoft.com/office/drawing/2014/main" id="{D7B00236-7A2B-4968-9658-B5C409EA04FA}"/>
-              </a:ext>
-            </a:extLst>
-          </p:cNvPr>
-          <p:cNvSpPr>
-            <a:spLocks noGrp="1"/>
-          </p:cNvSpPr>
-          <p:nvPr>
-            <p:ph type="title"/>
-          </p:nvPr>
-        </p:nvSpPr>
-        <p:spPr/>
-        <p:txBody>
-          <a:bodyPr>
-            <a:normAutofit/>
-          </a:bodyPr>
-          <a:lstStyle/>
-          <a:p>
-            <a:r>
-              <a:rPr lang="en-US">
-                <a:latin typeface="Times New Roman" panose="02020603050405020304" pitchFamily="18" charset="0"/>
-                <a:cs typeface="Times New Roman" panose="02020603050405020304" pitchFamily="18" charset="0"/>
-              </a:rPr>
-              <a:t>Đánh giá mô hình học máy</a:t>
-            </a:r>
-          </a:p>
-        </p:txBody>
-      </p:sp>
-      <p:sp>
-        <p:nvSpPr>
-          <p:cNvPr id="3" name="Content Placeholder 2">
-            <a:extLst>
-              <a:ext uri="{FF2B5EF4-FFF2-40B4-BE49-F238E27FC236}">
-                <a16:creationId xmlns:a16="http://schemas.microsoft.com/office/drawing/2014/main" id="{6A9501BA-1B94-4468-92A7-1C8C29E4D9F5}"/>
-              </a:ext>
-            </a:extLst>
-          </p:cNvPr>
-          <p:cNvSpPr>
-            <a:spLocks noGrp="1"/>
-          </p:cNvSpPr>
-          <p:nvPr>
-            <p:ph idx="1"/>
-          </p:nvPr>
-        </p:nvSpPr>
-        <p:spPr/>
-        <p:txBody>
-          <a:bodyPr>
-            <a:normAutofit/>
-          </a:bodyPr>
-          <a:lstStyle/>
-          <a:p>
-            <a:r>
-              <a:rPr lang="en-US" sz="3200">
-                <a:latin typeface="Times New Roman" panose="02020603050405020304" pitchFamily="18" charset="0"/>
-                <a:cs typeface="Times New Roman" panose="02020603050405020304" pitchFamily="18" charset="0"/>
-              </a:rPr>
-              <a:t>Chúng em đ</a:t>
-            </a:r>
-            <a:r>
-              <a:rPr lang="vi-VN" sz="3200">
-                <a:latin typeface="Times New Roman" panose="02020603050405020304" pitchFamily="18" charset="0"/>
-                <a:cs typeface="Times New Roman" panose="02020603050405020304" pitchFamily="18" charset="0"/>
-              </a:rPr>
-              <a:t>ư</a:t>
-            </a:r>
-            <a:r>
-              <a:rPr lang="en-US" sz="3200">
-                <a:latin typeface="Times New Roman" panose="02020603050405020304" pitchFamily="18" charset="0"/>
-                <a:cs typeface="Times New Roman" panose="02020603050405020304" pitchFamily="18" charset="0"/>
-              </a:rPr>
-              <a:t>a ma trận vector đặc tr</a:t>
-            </a:r>
-            <a:r>
-              <a:rPr lang="vi-VN" sz="3200">
-                <a:latin typeface="Times New Roman" panose="02020603050405020304" pitchFamily="18" charset="0"/>
-                <a:cs typeface="Times New Roman" panose="02020603050405020304" pitchFamily="18" charset="0"/>
-              </a:rPr>
-              <a:t>ư</a:t>
-            </a:r>
-            <a:r>
-              <a:rPr lang="en-US" sz="3200">
-                <a:latin typeface="Times New Roman" panose="02020603050405020304" pitchFamily="18" charset="0"/>
-                <a:cs typeface="Times New Roman" panose="02020603050405020304" pitchFamily="18" charset="0"/>
-              </a:rPr>
-              <a:t>ng vào training theo từng mô hình học máy</a:t>
-            </a:r>
-          </a:p>
-          <a:p>
-            <a:r>
-              <a:rPr lang="en-US" sz="3200">
-                <a:latin typeface="Times New Roman" panose="02020603050405020304" pitchFamily="18" charset="0"/>
-                <a:cs typeface="Times New Roman" panose="02020603050405020304" pitchFamily="18" charset="0"/>
-              </a:rPr>
-              <a:t>Đối với quá trình training – validate, độ chính xác của mô hình lên đến trung bình là 92%.</a:t>
-            </a:r>
-          </a:p>
-          <a:p>
-            <a:r>
-              <a:rPr lang="en-US" sz="3200">
-                <a:latin typeface="Times New Roman" panose="02020603050405020304" pitchFamily="18" charset="0"/>
-                <a:cs typeface="Times New Roman" panose="02020603050405020304" pitchFamily="18" charset="0"/>
-              </a:rPr>
-              <a:t>Tuy nhiên quá trình Testing chỉ đạt đ</a:t>
-            </a:r>
-            <a:r>
-              <a:rPr lang="vi-VN" sz="3200">
-                <a:latin typeface="Times New Roman" panose="02020603050405020304" pitchFamily="18" charset="0"/>
-                <a:cs typeface="Times New Roman" panose="02020603050405020304" pitchFamily="18" charset="0"/>
-              </a:rPr>
-              <a:t>ư</a:t>
-            </a:r>
-            <a:r>
-              <a:rPr lang="en-US" sz="3200">
-                <a:latin typeface="Times New Roman" panose="02020603050405020304" pitchFamily="18" charset="0"/>
-                <a:cs typeface="Times New Roman" panose="02020603050405020304" pitchFamily="18" charset="0"/>
-              </a:rPr>
-              <a:t>ợc độ chính xác r</a:t>
-            </a:r>
-            <a:r>
-              <a:rPr lang="vi-VN" sz="3200">
-                <a:latin typeface="Times New Roman" panose="02020603050405020304" pitchFamily="18" charset="0"/>
-                <a:cs typeface="Times New Roman" panose="02020603050405020304" pitchFamily="18" charset="0"/>
-              </a:rPr>
-              <a:t>ơ</a:t>
-            </a:r>
-            <a:r>
-              <a:rPr lang="en-US" sz="3200">
-                <a:latin typeface="Times New Roman" panose="02020603050405020304" pitchFamily="18" charset="0"/>
-                <a:cs typeface="Times New Roman" panose="02020603050405020304" pitchFamily="18" charset="0"/>
-              </a:rPr>
-              <a:t>i vào khoảng 82%, lý do là quá trình trích  tách vector đặc tr</a:t>
-            </a:r>
-            <a:r>
-              <a:rPr lang="vi-VN" sz="3200">
-                <a:latin typeface="Times New Roman" panose="02020603050405020304" pitchFamily="18" charset="0"/>
-                <a:cs typeface="Times New Roman" panose="02020603050405020304" pitchFamily="18" charset="0"/>
-              </a:rPr>
-              <a:t>ư</a:t>
-            </a:r>
-            <a:r>
-              <a:rPr lang="en-US" sz="3200">
-                <a:latin typeface="Times New Roman" panose="02020603050405020304" pitchFamily="18" charset="0"/>
-                <a:cs typeface="Times New Roman" panose="02020603050405020304" pitchFamily="18" charset="0"/>
-              </a:rPr>
-              <a:t>ng của một ứng dụng bên ngoài sẽ có một chút sai số so với các vector đặc tr</a:t>
-            </a:r>
-            <a:r>
-              <a:rPr lang="vi-VN" sz="3200">
-                <a:latin typeface="Times New Roman" panose="02020603050405020304" pitchFamily="18" charset="0"/>
-                <a:cs typeface="Times New Roman" panose="02020603050405020304" pitchFamily="18" charset="0"/>
-              </a:rPr>
-              <a:t>ư</a:t>
-            </a:r>
-            <a:r>
-              <a:rPr lang="en-US" sz="3200">
-                <a:latin typeface="Times New Roman" panose="02020603050405020304" pitchFamily="18" charset="0"/>
-                <a:cs typeface="Times New Roman" panose="02020603050405020304" pitchFamily="18" charset="0"/>
-              </a:rPr>
-              <a:t>ng đ</a:t>
-            </a:r>
-            <a:r>
-              <a:rPr lang="vi-VN" sz="3200">
-                <a:latin typeface="Times New Roman" panose="02020603050405020304" pitchFamily="18" charset="0"/>
-                <a:cs typeface="Times New Roman" panose="02020603050405020304" pitchFamily="18" charset="0"/>
-              </a:rPr>
-              <a:t>ư</a:t>
-            </a:r>
-            <a:r>
-              <a:rPr lang="en-US" sz="3200">
-                <a:latin typeface="Times New Roman" panose="02020603050405020304" pitchFamily="18" charset="0"/>
-                <a:cs typeface="Times New Roman" panose="02020603050405020304" pitchFamily="18" charset="0"/>
-              </a:rPr>
-              <a:t>ợc sử dụng để xây dựng mô hình</a:t>
-            </a:r>
-          </a:p>
-        </p:txBody>
-      </p:sp>
-    </p:spTree>
-    <p:extLst>
-      <p:ext uri="{BB962C8B-B14F-4D97-AF65-F5344CB8AC3E}">
-        <p14:creationId xmlns:p14="http://schemas.microsoft.com/office/powerpoint/2010/main" val="2431607960"/>
-      </p:ext>
-    </p:extLst>
-  </p:cSld>
-  <p:clrMapOvr>
-    <a:masterClrMapping/>
-  </p:clrMapOvr>
-</p:sld>
-</file>
-
 <file path=ppt/slides/slide16.xml><?xml version="1.0" encoding="utf-8"?>
 <p:sld xmlns:a="http://schemas.openxmlformats.org/drawingml/2006/main" xmlns:r="http://schemas.openxmlformats.org/officeDocument/2006/relationships" xmlns:p="http://schemas.openxmlformats.org/presentationml/2006/main">
   <p:cSld>
@@ -7442,11 +7332,34 @@
           <a:lstStyle/>
           <a:p>
             <a:r>
-              <a:rPr lang="en-US">
-                <a:latin typeface="Times New Roman" panose="02020603050405020304" pitchFamily="18" charset="0"/>
-                <a:cs typeface="Times New Roman" panose="02020603050405020304" pitchFamily="18" charset="0"/>
-              </a:rPr>
-              <a:t>Phát triển hệ thống</a:t>
+              <a:rPr lang="en-US" sz="4000">
+                <a:solidFill>
+                  <a:schemeClr val="tx1"/>
+                </a:solidFill>
+                <a:latin typeface="Times New Roman" panose="02020603050405020304" pitchFamily="18" charset="0"/>
+                <a:cs typeface="Times New Roman" panose="02020603050405020304" pitchFamily="18" charset="0"/>
+              </a:rPr>
+              <a:t>Trích xuất đặc tr</a:t>
+            </a:r>
+            <a:r>
+              <a:rPr lang="vi-VN" sz="4000">
+                <a:solidFill>
+                  <a:schemeClr val="tx1"/>
+                </a:solidFill>
+                <a:latin typeface="Times New Roman" panose="02020603050405020304" pitchFamily="18" charset="0"/>
+                <a:cs typeface="Times New Roman" panose="02020603050405020304" pitchFamily="18" charset="0"/>
+              </a:rPr>
+              <a:t>ư</a:t>
+            </a:r>
+            <a:r>
+              <a:rPr lang="en-US" sz="4000">
+                <a:solidFill>
+                  <a:schemeClr val="tx1"/>
+                </a:solidFill>
+                <a:latin typeface="Times New Roman" panose="02020603050405020304" pitchFamily="18" charset="0"/>
+                <a:cs typeface="Times New Roman" panose="02020603050405020304" pitchFamily="18" charset="0"/>
+              </a:rPr>
+              <a:t>ng</a:t>
             </a:r>
           </a:p>
         </p:txBody>
@@ -7474,12 +7387,202 @@
           </a:bodyPr>
           <a:lstStyle/>
           <a:p>
-            <a:r>
-              <a:rPr lang="en-US" sz="3200">
-                <a:latin typeface="Times New Roman" panose="02020603050405020304" pitchFamily="18" charset="0"/>
-                <a:cs typeface="Times New Roman" panose="02020603050405020304" pitchFamily="18" charset="0"/>
-              </a:rPr>
-              <a:t>Chúng em lựa chọn mô hình có tham số tốt nhất để làm lõi đoán nhận, bọn em sẽ phát triển lên thành một hệ thống phát hiện ứng dụng độc hại dựa trên lõi này.</a:t>
+            <a:pPr algn="just"/>
+            <a:r>
+              <a:rPr lang="en-US" sz="2500">
+                <a:solidFill>
+                  <a:schemeClr val="tx1"/>
+                </a:solidFill>
+                <a:latin typeface="Times New Roman" panose="02020603050405020304" pitchFamily="18" charset="0"/>
+                <a:cs typeface="Times New Roman" panose="02020603050405020304" pitchFamily="18" charset="0"/>
+              </a:rPr>
+              <a:t>Sau khi có đ</a:t>
+            </a:r>
+            <a:r>
+              <a:rPr lang="vi-VN" sz="2500">
+                <a:solidFill>
+                  <a:schemeClr val="tx1"/>
+                </a:solidFill>
+                <a:latin typeface="Times New Roman" panose="02020603050405020304" pitchFamily="18" charset="0"/>
+                <a:cs typeface="Times New Roman" panose="02020603050405020304" pitchFamily="18" charset="0"/>
+              </a:rPr>
+              <a:t>ư</a:t>
+            </a:r>
+            <a:r>
+              <a:rPr lang="en-US" sz="2500">
+                <a:solidFill>
+                  <a:schemeClr val="tx1"/>
+                </a:solidFill>
+                <a:latin typeface="Times New Roman" panose="02020603050405020304" pitchFamily="18" charset="0"/>
+                <a:cs typeface="Times New Roman" panose="02020603050405020304" pitchFamily="18" charset="0"/>
+              </a:rPr>
+              <a:t>ợc các ma trận độ đo t</a:t>
+            </a:r>
+            <a:r>
+              <a:rPr lang="vi-VN" sz="2500">
+                <a:solidFill>
+                  <a:schemeClr val="tx1"/>
+                </a:solidFill>
+                <a:latin typeface="Times New Roman" panose="02020603050405020304" pitchFamily="18" charset="0"/>
+                <a:cs typeface="Times New Roman" panose="02020603050405020304" pitchFamily="18" charset="0"/>
+              </a:rPr>
+              <a:t>ư</a:t>
+            </a:r>
+            <a:r>
+              <a:rPr lang="en-US" sz="2500">
+                <a:solidFill>
+                  <a:schemeClr val="tx1"/>
+                </a:solidFill>
+                <a:latin typeface="Times New Roman" panose="02020603050405020304" pitchFamily="18" charset="0"/>
+                <a:cs typeface="Times New Roman" panose="02020603050405020304" pitchFamily="18" charset="0"/>
+              </a:rPr>
+              <a:t>ơng đồng, chúng em tiến hành trích xuất vector đặc tr</a:t>
+            </a:r>
+            <a:r>
+              <a:rPr lang="vi-VN" sz="2500">
+                <a:solidFill>
+                  <a:schemeClr val="tx1"/>
+                </a:solidFill>
+                <a:latin typeface="Times New Roman" panose="02020603050405020304" pitchFamily="18" charset="0"/>
+                <a:cs typeface="Times New Roman" panose="02020603050405020304" pitchFamily="18" charset="0"/>
+              </a:rPr>
+              <a:t>ư</a:t>
+            </a:r>
+            <a:r>
+              <a:rPr lang="en-US" sz="2500">
+                <a:solidFill>
+                  <a:schemeClr val="tx1"/>
+                </a:solidFill>
+                <a:latin typeface="Times New Roman" panose="02020603050405020304" pitchFamily="18" charset="0"/>
+                <a:cs typeface="Times New Roman" panose="02020603050405020304" pitchFamily="18" charset="0"/>
+              </a:rPr>
+              <a:t>ng.</a:t>
+            </a:r>
+          </a:p>
+          <a:p>
+            <a:pPr algn="just"/>
+            <a:r>
+              <a:rPr lang="en-US" sz="2500">
+                <a:solidFill>
+                  <a:schemeClr val="tx1"/>
+                </a:solidFill>
+                <a:latin typeface="Times New Roman" panose="02020603050405020304" pitchFamily="18" charset="0"/>
+                <a:cs typeface="Times New Roman" panose="02020603050405020304" pitchFamily="18" charset="0"/>
+              </a:rPr>
+              <a:t>Mỗi ma trận sẽ hình thành 5 đặc tr</a:t>
+            </a:r>
+            <a:r>
+              <a:rPr lang="vi-VN" sz="2500">
+                <a:solidFill>
+                  <a:schemeClr val="tx1"/>
+                </a:solidFill>
+                <a:latin typeface="Times New Roman" panose="02020603050405020304" pitchFamily="18" charset="0"/>
+                <a:cs typeface="Times New Roman" panose="02020603050405020304" pitchFamily="18" charset="0"/>
+              </a:rPr>
+              <a:t>ư</a:t>
+            </a:r>
+            <a:r>
+              <a:rPr lang="en-US" sz="2500">
+                <a:solidFill>
+                  <a:schemeClr val="tx1"/>
+                </a:solidFill>
+                <a:latin typeface="Times New Roman" panose="02020603050405020304" pitchFamily="18" charset="0"/>
+                <a:cs typeface="Times New Roman" panose="02020603050405020304" pitchFamily="18" charset="0"/>
+              </a:rPr>
+              <a:t>ng thể hiện sự t</a:t>
+            </a:r>
+            <a:r>
+              <a:rPr lang="vi-VN" sz="2500">
+                <a:solidFill>
+                  <a:schemeClr val="tx1"/>
+                </a:solidFill>
+                <a:latin typeface="Times New Roman" panose="02020603050405020304" pitchFamily="18" charset="0"/>
+                <a:cs typeface="Times New Roman" panose="02020603050405020304" pitchFamily="18" charset="0"/>
+              </a:rPr>
+              <a:t>ư</a:t>
+            </a:r>
+            <a:r>
+              <a:rPr lang="en-US" sz="2500">
+                <a:solidFill>
+                  <a:schemeClr val="tx1"/>
+                </a:solidFill>
+                <a:latin typeface="Times New Roman" panose="02020603050405020304" pitchFamily="18" charset="0"/>
+                <a:cs typeface="Times New Roman" panose="02020603050405020304" pitchFamily="18" charset="0"/>
+              </a:rPr>
+              <a:t>ơng đồng giữa các ứng dụng với các họ ứng dụng.</a:t>
+            </a:r>
+          </a:p>
+          <a:p>
+            <a:pPr algn="just"/>
+            <a:r>
+              <a:rPr lang="en-US" sz="2500">
+                <a:solidFill>
+                  <a:schemeClr val="tx1"/>
+                </a:solidFill>
+                <a:latin typeface="Times New Roman" panose="02020603050405020304" pitchFamily="18" charset="0"/>
+                <a:cs typeface="Times New Roman" panose="02020603050405020304" pitchFamily="18" charset="0"/>
+              </a:rPr>
+              <a:t>5 đặc tr</a:t>
+            </a:r>
+            <a:r>
+              <a:rPr lang="vi-VN" sz="2500">
+                <a:solidFill>
+                  <a:schemeClr val="tx1"/>
+                </a:solidFill>
+                <a:latin typeface="Times New Roman" panose="02020603050405020304" pitchFamily="18" charset="0"/>
+                <a:cs typeface="Times New Roman" panose="02020603050405020304" pitchFamily="18" charset="0"/>
+              </a:rPr>
+              <a:t>ư</a:t>
+            </a:r>
+            <a:r>
+              <a:rPr lang="en-US" sz="2500">
+                <a:solidFill>
+                  <a:schemeClr val="tx1"/>
+                </a:solidFill>
+                <a:latin typeface="Times New Roman" panose="02020603050405020304" pitchFamily="18" charset="0"/>
+                <a:cs typeface="Times New Roman" panose="02020603050405020304" pitchFamily="18" charset="0"/>
+              </a:rPr>
+              <a:t>ng này bao gồm sự t</a:t>
+            </a:r>
+            <a:r>
+              <a:rPr lang="vi-VN" sz="2500">
+                <a:solidFill>
+                  <a:schemeClr val="tx1"/>
+                </a:solidFill>
+                <a:latin typeface="Times New Roman" panose="02020603050405020304" pitchFamily="18" charset="0"/>
+                <a:cs typeface="Times New Roman" panose="02020603050405020304" pitchFamily="18" charset="0"/>
+              </a:rPr>
+              <a:t>ư</a:t>
+            </a:r>
+            <a:r>
+              <a:rPr lang="en-US" sz="2500">
+                <a:solidFill>
+                  <a:schemeClr val="tx1"/>
+                </a:solidFill>
+                <a:latin typeface="Times New Roman" panose="02020603050405020304" pitchFamily="18" charset="0"/>
+                <a:cs typeface="Times New Roman" panose="02020603050405020304" pitchFamily="18" charset="0"/>
+              </a:rPr>
+              <a:t>ơng đồng giữa ứng dụng đ</a:t>
+            </a:r>
+            <a:r>
+              <a:rPr lang="vi-VN" sz="2500">
+                <a:solidFill>
+                  <a:schemeClr val="tx1"/>
+                </a:solidFill>
+                <a:latin typeface="Times New Roman" panose="02020603050405020304" pitchFamily="18" charset="0"/>
+                <a:cs typeface="Times New Roman" panose="02020603050405020304" pitchFamily="18" charset="0"/>
+              </a:rPr>
+              <a:t>ư</a:t>
+            </a:r>
+            <a:r>
+              <a:rPr lang="en-US" sz="2500">
+                <a:solidFill>
+                  <a:schemeClr val="tx1"/>
+                </a:solidFill>
+                <a:latin typeface="Times New Roman" panose="02020603050405020304" pitchFamily="18" charset="0"/>
+                <a:cs typeface="Times New Roman" panose="02020603050405020304" pitchFamily="18" charset="0"/>
+              </a:rPr>
+              <a:t>ợc xét với từng họ ứng dụng : adware, banking, benign, riskware, smsmalware</a:t>
             </a:r>
           </a:p>
         </p:txBody>
@@ -7487,7 +7590,7 @@
     </p:spTree>
     <p:extLst>
       <p:ext uri="{BB962C8B-B14F-4D97-AF65-F5344CB8AC3E}">
-        <p14:creationId xmlns:p14="http://schemas.microsoft.com/office/powerpoint/2010/main" val="405429594"/>
+        <p14:creationId xmlns:p14="http://schemas.microsoft.com/office/powerpoint/2010/main" val="1415437705"/>
       </p:ext>
     </p:extLst>
   </p:cSld>
@@ -7516,10 +7619,173 @@
       </p:grpSpPr>
       <p:sp>
         <p:nvSpPr>
+          <p:cNvPr id="3" name="Content Placeholder 2">
+            <a:extLst>
+              <a:ext uri="{FF2B5EF4-FFF2-40B4-BE49-F238E27FC236}">
+                <a16:creationId xmlns:a16="http://schemas.microsoft.com/office/drawing/2014/main" id="{6A9501BA-1B94-4468-92A7-1C8C29E4D9F5}"/>
+              </a:ext>
+            </a:extLst>
+          </p:cNvPr>
+          <p:cNvSpPr>
+            <a:spLocks noGrp="1"/>
+          </p:cNvSpPr>
+          <p:nvPr>
+            <p:ph idx="1"/>
+          </p:nvPr>
+        </p:nvSpPr>
+        <p:spPr/>
+        <p:txBody>
+          <a:bodyPr>
+            <a:normAutofit/>
+          </a:bodyPr>
+          <a:lstStyle/>
+          <a:p>
+            <a:pPr algn="just"/>
+            <a:r>
+              <a:rPr lang="en-US" sz="2500">
+                <a:solidFill>
+                  <a:schemeClr val="tx1"/>
+                </a:solidFill>
+                <a:latin typeface="Times New Roman" panose="02020603050405020304" pitchFamily="18" charset="0"/>
+                <a:cs typeface="Times New Roman" panose="02020603050405020304" pitchFamily="18" charset="0"/>
+              </a:rPr>
+              <a:t>Chúng em thực hiện bằng cách cộng tổng theo hàng số l</a:t>
+            </a:r>
+            <a:r>
+              <a:rPr lang="vi-VN" sz="2500">
+                <a:solidFill>
+                  <a:schemeClr val="tx1"/>
+                </a:solidFill>
+                <a:latin typeface="Times New Roman" panose="02020603050405020304" pitchFamily="18" charset="0"/>
+                <a:cs typeface="Times New Roman" panose="02020603050405020304" pitchFamily="18" charset="0"/>
+              </a:rPr>
+              <a:t>ư</a:t>
+            </a:r>
+            <a:r>
+              <a:rPr lang="en-US" sz="2500">
+                <a:solidFill>
+                  <a:schemeClr val="tx1"/>
+                </a:solidFill>
+                <a:latin typeface="Times New Roman" panose="02020603050405020304" pitchFamily="18" charset="0"/>
+                <a:cs typeface="Times New Roman" panose="02020603050405020304" pitchFamily="18" charset="0"/>
+              </a:rPr>
+              <a:t>ợng các ứng dụng trong cùng một họ tạo thành một đặc tr</a:t>
+            </a:r>
+            <a:r>
+              <a:rPr lang="vi-VN" sz="2500">
+                <a:solidFill>
+                  <a:schemeClr val="tx1"/>
+                </a:solidFill>
+                <a:latin typeface="Times New Roman" panose="02020603050405020304" pitchFamily="18" charset="0"/>
+                <a:cs typeface="Times New Roman" panose="02020603050405020304" pitchFamily="18" charset="0"/>
+              </a:rPr>
+              <a:t>ư</a:t>
+            </a:r>
+            <a:r>
+              <a:rPr lang="en-US" sz="2500">
+                <a:solidFill>
+                  <a:schemeClr val="tx1"/>
+                </a:solidFill>
+                <a:latin typeface="Times New Roman" panose="02020603050405020304" pitchFamily="18" charset="0"/>
+                <a:cs typeface="Times New Roman" panose="02020603050405020304" pitchFamily="18" charset="0"/>
+              </a:rPr>
+              <a:t>ng.</a:t>
+            </a:r>
+          </a:p>
+          <a:p>
+            <a:pPr algn="just"/>
+            <a:r>
+              <a:rPr lang="en-US" sz="2500">
+                <a:solidFill>
+                  <a:schemeClr val="tx1"/>
+                </a:solidFill>
+                <a:latin typeface="Times New Roman" panose="02020603050405020304" pitchFamily="18" charset="0"/>
+                <a:cs typeface="Times New Roman" panose="02020603050405020304" pitchFamily="18" charset="0"/>
+              </a:rPr>
+              <a:t>Ví dụ:</a:t>
+            </a:r>
+          </a:p>
+          <a:p>
+            <a:pPr algn="just"/>
+            <a:r>
+              <a:rPr lang="en-US" sz="2500">
+                <a:solidFill>
+                  <a:schemeClr val="tx1"/>
+                </a:solidFill>
+                <a:latin typeface="Times New Roman" panose="02020603050405020304" pitchFamily="18" charset="0"/>
+                <a:cs typeface="Times New Roman" panose="02020603050405020304" pitchFamily="18" charset="0"/>
+              </a:rPr>
+              <a:t>Hàng i của ma trận độ đo t</a:t>
+            </a:r>
+            <a:r>
+              <a:rPr lang="vi-VN" sz="2500">
+                <a:solidFill>
+                  <a:schemeClr val="tx1"/>
+                </a:solidFill>
+                <a:latin typeface="Times New Roman" panose="02020603050405020304" pitchFamily="18" charset="0"/>
+                <a:cs typeface="Times New Roman" panose="02020603050405020304" pitchFamily="18" charset="0"/>
+              </a:rPr>
+              <a:t>ư</a:t>
+            </a:r>
+            <a:r>
+              <a:rPr lang="en-US" sz="2500">
+                <a:solidFill>
+                  <a:schemeClr val="tx1"/>
+                </a:solidFill>
+                <a:latin typeface="Times New Roman" panose="02020603050405020304" pitchFamily="18" charset="0"/>
+                <a:cs typeface="Times New Roman" panose="02020603050405020304" pitchFamily="18" charset="0"/>
+              </a:rPr>
+              <a:t>ơng đồng m, sẽ đ</a:t>
+            </a:r>
+            <a:r>
+              <a:rPr lang="vi-VN" sz="2500">
+                <a:solidFill>
+                  <a:schemeClr val="tx1"/>
+                </a:solidFill>
+                <a:latin typeface="Times New Roman" panose="02020603050405020304" pitchFamily="18" charset="0"/>
+                <a:cs typeface="Times New Roman" panose="02020603050405020304" pitchFamily="18" charset="0"/>
+              </a:rPr>
+              <a:t>ư</a:t>
+            </a:r>
+            <a:r>
+              <a:rPr lang="en-US" sz="2500">
+                <a:solidFill>
+                  <a:schemeClr val="tx1"/>
+                </a:solidFill>
+                <a:latin typeface="Times New Roman" panose="02020603050405020304" pitchFamily="18" charset="0"/>
+                <a:cs typeface="Times New Roman" panose="02020603050405020304" pitchFamily="18" charset="0"/>
+              </a:rPr>
+              <a:t>ợc chia thành tổng của 5 đoạn, mỗi đoạn hình thành lên 1 đặc tr</a:t>
+            </a:r>
+            <a:r>
+              <a:rPr lang="vi-VN" sz="2500">
+                <a:solidFill>
+                  <a:schemeClr val="tx1"/>
+                </a:solidFill>
+                <a:latin typeface="Times New Roman" panose="02020603050405020304" pitchFamily="18" charset="0"/>
+                <a:cs typeface="Times New Roman" panose="02020603050405020304" pitchFamily="18" charset="0"/>
+              </a:rPr>
+              <a:t>ư</a:t>
+            </a:r>
+            <a:r>
+              <a:rPr lang="en-US" sz="2500">
+                <a:solidFill>
+                  <a:schemeClr val="tx1"/>
+                </a:solidFill>
+                <a:latin typeface="Times New Roman" panose="02020603050405020304" pitchFamily="18" charset="0"/>
+                <a:cs typeface="Times New Roman" panose="02020603050405020304" pitchFamily="18" charset="0"/>
+              </a:rPr>
+              <a:t>ng</a:t>
+            </a:r>
+          </a:p>
+        </p:txBody>
+      </p:sp>
+      <p:sp>
+        <p:nvSpPr>
           <p:cNvPr id="4" name="Title 1">
             <a:extLst>
               <a:ext uri="{FF2B5EF4-FFF2-40B4-BE49-F238E27FC236}">
-                <a16:creationId xmlns:a16="http://schemas.microsoft.com/office/drawing/2014/main" id="{732093A5-097F-42C4-9893-6A2150D3F1AC}"/>
+                <a16:creationId xmlns:a16="http://schemas.microsoft.com/office/drawing/2014/main" id="{36D6CB7F-1B7C-478C-84D2-B6337C8C1DF8}"/>
               </a:ext>
             </a:extLst>
           </p:cNvPr>
@@ -7532,8 +7798,8 @@
         </p:nvSpPr>
         <p:spPr>
           <a:xfrm>
-            <a:off x="1096963" y="287338"/>
-            <a:ext cx="10058400" cy="1449387"/>
+            <a:off x="1097280" y="286603"/>
+            <a:ext cx="10058400" cy="1450757"/>
           </a:xfrm>
         </p:spPr>
         <p:txBody>
@@ -7543,11 +7809,34 @@
           <a:lstStyle/>
           <a:p>
             <a:r>
-              <a:rPr lang="en-US">
-                <a:latin typeface="Times New Roman" panose="02020603050405020304" pitchFamily="18" charset="0"/>
-                <a:cs typeface="Times New Roman" panose="02020603050405020304" pitchFamily="18" charset="0"/>
-              </a:rPr>
-              <a:t>Phát triển hệ thống</a:t>
+              <a:rPr lang="en-US" sz="4000">
+                <a:solidFill>
+                  <a:schemeClr val="tx1"/>
+                </a:solidFill>
+                <a:latin typeface="Times New Roman" panose="02020603050405020304" pitchFamily="18" charset="0"/>
+                <a:cs typeface="Times New Roman" panose="02020603050405020304" pitchFamily="18" charset="0"/>
+              </a:rPr>
+              <a:t>Trích xuất đặc tr</a:t>
+            </a:r>
+            <a:r>
+              <a:rPr lang="vi-VN" sz="4000">
+                <a:solidFill>
+                  <a:schemeClr val="tx1"/>
+                </a:solidFill>
+                <a:latin typeface="Times New Roman" panose="02020603050405020304" pitchFamily="18" charset="0"/>
+                <a:cs typeface="Times New Roman" panose="02020603050405020304" pitchFamily="18" charset="0"/>
+              </a:rPr>
+              <a:t>ư</a:t>
+            </a:r>
+            <a:r>
+              <a:rPr lang="en-US" sz="4000">
+                <a:solidFill>
+                  <a:schemeClr val="tx1"/>
+                </a:solidFill>
+                <a:latin typeface="Times New Roman" panose="02020603050405020304" pitchFamily="18" charset="0"/>
+                <a:cs typeface="Times New Roman" panose="02020603050405020304" pitchFamily="18" charset="0"/>
+              </a:rPr>
+              <a:t>ng</a:t>
             </a:r>
           </a:p>
         </p:txBody>
@@ -7557,23 +7846,25 @@
           <p:cNvPr id="5" name="Picture 4">
             <a:extLst>
               <a:ext uri="{FF2B5EF4-FFF2-40B4-BE49-F238E27FC236}">
-                <a16:creationId xmlns:a16="http://schemas.microsoft.com/office/drawing/2014/main" id="{DC6449B7-1863-460E-8F98-D474C7EEACF6}"/>
+                <a16:creationId xmlns:a16="http://schemas.microsoft.com/office/drawing/2014/main" id="{E6789F86-23AF-4F48-87CD-AB1F1B90D6BE}"/>
               </a:ext>
             </a:extLst>
           </p:cNvPr>
-          <p:cNvPicPr/>
+          <p:cNvPicPr>
+            <a:picLocks noChangeAspect="1"/>
+          </p:cNvPicPr>
           <p:nvPr/>
         </p:nvPicPr>
         <p:blipFill>
-          <a:blip r:embed="rId2"/>
+          <a:blip r:embed="rId3"/>
           <a:stretch>
             <a:fillRect/>
           </a:stretch>
         </p:blipFill>
         <p:spPr>
           <a:xfrm>
-            <a:off x="2057574" y="1969074"/>
-            <a:ext cx="8076852" cy="4195752"/>
+            <a:off x="1751427" y="4244076"/>
+            <a:ext cx="8689146" cy="1625018"/>
           </a:xfrm>
           <a:prstGeom prst="rect">
             <a:avLst/>
@@ -7583,7 +7874,7 @@
     </p:spTree>
     <p:extLst>
       <p:ext uri="{BB962C8B-B14F-4D97-AF65-F5344CB8AC3E}">
-        <p14:creationId xmlns:p14="http://schemas.microsoft.com/office/powerpoint/2010/main" val="310739773"/>
+        <p14:creationId xmlns:p14="http://schemas.microsoft.com/office/powerpoint/2010/main" val="2352643010"/>
       </p:ext>
     </p:extLst>
   </p:cSld>
@@ -7612,10 +7903,66 @@
       </p:grpSpPr>
       <p:sp>
         <p:nvSpPr>
+          <p:cNvPr id="2" name="Title 1">
+            <a:extLst>
+              <a:ext uri="{FF2B5EF4-FFF2-40B4-BE49-F238E27FC236}">
+                <a16:creationId xmlns:a16="http://schemas.microsoft.com/office/drawing/2014/main" id="{D7B00236-7A2B-4968-9658-B5C409EA04FA}"/>
+              </a:ext>
+            </a:extLst>
+          </p:cNvPr>
+          <p:cNvSpPr>
+            <a:spLocks noGrp="1"/>
+          </p:cNvSpPr>
+          <p:nvPr>
+            <p:ph type="title"/>
+          </p:nvPr>
+        </p:nvSpPr>
+        <p:spPr/>
+        <p:txBody>
+          <a:bodyPr>
+            <a:normAutofit/>
+          </a:bodyPr>
+          <a:lstStyle/>
+          <a:p>
+            <a:r>
+              <a:rPr lang="en-US" sz="4000">
+                <a:solidFill>
+                  <a:schemeClr val="tx1"/>
+                </a:solidFill>
+                <a:latin typeface="Times New Roman" panose="02020603050405020304" pitchFamily="18" charset="0"/>
+                <a:cs typeface="Times New Roman" panose="02020603050405020304" pitchFamily="18" charset="0"/>
+              </a:rPr>
+              <a:t>Ma trận vector đặc tr</a:t>
+            </a:r>
+            <a:r>
+              <a:rPr lang="vi-VN" sz="4000">
+                <a:solidFill>
+                  <a:schemeClr val="tx1"/>
+                </a:solidFill>
+                <a:latin typeface="Times New Roman" panose="02020603050405020304" pitchFamily="18" charset="0"/>
+                <a:cs typeface="Times New Roman" panose="02020603050405020304" pitchFamily="18" charset="0"/>
+              </a:rPr>
+              <a:t>ư</a:t>
+            </a:r>
+            <a:r>
+              <a:rPr lang="en-US" sz="4000">
+                <a:solidFill>
+                  <a:schemeClr val="tx1"/>
+                </a:solidFill>
+                <a:latin typeface="Times New Roman" panose="02020603050405020304" pitchFamily="18" charset="0"/>
+                <a:cs typeface="Times New Roman" panose="02020603050405020304" pitchFamily="18" charset="0"/>
+              </a:rPr>
+              <a:t>ng</a:t>
+            </a:r>
+          </a:p>
+        </p:txBody>
+      </p:sp>
+      <p:sp>
+        <p:nvSpPr>
           <p:cNvPr id="3" name="Content Placeholder 2">
             <a:extLst>
               <a:ext uri="{FF2B5EF4-FFF2-40B4-BE49-F238E27FC236}">
-                <a16:creationId xmlns:a16="http://schemas.microsoft.com/office/drawing/2014/main" id="{3E09BA25-2760-464A-B131-AD6AB2C8E9AF}"/>
+                <a16:creationId xmlns:a16="http://schemas.microsoft.com/office/drawing/2014/main" id="{6A9501BA-1B94-4468-92A7-1C8C29E4D9F5}"/>
               </a:ext>
             </a:extLst>
           </p:cNvPr>
@@ -7635,49 +7982,127 @@
           <a:p>
             <a:pPr algn="just"/>
             <a:r>
-              <a:rPr lang="en-US" sz="3200">
-                <a:latin typeface="Times New Roman" panose="02020603050405020304" pitchFamily="18" charset="0"/>
-                <a:cs typeface="Times New Roman" panose="02020603050405020304" pitchFamily="18" charset="0"/>
-              </a:rPr>
-              <a:t>Hệ thống server bọn em lựa chọn python flask để xây dựng, còn về phía client bọn em sẽ sử dụng Java để xây dựng lên ứng dụng andorid</a:t>
-            </a:r>
-          </a:p>
-        </p:txBody>
-      </p:sp>
-      <p:sp>
-        <p:nvSpPr>
-          <p:cNvPr id="7" name="Title 1">
-            <a:extLst>
-              <a:ext uri="{FF2B5EF4-FFF2-40B4-BE49-F238E27FC236}">
-                <a16:creationId xmlns:a16="http://schemas.microsoft.com/office/drawing/2014/main" id="{5695D418-618E-41B1-BE89-0830E74F9537}"/>
-              </a:ext>
-            </a:extLst>
-          </p:cNvPr>
-          <p:cNvSpPr>
-            <a:spLocks noGrp="1"/>
-          </p:cNvSpPr>
-          <p:nvPr>
-            <p:ph type="title"/>
-          </p:nvPr>
-        </p:nvSpPr>
-        <p:spPr>
-          <a:xfrm>
-            <a:off x="1096963" y="287338"/>
-            <a:ext cx="10058400" cy="1449387"/>
-          </a:xfrm>
-        </p:spPr>
-        <p:txBody>
-          <a:bodyPr>
-            <a:normAutofit/>
-          </a:bodyPr>
-          <a:lstStyle/>
-          <a:p>
-            <a:r>
-              <a:rPr lang="en-US">
-                <a:latin typeface="Times New Roman" panose="02020603050405020304" pitchFamily="18" charset="0"/>
-                <a:cs typeface="Times New Roman" panose="02020603050405020304" pitchFamily="18" charset="0"/>
-              </a:rPr>
-              <a:t>Phát triển hệ thống</a:t>
+              <a:rPr lang="en-US" sz="2500">
+                <a:solidFill>
+                  <a:schemeClr val="tx1"/>
+                </a:solidFill>
+                <a:latin typeface="Times New Roman" panose="02020603050405020304" pitchFamily="18" charset="0"/>
+                <a:cs typeface="Times New Roman" panose="02020603050405020304" pitchFamily="18" charset="0"/>
+              </a:rPr>
+              <a:t>Với mỗi ứng dụng, chúng em thu thập đ</a:t>
+            </a:r>
+            <a:r>
+              <a:rPr lang="vi-VN" sz="2500">
+                <a:solidFill>
+                  <a:schemeClr val="tx1"/>
+                </a:solidFill>
+                <a:latin typeface="Times New Roman" panose="02020603050405020304" pitchFamily="18" charset="0"/>
+                <a:cs typeface="Times New Roman" panose="02020603050405020304" pitchFamily="18" charset="0"/>
+              </a:rPr>
+              <a:t>ư</a:t>
+            </a:r>
+            <a:r>
+              <a:rPr lang="en-US" sz="2500">
+                <a:solidFill>
+                  <a:schemeClr val="tx1"/>
+                </a:solidFill>
+                <a:latin typeface="Times New Roman" panose="02020603050405020304" pitchFamily="18" charset="0"/>
+                <a:cs typeface="Times New Roman" panose="02020603050405020304" pitchFamily="18" charset="0"/>
+              </a:rPr>
+              <a:t>ợc 80 đặc tr</a:t>
+            </a:r>
+            <a:r>
+              <a:rPr lang="vi-VN" sz="2500">
+                <a:solidFill>
+                  <a:schemeClr val="tx1"/>
+                </a:solidFill>
+                <a:latin typeface="Times New Roman" panose="02020603050405020304" pitchFamily="18" charset="0"/>
+                <a:cs typeface="Times New Roman" panose="02020603050405020304" pitchFamily="18" charset="0"/>
+              </a:rPr>
+              <a:t>ư</a:t>
+            </a:r>
+            <a:r>
+              <a:rPr lang="en-US" sz="2500">
+                <a:solidFill>
+                  <a:schemeClr val="tx1"/>
+                </a:solidFill>
+                <a:latin typeface="Times New Roman" panose="02020603050405020304" pitchFamily="18" charset="0"/>
+                <a:cs typeface="Times New Roman" panose="02020603050405020304" pitchFamily="18" charset="0"/>
+              </a:rPr>
+              <a:t>ng, vậy ma trận vector đặc tr</a:t>
+            </a:r>
+            <a:r>
+              <a:rPr lang="vi-VN" sz="2500">
+                <a:solidFill>
+                  <a:schemeClr val="tx1"/>
+                </a:solidFill>
+                <a:latin typeface="Times New Roman" panose="02020603050405020304" pitchFamily="18" charset="0"/>
+                <a:cs typeface="Times New Roman" panose="02020603050405020304" pitchFamily="18" charset="0"/>
+              </a:rPr>
+              <a:t>ư</a:t>
+            </a:r>
+            <a:r>
+              <a:rPr lang="en-US" sz="2500">
+                <a:solidFill>
+                  <a:schemeClr val="tx1"/>
+                </a:solidFill>
+                <a:latin typeface="Times New Roman" panose="02020603050405020304" pitchFamily="18" charset="0"/>
+                <a:cs typeface="Times New Roman" panose="02020603050405020304" pitchFamily="18" charset="0"/>
+              </a:rPr>
+              <a:t>ng của chúng em sẽ có số hàng là tổng số ứng dụng trong tập dữ liệu, số cột là 80.</a:t>
+            </a:r>
+          </a:p>
+          <a:p>
+            <a:pPr algn="just"/>
+            <a:r>
+              <a:rPr lang="en-US" sz="2500">
+                <a:solidFill>
+                  <a:schemeClr val="tx1"/>
+                </a:solidFill>
+                <a:latin typeface="Times New Roman" panose="02020603050405020304" pitchFamily="18" charset="0"/>
+                <a:cs typeface="Times New Roman" panose="02020603050405020304" pitchFamily="18" charset="0"/>
+              </a:rPr>
+              <a:t>Từ đó chúng em có ma trận vector đặc tr</a:t>
+            </a:r>
+            <a:r>
+              <a:rPr lang="vi-VN" sz="2500">
+                <a:solidFill>
+                  <a:schemeClr val="tx1"/>
+                </a:solidFill>
+                <a:latin typeface="Times New Roman" panose="02020603050405020304" pitchFamily="18" charset="0"/>
+                <a:cs typeface="Times New Roman" panose="02020603050405020304" pitchFamily="18" charset="0"/>
+              </a:rPr>
+              <a:t>ư</a:t>
+            </a:r>
+            <a:r>
+              <a:rPr lang="en-US" sz="2500">
+                <a:solidFill>
+                  <a:schemeClr val="tx1"/>
+                </a:solidFill>
+                <a:latin typeface="Times New Roman" panose="02020603050405020304" pitchFamily="18" charset="0"/>
+                <a:cs typeface="Times New Roman" panose="02020603050405020304" pitchFamily="18" charset="0"/>
+              </a:rPr>
+              <a:t>ng và tiến hành đ</a:t>
+            </a:r>
+            <a:r>
+              <a:rPr lang="vi-VN" sz="2500">
+                <a:solidFill>
+                  <a:schemeClr val="tx1"/>
+                </a:solidFill>
+                <a:latin typeface="Times New Roman" panose="02020603050405020304" pitchFamily="18" charset="0"/>
+                <a:cs typeface="Times New Roman" panose="02020603050405020304" pitchFamily="18" charset="0"/>
+              </a:rPr>
+              <a:t>ư</a:t>
+            </a:r>
+            <a:r>
+              <a:rPr lang="en-US" sz="2500">
+                <a:solidFill>
+                  <a:schemeClr val="tx1"/>
+                </a:solidFill>
+                <a:latin typeface="Times New Roman" panose="02020603050405020304" pitchFamily="18" charset="0"/>
+                <a:cs typeface="Times New Roman" panose="02020603050405020304" pitchFamily="18" charset="0"/>
+              </a:rPr>
+              <a:t>a vào mô hình học máy để training</a:t>
             </a:r>
           </a:p>
         </p:txBody>
@@ -7685,7 +8110,7 @@
     </p:spTree>
     <p:extLst>
       <p:ext uri="{BB962C8B-B14F-4D97-AF65-F5344CB8AC3E}">
-        <p14:creationId xmlns:p14="http://schemas.microsoft.com/office/powerpoint/2010/main" val="503382325"/>
+        <p14:creationId xmlns:p14="http://schemas.microsoft.com/office/powerpoint/2010/main" val="1116727250"/>
       </p:ext>
     </p:extLst>
   </p:cSld>
@@ -7714,10 +8139,10 @@
       </p:grpSpPr>
       <p:sp>
         <p:nvSpPr>
-          <p:cNvPr id="4" name="Title 1">
+          <p:cNvPr id="2" name="Title 1">
             <a:extLst>
               <a:ext uri="{FF2B5EF4-FFF2-40B4-BE49-F238E27FC236}">
-                <a16:creationId xmlns:a16="http://schemas.microsoft.com/office/drawing/2014/main" id="{3965C551-21EB-41B3-B0BF-3679E31C5675}"/>
+                <a16:creationId xmlns:a16="http://schemas.microsoft.com/office/drawing/2014/main" id="{D7B00236-7A2B-4968-9658-B5C409EA04FA}"/>
               </a:ext>
             </a:extLst>
           </p:cNvPr>
@@ -7728,12 +8153,7 @@
             <p:ph type="title"/>
           </p:nvPr>
         </p:nvSpPr>
-        <p:spPr>
-          <a:xfrm>
-            <a:off x="1096963" y="287338"/>
-            <a:ext cx="10058400" cy="1449387"/>
-          </a:xfrm>
-        </p:spPr>
+        <p:spPr/>
         <p:txBody>
           <a:bodyPr>
             <a:normAutofit/>
@@ -7741,135 +8161,222 @@
           <a:lstStyle/>
           <a:p>
             <a:r>
-              <a:rPr lang="en-US">
-                <a:latin typeface="Times New Roman" panose="02020603050405020304" pitchFamily="18" charset="0"/>
-                <a:cs typeface="Times New Roman" panose="02020603050405020304" pitchFamily="18" charset="0"/>
-              </a:rPr>
-              <a:t>Phát triển hệ thống</a:t>
-            </a:r>
-          </a:p>
-        </p:txBody>
-      </p:sp>
-      <p:pic>
-        <p:nvPicPr>
-          <p:cNvPr id="8" name="Content Placeholder 7">
+              <a:rPr lang="en-US" sz="4000">
+                <a:solidFill>
+                  <a:schemeClr val="tx1"/>
+                </a:solidFill>
+                <a:latin typeface="Times New Roman" panose="02020603050405020304" pitchFamily="18" charset="0"/>
+                <a:cs typeface="Times New Roman" panose="02020603050405020304" pitchFamily="18" charset="0"/>
+              </a:rPr>
+              <a:t>Đánh giá mô hình học máy</a:t>
+            </a:r>
+          </a:p>
+        </p:txBody>
+      </p:sp>
+      <p:sp>
+        <p:nvSpPr>
+          <p:cNvPr id="3" name="Content Placeholder 2">
             <a:extLst>
               <a:ext uri="{FF2B5EF4-FFF2-40B4-BE49-F238E27FC236}">
-                <a16:creationId xmlns:a16="http://schemas.microsoft.com/office/drawing/2014/main" id="{C23EB850-9EE6-4DA3-BF8D-542C343D2C92}"/>
+                <a16:creationId xmlns:a16="http://schemas.microsoft.com/office/drawing/2014/main" id="{6A9501BA-1B94-4468-92A7-1C8C29E4D9F5}"/>
               </a:ext>
             </a:extLst>
           </p:cNvPr>
-          <p:cNvPicPr>
-            <a:picLocks noGrp="1"/>
-          </p:cNvPicPr>
+          <p:cNvSpPr>
+            <a:spLocks noGrp="1"/>
+          </p:cNvSpPr>
           <p:nvPr>
             <p:ph idx="1"/>
           </p:nvPr>
-        </p:nvPicPr>
-        <p:blipFill>
-          <a:blip r:embed="rId2"/>
-          <a:stretch>
-            <a:fillRect/>
-          </a:stretch>
-        </p:blipFill>
-        <p:spPr>
-          <a:xfrm>
-            <a:off x="1096963" y="1924922"/>
-            <a:ext cx="2432790" cy="4022725"/>
-          </a:xfrm>
-          <a:prstGeom prst="rect">
-            <a:avLst/>
-          </a:prstGeom>
-        </p:spPr>
-      </p:pic>
-      <p:pic>
-        <p:nvPicPr>
-          <p:cNvPr id="9" name="Picture 8">
-            <a:extLst>
-              <a:ext uri="{FF2B5EF4-FFF2-40B4-BE49-F238E27FC236}">
-                <a16:creationId xmlns:a16="http://schemas.microsoft.com/office/drawing/2014/main" id="{7B17BBD9-BACE-4A82-B4DB-9FFF9247F802}"/>
-              </a:ext>
-            </a:extLst>
-          </p:cNvPr>
-          <p:cNvPicPr/>
-          <p:nvPr/>
-        </p:nvPicPr>
-        <p:blipFill>
-          <a:blip r:embed="rId3"/>
-          <a:stretch>
-            <a:fillRect/>
-          </a:stretch>
-        </p:blipFill>
-        <p:spPr>
-          <a:xfrm>
-            <a:off x="3783608" y="1924922"/>
-            <a:ext cx="2206349" cy="4022724"/>
-          </a:xfrm>
-          <a:prstGeom prst="rect">
-            <a:avLst/>
-          </a:prstGeom>
-        </p:spPr>
-      </p:pic>
-      <p:pic>
-        <p:nvPicPr>
-          <p:cNvPr id="10" name="Picture 9">
-            <a:extLst>
-              <a:ext uri="{FF2B5EF4-FFF2-40B4-BE49-F238E27FC236}">
-                <a16:creationId xmlns:a16="http://schemas.microsoft.com/office/drawing/2014/main" id="{A236E978-2D6E-4A07-869D-7648BE8C9047}"/>
-              </a:ext>
-            </a:extLst>
-          </p:cNvPr>
-          <p:cNvPicPr/>
-          <p:nvPr/>
-        </p:nvPicPr>
-        <p:blipFill>
-          <a:blip r:embed="rId4"/>
-          <a:stretch>
-            <a:fillRect/>
-          </a:stretch>
-        </p:blipFill>
-        <p:spPr>
-          <a:xfrm>
-            <a:off x="6243812" y="1924922"/>
-            <a:ext cx="2292700" cy="4022724"/>
-          </a:xfrm>
-          <a:prstGeom prst="rect">
-            <a:avLst/>
-          </a:prstGeom>
-        </p:spPr>
-      </p:pic>
-      <p:pic>
-        <p:nvPicPr>
-          <p:cNvPr id="11" name="Picture 10">
-            <a:extLst>
-              <a:ext uri="{FF2B5EF4-FFF2-40B4-BE49-F238E27FC236}">
-                <a16:creationId xmlns:a16="http://schemas.microsoft.com/office/drawing/2014/main" id="{E5378B0A-64E7-43DC-A632-61D930D3B315}"/>
-              </a:ext>
-            </a:extLst>
-          </p:cNvPr>
-          <p:cNvPicPr/>
-          <p:nvPr/>
-        </p:nvPicPr>
-        <p:blipFill>
-          <a:blip r:embed="rId5"/>
-          <a:stretch>
-            <a:fillRect/>
-          </a:stretch>
-        </p:blipFill>
-        <p:spPr>
-          <a:xfrm>
-            <a:off x="8790366" y="1924922"/>
-            <a:ext cx="2440183" cy="4022724"/>
-          </a:xfrm>
-          <a:prstGeom prst="rect">
-            <a:avLst/>
-          </a:prstGeom>
-        </p:spPr>
-      </p:pic>
+        </p:nvSpPr>
+        <p:spPr/>
+        <p:txBody>
+          <a:bodyPr>
+            <a:normAutofit/>
+          </a:bodyPr>
+          <a:lstStyle/>
+          <a:p>
+            <a:r>
+              <a:rPr lang="en-US" sz="2500">
+                <a:solidFill>
+                  <a:schemeClr val="tx1"/>
+                </a:solidFill>
+                <a:latin typeface="Times New Roman" panose="02020603050405020304" pitchFamily="18" charset="0"/>
+                <a:cs typeface="Times New Roman" panose="02020603050405020304" pitchFamily="18" charset="0"/>
+              </a:rPr>
+              <a:t>Chúng em đ</a:t>
+            </a:r>
+            <a:r>
+              <a:rPr lang="vi-VN" sz="2500">
+                <a:solidFill>
+                  <a:schemeClr val="tx1"/>
+                </a:solidFill>
+                <a:latin typeface="Times New Roman" panose="02020603050405020304" pitchFamily="18" charset="0"/>
+                <a:cs typeface="Times New Roman" panose="02020603050405020304" pitchFamily="18" charset="0"/>
+              </a:rPr>
+              <a:t>ư</a:t>
+            </a:r>
+            <a:r>
+              <a:rPr lang="en-US" sz="2500">
+                <a:solidFill>
+                  <a:schemeClr val="tx1"/>
+                </a:solidFill>
+                <a:latin typeface="Times New Roman" panose="02020603050405020304" pitchFamily="18" charset="0"/>
+                <a:cs typeface="Times New Roman" panose="02020603050405020304" pitchFamily="18" charset="0"/>
+              </a:rPr>
+              <a:t>a ma trận vector đặc tr</a:t>
+            </a:r>
+            <a:r>
+              <a:rPr lang="vi-VN" sz="2500">
+                <a:solidFill>
+                  <a:schemeClr val="tx1"/>
+                </a:solidFill>
+                <a:latin typeface="Times New Roman" panose="02020603050405020304" pitchFamily="18" charset="0"/>
+                <a:cs typeface="Times New Roman" panose="02020603050405020304" pitchFamily="18" charset="0"/>
+              </a:rPr>
+              <a:t>ư</a:t>
+            </a:r>
+            <a:r>
+              <a:rPr lang="en-US" sz="2500">
+                <a:solidFill>
+                  <a:schemeClr val="tx1"/>
+                </a:solidFill>
+                <a:latin typeface="Times New Roman" panose="02020603050405020304" pitchFamily="18" charset="0"/>
+                <a:cs typeface="Times New Roman" panose="02020603050405020304" pitchFamily="18" charset="0"/>
+              </a:rPr>
+              <a:t>ng vào training theo từng mô hình học máy</a:t>
+            </a:r>
+          </a:p>
+          <a:p>
+            <a:r>
+              <a:rPr lang="en-US" sz="2500">
+                <a:solidFill>
+                  <a:schemeClr val="tx1"/>
+                </a:solidFill>
+                <a:latin typeface="Times New Roman" panose="02020603050405020304" pitchFamily="18" charset="0"/>
+                <a:cs typeface="Times New Roman" panose="02020603050405020304" pitchFamily="18" charset="0"/>
+              </a:rPr>
+              <a:t>Đối với quá trình training – validate, độ chính xác của mô hình lên đến trung bình là 92%.</a:t>
+            </a:r>
+          </a:p>
+          <a:p>
+            <a:r>
+              <a:rPr lang="en-US" sz="2500">
+                <a:solidFill>
+                  <a:schemeClr val="tx1"/>
+                </a:solidFill>
+                <a:latin typeface="Times New Roman" panose="02020603050405020304" pitchFamily="18" charset="0"/>
+                <a:cs typeface="Times New Roman" panose="02020603050405020304" pitchFamily="18" charset="0"/>
+              </a:rPr>
+              <a:t>Tuy nhiên quá trình Testing chỉ đạt đ</a:t>
+            </a:r>
+            <a:r>
+              <a:rPr lang="vi-VN" sz="2500">
+                <a:solidFill>
+                  <a:schemeClr val="tx1"/>
+                </a:solidFill>
+                <a:latin typeface="Times New Roman" panose="02020603050405020304" pitchFamily="18" charset="0"/>
+                <a:cs typeface="Times New Roman" panose="02020603050405020304" pitchFamily="18" charset="0"/>
+              </a:rPr>
+              <a:t>ư</a:t>
+            </a:r>
+            <a:r>
+              <a:rPr lang="en-US" sz="2500">
+                <a:solidFill>
+                  <a:schemeClr val="tx1"/>
+                </a:solidFill>
+                <a:latin typeface="Times New Roman" panose="02020603050405020304" pitchFamily="18" charset="0"/>
+                <a:cs typeface="Times New Roman" panose="02020603050405020304" pitchFamily="18" charset="0"/>
+              </a:rPr>
+              <a:t>ợc độ chính xác r</a:t>
+            </a:r>
+            <a:r>
+              <a:rPr lang="vi-VN" sz="2500">
+                <a:solidFill>
+                  <a:schemeClr val="tx1"/>
+                </a:solidFill>
+                <a:latin typeface="Times New Roman" panose="02020603050405020304" pitchFamily="18" charset="0"/>
+                <a:cs typeface="Times New Roman" panose="02020603050405020304" pitchFamily="18" charset="0"/>
+              </a:rPr>
+              <a:t>ơ</a:t>
+            </a:r>
+            <a:r>
+              <a:rPr lang="en-US" sz="2500">
+                <a:solidFill>
+                  <a:schemeClr val="tx1"/>
+                </a:solidFill>
+                <a:latin typeface="Times New Roman" panose="02020603050405020304" pitchFamily="18" charset="0"/>
+                <a:cs typeface="Times New Roman" panose="02020603050405020304" pitchFamily="18" charset="0"/>
+              </a:rPr>
+              <a:t>i vào khoảng 82%, lý do là quá trình trích  tách vector đặc tr</a:t>
+            </a:r>
+            <a:r>
+              <a:rPr lang="vi-VN" sz="2500">
+                <a:solidFill>
+                  <a:schemeClr val="tx1"/>
+                </a:solidFill>
+                <a:latin typeface="Times New Roman" panose="02020603050405020304" pitchFamily="18" charset="0"/>
+                <a:cs typeface="Times New Roman" panose="02020603050405020304" pitchFamily="18" charset="0"/>
+              </a:rPr>
+              <a:t>ư</a:t>
+            </a:r>
+            <a:r>
+              <a:rPr lang="en-US" sz="2500">
+                <a:solidFill>
+                  <a:schemeClr val="tx1"/>
+                </a:solidFill>
+                <a:latin typeface="Times New Roman" panose="02020603050405020304" pitchFamily="18" charset="0"/>
+                <a:cs typeface="Times New Roman" panose="02020603050405020304" pitchFamily="18" charset="0"/>
+              </a:rPr>
+              <a:t>ng của một ứng dụng bên ngoài sẽ có một chút sai số so với các vector đặc tr</a:t>
+            </a:r>
+            <a:r>
+              <a:rPr lang="vi-VN" sz="2500">
+                <a:solidFill>
+                  <a:schemeClr val="tx1"/>
+                </a:solidFill>
+                <a:latin typeface="Times New Roman" panose="02020603050405020304" pitchFamily="18" charset="0"/>
+                <a:cs typeface="Times New Roman" panose="02020603050405020304" pitchFamily="18" charset="0"/>
+              </a:rPr>
+              <a:t>ư</a:t>
+            </a:r>
+            <a:r>
+              <a:rPr lang="en-US" sz="2500">
+                <a:solidFill>
+                  <a:schemeClr val="tx1"/>
+                </a:solidFill>
+                <a:latin typeface="Times New Roman" panose="02020603050405020304" pitchFamily="18" charset="0"/>
+                <a:cs typeface="Times New Roman" panose="02020603050405020304" pitchFamily="18" charset="0"/>
+              </a:rPr>
+              <a:t>ng đ</a:t>
+            </a:r>
+            <a:r>
+              <a:rPr lang="vi-VN" sz="2500">
+                <a:solidFill>
+                  <a:schemeClr val="tx1"/>
+                </a:solidFill>
+                <a:latin typeface="Times New Roman" panose="02020603050405020304" pitchFamily="18" charset="0"/>
+                <a:cs typeface="Times New Roman" panose="02020603050405020304" pitchFamily="18" charset="0"/>
+              </a:rPr>
+              <a:t>ư</a:t>
+            </a:r>
+            <a:r>
+              <a:rPr lang="en-US" sz="2500">
+                <a:solidFill>
+                  <a:schemeClr val="tx1"/>
+                </a:solidFill>
+                <a:latin typeface="Times New Roman" panose="02020603050405020304" pitchFamily="18" charset="0"/>
+                <a:cs typeface="Times New Roman" panose="02020603050405020304" pitchFamily="18" charset="0"/>
+              </a:rPr>
+              <a:t>ợc sử dụng để xây dựng mô hình</a:t>
+            </a:r>
+          </a:p>
+        </p:txBody>
+      </p:sp>
     </p:spTree>
     <p:extLst>
       <p:ext uri="{BB962C8B-B14F-4D97-AF65-F5344CB8AC3E}">
-        <p14:creationId xmlns:p14="http://schemas.microsoft.com/office/powerpoint/2010/main" val="2943164799"/>
+        <p14:creationId xmlns:p14="http://schemas.microsoft.com/office/powerpoint/2010/main" val="2431607960"/>
       </p:ext>
     </p:extLst>
   </p:cSld>
@@ -7914,11 +8421,16 @@
         </p:nvSpPr>
         <p:spPr/>
         <p:txBody>
-          <a:bodyPr/>
+          <a:bodyPr>
+            <a:normAutofit/>
+          </a:bodyPr>
           <a:lstStyle/>
           <a:p>
             <a:r>
-              <a:rPr lang="en-US">
+              <a:rPr lang="en-US" sz="4000">
+                <a:solidFill>
+                  <a:schemeClr val="tx1"/>
+                </a:solidFill>
                 <a:latin typeface="Times New Roman" panose="02020603050405020304" pitchFamily="18" charset="0"/>
                 <a:cs typeface="Times New Roman" panose="02020603050405020304" pitchFamily="18" charset="0"/>
               </a:rPr>
@@ -7955,7 +8467,7 @@
               <a:buAutoNum type="arabicPeriod"/>
             </a:pPr>
             <a:r>
-              <a:rPr lang="en-US" sz="3200">
+              <a:rPr lang="en-US" sz="2500">
                 <a:solidFill>
                   <a:schemeClr val="tx1"/>
                 </a:solidFill>
@@ -7971,7 +8483,7 @@
               <a:buAutoNum type="arabicPeriod"/>
             </a:pPr>
             <a:r>
-              <a:rPr lang="en-US" sz="3200">
+              <a:rPr lang="en-US" sz="2500">
                 <a:solidFill>
                   <a:schemeClr val="tx1"/>
                 </a:solidFill>
@@ -7987,7 +8499,7 @@
               <a:buAutoNum type="arabicPeriod"/>
             </a:pPr>
             <a:r>
-              <a:rPr lang="en-US" sz="3200">
+              <a:rPr lang="en-US" sz="2500">
                 <a:solidFill>
                   <a:schemeClr val="tx1"/>
                 </a:solidFill>
@@ -8003,7 +8515,7 @@
               <a:buAutoNum type="arabicPeriod"/>
             </a:pPr>
             <a:r>
-              <a:rPr lang="en-US" sz="3200">
+              <a:rPr lang="en-US" sz="2500">
                 <a:solidFill>
                   <a:schemeClr val="tx1"/>
                 </a:solidFill>
@@ -8050,6 +8562,358 @@
           <p:cNvPr id="2" name="Title 1">
             <a:extLst>
               <a:ext uri="{FF2B5EF4-FFF2-40B4-BE49-F238E27FC236}">
+                <a16:creationId xmlns:a16="http://schemas.microsoft.com/office/drawing/2014/main" id="{D7B00236-7A2B-4968-9658-B5C409EA04FA}"/>
+              </a:ext>
+            </a:extLst>
+          </p:cNvPr>
+          <p:cNvSpPr>
+            <a:spLocks noGrp="1"/>
+          </p:cNvSpPr>
+          <p:nvPr>
+            <p:ph type="title"/>
+          </p:nvPr>
+        </p:nvSpPr>
+        <p:spPr/>
+        <p:txBody>
+          <a:bodyPr>
+            <a:normAutofit/>
+          </a:bodyPr>
+          <a:lstStyle/>
+          <a:p>
+            <a:r>
+              <a:rPr lang="en-US" sz="4000">
+                <a:solidFill>
+                  <a:schemeClr val="tx1"/>
+                </a:solidFill>
+                <a:latin typeface="Times New Roman" panose="02020603050405020304" pitchFamily="18" charset="0"/>
+                <a:cs typeface="Times New Roman" panose="02020603050405020304" pitchFamily="18" charset="0"/>
+              </a:rPr>
+              <a:t>Phát triển hệ thống</a:t>
+            </a:r>
+          </a:p>
+        </p:txBody>
+      </p:sp>
+      <p:sp>
+        <p:nvSpPr>
+          <p:cNvPr id="3" name="Content Placeholder 2">
+            <a:extLst>
+              <a:ext uri="{FF2B5EF4-FFF2-40B4-BE49-F238E27FC236}">
+                <a16:creationId xmlns:a16="http://schemas.microsoft.com/office/drawing/2014/main" id="{6A9501BA-1B94-4468-92A7-1C8C29E4D9F5}"/>
+              </a:ext>
+            </a:extLst>
+          </p:cNvPr>
+          <p:cNvSpPr>
+            <a:spLocks noGrp="1"/>
+          </p:cNvSpPr>
+          <p:nvPr>
+            <p:ph idx="1"/>
+          </p:nvPr>
+        </p:nvSpPr>
+        <p:spPr/>
+        <p:txBody>
+          <a:bodyPr>
+            <a:normAutofit/>
+          </a:bodyPr>
+          <a:lstStyle/>
+          <a:p>
+            <a:r>
+              <a:rPr lang="en-US" sz="2500">
+                <a:solidFill>
+                  <a:schemeClr val="tx1"/>
+                </a:solidFill>
+                <a:latin typeface="Times New Roman" panose="02020603050405020304" pitchFamily="18" charset="0"/>
+                <a:cs typeface="Times New Roman" panose="02020603050405020304" pitchFamily="18" charset="0"/>
+              </a:rPr>
+              <a:t>Chúng em lựa chọn mô hình có tham số tốt nhất để làm lõi đoán nhận, bọn em sẽ phát triển lên thành một hệ thống phát hiện ứng dụng độc hại dựa trên lõi này.</a:t>
+            </a:r>
+          </a:p>
+        </p:txBody>
+      </p:sp>
+      <p:pic>
+        <p:nvPicPr>
+          <p:cNvPr id="4" name="Picture 3">
+            <a:extLst>
+              <a:ext uri="{FF2B5EF4-FFF2-40B4-BE49-F238E27FC236}">
+                <a16:creationId xmlns:a16="http://schemas.microsoft.com/office/drawing/2014/main" id="{CF207A8F-ABFF-4151-B35C-D4EF6FAF8597}"/>
+              </a:ext>
+            </a:extLst>
+          </p:cNvPr>
+          <p:cNvPicPr/>
+          <p:nvPr/>
+        </p:nvPicPr>
+        <p:blipFill>
+          <a:blip r:embed="rId2"/>
+          <a:stretch>
+            <a:fillRect/>
+          </a:stretch>
+        </p:blipFill>
+        <p:spPr>
+          <a:xfrm>
+            <a:off x="2907731" y="2809623"/>
+            <a:ext cx="6560734" cy="3408161"/>
+          </a:xfrm>
+          <a:prstGeom prst="rect">
+            <a:avLst/>
+          </a:prstGeom>
+        </p:spPr>
+      </p:pic>
+    </p:spTree>
+    <p:extLst>
+      <p:ext uri="{BB962C8B-B14F-4D97-AF65-F5344CB8AC3E}">
+        <p14:creationId xmlns:p14="http://schemas.microsoft.com/office/powerpoint/2010/main" val="405429594"/>
+      </p:ext>
+    </p:extLst>
+  </p:cSld>
+  <p:clrMapOvr>
+    <a:masterClrMapping/>
+  </p:clrMapOvr>
+</p:sld>
+</file>
+
+<file path=ppt/slides/slide21.xml><?xml version="1.0" encoding="utf-8"?>
+<p:sld xmlns:a="http://schemas.openxmlformats.org/drawingml/2006/main" xmlns:r="http://schemas.openxmlformats.org/officeDocument/2006/relationships" xmlns:p="http://schemas.openxmlformats.org/presentationml/2006/main">
+  <p:cSld>
+    <p:spTree>
+      <p:nvGrpSpPr>
+        <p:cNvPr id="1" name=""/>
+        <p:cNvGrpSpPr/>
+        <p:nvPr/>
+      </p:nvGrpSpPr>
+      <p:grpSpPr>
+        <a:xfrm>
+          <a:off x="0" y="0"/>
+          <a:ext cx="0" cy="0"/>
+          <a:chOff x="0" y="0"/>
+          <a:chExt cx="0" cy="0"/>
+        </a:xfrm>
+      </p:grpSpPr>
+      <p:sp>
+        <p:nvSpPr>
+          <p:cNvPr id="3" name="Content Placeholder 2">
+            <a:extLst>
+              <a:ext uri="{FF2B5EF4-FFF2-40B4-BE49-F238E27FC236}">
+                <a16:creationId xmlns:a16="http://schemas.microsoft.com/office/drawing/2014/main" id="{3E09BA25-2760-464A-B131-AD6AB2C8E9AF}"/>
+              </a:ext>
+            </a:extLst>
+          </p:cNvPr>
+          <p:cNvSpPr>
+            <a:spLocks noGrp="1"/>
+          </p:cNvSpPr>
+          <p:nvPr>
+            <p:ph idx="1"/>
+          </p:nvPr>
+        </p:nvSpPr>
+        <p:spPr/>
+        <p:txBody>
+          <a:bodyPr>
+            <a:normAutofit/>
+          </a:bodyPr>
+          <a:lstStyle/>
+          <a:p>
+            <a:pPr algn="just"/>
+            <a:r>
+              <a:rPr lang="en-US" sz="2500">
+                <a:solidFill>
+                  <a:schemeClr val="tx1"/>
+                </a:solidFill>
+                <a:latin typeface="Times New Roman" panose="02020603050405020304" pitchFamily="18" charset="0"/>
+                <a:cs typeface="Times New Roman" panose="02020603050405020304" pitchFamily="18" charset="0"/>
+              </a:rPr>
+              <a:t>Hệ thống server bọn em lựa chọn python flask để xây dựng, còn về phía client bọn em sẽ sử dụng Java để xây dựng lên ứng dụng andorid</a:t>
+            </a:r>
+          </a:p>
+        </p:txBody>
+      </p:sp>
+      <p:sp>
+        <p:nvSpPr>
+          <p:cNvPr id="7" name="Title 1">
+            <a:extLst>
+              <a:ext uri="{FF2B5EF4-FFF2-40B4-BE49-F238E27FC236}">
+                <a16:creationId xmlns:a16="http://schemas.microsoft.com/office/drawing/2014/main" id="{5695D418-618E-41B1-BE89-0830E74F9537}"/>
+              </a:ext>
+            </a:extLst>
+          </p:cNvPr>
+          <p:cNvSpPr>
+            <a:spLocks noGrp="1"/>
+          </p:cNvSpPr>
+          <p:nvPr>
+            <p:ph type="title"/>
+          </p:nvPr>
+        </p:nvSpPr>
+        <p:spPr>
+          <a:xfrm>
+            <a:off x="1096963" y="287338"/>
+            <a:ext cx="10058400" cy="1449387"/>
+          </a:xfrm>
+        </p:spPr>
+        <p:txBody>
+          <a:bodyPr>
+            <a:normAutofit/>
+          </a:bodyPr>
+          <a:lstStyle/>
+          <a:p>
+            <a:r>
+              <a:rPr lang="en-US" sz="4000">
+                <a:solidFill>
+                  <a:schemeClr val="tx1"/>
+                </a:solidFill>
+                <a:latin typeface="Times New Roman" panose="02020603050405020304" pitchFamily="18" charset="0"/>
+                <a:cs typeface="Times New Roman" panose="02020603050405020304" pitchFamily="18" charset="0"/>
+              </a:rPr>
+              <a:t>Phát triển hệ thống</a:t>
+            </a:r>
+          </a:p>
+        </p:txBody>
+      </p:sp>
+      <p:pic>
+        <p:nvPicPr>
+          <p:cNvPr id="4" name="Content Placeholder 7">
+            <a:extLst>
+              <a:ext uri="{FF2B5EF4-FFF2-40B4-BE49-F238E27FC236}">
+                <a16:creationId xmlns:a16="http://schemas.microsoft.com/office/drawing/2014/main" id="{E455CD6B-9156-4828-9529-7D05A682D82B}"/>
+              </a:ext>
+            </a:extLst>
+          </p:cNvPr>
+          <p:cNvPicPr>
+            <a:picLocks/>
+          </p:cNvPicPr>
+          <p:nvPr/>
+        </p:nvPicPr>
+        <p:blipFill>
+          <a:blip r:embed="rId2"/>
+          <a:stretch>
+            <a:fillRect/>
+          </a:stretch>
+        </p:blipFill>
+        <p:spPr>
+          <a:xfrm>
+            <a:off x="1096963" y="2743200"/>
+            <a:ext cx="1937927" cy="3204447"/>
+          </a:xfrm>
+          <a:prstGeom prst="rect">
+            <a:avLst/>
+          </a:prstGeom>
+        </p:spPr>
+      </p:pic>
+      <p:pic>
+        <p:nvPicPr>
+          <p:cNvPr id="5" name="Picture 4">
+            <a:extLst>
+              <a:ext uri="{FF2B5EF4-FFF2-40B4-BE49-F238E27FC236}">
+                <a16:creationId xmlns:a16="http://schemas.microsoft.com/office/drawing/2014/main" id="{D6AD13E3-330E-493E-9D16-AD66E4FC9AAF}"/>
+              </a:ext>
+            </a:extLst>
+          </p:cNvPr>
+          <p:cNvPicPr/>
+          <p:nvPr/>
+        </p:nvPicPr>
+        <p:blipFill>
+          <a:blip r:embed="rId3"/>
+          <a:stretch>
+            <a:fillRect/>
+          </a:stretch>
+        </p:blipFill>
+        <p:spPr>
+          <a:xfrm>
+            <a:off x="3783608" y="2743200"/>
+            <a:ext cx="1757547" cy="3204446"/>
+          </a:xfrm>
+          <a:prstGeom prst="rect">
+            <a:avLst/>
+          </a:prstGeom>
+        </p:spPr>
+      </p:pic>
+      <p:pic>
+        <p:nvPicPr>
+          <p:cNvPr id="6" name="Picture 5">
+            <a:extLst>
+              <a:ext uri="{FF2B5EF4-FFF2-40B4-BE49-F238E27FC236}">
+                <a16:creationId xmlns:a16="http://schemas.microsoft.com/office/drawing/2014/main" id="{69BD18B4-4774-40F5-A0D4-EA50F5DBB189}"/>
+              </a:ext>
+            </a:extLst>
+          </p:cNvPr>
+          <p:cNvPicPr/>
+          <p:nvPr/>
+        </p:nvPicPr>
+        <p:blipFill>
+          <a:blip r:embed="rId4"/>
+          <a:stretch>
+            <a:fillRect/>
+          </a:stretch>
+        </p:blipFill>
+        <p:spPr>
+          <a:xfrm>
+            <a:off x="6243812" y="2743200"/>
+            <a:ext cx="1826333" cy="3204446"/>
+          </a:xfrm>
+          <a:prstGeom prst="rect">
+            <a:avLst/>
+          </a:prstGeom>
+        </p:spPr>
+      </p:pic>
+      <p:pic>
+        <p:nvPicPr>
+          <p:cNvPr id="8" name="Picture 7">
+            <a:extLst>
+              <a:ext uri="{FF2B5EF4-FFF2-40B4-BE49-F238E27FC236}">
+                <a16:creationId xmlns:a16="http://schemas.microsoft.com/office/drawing/2014/main" id="{D6954AE3-3E63-47A0-AAA3-41D191F3F28A}"/>
+              </a:ext>
+            </a:extLst>
+          </p:cNvPr>
+          <p:cNvPicPr/>
+          <p:nvPr/>
+        </p:nvPicPr>
+        <p:blipFill>
+          <a:blip r:embed="rId5"/>
+          <a:stretch>
+            <a:fillRect/>
+          </a:stretch>
+        </p:blipFill>
+        <p:spPr>
+          <a:xfrm>
+            <a:off x="8790367" y="2743200"/>
+            <a:ext cx="1943816" cy="3204446"/>
+          </a:xfrm>
+          <a:prstGeom prst="rect">
+            <a:avLst/>
+          </a:prstGeom>
+        </p:spPr>
+      </p:pic>
+    </p:spTree>
+    <p:extLst>
+      <p:ext uri="{BB962C8B-B14F-4D97-AF65-F5344CB8AC3E}">
+        <p14:creationId xmlns:p14="http://schemas.microsoft.com/office/powerpoint/2010/main" val="503382325"/>
+      </p:ext>
+    </p:extLst>
+  </p:cSld>
+  <p:clrMapOvr>
+    <a:masterClrMapping/>
+  </p:clrMapOvr>
+</p:sld>
+</file>
+
+<file path=ppt/slides/slide22.xml><?xml version="1.0" encoding="utf-8"?>
+<p:sld xmlns:a="http://schemas.openxmlformats.org/drawingml/2006/main" xmlns:r="http://schemas.openxmlformats.org/officeDocument/2006/relationships" xmlns:p="http://schemas.openxmlformats.org/presentationml/2006/main">
+  <p:cSld>
+    <p:spTree>
+      <p:nvGrpSpPr>
+        <p:cNvPr id="1" name=""/>
+        <p:cNvGrpSpPr/>
+        <p:nvPr/>
+      </p:nvGrpSpPr>
+      <p:grpSpPr>
+        <a:xfrm>
+          <a:off x="0" y="0"/>
+          <a:ext cx="0" cy="0"/>
+          <a:chOff x="0" y="0"/>
+          <a:chExt cx="0" cy="0"/>
+        </a:xfrm>
+      </p:grpSpPr>
+      <p:sp>
+        <p:nvSpPr>
+          <p:cNvPr id="2" name="Title 1">
+            <a:extLst>
+              <a:ext uri="{FF2B5EF4-FFF2-40B4-BE49-F238E27FC236}">
                 <a16:creationId xmlns:a16="http://schemas.microsoft.com/office/drawing/2014/main" id="{50F96440-993C-4151-B8D8-6E2FE1A8D491}"/>
               </a:ext>
             </a:extLst>
@@ -8063,11 +8927,16 @@
         </p:nvSpPr>
         <p:spPr/>
         <p:txBody>
-          <a:bodyPr/>
+          <a:bodyPr>
+            <a:normAutofit/>
+          </a:bodyPr>
           <a:lstStyle/>
           <a:p>
             <a:r>
-              <a:rPr lang="en-US">
+              <a:rPr lang="en-US" sz="4000">
+                <a:solidFill>
+                  <a:schemeClr val="tx1"/>
+                </a:solidFill>
                 <a:latin typeface="Times New Roman" panose="02020603050405020304" pitchFamily="18" charset="0"/>
                 <a:cs typeface="Times New Roman" panose="02020603050405020304" pitchFamily="18" charset="0"/>
               </a:rPr>
@@ -8103,9 +8972,7 @@
             <a:r>
               <a:rPr lang="en-US" sz="2500">
                 <a:solidFill>
-                  <a:schemeClr val="accent6">
-                    <a:lumMod val="50000"/>
-                  </a:schemeClr>
+                  <a:schemeClr val="tx1"/>
                 </a:solidFill>
                 <a:latin typeface="Times New Roman" panose="02020603050405020304" pitchFamily="18" charset="0"/>
                 <a:cs typeface="Times New Roman" panose="02020603050405020304" pitchFamily="18" charset="0"/>
@@ -8115,9 +8982,7 @@
             <a:r>
               <a:rPr lang="en-US" sz="2500" i="1">
                 <a:solidFill>
-                  <a:schemeClr val="accent6">
-                    <a:lumMod val="50000"/>
-                  </a:schemeClr>
+                  <a:schemeClr val="tx1"/>
                 </a:solidFill>
                 <a:latin typeface="Times New Roman" panose="02020603050405020304" pitchFamily="18" charset="0"/>
                 <a:cs typeface="Times New Roman" panose="02020603050405020304" pitchFamily="18" charset="0"/>
@@ -8130,9 +8995,7 @@
             <a:r>
               <a:rPr lang="en-US" sz="2500">
                 <a:solidFill>
-                  <a:schemeClr val="accent6">
-                    <a:lumMod val="50000"/>
-                  </a:schemeClr>
+                  <a:schemeClr val="tx1"/>
                 </a:solidFill>
                 <a:latin typeface="Times New Roman" panose="02020603050405020304" pitchFamily="18" charset="0"/>
                 <a:cs typeface="Times New Roman" panose="02020603050405020304" pitchFamily="18" charset="0"/>
@@ -8142,9 +9005,7 @@
             <a:r>
               <a:rPr lang="en-US" sz="2500" i="1">
                 <a:solidFill>
-                  <a:schemeClr val="accent6">
-                    <a:lumMod val="50000"/>
-                  </a:schemeClr>
+                  <a:schemeClr val="tx1"/>
                 </a:solidFill>
                 <a:latin typeface="Times New Roman" panose="02020603050405020304" pitchFamily="18" charset="0"/>
                 <a:cs typeface="Times New Roman" panose="02020603050405020304" pitchFamily="18" charset="0"/>
@@ -8154,9 +9015,7 @@
             <a:r>
               <a:rPr lang="en-US" sz="2500">
                 <a:solidFill>
-                  <a:schemeClr val="accent6">
-                    <a:lumMod val="50000"/>
-                  </a:schemeClr>
+                  <a:schemeClr val="tx1"/>
                 </a:solidFill>
                 <a:latin typeface="Times New Roman" panose="02020603050405020304" pitchFamily="18" charset="0"/>
                 <a:cs typeface="Times New Roman" panose="02020603050405020304" pitchFamily="18" charset="0"/>
@@ -8214,15 +9073,20 @@
         </p:nvSpPr>
         <p:spPr/>
         <p:txBody>
-          <a:bodyPr/>
+          <a:bodyPr>
+            <a:normAutofit/>
+          </a:bodyPr>
           <a:lstStyle/>
           <a:p>
             <a:r>
-              <a:rPr lang="en-US">
-                <a:latin typeface="Times New Roman" panose="02020603050405020304" pitchFamily="18" charset="0"/>
-                <a:cs typeface="Times New Roman" panose="02020603050405020304" pitchFamily="18" charset="0"/>
-              </a:rPr>
-              <a:t>Đặt vấn đề</a:t>
+              <a:rPr lang="en-US" sz="4000">
+                <a:solidFill>
+                  <a:schemeClr val="tx1"/>
+                </a:solidFill>
+                <a:latin typeface="Times New Roman" panose="02020603050405020304" pitchFamily="18" charset="0"/>
+                <a:cs typeface="Times New Roman" panose="02020603050405020304" pitchFamily="18" charset="0"/>
+              </a:rPr>
+              <a:t>1. Đặt vấn đề</a:t>
             </a:r>
           </a:p>
         </p:txBody>
@@ -8243,83 +9107,131 @@
             <p:ph idx="1"/>
           </p:nvPr>
         </p:nvSpPr>
-        <p:spPr/>
+        <p:spPr>
+          <a:xfrm>
+            <a:off x="1097280" y="1845734"/>
+            <a:ext cx="10058400" cy="1054782"/>
+          </a:xfrm>
+        </p:spPr>
         <p:txBody>
           <a:bodyPr>
             <a:normAutofit/>
           </a:bodyPr>
           <a:lstStyle/>
           <a:p>
-            <a:pPr algn="just"/>
-            <a:r>
-              <a:rPr lang="en-US" sz="3200">
+            <a:pPr lvl="1" algn="just">
+              <a:buFont typeface="Arial" panose="020B0604020202020204" pitchFamily="34" charset="0"/>
+              <a:buChar char="•"/>
+            </a:pPr>
+            <a:r>
+              <a:rPr lang="en-US" sz="2500">
+                <a:solidFill>
+                  <a:schemeClr val="tx1"/>
+                </a:solidFill>
                 <a:latin typeface="Times New Roman" panose="02020603050405020304" pitchFamily="18" charset="0"/>
                 <a:cs typeface="Times New Roman" panose="02020603050405020304" pitchFamily="18" charset="0"/>
               </a:rPr>
               <a:t>Theo các số liệu thống kê gần đây, android vẫn là hệ điều hành chiếm da số trên các thiết bị smartphone.</a:t>
             </a:r>
           </a:p>
-          <a:p>
-            <a:pPr algn="just"/>
-            <a:r>
-              <a:rPr lang="en-US" sz="3200">
-                <a:latin typeface="Times New Roman" panose="02020603050405020304" pitchFamily="18" charset="0"/>
-                <a:cs typeface="Times New Roman" panose="02020603050405020304" pitchFamily="18" charset="0"/>
-              </a:rPr>
-              <a:t>Với số l</a:t>
-            </a:r>
-            <a:r>
-              <a:rPr lang="vi-VN" sz="3200">
+        </p:txBody>
+      </p:sp>
+      <p:pic>
+        <p:nvPicPr>
+          <p:cNvPr id="4" name="Picture 3">
+            <a:extLst>
+              <a:ext uri="{FF2B5EF4-FFF2-40B4-BE49-F238E27FC236}">
+                <a16:creationId xmlns:a16="http://schemas.microsoft.com/office/drawing/2014/main" id="{4EABD32C-B831-4A46-994F-5936F85B8F26}"/>
+              </a:ext>
+            </a:extLst>
+          </p:cNvPr>
+          <p:cNvPicPr>
+            <a:picLocks noChangeAspect="1"/>
+          </p:cNvPicPr>
+          <p:nvPr/>
+        </p:nvPicPr>
+        <p:blipFill>
+          <a:blip r:embed="rId3"/>
+          <a:stretch>
+            <a:fillRect/>
+          </a:stretch>
+        </p:blipFill>
+        <p:spPr>
+          <a:xfrm>
+            <a:off x="6096000" y="2772169"/>
+            <a:ext cx="5319252" cy="3499360"/>
+          </a:xfrm>
+          <a:prstGeom prst="rect">
+            <a:avLst/>
+          </a:prstGeom>
+        </p:spPr>
+      </p:pic>
+      <p:sp>
+        <p:nvSpPr>
+          <p:cNvPr id="5" name="Rectangle 4">
+            <a:extLst>
+              <a:ext uri="{FF2B5EF4-FFF2-40B4-BE49-F238E27FC236}">
+                <a16:creationId xmlns:a16="http://schemas.microsoft.com/office/drawing/2014/main" id="{F09C47CE-BF5F-4090-BB51-205BA502D5D8}"/>
+              </a:ext>
+            </a:extLst>
+          </p:cNvPr>
+          <p:cNvSpPr/>
+          <p:nvPr/>
+        </p:nvSpPr>
+        <p:spPr>
+          <a:xfrm>
+            <a:off x="1097280" y="5658563"/>
+            <a:ext cx="4658776" cy="400110"/>
+          </a:xfrm>
+          <a:prstGeom prst="rect">
+            <a:avLst/>
+          </a:prstGeom>
+          <a:noFill/>
+        </p:spPr>
+        <p:txBody>
+          <a:bodyPr wrap="none" lIns="91440" tIns="45720" rIns="91440" bIns="45720">
+            <a:spAutoFit/>
+          </a:bodyPr>
+          <a:lstStyle/>
+          <a:p>
+            <a:r>
+              <a:rPr lang="en-US" sz="2000" b="0" i="1" cap="none" spc="0">
+                <a:ln w="0"/>
+                <a:solidFill>
+                  <a:schemeClr val="tx1"/>
+                </a:solidFill>
+                <a:latin typeface="Times New Roman" panose="02020603050405020304" pitchFamily="18" charset="0"/>
+                <a:cs typeface="Times New Roman" panose="02020603050405020304" pitchFamily="18" charset="0"/>
+              </a:rPr>
+              <a:t>Biểu đồ tỉ lệ thị tr</a:t>
+            </a:r>
+            <a:r>
+              <a:rPr lang="vi-VN" sz="2000" b="0" i="1" cap="none" spc="0">
+                <a:ln w="0"/>
+                <a:solidFill>
+                  <a:schemeClr val="tx1"/>
+                </a:solidFill>
                 <a:latin typeface="Times New Roman" panose="02020603050405020304" pitchFamily="18" charset="0"/>
                 <a:cs typeface="Times New Roman" panose="02020603050405020304" pitchFamily="18" charset="0"/>
               </a:rPr>
               <a:t>ư</a:t>
             </a:r>
             <a:r>
-              <a:rPr lang="en-US" sz="3200">
-                <a:latin typeface="Times New Roman" panose="02020603050405020304" pitchFamily="18" charset="0"/>
-                <a:cs typeface="Times New Roman" panose="02020603050405020304" pitchFamily="18" charset="0"/>
-              </a:rPr>
-              <a:t>ợng ng</a:t>
-            </a:r>
-            <a:r>
-              <a:rPr lang="vi-VN" sz="3200">
-                <a:latin typeface="Times New Roman" panose="02020603050405020304" pitchFamily="18" charset="0"/>
-                <a:cs typeface="Times New Roman" panose="02020603050405020304" pitchFamily="18" charset="0"/>
-              </a:rPr>
-              <a:t>ư</a:t>
-            </a:r>
-            <a:r>
-              <a:rPr lang="en-US" sz="3200">
-                <a:latin typeface="Times New Roman" panose="02020603050405020304" pitchFamily="18" charset="0"/>
-                <a:cs typeface="Times New Roman" panose="02020603050405020304" pitchFamily="18" charset="0"/>
-              </a:rPr>
-              <a:t>ời dùng đông đảo, việc bảo vệ ng</a:t>
-            </a:r>
-            <a:r>
-              <a:rPr lang="vi-VN" sz="3200">
-                <a:latin typeface="Times New Roman" panose="02020603050405020304" pitchFamily="18" charset="0"/>
-                <a:cs typeface="Times New Roman" panose="02020603050405020304" pitchFamily="18" charset="0"/>
-              </a:rPr>
-              <a:t>ư</a:t>
-            </a:r>
-            <a:r>
-              <a:rPr lang="en-US" sz="3200">
-                <a:latin typeface="Times New Roman" panose="02020603050405020304" pitchFamily="18" charset="0"/>
-                <a:cs typeface="Times New Roman" panose="02020603050405020304" pitchFamily="18" charset="0"/>
-              </a:rPr>
-              <a:t>ời sử dụng khỏi các ứng dụng độc hại là một việc làm cần thiết.</a:t>
-            </a:r>
-          </a:p>
-          <a:p>
-            <a:pPr algn="just"/>
-            <a:r>
-              <a:rPr lang="en-US" sz="3200">
-                <a:latin typeface="Times New Roman" panose="02020603050405020304" pitchFamily="18" charset="0"/>
-                <a:cs typeface="Times New Roman" panose="02020603050405020304" pitchFamily="18" charset="0"/>
-              </a:rPr>
-              <a:t>Vì vậy nhóm chúng em xây dựng ra hệ thống phát hiện phần mềm độc hại android, đồng thời có thể phân loại các phần mềm độc hại thành từng họ ứng dụng. </a:t>
-            </a:r>
+              <a:rPr lang="en-US" sz="2000" i="1">
+                <a:ln w="0"/>
+                <a:latin typeface="Times New Roman" panose="02020603050405020304" pitchFamily="18" charset="0"/>
+                <a:cs typeface="Times New Roman" panose="02020603050405020304" pitchFamily="18" charset="0"/>
+              </a:rPr>
+              <a:t>ờng giữa android và IOS</a:t>
+            </a:r>
+            <a:endParaRPr lang="en-US" sz="2000" b="0" i="1" cap="none" spc="0">
+              <a:ln w="0"/>
+              <a:solidFill>
+                <a:schemeClr val="tx1"/>
+              </a:solidFill>
+              <a:latin typeface="Times New Roman" panose="02020603050405020304" pitchFamily="18" charset="0"/>
+              <a:cs typeface="Times New Roman" panose="02020603050405020304" pitchFamily="18" charset="0"/>
+            </a:endParaRPr>
           </a:p>
         </p:txBody>
       </p:sp>
@@ -8369,17 +9281,27 @@
             <p:ph type="title"/>
           </p:nvPr>
         </p:nvSpPr>
-        <p:spPr/>
-        <p:txBody>
-          <a:bodyPr/>
+        <p:spPr>
+          <a:xfrm>
+            <a:off x="1097280" y="286603"/>
+            <a:ext cx="11006230" cy="1450757"/>
+          </a:xfrm>
+        </p:spPr>
+        <p:txBody>
+          <a:bodyPr>
+            <a:normAutofit/>
+          </a:bodyPr>
           <a:lstStyle/>
           <a:p>
             <a:r>
-              <a:rPr lang="en-US">
-                <a:latin typeface="Times New Roman" panose="02020603050405020304" pitchFamily="18" charset="0"/>
-                <a:cs typeface="Times New Roman" panose="02020603050405020304" pitchFamily="18" charset="0"/>
-              </a:rPr>
-              <a:t>Lý thuyết về phần mềm độc hại andoid</a:t>
+              <a:rPr lang="en-US" sz="4000">
+                <a:solidFill>
+                  <a:schemeClr val="tx1"/>
+                </a:solidFill>
+                <a:latin typeface="Times New Roman" panose="02020603050405020304" pitchFamily="18" charset="0"/>
+                <a:cs typeface="Times New Roman" panose="02020603050405020304" pitchFamily="18" charset="0"/>
+              </a:rPr>
+              <a:t>2. Lý thuyết về phần mềm độc hại andoid</a:t>
             </a:r>
           </a:p>
         </p:txBody>
@@ -8403,7 +9325,7 @@
         <p:spPr>
           <a:xfrm>
             <a:off x="1097280" y="1845733"/>
-            <a:ext cx="10058400" cy="2706812"/>
+            <a:ext cx="10058400" cy="1753083"/>
           </a:xfrm>
         </p:spPr>
         <p:txBody>
@@ -8414,63 +9336,90 @@
           <a:p>
             <a:pPr algn="just"/>
             <a:r>
-              <a:rPr lang="en-US" sz="3200">
+              <a:rPr lang="en-US" sz="2500">
+                <a:solidFill>
+                  <a:schemeClr val="tx1"/>
+                </a:solidFill>
                 <a:latin typeface="Times New Roman" panose="02020603050405020304" pitchFamily="18" charset="0"/>
                 <a:cs typeface="Times New Roman" panose="02020603050405020304" pitchFamily="18" charset="0"/>
               </a:rPr>
               <a:t>Phần mềm độc hại là một hoặc một đoạn ch</a:t>
             </a:r>
             <a:r>
-              <a:rPr lang="vi-VN" sz="3200">
+              <a:rPr lang="vi-VN" sz="2500">
+                <a:solidFill>
+                  <a:schemeClr val="tx1"/>
+                </a:solidFill>
                 <a:latin typeface="Times New Roman" panose="02020603050405020304" pitchFamily="18" charset="0"/>
                 <a:cs typeface="Times New Roman" panose="02020603050405020304" pitchFamily="18" charset="0"/>
               </a:rPr>
               <a:t>ư</a:t>
             </a:r>
             <a:r>
-              <a:rPr lang="en-US" sz="3200">
+              <a:rPr lang="en-US" sz="2500">
+                <a:solidFill>
+                  <a:schemeClr val="tx1"/>
+                </a:solidFill>
                 <a:latin typeface="Times New Roman" panose="02020603050405020304" pitchFamily="18" charset="0"/>
                 <a:cs typeface="Times New Roman" panose="02020603050405020304" pitchFamily="18" charset="0"/>
               </a:rPr>
               <a:t>ơng trình, đ</a:t>
             </a:r>
             <a:r>
-              <a:rPr lang="vi-VN" sz="3200">
+              <a:rPr lang="vi-VN" sz="2500">
+                <a:solidFill>
+                  <a:schemeClr val="tx1"/>
+                </a:solidFill>
                 <a:latin typeface="Times New Roman" panose="02020603050405020304" pitchFamily="18" charset="0"/>
                 <a:cs typeface="Times New Roman" panose="02020603050405020304" pitchFamily="18" charset="0"/>
               </a:rPr>
               <a:t>ư</a:t>
             </a:r>
             <a:r>
-              <a:rPr lang="en-US" sz="3200">
+              <a:rPr lang="en-US" sz="2500">
+                <a:solidFill>
+                  <a:schemeClr val="tx1"/>
+                </a:solidFill>
                 <a:latin typeface="Times New Roman" panose="02020603050405020304" pitchFamily="18" charset="0"/>
                 <a:cs typeface="Times New Roman" panose="02020603050405020304" pitchFamily="18" charset="0"/>
               </a:rPr>
               <a:t>ợc chèn vào hệ thông nhằm thực hiện các hành vi phá hoại, tống tiền hoặc đánh cắp thông tin ng</a:t>
             </a:r>
             <a:r>
-              <a:rPr lang="vi-VN" sz="3200">
+              <a:rPr lang="vi-VN" sz="2500">
+                <a:solidFill>
+                  <a:schemeClr val="tx1"/>
+                </a:solidFill>
                 <a:latin typeface="Times New Roman" panose="02020603050405020304" pitchFamily="18" charset="0"/>
                 <a:cs typeface="Times New Roman" panose="02020603050405020304" pitchFamily="18" charset="0"/>
               </a:rPr>
               <a:t>ư</a:t>
             </a:r>
             <a:r>
-              <a:rPr lang="en-US" sz="3200">
+              <a:rPr lang="en-US" sz="2500">
+                <a:solidFill>
+                  <a:schemeClr val="tx1"/>
+                </a:solidFill>
                 <a:latin typeface="Times New Roman" panose="02020603050405020304" pitchFamily="18" charset="0"/>
                 <a:cs typeface="Times New Roman" panose="02020603050405020304" pitchFamily="18" charset="0"/>
               </a:rPr>
               <a:t>ời dung, gây tổn hại ít nhiều đến ng</a:t>
             </a:r>
             <a:r>
-              <a:rPr lang="vi-VN" sz="3200">
+              <a:rPr lang="vi-VN" sz="2500">
+                <a:solidFill>
+                  <a:schemeClr val="tx1"/>
+                </a:solidFill>
                 <a:latin typeface="Times New Roman" panose="02020603050405020304" pitchFamily="18" charset="0"/>
                 <a:cs typeface="Times New Roman" panose="02020603050405020304" pitchFamily="18" charset="0"/>
               </a:rPr>
               <a:t>ư</a:t>
             </a:r>
             <a:r>
-              <a:rPr lang="en-US" sz="3200">
+              <a:rPr lang="en-US" sz="2500">
+                <a:solidFill>
+                  <a:schemeClr val="tx1"/>
+                </a:solidFill>
                 <a:latin typeface="Times New Roman" panose="02020603050405020304" pitchFamily="18" charset="0"/>
                 <a:cs typeface="Times New Roman" panose="02020603050405020304" pitchFamily="18" charset="0"/>
               </a:rPr>
@@ -8480,21 +9429,30 @@
           <a:p>
             <a:pPr algn="just"/>
             <a:r>
-              <a:rPr lang="en-US" sz="3200">
+              <a:rPr lang="en-US" sz="2500">
+                <a:solidFill>
+                  <a:schemeClr val="tx1"/>
+                </a:solidFill>
                 <a:latin typeface="Times New Roman" panose="02020603050405020304" pitchFamily="18" charset="0"/>
                 <a:cs typeface="Times New Roman" panose="02020603050405020304" pitchFamily="18" charset="0"/>
               </a:rPr>
               <a:t>Một số họ ứng dụng độc hại có thể kể đến nh</a:t>
             </a:r>
             <a:r>
-              <a:rPr lang="vi-VN" sz="3200">
+              <a:rPr lang="vi-VN" sz="2500">
+                <a:solidFill>
+                  <a:schemeClr val="tx1"/>
+                </a:solidFill>
                 <a:latin typeface="Times New Roman" panose="02020603050405020304" pitchFamily="18" charset="0"/>
                 <a:cs typeface="Times New Roman" panose="02020603050405020304" pitchFamily="18" charset="0"/>
               </a:rPr>
               <a:t>ư</a:t>
             </a:r>
             <a:r>
-              <a:rPr lang="en-US" sz="3200">
+              <a:rPr lang="en-US" sz="2500">
+                <a:solidFill>
+                  <a:schemeClr val="tx1"/>
+                </a:solidFill>
                 <a:latin typeface="Times New Roman" panose="02020603050405020304" pitchFamily="18" charset="0"/>
                 <a:cs typeface="Times New Roman" panose="02020603050405020304" pitchFamily="18" charset="0"/>
               </a:rPr>
@@ -8517,8 +9475,8 @@
         </p:nvSpPr>
         <p:spPr>
           <a:xfrm>
-            <a:off x="1097280" y="4552545"/>
-            <a:ext cx="2268570" cy="1077218"/>
+            <a:off x="1097280" y="3598816"/>
+            <a:ext cx="2536272" cy="1631216"/>
           </a:xfrm>
           <a:prstGeom prst="rect">
             <a:avLst/>
@@ -8536,11 +9494,8 @@
               <a:buChar char="•"/>
             </a:pPr>
             <a:r>
-              <a:rPr lang="en-US" sz="3200" b="0" cap="none" spc="0">
+              <a:rPr lang="en-US" sz="2500" b="0" cap="none" spc="0">
                 <a:ln w="0"/>
-                <a:solidFill>
-                  <a:schemeClr val="tx1"/>
-                </a:solidFill>
                 <a:latin typeface="Times New Roman" panose="02020603050405020304" pitchFamily="18" charset="0"/>
                 <a:cs typeface="Times New Roman" panose="02020603050405020304" pitchFamily="18" charset="0"/>
               </a:rPr>
@@ -8553,62 +9508,22 @@
               <a:buChar char="•"/>
             </a:pPr>
             <a:r>
-              <a:rPr lang="en-US" sz="3200">
+              <a:rPr lang="en-US" sz="2500">
                 <a:ln w="0"/>
                 <a:latin typeface="Times New Roman" panose="02020603050405020304" pitchFamily="18" charset="0"/>
                 <a:cs typeface="Times New Roman" panose="02020603050405020304" pitchFamily="18" charset="0"/>
               </a:rPr>
               <a:t>Banking</a:t>
             </a:r>
-            <a:endParaRPr lang="en-US" sz="3200" b="0" cap="none" spc="0">
-              <a:ln w="0"/>
-              <a:solidFill>
-                <a:schemeClr val="tx1"/>
-              </a:solidFill>
-              <a:latin typeface="Times New Roman" panose="02020603050405020304" pitchFamily="18" charset="0"/>
-              <a:cs typeface="Times New Roman" panose="02020603050405020304" pitchFamily="18" charset="0"/>
-            </a:endParaRPr>
-          </a:p>
-        </p:txBody>
-      </p:sp>
-      <p:sp>
-        <p:nvSpPr>
-          <p:cNvPr id="5" name="Rectangle 4">
-            <a:extLst>
-              <a:ext uri="{FF2B5EF4-FFF2-40B4-BE49-F238E27FC236}">
-                <a16:creationId xmlns:a16="http://schemas.microsoft.com/office/drawing/2014/main" id="{DEE4E588-F143-47C2-90EF-F2568F9EFE59}"/>
-              </a:ext>
-            </a:extLst>
-          </p:cNvPr>
-          <p:cNvSpPr/>
-          <p:nvPr/>
-        </p:nvSpPr>
-        <p:spPr>
-          <a:xfrm>
-            <a:off x="5646582" y="4552545"/>
-            <a:ext cx="2997937" cy="1077218"/>
-          </a:xfrm>
-          <a:prstGeom prst="rect">
-            <a:avLst/>
-          </a:prstGeom>
-          <a:noFill/>
-        </p:spPr>
-        <p:txBody>
-          <a:bodyPr wrap="none" lIns="91440" tIns="45720" rIns="91440" bIns="45720">
-            <a:spAutoFit/>
-          </a:bodyPr>
-          <a:lstStyle/>
+          </a:p>
           <a:p>
             <a:pPr marL="685800" indent="-685800">
               <a:buFont typeface="Arial" panose="020B0604020202020204" pitchFamily="34" charset="0"/>
               <a:buChar char="•"/>
             </a:pPr>
             <a:r>
-              <a:rPr lang="en-US" sz="3200" b="0" cap="none" spc="0">
+              <a:rPr lang="en-US" sz="2500">
                 <a:ln w="0"/>
-                <a:solidFill>
-                  <a:schemeClr val="tx1"/>
-                </a:solidFill>
                 <a:latin typeface="Times New Roman" panose="02020603050405020304" pitchFamily="18" charset="0"/>
                 <a:cs typeface="Times New Roman" panose="02020603050405020304" pitchFamily="18" charset="0"/>
               </a:rPr>
@@ -8621,21 +9536,13 @@
               <a:buChar char="•"/>
             </a:pPr>
             <a:r>
-              <a:rPr lang="en-US" sz="3200">
+              <a:rPr lang="en-US" sz="2500">
                 <a:ln w="0"/>
                 <a:latin typeface="Times New Roman" panose="02020603050405020304" pitchFamily="18" charset="0"/>
                 <a:cs typeface="Times New Roman" panose="02020603050405020304" pitchFamily="18" charset="0"/>
               </a:rPr>
               <a:t>Smsmalware</a:t>
             </a:r>
-            <a:endParaRPr lang="en-US" sz="3200" b="0" cap="none" spc="0">
-              <a:ln w="0"/>
-              <a:solidFill>
-                <a:schemeClr val="tx1"/>
-              </a:solidFill>
-              <a:latin typeface="Times New Roman" panose="02020603050405020304" pitchFamily="18" charset="0"/>
-              <a:cs typeface="Times New Roman" panose="02020603050405020304" pitchFamily="18" charset="0"/>
-            </a:endParaRPr>
           </a:p>
         </p:txBody>
       </p:sp>
@@ -8671,6 +9578,282 @@
       </p:grpSpPr>
       <p:sp>
         <p:nvSpPr>
+          <p:cNvPr id="5" name="Title 1">
+            <a:extLst>
+              <a:ext uri="{FF2B5EF4-FFF2-40B4-BE49-F238E27FC236}">
+                <a16:creationId xmlns:a16="http://schemas.microsoft.com/office/drawing/2014/main" id="{6D76D798-DCC3-4214-8E91-E686E54751EC}"/>
+              </a:ext>
+            </a:extLst>
+          </p:cNvPr>
+          <p:cNvSpPr>
+            <a:spLocks noGrp="1"/>
+          </p:cNvSpPr>
+          <p:nvPr>
+            <p:ph type="title"/>
+          </p:nvPr>
+        </p:nvSpPr>
+        <p:spPr>
+          <a:xfrm>
+            <a:off x="1097280" y="286603"/>
+            <a:ext cx="11006230" cy="1450757"/>
+          </a:xfrm>
+        </p:spPr>
+        <p:txBody>
+          <a:bodyPr>
+            <a:normAutofit/>
+          </a:bodyPr>
+          <a:lstStyle/>
+          <a:p>
+            <a:r>
+              <a:rPr lang="en-US" sz="4000">
+                <a:solidFill>
+                  <a:schemeClr val="tx1"/>
+                </a:solidFill>
+                <a:latin typeface="Times New Roman" panose="02020603050405020304" pitchFamily="18" charset="0"/>
+                <a:cs typeface="Times New Roman" panose="02020603050405020304" pitchFamily="18" charset="0"/>
+              </a:rPr>
+              <a:t>Ph</a:t>
+            </a:r>
+            <a:r>
+              <a:rPr lang="vi-VN" sz="4000">
+                <a:solidFill>
+                  <a:schemeClr val="tx1"/>
+                </a:solidFill>
+                <a:latin typeface="Times New Roman" panose="02020603050405020304" pitchFamily="18" charset="0"/>
+                <a:cs typeface="Times New Roman" panose="02020603050405020304" pitchFamily="18" charset="0"/>
+              </a:rPr>
+              <a:t>ư</a:t>
+            </a:r>
+            <a:r>
+              <a:rPr lang="en-US" sz="4000">
+                <a:solidFill>
+                  <a:schemeClr val="tx1"/>
+                </a:solidFill>
+                <a:latin typeface="Times New Roman" panose="02020603050405020304" pitchFamily="18" charset="0"/>
+                <a:cs typeface="Times New Roman" panose="02020603050405020304" pitchFamily="18" charset="0"/>
+              </a:rPr>
+              <a:t>ơng pháp phân tích mã độc</a:t>
+            </a:r>
+          </a:p>
+        </p:txBody>
+      </p:sp>
+      <p:sp>
+        <p:nvSpPr>
+          <p:cNvPr id="6" name="Content Placeholder 2">
+            <a:extLst>
+              <a:ext uri="{FF2B5EF4-FFF2-40B4-BE49-F238E27FC236}">
+                <a16:creationId xmlns:a16="http://schemas.microsoft.com/office/drawing/2014/main" id="{1EAE0921-5033-4DE3-AAC1-960031E8AEA1}"/>
+              </a:ext>
+            </a:extLst>
+          </p:cNvPr>
+          <p:cNvSpPr>
+            <a:spLocks noGrp="1"/>
+          </p:cNvSpPr>
+          <p:nvPr>
+            <p:ph idx="1"/>
+          </p:nvPr>
+        </p:nvSpPr>
+        <p:spPr>
+          <a:xfrm>
+            <a:off x="1097280" y="1845734"/>
+            <a:ext cx="10058400" cy="946628"/>
+          </a:xfrm>
+        </p:spPr>
+        <p:txBody>
+          <a:bodyPr>
+            <a:normAutofit/>
+          </a:bodyPr>
+          <a:lstStyle/>
+          <a:p>
+            <a:pPr algn="just"/>
+            <a:r>
+              <a:rPr lang="en-US" sz="2500">
+                <a:solidFill>
+                  <a:schemeClr val="tx1"/>
+                </a:solidFill>
+                <a:latin typeface="Times New Roman" panose="02020603050405020304" pitchFamily="18" charset="0"/>
+                <a:cs typeface="Times New Roman" panose="02020603050405020304" pitchFamily="18" charset="0"/>
+              </a:rPr>
+              <a:t>Để phát hiện ra phần mềm độc hại andoird, chúng ta có một số ph</a:t>
+            </a:r>
+            <a:r>
+              <a:rPr lang="vi-VN" sz="2500">
+                <a:solidFill>
+                  <a:schemeClr val="tx1"/>
+                </a:solidFill>
+                <a:latin typeface="Times New Roman" panose="02020603050405020304" pitchFamily="18" charset="0"/>
+                <a:cs typeface="Times New Roman" panose="02020603050405020304" pitchFamily="18" charset="0"/>
+              </a:rPr>
+              <a:t>ư</a:t>
+            </a:r>
+            <a:r>
+              <a:rPr lang="en-US" sz="2500">
+                <a:solidFill>
+                  <a:schemeClr val="tx1"/>
+                </a:solidFill>
+                <a:latin typeface="Times New Roman" panose="02020603050405020304" pitchFamily="18" charset="0"/>
+                <a:cs typeface="Times New Roman" panose="02020603050405020304" pitchFamily="18" charset="0"/>
+              </a:rPr>
+              <a:t>ơng pháp phân tích nh</a:t>
+            </a:r>
+            <a:r>
+              <a:rPr lang="vi-VN" sz="2500">
+                <a:solidFill>
+                  <a:schemeClr val="tx1"/>
+                </a:solidFill>
+                <a:latin typeface="Times New Roman" panose="02020603050405020304" pitchFamily="18" charset="0"/>
+                <a:cs typeface="Times New Roman" panose="02020603050405020304" pitchFamily="18" charset="0"/>
+              </a:rPr>
+              <a:t>ư</a:t>
+            </a:r>
+            <a:r>
+              <a:rPr lang="en-US" sz="2500">
+                <a:solidFill>
+                  <a:schemeClr val="tx1"/>
+                </a:solidFill>
+                <a:latin typeface="Times New Roman" panose="02020603050405020304" pitchFamily="18" charset="0"/>
+                <a:cs typeface="Times New Roman" panose="02020603050405020304" pitchFamily="18" charset="0"/>
+              </a:rPr>
+              <a:t>:</a:t>
+            </a:r>
+          </a:p>
+          <a:p>
+            <a:pPr algn="just"/>
+            <a:endParaRPr lang="en-US" sz="2500">
+              <a:solidFill>
+                <a:schemeClr val="tx1"/>
+              </a:solidFill>
+              <a:latin typeface="Times New Roman" panose="02020603050405020304" pitchFamily="18" charset="0"/>
+              <a:cs typeface="Times New Roman" panose="02020603050405020304" pitchFamily="18" charset="0"/>
+            </a:endParaRPr>
+          </a:p>
+        </p:txBody>
+      </p:sp>
+      <p:sp>
+        <p:nvSpPr>
+          <p:cNvPr id="7" name="Rectangle 6">
+            <a:extLst>
+              <a:ext uri="{FF2B5EF4-FFF2-40B4-BE49-F238E27FC236}">
+                <a16:creationId xmlns:a16="http://schemas.microsoft.com/office/drawing/2014/main" id="{FB4F4878-A0A3-4B0B-902B-9217853AC95A}"/>
+              </a:ext>
+            </a:extLst>
+          </p:cNvPr>
+          <p:cNvSpPr/>
+          <p:nvPr/>
+        </p:nvSpPr>
+        <p:spPr>
+          <a:xfrm>
+            <a:off x="1097280" y="2905652"/>
+            <a:ext cx="2802370" cy="1246495"/>
+          </a:xfrm>
+          <a:prstGeom prst="rect">
+            <a:avLst/>
+          </a:prstGeom>
+          <a:noFill/>
+        </p:spPr>
+        <p:txBody>
+          <a:bodyPr wrap="none" lIns="91440" tIns="45720" rIns="91440" bIns="45720">
+            <a:spAutoFit/>
+          </a:bodyPr>
+          <a:lstStyle/>
+          <a:p>
+            <a:pPr marL="685800" indent="-685800">
+              <a:buFont typeface="Arial" panose="020B0604020202020204" pitchFamily="34" charset="0"/>
+              <a:buChar char="•"/>
+            </a:pPr>
+            <a:r>
+              <a:rPr lang="en-US" sz="2500" b="0" cap="none" spc="0">
+                <a:ln w="0"/>
+                <a:solidFill>
+                  <a:schemeClr val="tx1"/>
+                </a:solidFill>
+                <a:latin typeface="Times New Roman" panose="02020603050405020304" pitchFamily="18" charset="0"/>
+                <a:cs typeface="Times New Roman" panose="02020603050405020304" pitchFamily="18" charset="0"/>
+              </a:rPr>
+              <a:t>Phân tích động</a:t>
+            </a:r>
+          </a:p>
+          <a:p>
+            <a:pPr marL="685800" indent="-685800">
+              <a:buFont typeface="Arial" panose="020B0604020202020204" pitchFamily="34" charset="0"/>
+              <a:buChar char="•"/>
+            </a:pPr>
+            <a:r>
+              <a:rPr lang="en-US" sz="2500">
+                <a:ln w="0"/>
+                <a:latin typeface="Times New Roman" panose="02020603050405020304" pitchFamily="18" charset="0"/>
+                <a:cs typeface="Times New Roman" panose="02020603050405020304" pitchFamily="18" charset="0"/>
+              </a:rPr>
+              <a:t>Phân tích tĩnh</a:t>
+            </a:r>
+          </a:p>
+          <a:p>
+            <a:pPr marL="685800" indent="-685800">
+              <a:buFont typeface="Arial" panose="020B0604020202020204" pitchFamily="34" charset="0"/>
+              <a:buChar char="•"/>
+            </a:pPr>
+            <a:r>
+              <a:rPr lang="en-US" sz="2500" b="0" cap="none" spc="0">
+                <a:ln w="0"/>
+                <a:solidFill>
+                  <a:schemeClr val="tx1"/>
+                </a:solidFill>
+                <a:latin typeface="Times New Roman" panose="02020603050405020304" pitchFamily="18" charset="0"/>
+                <a:cs typeface="Times New Roman" panose="02020603050405020304" pitchFamily="18" charset="0"/>
+              </a:rPr>
+              <a:t>Ph</a:t>
+            </a:r>
+            <a:r>
+              <a:rPr lang="en-US" sz="2500">
+                <a:ln w="0"/>
+                <a:latin typeface="Times New Roman" panose="02020603050405020304" pitchFamily="18" charset="0"/>
+                <a:cs typeface="Times New Roman" panose="02020603050405020304" pitchFamily="18" charset="0"/>
+              </a:rPr>
+              <a:t>ân tích lai</a:t>
+            </a:r>
+            <a:endParaRPr lang="en-US" sz="2500" b="0" cap="none" spc="0">
+              <a:ln w="0"/>
+              <a:solidFill>
+                <a:schemeClr val="tx1"/>
+              </a:solidFill>
+              <a:latin typeface="Times New Roman" panose="02020603050405020304" pitchFamily="18" charset="0"/>
+              <a:cs typeface="Times New Roman" panose="02020603050405020304" pitchFamily="18" charset="0"/>
+            </a:endParaRPr>
+          </a:p>
+        </p:txBody>
+      </p:sp>
+    </p:spTree>
+    <p:extLst>
+      <p:ext uri="{BB962C8B-B14F-4D97-AF65-F5344CB8AC3E}">
+        <p14:creationId xmlns:p14="http://schemas.microsoft.com/office/powerpoint/2010/main" val="1656698681"/>
+      </p:ext>
+    </p:extLst>
+  </p:cSld>
+  <p:clrMapOvr>
+    <a:masterClrMapping/>
+  </p:clrMapOvr>
+</p:sld>
+</file>
+
+<file path=ppt/slides/slide6.xml><?xml version="1.0" encoding="utf-8"?>
+<p:sld xmlns:a="http://schemas.openxmlformats.org/drawingml/2006/main" xmlns:r="http://schemas.openxmlformats.org/officeDocument/2006/relationships" xmlns:p="http://schemas.openxmlformats.org/presentationml/2006/main">
+  <p:cSld>
+    <p:spTree>
+      <p:nvGrpSpPr>
+        <p:cNvPr id="1" name=""/>
+        <p:cNvGrpSpPr/>
+        <p:nvPr/>
+      </p:nvGrpSpPr>
+      <p:grpSpPr>
+        <a:xfrm>
+          <a:off x="0" y="0"/>
+          <a:ext cx="0" cy="0"/>
+          <a:chOff x="0" y="0"/>
+          <a:chExt cx="0" cy="0"/>
+        </a:xfrm>
+      </p:grpSpPr>
+      <p:sp>
+        <p:nvSpPr>
           <p:cNvPr id="2" name="Title 1">
             <a:extLst>
               <a:ext uri="{FF2B5EF4-FFF2-40B4-BE49-F238E27FC236}">
@@ -8692,15 +9875,20 @@
           </a:xfrm>
         </p:spPr>
         <p:txBody>
-          <a:bodyPr/>
+          <a:bodyPr>
+            <a:normAutofit/>
+          </a:bodyPr>
           <a:lstStyle/>
           <a:p>
             <a:r>
-              <a:rPr lang="en-US">
-                <a:latin typeface="Times New Roman" panose="02020603050405020304" pitchFamily="18" charset="0"/>
-                <a:cs typeface="Times New Roman" panose="02020603050405020304" pitchFamily="18" charset="0"/>
-              </a:rPr>
-              <a:t>Lý thuyết mạng thông tin không đồng nhất</a:t>
+              <a:rPr lang="en-US" sz="4000">
+                <a:solidFill>
+                  <a:schemeClr val="tx1"/>
+                </a:solidFill>
+                <a:latin typeface="Times New Roman" panose="02020603050405020304" pitchFamily="18" charset="0"/>
+                <a:cs typeface="Times New Roman" panose="02020603050405020304" pitchFamily="18" charset="0"/>
+              </a:rPr>
+              <a:t>3. Lý thuyết mạng thông tin không đồng nhất</a:t>
             </a:r>
           </a:p>
         </p:txBody>
@@ -8730,35 +9918,50 @@
           <a:p>
             <a:pPr algn="just"/>
             <a:r>
-              <a:rPr lang="en-US" sz="3200">
+              <a:rPr lang="en-US" sz="2500">
+                <a:solidFill>
+                  <a:schemeClr val="tx1"/>
+                </a:solidFill>
                 <a:latin typeface="Times New Roman" panose="02020603050405020304" pitchFamily="18" charset="0"/>
                 <a:cs typeface="Times New Roman" panose="02020603050405020304" pitchFamily="18" charset="0"/>
               </a:rPr>
               <a:t>Mạng thông tin không đồng nhất là một mạng thông tin, trong đó có nhiều loại đối t</a:t>
             </a:r>
             <a:r>
-              <a:rPr lang="vi-VN" sz="3200">
+              <a:rPr lang="vi-VN" sz="2500">
+                <a:solidFill>
+                  <a:schemeClr val="tx1"/>
+                </a:solidFill>
                 <a:latin typeface="Times New Roman" panose="02020603050405020304" pitchFamily="18" charset="0"/>
                 <a:cs typeface="Times New Roman" panose="02020603050405020304" pitchFamily="18" charset="0"/>
               </a:rPr>
               <a:t>ư</a:t>
             </a:r>
             <a:r>
-              <a:rPr lang="en-US" sz="3200">
+              <a:rPr lang="en-US" sz="2500">
+                <a:solidFill>
+                  <a:schemeClr val="tx1"/>
+                </a:solidFill>
                 <a:latin typeface="Times New Roman" panose="02020603050405020304" pitchFamily="18" charset="0"/>
                 <a:cs typeface="Times New Roman" panose="02020603050405020304" pitchFamily="18" charset="0"/>
               </a:rPr>
               <a:t>ợng đ</a:t>
             </a:r>
             <a:r>
-              <a:rPr lang="vi-VN" sz="3200">
+              <a:rPr lang="vi-VN" sz="2500">
+                <a:solidFill>
+                  <a:schemeClr val="tx1"/>
+                </a:solidFill>
                 <a:latin typeface="Times New Roman" panose="02020603050405020304" pitchFamily="18" charset="0"/>
                 <a:cs typeface="Times New Roman" panose="02020603050405020304" pitchFamily="18" charset="0"/>
               </a:rPr>
               <a:t>ư</a:t>
             </a:r>
             <a:r>
-              <a:rPr lang="en-US" sz="3200">
+              <a:rPr lang="en-US" sz="2500">
+                <a:solidFill>
+                  <a:schemeClr val="tx1"/>
+                </a:solidFill>
                 <a:latin typeface="Times New Roman" panose="02020603050405020304" pitchFamily="18" charset="0"/>
                 <a:cs typeface="Times New Roman" panose="02020603050405020304" pitchFamily="18" charset="0"/>
               </a:rPr>
@@ -8768,7 +9971,10 @@
           <a:p>
             <a:pPr algn="just"/>
             <a:r>
-              <a:rPr lang="en-US" sz="3200">
+              <a:rPr lang="en-US" sz="2500">
+                <a:solidFill>
+                  <a:schemeClr val="tx1"/>
+                </a:solidFill>
                 <a:latin typeface="Times New Roman" panose="02020603050405020304" pitchFamily="18" charset="0"/>
                 <a:cs typeface="Times New Roman" panose="02020603050405020304" pitchFamily="18" charset="0"/>
               </a:rPr>
@@ -8818,7 +10024,7 @@
 </p:sld>
 </file>
 
-<file path=ppt/slides/slide6.xml><?xml version="1.0" encoding="utf-8"?>
+<file path=ppt/slides/slide7.xml><?xml version="1.0" encoding="utf-8"?>
 <p:sld xmlns:a="http://schemas.openxmlformats.org/drawingml/2006/main" xmlns:r="http://schemas.openxmlformats.org/officeDocument/2006/relationships" xmlns:p="http://schemas.openxmlformats.org/presentationml/2006/main">
   <p:cSld>
     <p:spTree>
@@ -8853,11 +10059,16 @@
         </p:nvSpPr>
         <p:spPr/>
         <p:txBody>
-          <a:bodyPr/>
+          <a:bodyPr>
+            <a:normAutofit/>
+          </a:bodyPr>
           <a:lstStyle/>
           <a:p>
             <a:r>
-              <a:rPr lang="en-US">
+              <a:rPr lang="en-US" sz="4000">
+                <a:solidFill>
+                  <a:schemeClr val="tx1"/>
+                </a:solidFill>
                 <a:latin typeface="Times New Roman" panose="02020603050405020304" pitchFamily="18" charset="0"/>
                 <a:cs typeface="Times New Roman" panose="02020603050405020304" pitchFamily="18" charset="0"/>
               </a:rPr>
@@ -8895,7 +10106,10 @@
           <a:lstStyle/>
           <a:p>
             <a:r>
-              <a:rPr lang="en-US" sz="3200">
+              <a:rPr lang="en-US" sz="2500">
+                <a:solidFill>
+                  <a:schemeClr val="tx1"/>
+                </a:solidFill>
                 <a:latin typeface="Times New Roman" panose="02020603050405020304" pitchFamily="18" charset="0"/>
                 <a:cs typeface="Times New Roman" panose="02020603050405020304" pitchFamily="18" charset="0"/>
               </a:rPr>
@@ -8948,6 +10162,9 @@
             <a:pPr algn="ctr"/>
             <a:r>
               <a:rPr lang="en-US">
+                <a:solidFill>
+                  <a:schemeClr val="tx1"/>
+                </a:solidFill>
                 <a:latin typeface="Times New Roman" panose="02020603050405020304" pitchFamily="18" charset="0"/>
                 <a:cs typeface="Times New Roman" panose="02020603050405020304" pitchFamily="18" charset="0"/>
               </a:rPr>
@@ -9000,6 +10217,9 @@
             <a:pPr algn="ctr"/>
             <a:r>
               <a:rPr lang="en-US">
+                <a:solidFill>
+                  <a:schemeClr val="tx1"/>
+                </a:solidFill>
                 <a:latin typeface="Times New Roman" panose="02020603050405020304" pitchFamily="18" charset="0"/>
                 <a:cs typeface="Times New Roman" panose="02020603050405020304" pitchFamily="18" charset="0"/>
               </a:rPr>
@@ -9052,6 +10272,9 @@
             <a:pPr algn="ctr"/>
             <a:r>
               <a:rPr lang="en-US">
+                <a:solidFill>
+                  <a:schemeClr val="tx1"/>
+                </a:solidFill>
                 <a:latin typeface="Times New Roman" panose="02020603050405020304" pitchFamily="18" charset="0"/>
                 <a:cs typeface="Times New Roman" panose="02020603050405020304" pitchFamily="18" charset="0"/>
               </a:rPr>
@@ -9104,6 +10327,9 @@
             <a:pPr algn="ctr"/>
             <a:r>
               <a:rPr lang="en-US">
+                <a:solidFill>
+                  <a:schemeClr val="tx1"/>
+                </a:solidFill>
                 <a:latin typeface="Times New Roman" panose="02020603050405020304" pitchFamily="18" charset="0"/>
                 <a:cs typeface="Times New Roman" panose="02020603050405020304" pitchFamily="18" charset="0"/>
               </a:rPr>
@@ -9156,6 +10382,9 @@
             <a:pPr algn="ctr"/>
             <a:r>
               <a:rPr lang="en-US">
+                <a:solidFill>
+                  <a:schemeClr val="tx1"/>
+                </a:solidFill>
                 <a:latin typeface="Times New Roman" panose="02020603050405020304" pitchFamily="18" charset="0"/>
                 <a:cs typeface="Times New Roman" panose="02020603050405020304" pitchFamily="18" charset="0"/>
               </a:rPr>
@@ -9208,6 +10437,9 @@
             <a:pPr algn="ctr"/>
             <a:r>
               <a:rPr lang="en-US">
+                <a:solidFill>
+                  <a:schemeClr val="tx1"/>
+                </a:solidFill>
                 <a:latin typeface="Times New Roman" panose="02020603050405020304" pitchFamily="18" charset="0"/>
                 <a:cs typeface="Times New Roman" panose="02020603050405020304" pitchFamily="18" charset="0"/>
               </a:rPr>
@@ -9260,6 +10492,9 @@
             <a:pPr algn="ctr"/>
             <a:r>
               <a:rPr lang="en-US">
+                <a:solidFill>
+                  <a:schemeClr val="tx1"/>
+                </a:solidFill>
                 <a:latin typeface="Times New Roman" panose="02020603050405020304" pitchFamily="18" charset="0"/>
                 <a:cs typeface="Times New Roman" panose="02020603050405020304" pitchFamily="18" charset="0"/>
               </a:rPr>
@@ -9312,6 +10547,9 @@
             <a:pPr algn="ctr"/>
             <a:r>
               <a:rPr lang="en-US">
+                <a:solidFill>
+                  <a:schemeClr val="tx1"/>
+                </a:solidFill>
                 <a:latin typeface="Times New Roman" panose="02020603050405020304" pitchFamily="18" charset="0"/>
                 <a:cs typeface="Times New Roman" panose="02020603050405020304" pitchFamily="18" charset="0"/>
               </a:rPr>
@@ -9963,149 +11201,6 @@
 </p:sld>
 </file>
 
-<file path=ppt/slides/slide7.xml><?xml version="1.0" encoding="utf-8"?>
-<p:sld xmlns:a="http://schemas.openxmlformats.org/drawingml/2006/main" xmlns:r="http://schemas.openxmlformats.org/officeDocument/2006/relationships" xmlns:p="http://schemas.openxmlformats.org/presentationml/2006/main">
-  <p:cSld>
-    <p:spTree>
-      <p:nvGrpSpPr>
-        <p:cNvPr id="1" name=""/>
-        <p:cNvGrpSpPr/>
-        <p:nvPr/>
-      </p:nvGrpSpPr>
-      <p:grpSpPr>
-        <a:xfrm>
-          <a:off x="0" y="0"/>
-          <a:ext cx="0" cy="0"/>
-          <a:chOff x="0" y="0"/>
-          <a:chExt cx="0" cy="0"/>
-        </a:xfrm>
-      </p:grpSpPr>
-      <p:sp>
-        <p:nvSpPr>
-          <p:cNvPr id="2" name="Title 1">
-            <a:extLst>
-              <a:ext uri="{FF2B5EF4-FFF2-40B4-BE49-F238E27FC236}">
-                <a16:creationId xmlns:a16="http://schemas.microsoft.com/office/drawing/2014/main" id="{D7B00236-7A2B-4968-9658-B5C409EA04FA}"/>
-              </a:ext>
-            </a:extLst>
-          </p:cNvPr>
-          <p:cNvSpPr>
-            <a:spLocks noGrp="1"/>
-          </p:cNvSpPr>
-          <p:nvPr>
-            <p:ph type="title"/>
-          </p:nvPr>
-        </p:nvSpPr>
-        <p:spPr/>
-        <p:txBody>
-          <a:bodyPr/>
-          <a:lstStyle/>
-          <a:p>
-            <a:r>
-              <a:rPr lang="en-US">
-                <a:latin typeface="Times New Roman" panose="02020603050405020304" pitchFamily="18" charset="0"/>
-                <a:cs typeface="Times New Roman" panose="02020603050405020304" pitchFamily="18" charset="0"/>
-              </a:rPr>
-              <a:t>Xây dựng hệ thống</a:t>
-            </a:r>
-          </a:p>
-        </p:txBody>
-      </p:sp>
-      <p:sp>
-        <p:nvSpPr>
-          <p:cNvPr id="3" name="Content Placeholder 2">
-            <a:extLst>
-              <a:ext uri="{FF2B5EF4-FFF2-40B4-BE49-F238E27FC236}">
-                <a16:creationId xmlns:a16="http://schemas.microsoft.com/office/drawing/2014/main" id="{6A9501BA-1B94-4468-92A7-1C8C29E4D9F5}"/>
-              </a:ext>
-            </a:extLst>
-          </p:cNvPr>
-          <p:cNvSpPr>
-            <a:spLocks noGrp="1"/>
-          </p:cNvSpPr>
-          <p:nvPr>
-            <p:ph idx="1"/>
-          </p:nvPr>
-        </p:nvSpPr>
-        <p:spPr/>
-        <p:txBody>
-          <a:bodyPr>
-            <a:normAutofit/>
-          </a:bodyPr>
-          <a:lstStyle/>
-          <a:p>
-            <a:r>
-              <a:rPr lang="en-US" sz="3200">
-                <a:latin typeface="Times New Roman" panose="02020603050405020304" pitchFamily="18" charset="0"/>
-                <a:cs typeface="Times New Roman" panose="02020603050405020304" pitchFamily="18" charset="0"/>
-              </a:rPr>
-              <a:t>Tổng quan về quá trình xây dựng hệ thống của chúng em bao gồm các giai đoạn:</a:t>
-            </a:r>
-          </a:p>
-          <a:p>
-            <a:pPr marL="514350" indent="-514350">
-              <a:buFont typeface="+mj-lt"/>
-              <a:buAutoNum type="arabicPeriod"/>
-            </a:pPr>
-            <a:r>
-              <a:rPr lang="en-US" sz="3200">
-                <a:latin typeface="Times New Roman" panose="02020603050405020304" pitchFamily="18" charset="0"/>
-                <a:cs typeface="Times New Roman" panose="02020603050405020304" pitchFamily="18" charset="0"/>
-              </a:rPr>
-              <a:t>Xây dựng mô hình học máy</a:t>
-            </a:r>
-          </a:p>
-          <a:p>
-            <a:pPr marL="514350" indent="-514350">
-              <a:buFont typeface="+mj-lt"/>
-              <a:buAutoNum type="arabicPeriod"/>
-            </a:pPr>
-            <a:r>
-              <a:rPr lang="en-US" sz="3200">
-                <a:latin typeface="Times New Roman" panose="02020603050405020304" pitchFamily="18" charset="0"/>
-                <a:cs typeface="Times New Roman" panose="02020603050405020304" pitchFamily="18" charset="0"/>
-              </a:rPr>
-              <a:t>Đánh giá các mô hình học máy</a:t>
-            </a:r>
-          </a:p>
-          <a:p>
-            <a:pPr marL="514350" indent="-514350">
-              <a:buFont typeface="+mj-lt"/>
-              <a:buAutoNum type="arabicPeriod"/>
-            </a:pPr>
-            <a:r>
-              <a:rPr lang="en-US" sz="3200">
-                <a:latin typeface="Times New Roman" panose="02020603050405020304" pitchFamily="18" charset="0"/>
-                <a:cs typeface="Times New Roman" panose="02020603050405020304" pitchFamily="18" charset="0"/>
-              </a:rPr>
-              <a:t>Phát triển hệ thống dựa trên mô hình học máy tốt nhất</a:t>
-            </a:r>
-          </a:p>
-          <a:p>
-            <a:pPr marL="514350" indent="-514350">
-              <a:buFont typeface="+mj-lt"/>
-              <a:buAutoNum type="arabicPeriod"/>
-            </a:pPr>
-            <a:endParaRPr lang="en-US" sz="3200">
-              <a:latin typeface="Times New Roman" panose="02020603050405020304" pitchFamily="18" charset="0"/>
-              <a:cs typeface="Times New Roman" panose="02020603050405020304" pitchFamily="18" charset="0"/>
-            </a:endParaRPr>
-          </a:p>
-        </p:txBody>
-      </p:sp>
-    </p:spTree>
-    <p:extLst>
-      <p:ext uri="{BB962C8B-B14F-4D97-AF65-F5344CB8AC3E}">
-        <p14:creationId xmlns:p14="http://schemas.microsoft.com/office/powerpoint/2010/main" val="3984872820"/>
-      </p:ext>
-    </p:extLst>
-  </p:cSld>
-  <p:clrMapOvr>
-    <a:masterClrMapping/>
-  </p:clrMapOvr>
-</p:sld>
-</file>
-
 <file path=ppt/slides/slide8.xml><?xml version="1.0" encoding="utf-8"?>
 <p:sld xmlns:a="http://schemas.openxmlformats.org/drawingml/2006/main" xmlns:r="http://schemas.openxmlformats.org/officeDocument/2006/relationships" xmlns:p="http://schemas.openxmlformats.org/presentationml/2006/main">
   <p:cSld>
@@ -10125,10 +11220,10 @@
       </p:grpSpPr>
       <p:sp>
         <p:nvSpPr>
-          <p:cNvPr id="2" name="Title 1">
+          <p:cNvPr id="4" name="Title 1">
             <a:extLst>
               <a:ext uri="{FF2B5EF4-FFF2-40B4-BE49-F238E27FC236}">
-                <a16:creationId xmlns:a16="http://schemas.microsoft.com/office/drawing/2014/main" id="{D7B00236-7A2B-4968-9658-B5C409EA04FA}"/>
+                <a16:creationId xmlns:a16="http://schemas.microsoft.com/office/drawing/2014/main" id="{B4D22D17-1785-4019-862A-AE962BFE318F}"/>
               </a:ext>
             </a:extLst>
           </p:cNvPr>
@@ -10139,103 +11234,305 @@
             <p:ph type="title"/>
           </p:nvPr>
         </p:nvSpPr>
-        <p:spPr/>
-        <p:txBody>
-          <a:bodyPr/>
-          <a:lstStyle/>
-          <a:p>
-            <a:r>
-              <a:rPr lang="en-US">
-                <a:latin typeface="Times New Roman" panose="02020603050405020304" pitchFamily="18" charset="0"/>
-                <a:cs typeface="Times New Roman" panose="02020603050405020304" pitchFamily="18" charset="0"/>
-              </a:rPr>
-              <a:t>Xây dựng mô hình học máy</a:t>
-            </a:r>
-          </a:p>
-        </p:txBody>
-      </p:sp>
-      <p:sp>
-        <p:nvSpPr>
-          <p:cNvPr id="3" name="Content Placeholder 2">
-            <a:extLst>
-              <a:ext uri="{FF2B5EF4-FFF2-40B4-BE49-F238E27FC236}">
-                <a16:creationId xmlns:a16="http://schemas.microsoft.com/office/drawing/2014/main" id="{6A9501BA-1B94-4468-92A7-1C8C29E4D9F5}"/>
-              </a:ext>
-            </a:extLst>
-          </p:cNvPr>
-          <p:cNvSpPr>
-            <a:spLocks noGrp="1"/>
-          </p:cNvSpPr>
-          <p:nvPr>
-            <p:ph idx="1"/>
-          </p:nvPr>
-        </p:nvSpPr>
-        <p:spPr/>
+        <p:spPr>
+          <a:xfrm>
+            <a:off x="1097280" y="286603"/>
+            <a:ext cx="10058400" cy="1450757"/>
+          </a:xfrm>
+        </p:spPr>
         <p:txBody>
           <a:bodyPr>
             <a:normAutofit/>
           </a:bodyPr>
           <a:lstStyle/>
           <a:p>
-            <a:pPr marL="514350" indent="-514350" algn="just">
-              <a:buFont typeface="+mj-lt"/>
-              <a:buAutoNum type="arabicPeriod"/>
+            <a:r>
+              <a:rPr lang="en-US" sz="4000">
+                <a:solidFill>
+                  <a:schemeClr val="tx1"/>
+                </a:solidFill>
+                <a:latin typeface="Times New Roman" panose="02020603050405020304" pitchFamily="18" charset="0"/>
+                <a:cs typeface="Times New Roman" panose="02020603050405020304" pitchFamily="18" charset="0"/>
+              </a:rPr>
+              <a:t>Siêu đ</a:t>
+            </a:r>
+            <a:r>
+              <a:rPr lang="vi-VN" sz="4000">
+                <a:solidFill>
+                  <a:schemeClr val="tx1"/>
+                </a:solidFill>
+                <a:latin typeface="Times New Roman" panose="02020603050405020304" pitchFamily="18" charset="0"/>
+                <a:cs typeface="Times New Roman" panose="02020603050405020304" pitchFamily="18" charset="0"/>
+              </a:rPr>
+              <a:t>ư</a:t>
+            </a:r>
+            <a:r>
+              <a:rPr lang="en-US" sz="4000">
+                <a:solidFill>
+                  <a:schemeClr val="tx1"/>
+                </a:solidFill>
+                <a:latin typeface="Times New Roman" panose="02020603050405020304" pitchFamily="18" charset="0"/>
+                <a:cs typeface="Times New Roman" panose="02020603050405020304" pitchFamily="18" charset="0"/>
+              </a:rPr>
+              <a:t>ờng đi</a:t>
+            </a:r>
+          </a:p>
+        </p:txBody>
+      </p:sp>
+      <p:sp>
+        <p:nvSpPr>
+          <p:cNvPr id="2" name="Rectangle 1">
+            <a:extLst>
+              <a:ext uri="{FF2B5EF4-FFF2-40B4-BE49-F238E27FC236}">
+                <a16:creationId xmlns:a16="http://schemas.microsoft.com/office/drawing/2014/main" id="{B302F584-04FC-4E2D-9104-DDD732467580}"/>
+              </a:ext>
+            </a:extLst>
+          </p:cNvPr>
+          <p:cNvSpPr/>
+          <p:nvPr/>
+        </p:nvSpPr>
+        <p:spPr>
+          <a:xfrm>
+            <a:off x="1036320" y="1930690"/>
+            <a:ext cx="10058400" cy="3554819"/>
+          </a:xfrm>
+          <a:prstGeom prst="rect">
+            <a:avLst/>
+          </a:prstGeom>
+          <a:noFill/>
+        </p:spPr>
+        <p:txBody>
+          <a:bodyPr wrap="square" lIns="91440" tIns="45720" rIns="91440" bIns="45720">
+            <a:spAutoFit/>
+          </a:bodyPr>
+          <a:lstStyle/>
+          <a:p>
+            <a:pPr marL="342900" indent="-342900">
+              <a:buFont typeface="Arial" panose="020B0604020202020204" pitchFamily="34" charset="0"/>
+              <a:buChar char="•"/>
             </a:pPr>
             <a:r>
-              <a:rPr lang="en-US" sz="3200">
-                <a:latin typeface="Times New Roman" panose="02020603050405020304" pitchFamily="18" charset="0"/>
-                <a:cs typeface="Times New Roman" panose="02020603050405020304" pitchFamily="18" charset="0"/>
-              </a:rPr>
-              <a:t>Dựa trên nghiên cứu của Jaemin Jung và cộng sự [1], chúng em đi xây dựng một tập dữ liệu API dataset để làm c</a:t>
-            </a:r>
-            <a:r>
-              <a:rPr lang="vi-VN" sz="3200">
-                <a:latin typeface="Times New Roman" panose="02020603050405020304" pitchFamily="18" charset="0"/>
-                <a:cs typeface="Times New Roman" panose="02020603050405020304" pitchFamily="18" charset="0"/>
-              </a:rPr>
-              <a:t>ơ</a:t>
-            </a:r>
-            <a:r>
-              <a:rPr lang="en-US" sz="3200">
-                <a:latin typeface="Times New Roman" panose="02020603050405020304" pitchFamily="18" charset="0"/>
-                <a:cs typeface="Times New Roman" panose="02020603050405020304" pitchFamily="18" charset="0"/>
-              </a:rPr>
-              <a:t> sở trích xuất đặc tr</a:t>
-            </a:r>
-            <a:r>
-              <a:rPr lang="vi-VN" sz="3200">
+              <a:rPr lang="en-US" sz="2500">
+                <a:latin typeface="Times New Roman" panose="02020603050405020304" pitchFamily="18" charset="0"/>
+                <a:cs typeface="Times New Roman" panose="02020603050405020304" pitchFamily="18" charset="0"/>
+              </a:rPr>
+              <a:t>Siêu đ</a:t>
+            </a:r>
+            <a:r>
+              <a:rPr lang="vi-VN" sz="2500">
                 <a:latin typeface="Times New Roman" panose="02020603050405020304" pitchFamily="18" charset="0"/>
                 <a:cs typeface="Times New Roman" panose="02020603050405020304" pitchFamily="18" charset="0"/>
               </a:rPr>
               <a:t>ư</a:t>
             </a:r>
             <a:r>
-              <a:rPr lang="en-US" sz="3200">
-                <a:latin typeface="Times New Roman" panose="02020603050405020304" pitchFamily="18" charset="0"/>
-                <a:cs typeface="Times New Roman" panose="02020603050405020304" pitchFamily="18" charset="0"/>
-              </a:rPr>
-              <a:t>ng.</a:t>
-            </a:r>
-          </a:p>
-          <a:p>
-            <a:pPr marL="514350" indent="-514350" algn="just">
-              <a:buFont typeface="+mj-lt"/>
-              <a:buAutoNum type="arabicPeriod"/>
+              <a:rPr lang="en-US" sz="2500">
+                <a:latin typeface="Times New Roman" panose="02020603050405020304" pitchFamily="18" charset="0"/>
+                <a:cs typeface="Times New Roman" panose="02020603050405020304" pitchFamily="18" charset="0"/>
+              </a:rPr>
+              <a:t>ờng đi đ</a:t>
+            </a:r>
+            <a:r>
+              <a:rPr lang="vi-VN" sz="2500">
+                <a:latin typeface="Times New Roman" panose="02020603050405020304" pitchFamily="18" charset="0"/>
+                <a:cs typeface="Times New Roman" panose="02020603050405020304" pitchFamily="18" charset="0"/>
+              </a:rPr>
+              <a:t>ư</a:t>
+            </a:r>
+            <a:r>
+              <a:rPr lang="en-US" sz="2500">
+                <a:latin typeface="Times New Roman" panose="02020603050405020304" pitchFamily="18" charset="0"/>
+                <a:cs typeface="Times New Roman" panose="02020603050405020304" pitchFamily="18" charset="0"/>
+              </a:rPr>
+              <a:t>ợc định nghĩa là một đ</a:t>
+            </a:r>
+            <a:r>
+              <a:rPr lang="vi-VN" sz="2500">
+                <a:latin typeface="Times New Roman" panose="02020603050405020304" pitchFamily="18" charset="0"/>
+                <a:cs typeface="Times New Roman" panose="02020603050405020304" pitchFamily="18" charset="0"/>
+              </a:rPr>
+              <a:t>ư</a:t>
+            </a:r>
+            <a:r>
+              <a:rPr lang="en-US" sz="2500">
+                <a:latin typeface="Times New Roman" panose="02020603050405020304" pitchFamily="18" charset="0"/>
+                <a:cs typeface="Times New Roman" panose="02020603050405020304" pitchFamily="18" charset="0"/>
+              </a:rPr>
+              <a:t>ờng đi nối hai đối t</a:t>
+            </a:r>
+            <a:r>
+              <a:rPr lang="vi-VN" sz="2500">
+                <a:latin typeface="Times New Roman" panose="02020603050405020304" pitchFamily="18" charset="0"/>
+                <a:cs typeface="Times New Roman" panose="02020603050405020304" pitchFamily="18" charset="0"/>
+              </a:rPr>
+              <a:t>ư</a:t>
+            </a:r>
+            <a:r>
+              <a:rPr lang="en-US" sz="2500">
+                <a:latin typeface="Times New Roman" panose="02020603050405020304" pitchFamily="18" charset="0"/>
+                <a:cs typeface="Times New Roman" panose="02020603050405020304" pitchFamily="18" charset="0"/>
+              </a:rPr>
+              <a:t>ợng bất kỳ ở trong mạng thông tin không đồng nhất.</a:t>
+            </a:r>
+          </a:p>
+          <a:p>
+            <a:pPr marL="342900" indent="-342900">
+              <a:buFont typeface="Arial" panose="020B0604020202020204" pitchFamily="34" charset="0"/>
+              <a:buChar char="•"/>
             </a:pPr>
             <a:r>
-              <a:rPr lang="en-US" sz="3200">
-                <a:latin typeface="Times New Roman" panose="02020603050405020304" pitchFamily="18" charset="0"/>
-                <a:cs typeface="Times New Roman" panose="02020603050405020304" pitchFamily="18" charset="0"/>
-              </a:rPr>
-              <a:t>Thu thập các ứng dụng độc hại và lành tính. Bao gồm các họ ứng dụng: adware, banking, benign, riskware, smsmalware</a:t>
-            </a:r>
+              <a:rPr lang="en-US" sz="2500">
+                <a:latin typeface="Times New Roman" panose="02020603050405020304" pitchFamily="18" charset="0"/>
+                <a:cs typeface="Times New Roman" panose="02020603050405020304" pitchFamily="18" charset="0"/>
+              </a:rPr>
+              <a:t>Ứng với từng siêu đ</a:t>
+            </a:r>
+            <a:r>
+              <a:rPr lang="vi-VN" sz="2500">
+                <a:latin typeface="Times New Roman" panose="02020603050405020304" pitchFamily="18" charset="0"/>
+                <a:cs typeface="Times New Roman" panose="02020603050405020304" pitchFamily="18" charset="0"/>
+              </a:rPr>
+              <a:t>ư</a:t>
+            </a:r>
+            <a:r>
+              <a:rPr lang="en-US" sz="2500">
+                <a:latin typeface="Times New Roman" panose="02020603050405020304" pitchFamily="18" charset="0"/>
+                <a:cs typeface="Times New Roman" panose="02020603050405020304" pitchFamily="18" charset="0"/>
+              </a:rPr>
+              <a:t>ờng đi nối hai đối t</a:t>
+            </a:r>
+            <a:r>
+              <a:rPr lang="vi-VN" sz="2500">
+                <a:latin typeface="Times New Roman" panose="02020603050405020304" pitchFamily="18" charset="0"/>
+                <a:cs typeface="Times New Roman" panose="02020603050405020304" pitchFamily="18" charset="0"/>
+              </a:rPr>
+              <a:t>ư</a:t>
+            </a:r>
+            <a:r>
+              <a:rPr lang="en-US" sz="2500">
+                <a:latin typeface="Times New Roman" panose="02020603050405020304" pitchFamily="18" charset="0"/>
+                <a:cs typeface="Times New Roman" panose="02020603050405020304" pitchFamily="18" charset="0"/>
+              </a:rPr>
+              <a:t>ợng sẽ biểu hiện mối quan hệ giữa hai đối t</a:t>
+            </a:r>
+            <a:r>
+              <a:rPr lang="vi-VN" sz="2500">
+                <a:latin typeface="Times New Roman" panose="02020603050405020304" pitchFamily="18" charset="0"/>
+                <a:cs typeface="Times New Roman" panose="02020603050405020304" pitchFamily="18" charset="0"/>
+              </a:rPr>
+              <a:t>ư</a:t>
+            </a:r>
+            <a:r>
+              <a:rPr lang="en-US" sz="2500">
+                <a:latin typeface="Times New Roman" panose="02020603050405020304" pitchFamily="18" charset="0"/>
+                <a:cs typeface="Times New Roman" panose="02020603050405020304" pitchFamily="18" charset="0"/>
+              </a:rPr>
+              <a:t>ợng theo nhiều cách khác nhau.</a:t>
+            </a:r>
+          </a:p>
+          <a:p>
+            <a:pPr marL="342900" indent="-342900">
+              <a:buFont typeface="Arial" panose="020B0604020202020204" pitchFamily="34" charset="0"/>
+              <a:buChar char="•"/>
+            </a:pPr>
+            <a:r>
+              <a:rPr lang="en-US" sz="2500">
+                <a:latin typeface="Times New Roman" panose="02020603050405020304" pitchFamily="18" charset="0"/>
+                <a:cs typeface="Times New Roman" panose="02020603050405020304" pitchFamily="18" charset="0"/>
+              </a:rPr>
+              <a:t>Và dựa trên các siêu đ</a:t>
+            </a:r>
+            <a:r>
+              <a:rPr lang="vi-VN" sz="2500">
+                <a:latin typeface="Times New Roman" panose="02020603050405020304" pitchFamily="18" charset="0"/>
+                <a:cs typeface="Times New Roman" panose="02020603050405020304" pitchFamily="18" charset="0"/>
+              </a:rPr>
+              <a:t>ư</a:t>
+            </a:r>
+            <a:r>
+              <a:rPr lang="en-US" sz="2500">
+                <a:latin typeface="Times New Roman" panose="02020603050405020304" pitchFamily="18" charset="0"/>
+                <a:cs typeface="Times New Roman" panose="02020603050405020304" pitchFamily="18" charset="0"/>
+              </a:rPr>
+              <a:t>ờng đi, ta có thể xây dựng đ</a:t>
+            </a:r>
+            <a:r>
+              <a:rPr lang="vi-VN" sz="2500">
+                <a:latin typeface="Times New Roman" panose="02020603050405020304" pitchFamily="18" charset="0"/>
+                <a:cs typeface="Times New Roman" panose="02020603050405020304" pitchFamily="18" charset="0"/>
+              </a:rPr>
+              <a:t>ư</a:t>
+            </a:r>
+            <a:r>
+              <a:rPr lang="en-US" sz="2500">
+                <a:latin typeface="Times New Roman" panose="02020603050405020304" pitchFamily="18" charset="0"/>
+                <a:cs typeface="Times New Roman" panose="02020603050405020304" pitchFamily="18" charset="0"/>
+              </a:rPr>
+              <a:t>ợc độ đo t</a:t>
+            </a:r>
+            <a:r>
+              <a:rPr lang="vi-VN" sz="2500">
+                <a:latin typeface="Times New Roman" panose="02020603050405020304" pitchFamily="18" charset="0"/>
+                <a:cs typeface="Times New Roman" panose="02020603050405020304" pitchFamily="18" charset="0"/>
+              </a:rPr>
+              <a:t>ư</a:t>
+            </a:r>
+            <a:r>
+              <a:rPr lang="en-US" sz="2500">
+                <a:latin typeface="Times New Roman" panose="02020603050405020304" pitchFamily="18" charset="0"/>
+                <a:cs typeface="Times New Roman" panose="02020603050405020304" pitchFamily="18" charset="0"/>
+              </a:rPr>
+              <a:t>ơng đồng giữa hai đối t</a:t>
+            </a:r>
+            <a:r>
+              <a:rPr lang="vi-VN" sz="2500">
+                <a:latin typeface="Times New Roman" panose="02020603050405020304" pitchFamily="18" charset="0"/>
+                <a:cs typeface="Times New Roman" panose="02020603050405020304" pitchFamily="18" charset="0"/>
+              </a:rPr>
+              <a:t>ư</a:t>
+            </a:r>
+            <a:r>
+              <a:rPr lang="en-US" sz="2500">
+                <a:latin typeface="Times New Roman" panose="02020603050405020304" pitchFamily="18" charset="0"/>
+                <a:cs typeface="Times New Roman" panose="02020603050405020304" pitchFamily="18" charset="0"/>
+              </a:rPr>
+              <a:t>ợng với nhau.</a:t>
+            </a:r>
+          </a:p>
+          <a:p>
+            <a:pPr marL="342900" indent="-342900">
+              <a:buFont typeface="Arial" panose="020B0604020202020204" pitchFamily="34" charset="0"/>
+              <a:buChar char="•"/>
+            </a:pPr>
+            <a:endParaRPr lang="en-US" sz="2500">
+              <a:latin typeface="Times New Roman" panose="02020603050405020304" pitchFamily="18" charset="0"/>
+              <a:cs typeface="Times New Roman" panose="02020603050405020304" pitchFamily="18" charset="0"/>
+            </a:endParaRPr>
+          </a:p>
+          <a:p>
+            <a:pPr marL="342900" indent="-342900">
+              <a:buFont typeface="Arial" panose="020B0604020202020204" pitchFamily="34" charset="0"/>
+              <a:buChar char="•"/>
+            </a:pPr>
+            <a:endParaRPr lang="en-US" sz="2500">
+              <a:latin typeface="Times New Roman" panose="02020603050405020304" pitchFamily="18" charset="0"/>
+              <a:cs typeface="Times New Roman" panose="02020603050405020304" pitchFamily="18" charset="0"/>
+            </a:endParaRPr>
+          </a:p>
+          <a:p>
+            <a:endParaRPr lang="en-US" sz="2500" b="0" cap="none" spc="0">
+              <a:ln w="0"/>
+              <a:solidFill>
+                <a:schemeClr val="tx1"/>
+              </a:solidFill>
+            </a:endParaRPr>
           </a:p>
         </p:txBody>
       </p:sp>
     </p:spTree>
     <p:extLst>
       <p:ext uri="{BB962C8B-B14F-4D97-AF65-F5344CB8AC3E}">
-        <p14:creationId xmlns:p14="http://schemas.microsoft.com/office/powerpoint/2010/main" val="924476995"/>
+        <p14:creationId xmlns:p14="http://schemas.microsoft.com/office/powerpoint/2010/main" val="1572888059"/>
       </p:ext>
     </p:extLst>
   </p:cSld>
@@ -10264,10 +11561,10 @@
       </p:grpSpPr>
       <p:sp>
         <p:nvSpPr>
-          <p:cNvPr id="2" name="Title 1">
+          <p:cNvPr id="4" name="Title 1">
             <a:extLst>
               <a:ext uri="{FF2B5EF4-FFF2-40B4-BE49-F238E27FC236}">
-                <a16:creationId xmlns:a16="http://schemas.microsoft.com/office/drawing/2014/main" id="{D7B00236-7A2B-4968-9658-B5C409EA04FA}"/>
+                <a16:creationId xmlns:a16="http://schemas.microsoft.com/office/drawing/2014/main" id="{B4D22D17-1785-4019-862A-AE962BFE318F}"/>
               </a:ext>
             </a:extLst>
           </p:cNvPr>
@@ -10278,7 +11575,12 @@
             <p:ph type="title"/>
           </p:nvPr>
         </p:nvSpPr>
-        <p:spPr/>
+        <p:spPr>
+          <a:xfrm>
+            <a:off x="1097280" y="286603"/>
+            <a:ext cx="10058400" cy="1450757"/>
+          </a:xfrm>
+        </p:spPr>
         <p:txBody>
           <a:bodyPr>
             <a:normAutofit/>
@@ -10286,102 +11588,588 @@
           <a:lstStyle/>
           <a:p>
             <a:r>
-              <a:rPr lang="en-US">
-                <a:latin typeface="Times New Roman" panose="02020603050405020304" pitchFamily="18" charset="0"/>
-                <a:cs typeface="Times New Roman" panose="02020603050405020304" pitchFamily="18" charset="0"/>
-              </a:rPr>
-              <a:t>Tập dữ liệu CICDatasest</a:t>
-            </a:r>
-          </a:p>
-        </p:txBody>
-      </p:sp>
-      <p:sp>
-        <p:nvSpPr>
-          <p:cNvPr id="3" name="Content Placeholder 2">
+              <a:rPr lang="en-US" sz="4000">
+                <a:solidFill>
+                  <a:schemeClr val="tx1"/>
+                </a:solidFill>
+                <a:latin typeface="Times New Roman" panose="02020603050405020304" pitchFamily="18" charset="0"/>
+                <a:cs typeface="Times New Roman" panose="02020603050405020304" pitchFamily="18" charset="0"/>
+              </a:rPr>
+              <a:t>Độ đo t</a:t>
+            </a:r>
+            <a:r>
+              <a:rPr lang="vi-VN" sz="4000">
+                <a:solidFill>
+                  <a:schemeClr val="tx1"/>
+                </a:solidFill>
+                <a:latin typeface="Times New Roman" panose="02020603050405020304" pitchFamily="18" charset="0"/>
+                <a:cs typeface="Times New Roman" panose="02020603050405020304" pitchFamily="18" charset="0"/>
+              </a:rPr>
+              <a:t>ư</a:t>
+            </a:r>
+            <a:r>
+              <a:rPr lang="en-US" sz="4000">
+                <a:solidFill>
+                  <a:schemeClr val="tx1"/>
+                </a:solidFill>
+                <a:latin typeface="Times New Roman" panose="02020603050405020304" pitchFamily="18" charset="0"/>
+                <a:cs typeface="Times New Roman" panose="02020603050405020304" pitchFamily="18" charset="0"/>
+              </a:rPr>
+              <a:t>ơng đồng</a:t>
+            </a:r>
+          </a:p>
+        </p:txBody>
+      </p:sp>
+      <p:sp>
+        <p:nvSpPr>
+          <p:cNvPr id="6" name="Rectangle 5">
             <a:extLst>
               <a:ext uri="{FF2B5EF4-FFF2-40B4-BE49-F238E27FC236}">
-                <a16:creationId xmlns:a16="http://schemas.microsoft.com/office/drawing/2014/main" id="{6A9501BA-1B94-4468-92A7-1C8C29E4D9F5}"/>
+                <a16:creationId xmlns:a16="http://schemas.microsoft.com/office/drawing/2014/main" id="{9254F1D9-A89F-48E8-96EB-01CCE0F6CBA9}"/>
               </a:ext>
             </a:extLst>
           </p:cNvPr>
-          <p:cNvSpPr>
-            <a:spLocks noGrp="1"/>
-          </p:cNvSpPr>
-          <p:nvPr>
-            <p:ph idx="1"/>
-          </p:nvPr>
-        </p:nvSpPr>
-        <p:spPr/>
-        <p:txBody>
-          <a:bodyPr>
-            <a:normAutofit/>
+          <p:cNvSpPr/>
+          <p:nvPr/>
+        </p:nvSpPr>
+        <p:spPr>
+          <a:xfrm>
+            <a:off x="1036320" y="1930690"/>
+            <a:ext cx="10058400" cy="477054"/>
+          </a:xfrm>
+          <a:prstGeom prst="rect">
+            <a:avLst/>
+          </a:prstGeom>
+          <a:noFill/>
+        </p:spPr>
+        <p:txBody>
+          <a:bodyPr wrap="square" lIns="91440" tIns="45720" rIns="91440" bIns="45720">
+            <a:spAutoFit/>
           </a:bodyPr>
           <a:lstStyle/>
           <a:p>
-            <a:r>
-              <a:rPr lang="en-US" sz="3200">
-                <a:latin typeface="Times New Roman" panose="02020603050405020304" pitchFamily="18" charset="0"/>
-                <a:cs typeface="Times New Roman" panose="02020603050405020304" pitchFamily="18" charset="0"/>
-              </a:rPr>
-              <a:t>Chứa bao gồm:</a:t>
-            </a:r>
-          </a:p>
-          <a:p>
-            <a:pPr lvl="1"/>
-            <a:r>
-              <a:rPr lang="en-US" sz="3000">
-                <a:latin typeface="Times New Roman" panose="02020603050405020304" pitchFamily="18" charset="0"/>
-                <a:cs typeface="Times New Roman" panose="02020603050405020304" pitchFamily="18" charset="0"/>
-              </a:rPr>
-              <a:t>1415 ứng dụng độc hại adware</a:t>
-            </a:r>
-          </a:p>
-          <a:p>
-            <a:pPr lvl="1"/>
-            <a:r>
-              <a:rPr lang="en-US" sz="3000">
-                <a:latin typeface="Times New Roman" panose="02020603050405020304" pitchFamily="18" charset="0"/>
-                <a:cs typeface="Times New Roman" panose="02020603050405020304" pitchFamily="18" charset="0"/>
-              </a:rPr>
-              <a:t>1900 ứng dụng độc hại banking</a:t>
-            </a:r>
-          </a:p>
-          <a:p>
-            <a:pPr lvl="1"/>
-            <a:r>
-              <a:rPr lang="en-US" sz="3000">
-                <a:latin typeface="Times New Roman" panose="02020603050405020304" pitchFamily="18" charset="0"/>
-                <a:cs typeface="Times New Roman" panose="02020603050405020304" pitchFamily="18" charset="0"/>
-              </a:rPr>
-              <a:t>1911 ứng dụng lành tính benign</a:t>
-            </a:r>
-          </a:p>
-          <a:p>
-            <a:pPr lvl="1"/>
-            <a:r>
-              <a:rPr lang="en-US" sz="3000">
-                <a:latin typeface="Times New Roman" panose="02020603050405020304" pitchFamily="18" charset="0"/>
-                <a:cs typeface="Times New Roman" panose="02020603050405020304" pitchFamily="18" charset="0"/>
-              </a:rPr>
-              <a:t>2262 ứng dụng độc hại riskware</a:t>
-            </a:r>
-          </a:p>
-          <a:p>
-            <a:pPr lvl="1"/>
-            <a:r>
-              <a:rPr lang="en-US" sz="3000">
-                <a:latin typeface="Times New Roman" panose="02020603050405020304" pitchFamily="18" charset="0"/>
-                <a:cs typeface="Times New Roman" panose="02020603050405020304" pitchFamily="18" charset="0"/>
-              </a:rPr>
-              <a:t>4722 ứng dụng độc hại smsmalware</a:t>
-            </a:r>
-          </a:p>
-        </p:txBody>
-      </p:sp>
+            <a:endParaRPr lang="en-US" sz="2500" b="0" cap="none" spc="0">
+              <a:ln w="0"/>
+              <a:solidFill>
+                <a:schemeClr val="tx1"/>
+              </a:solidFill>
+              <a:latin typeface="Times New Roman" panose="02020603050405020304" pitchFamily="18" charset="0"/>
+              <a:cs typeface="Times New Roman" panose="02020603050405020304" pitchFamily="18" charset="0"/>
+            </a:endParaRPr>
+          </a:p>
+        </p:txBody>
+      </p:sp>
+      <p:sp>
+        <p:nvSpPr>
+          <p:cNvPr id="7" name="Rectangle 6">
+            <a:extLst>
+              <a:ext uri="{FF2B5EF4-FFF2-40B4-BE49-F238E27FC236}">
+                <a16:creationId xmlns:a16="http://schemas.microsoft.com/office/drawing/2014/main" id="{1A162F1B-0460-4E3F-9B57-F4A0F5F4877D}"/>
+              </a:ext>
+            </a:extLst>
+          </p:cNvPr>
+          <p:cNvSpPr/>
+          <p:nvPr/>
+        </p:nvSpPr>
+        <p:spPr>
+          <a:xfrm>
+            <a:off x="1036320" y="1930690"/>
+            <a:ext cx="10058400" cy="861774"/>
+          </a:xfrm>
+          <a:prstGeom prst="rect">
+            <a:avLst/>
+          </a:prstGeom>
+          <a:noFill/>
+        </p:spPr>
+        <p:txBody>
+          <a:bodyPr wrap="square" lIns="91440" tIns="45720" rIns="91440" bIns="45720">
+            <a:spAutoFit/>
+          </a:bodyPr>
+          <a:lstStyle/>
+          <a:p>
+            <a:r>
+              <a:rPr lang="en-US" sz="2500" b="0" cap="none" spc="0">
+                <a:ln w="0"/>
+                <a:solidFill>
+                  <a:schemeClr val="tx1"/>
+                </a:solidFill>
+                <a:latin typeface="Times New Roman" panose="02020603050405020304" pitchFamily="18" charset="0"/>
+                <a:cs typeface="Times New Roman" panose="02020603050405020304" pitchFamily="18" charset="0"/>
+              </a:rPr>
+              <a:t>Độ đo t</a:t>
+            </a:r>
+            <a:r>
+              <a:rPr lang="vi-VN" sz="2500" b="0" cap="none" spc="0">
+                <a:ln w="0"/>
+                <a:solidFill>
+                  <a:schemeClr val="tx1"/>
+                </a:solidFill>
+                <a:latin typeface="Times New Roman" panose="02020603050405020304" pitchFamily="18" charset="0"/>
+                <a:cs typeface="Times New Roman" panose="02020603050405020304" pitchFamily="18" charset="0"/>
+              </a:rPr>
+              <a:t>ư</a:t>
+            </a:r>
+            <a:r>
+              <a:rPr lang="en-US" sz="2500" b="0" cap="none" spc="0">
+                <a:ln w="0"/>
+                <a:solidFill>
+                  <a:schemeClr val="tx1"/>
+                </a:solidFill>
+                <a:latin typeface="Times New Roman" panose="02020603050405020304" pitchFamily="18" charset="0"/>
+                <a:cs typeface="Times New Roman" panose="02020603050405020304" pitchFamily="18" charset="0"/>
+              </a:rPr>
+              <a:t>ơng đồng là một chỉ số để đánh giá s</a:t>
+            </a:r>
+            <a:r>
+              <a:rPr lang="en-US" sz="2500">
+                <a:ln w="0"/>
+                <a:latin typeface="Times New Roman" panose="02020603050405020304" pitchFamily="18" charset="0"/>
+                <a:cs typeface="Times New Roman" panose="02020603050405020304" pitchFamily="18" charset="0"/>
+              </a:rPr>
+              <a:t>ự t</a:t>
+            </a:r>
+            <a:r>
+              <a:rPr lang="vi-VN" sz="2500">
+                <a:ln w="0"/>
+                <a:latin typeface="Times New Roman" panose="02020603050405020304" pitchFamily="18" charset="0"/>
+                <a:cs typeface="Times New Roman" panose="02020603050405020304" pitchFamily="18" charset="0"/>
+              </a:rPr>
+              <a:t>ư</a:t>
+            </a:r>
+            <a:r>
+              <a:rPr lang="en-US" sz="2500">
+                <a:ln w="0"/>
+                <a:latin typeface="Times New Roman" panose="02020603050405020304" pitchFamily="18" charset="0"/>
+                <a:cs typeface="Times New Roman" panose="02020603050405020304" pitchFamily="18" charset="0"/>
+              </a:rPr>
+              <a:t>ơng đồng giữa hai đối t</a:t>
+            </a:r>
+            <a:r>
+              <a:rPr lang="vi-VN" sz="2500">
+                <a:ln w="0"/>
+                <a:latin typeface="Times New Roman" panose="02020603050405020304" pitchFamily="18" charset="0"/>
+                <a:cs typeface="Times New Roman" panose="02020603050405020304" pitchFamily="18" charset="0"/>
+              </a:rPr>
+              <a:t>ư</a:t>
+            </a:r>
+            <a:r>
+              <a:rPr lang="en-US" sz="2500">
+                <a:ln w="0"/>
+                <a:latin typeface="Times New Roman" panose="02020603050405020304" pitchFamily="18" charset="0"/>
+                <a:cs typeface="Times New Roman" panose="02020603050405020304" pitchFamily="18" charset="0"/>
+              </a:rPr>
+              <a:t>ợng với nhau ở trong mạng thông tin không đồng nhất.</a:t>
+            </a:r>
+          </a:p>
+        </p:txBody>
+      </p:sp>
+      <p:sp>
+        <p:nvSpPr>
+          <p:cNvPr id="8" name="Rectangle 7">
+            <a:extLst>
+              <a:ext uri="{FF2B5EF4-FFF2-40B4-BE49-F238E27FC236}">
+                <a16:creationId xmlns:a16="http://schemas.microsoft.com/office/drawing/2014/main" id="{C2585281-3BA3-4043-A3B4-44FFB29CFA8C}"/>
+              </a:ext>
+            </a:extLst>
+          </p:cNvPr>
+          <p:cNvSpPr/>
+          <p:nvPr/>
+        </p:nvSpPr>
+        <p:spPr>
+          <a:xfrm>
+            <a:off x="1036320" y="2879503"/>
+            <a:ext cx="10058400" cy="477054"/>
+          </a:xfrm>
+          <a:prstGeom prst="rect">
+            <a:avLst/>
+          </a:prstGeom>
+          <a:noFill/>
+        </p:spPr>
+        <p:txBody>
+          <a:bodyPr wrap="square" lIns="91440" tIns="45720" rIns="91440" bIns="45720">
+            <a:spAutoFit/>
+          </a:bodyPr>
+          <a:lstStyle/>
+          <a:p>
+            <a:endParaRPr lang="en-US" sz="2500">
+              <a:ln w="0"/>
+              <a:latin typeface="Times New Roman" panose="02020603050405020304" pitchFamily="18" charset="0"/>
+              <a:cs typeface="Times New Roman" panose="02020603050405020304" pitchFamily="18" charset="0"/>
+            </a:endParaRPr>
+          </a:p>
+        </p:txBody>
+      </p:sp>
+      <p:sp>
+        <p:nvSpPr>
+          <p:cNvPr id="9" name="Rectangle 8">
+            <a:extLst>
+              <a:ext uri="{FF2B5EF4-FFF2-40B4-BE49-F238E27FC236}">
+                <a16:creationId xmlns:a16="http://schemas.microsoft.com/office/drawing/2014/main" id="{9D10C07F-719E-4156-8E55-4CE867C1C334}"/>
+              </a:ext>
+            </a:extLst>
+          </p:cNvPr>
+          <p:cNvSpPr/>
+          <p:nvPr/>
+        </p:nvSpPr>
+        <p:spPr>
+          <a:xfrm>
+            <a:off x="1036320" y="2879503"/>
+            <a:ext cx="10058400" cy="861774"/>
+          </a:xfrm>
+          <a:prstGeom prst="rect">
+            <a:avLst/>
+          </a:prstGeom>
+          <a:noFill/>
+        </p:spPr>
+        <p:txBody>
+          <a:bodyPr wrap="square" lIns="91440" tIns="45720" rIns="91440" bIns="45720">
+            <a:spAutoFit/>
+          </a:bodyPr>
+          <a:lstStyle/>
+          <a:p>
+            <a:r>
+              <a:rPr lang="en-US" sz="2500" b="0" cap="none" spc="0">
+                <a:ln w="0"/>
+                <a:solidFill>
+                  <a:schemeClr val="tx1"/>
+                </a:solidFill>
+                <a:latin typeface="Times New Roman" panose="02020603050405020304" pitchFamily="18" charset="0"/>
+                <a:cs typeface="Times New Roman" panose="02020603050405020304" pitchFamily="18" charset="0"/>
+              </a:rPr>
+              <a:t>Chúng em s</a:t>
+            </a:r>
+            <a:r>
+              <a:rPr lang="en-US" sz="2500">
+                <a:ln w="0"/>
+                <a:latin typeface="Times New Roman" panose="02020603050405020304" pitchFamily="18" charset="0"/>
+                <a:cs typeface="Times New Roman" panose="02020603050405020304" pitchFamily="18" charset="0"/>
+              </a:rPr>
+              <a:t>ử dụng độ đo AvgSim để tính toán độ đo t</a:t>
+            </a:r>
+            <a:r>
+              <a:rPr lang="vi-VN" sz="2500">
+                <a:ln w="0"/>
+                <a:latin typeface="Times New Roman" panose="02020603050405020304" pitchFamily="18" charset="0"/>
+                <a:cs typeface="Times New Roman" panose="02020603050405020304" pitchFamily="18" charset="0"/>
+              </a:rPr>
+              <a:t>ư</a:t>
+            </a:r>
+            <a:r>
+              <a:rPr lang="en-US" sz="2500">
+                <a:ln w="0"/>
+                <a:latin typeface="Times New Roman" panose="02020603050405020304" pitchFamily="18" charset="0"/>
+                <a:cs typeface="Times New Roman" panose="02020603050405020304" pitchFamily="18" charset="0"/>
+              </a:rPr>
+              <a:t>ơng đồng giữa hai đối t</a:t>
+            </a:r>
+            <a:r>
+              <a:rPr lang="vi-VN" sz="2500">
+                <a:ln w="0"/>
+                <a:latin typeface="Times New Roman" panose="02020603050405020304" pitchFamily="18" charset="0"/>
+                <a:cs typeface="Times New Roman" panose="02020603050405020304" pitchFamily="18" charset="0"/>
+              </a:rPr>
+              <a:t>ư</a:t>
+            </a:r>
+            <a:r>
+              <a:rPr lang="en-US" sz="2500">
+                <a:ln w="0"/>
+                <a:latin typeface="Times New Roman" panose="02020603050405020304" pitchFamily="18" charset="0"/>
+                <a:cs typeface="Times New Roman" panose="02020603050405020304" pitchFamily="18" charset="0"/>
+              </a:rPr>
+              <a:t>ợng với nhau ở trong mạng</a:t>
+            </a:r>
+          </a:p>
+        </p:txBody>
+      </p:sp>
+      <mc:AlternateContent xmlns:mc="http://schemas.openxmlformats.org/markup-compatibility/2006" xmlns:a14="http://schemas.microsoft.com/office/drawing/2010/main">
+        <mc:Choice Requires="a14">
+          <p:sp>
+            <p:nvSpPr>
+              <p:cNvPr id="2" name="Rectangle 1">
+                <a:extLst>
+                  <a:ext uri="{FF2B5EF4-FFF2-40B4-BE49-F238E27FC236}">
+                    <a16:creationId xmlns:a16="http://schemas.microsoft.com/office/drawing/2014/main" id="{8C108DD6-0CE7-46A2-9E9E-31C854EF2A55}"/>
+                  </a:ext>
+                </a:extLst>
+              </p:cNvPr>
+              <p:cNvSpPr/>
+              <p:nvPr/>
+            </p:nvSpPr>
+            <p:spPr>
+              <a:xfrm>
+                <a:off x="1036320" y="4539377"/>
+                <a:ext cx="6998647" cy="812595"/>
+              </a:xfrm>
+              <a:prstGeom prst="rect">
+                <a:avLst/>
+              </a:prstGeom>
+            </p:spPr>
+            <p:txBody>
+              <a:bodyPr wrap="none">
+                <a:spAutoFit/>
+              </a:bodyPr>
+              <a:lstStyle/>
+              <a:p>
+                <a:pPr/>
+                <a14:m>
+                  <m:oMathPara xmlns:m="http://schemas.openxmlformats.org/officeDocument/2006/math">
+                    <m:oMathParaPr>
+                      <m:jc m:val="left"/>
+                    </m:oMathParaPr>
+                    <m:oMath xmlns:m="http://schemas.openxmlformats.org/officeDocument/2006/math">
+                      <m:r>
+                        <a:rPr lang="en-US" sz="2500" i="1">
+                          <a:latin typeface="Cambria Math" panose="02040503050406030204" pitchFamily="18" charset="0"/>
+                        </a:rPr>
+                        <m:t>𝐴𝑣𝑔𝑆𝑖𝑚</m:t>
+                      </m:r>
+                      <m:d>
+                        <m:dPr>
+                          <m:ctrlPr>
+                            <a:rPr lang="en-US" sz="2500" i="1">
+                              <a:latin typeface="Cambria Math" panose="02040503050406030204" pitchFamily="18" charset="0"/>
+                            </a:rPr>
+                          </m:ctrlPr>
+                        </m:dPr>
+                        <m:e>
+                          <m:r>
+                            <a:rPr lang="en-US" sz="2500" i="1">
+                              <a:latin typeface="Cambria Math" panose="02040503050406030204" pitchFamily="18" charset="0"/>
+                            </a:rPr>
+                            <m:t>𝑠</m:t>
+                          </m:r>
+                          <m:r>
+                            <a:rPr lang="en-US" sz="2500" i="0">
+                              <a:latin typeface="Cambria Math" panose="02040503050406030204" pitchFamily="18" charset="0"/>
+                            </a:rPr>
+                            <m:t>,</m:t>
+                          </m:r>
+                          <m:r>
+                            <a:rPr lang="en-US" sz="2500" i="1">
+                              <a:latin typeface="Cambria Math" panose="02040503050406030204" pitchFamily="18" charset="0"/>
+                            </a:rPr>
+                            <m:t>𝑡</m:t>
+                          </m:r>
+                        </m:e>
+                        <m:e>
+                          <m:r>
+                            <a:rPr lang="en-US" sz="2500" i="1">
+                              <a:latin typeface="Cambria Math" panose="02040503050406030204" pitchFamily="18" charset="0"/>
+                            </a:rPr>
+                            <m:t>𝑃</m:t>
+                          </m:r>
+                        </m:e>
+                      </m:d>
+                      <m:r>
+                        <a:rPr lang="en-US" sz="2500" i="0">
+                          <a:latin typeface="Cambria Math" panose="02040503050406030204" pitchFamily="18" charset="0"/>
+                        </a:rPr>
+                        <m:t>=</m:t>
+                      </m:r>
+                      <m:f>
+                        <m:fPr>
+                          <m:ctrlPr>
+                            <a:rPr lang="en-US" sz="2500" i="1">
+                              <a:latin typeface="Cambria Math" panose="02040503050406030204" pitchFamily="18" charset="0"/>
+                            </a:rPr>
+                          </m:ctrlPr>
+                        </m:fPr>
+                        <m:num>
+                          <m:r>
+                            <a:rPr lang="en-US" sz="2500" i="0">
+                              <a:latin typeface="Cambria Math" panose="02040503050406030204" pitchFamily="18" charset="0"/>
+                            </a:rPr>
+                            <m:t>1</m:t>
+                          </m:r>
+                        </m:num>
+                        <m:den>
+                          <m:r>
+                            <a:rPr lang="en-US" sz="2500" i="0">
+                              <a:latin typeface="Cambria Math" panose="02040503050406030204" pitchFamily="18" charset="0"/>
+                            </a:rPr>
+                            <m:t>2</m:t>
+                          </m:r>
+                        </m:den>
+                      </m:f>
+                      <m:d>
+                        <m:dPr>
+                          <m:ctrlPr>
+                            <a:rPr lang="en-US" sz="2500" i="1">
+                              <a:latin typeface="Cambria Math" panose="02040503050406030204" pitchFamily="18" charset="0"/>
+                            </a:rPr>
+                          </m:ctrlPr>
+                        </m:dPr>
+                        <m:e>
+                          <m:r>
+                            <a:rPr lang="en-US" sz="2500" i="1">
+                              <a:latin typeface="Cambria Math" panose="02040503050406030204" pitchFamily="18" charset="0"/>
+                            </a:rPr>
+                            <m:t>𝑅𝑊</m:t>
+                          </m:r>
+                          <m:d>
+                            <m:dPr>
+                              <m:ctrlPr>
+                                <a:rPr lang="en-US" sz="2500" i="1">
+                                  <a:latin typeface="Cambria Math" panose="02040503050406030204" pitchFamily="18" charset="0"/>
+                                </a:rPr>
+                              </m:ctrlPr>
+                            </m:dPr>
+                            <m:e>
+                              <m:r>
+                                <a:rPr lang="en-US" sz="2500" i="1">
+                                  <a:latin typeface="Cambria Math" panose="02040503050406030204" pitchFamily="18" charset="0"/>
+                                </a:rPr>
+                                <m:t>𝑠</m:t>
+                              </m:r>
+                              <m:r>
+                                <a:rPr lang="en-US" sz="2500" i="0">
+                                  <a:latin typeface="Cambria Math" panose="02040503050406030204" pitchFamily="18" charset="0"/>
+                                </a:rPr>
+                                <m:t>,</m:t>
+                              </m:r>
+                              <m:r>
+                                <a:rPr lang="en-US" sz="2500" i="1">
+                                  <a:latin typeface="Cambria Math" panose="02040503050406030204" pitchFamily="18" charset="0"/>
+                                </a:rPr>
+                                <m:t>𝑡</m:t>
+                              </m:r>
+                            </m:e>
+                            <m:e>
+                              <m:r>
+                                <a:rPr lang="en-US" sz="2500" i="1">
+                                  <a:latin typeface="Cambria Math" panose="02040503050406030204" pitchFamily="18" charset="0"/>
+                                </a:rPr>
+                                <m:t>𝑃</m:t>
+                              </m:r>
+                            </m:e>
+                          </m:d>
+                          <m:r>
+                            <a:rPr lang="en-US" sz="2500" i="0">
+                              <a:latin typeface="Cambria Math" panose="02040503050406030204" pitchFamily="18" charset="0"/>
+                            </a:rPr>
+                            <m:t>+</m:t>
+                          </m:r>
+                          <m:r>
+                            <a:rPr lang="en-US" sz="2500" i="1">
+                              <a:latin typeface="Cambria Math" panose="02040503050406030204" pitchFamily="18" charset="0"/>
+                            </a:rPr>
+                            <m:t>𝑅𝑊</m:t>
+                          </m:r>
+                          <m:d>
+                            <m:dPr>
+                              <m:ctrlPr>
+                                <a:rPr lang="en-US" sz="2500" i="1">
+                                  <a:latin typeface="Cambria Math" panose="02040503050406030204" pitchFamily="18" charset="0"/>
+                                </a:rPr>
+                              </m:ctrlPr>
+                            </m:dPr>
+                            <m:e>
+                              <m:r>
+                                <a:rPr lang="en-US" sz="2500" i="1">
+                                  <a:latin typeface="Cambria Math" panose="02040503050406030204" pitchFamily="18" charset="0"/>
+                                </a:rPr>
+                                <m:t>𝑡</m:t>
+                              </m:r>
+                              <m:r>
+                                <a:rPr lang="en-US" sz="2500" i="0">
+                                  <a:latin typeface="Cambria Math" panose="02040503050406030204" pitchFamily="18" charset="0"/>
+                                </a:rPr>
+                                <m:t>,</m:t>
+                              </m:r>
+                              <m:r>
+                                <a:rPr lang="en-US" sz="2500" i="1">
+                                  <a:latin typeface="Cambria Math" panose="02040503050406030204" pitchFamily="18" charset="0"/>
+                                </a:rPr>
+                                <m:t>𝑠</m:t>
+                              </m:r>
+                            </m:e>
+                            <m:e>
+                              <m:sSup>
+                                <m:sSupPr>
+                                  <m:ctrlPr>
+                                    <a:rPr lang="en-US" sz="2500" i="1">
+                                      <a:latin typeface="Cambria Math" panose="02040503050406030204" pitchFamily="18" charset="0"/>
+                                    </a:rPr>
+                                  </m:ctrlPr>
+                                </m:sSupPr>
+                                <m:e>
+                                  <m:r>
+                                    <a:rPr lang="en-US" sz="2500" i="1">
+                                      <a:latin typeface="Cambria Math" panose="02040503050406030204" pitchFamily="18" charset="0"/>
+                                    </a:rPr>
+                                    <m:t>𝑃</m:t>
+                                  </m:r>
+                                </m:e>
+                                <m:sup>
+                                  <m:r>
+                                    <a:rPr lang="en-US" sz="2500" i="0">
+                                      <a:latin typeface="Cambria Math" panose="02040503050406030204" pitchFamily="18" charset="0"/>
+                                    </a:rPr>
+                                    <m:t>−1</m:t>
+                                  </m:r>
+                                </m:sup>
+                              </m:sSup>
+                            </m:e>
+                          </m:d>
+                        </m:e>
+                      </m:d>
+                    </m:oMath>
+                  </m:oMathPara>
+                </a14:m>
+                <a:endParaRPr lang="en-US" sz="2500"/>
+              </a:p>
+            </p:txBody>
+          </p:sp>
+        </mc:Choice>
+        <mc:Fallback xmlns="">
+          <p:sp>
+            <p:nvSpPr>
+              <p:cNvPr id="2" name="Rectangle 1">
+                <a:extLst>
+                  <a:ext uri="{FF2B5EF4-FFF2-40B4-BE49-F238E27FC236}">
+                    <a16:creationId xmlns:a16="http://schemas.microsoft.com/office/drawing/2014/main" id="{8C108DD6-0CE7-46A2-9E9E-31C854EF2A55}"/>
+                  </a:ext>
+                </a:extLst>
+              </p:cNvPr>
+              <p:cNvSpPr>
+                <a:spLocks noRot="1" noChangeAspect="1" noMove="1" noResize="1" noEditPoints="1" noAdjustHandles="1" noChangeArrowheads="1" noChangeShapeType="1" noTextEdit="1"/>
+              </p:cNvSpPr>
+              <p:nvPr/>
+            </p:nvSpPr>
+            <p:spPr>
+              <a:xfrm>
+                <a:off x="1036320" y="4539377"/>
+                <a:ext cx="6998647" cy="812595"/>
+              </a:xfrm>
+              <a:prstGeom prst="rect">
+                <a:avLst/>
+              </a:prstGeom>
+              <a:blipFill>
+                <a:blip r:embed="rId2"/>
+                <a:stretch>
+                  <a:fillRect/>
+                </a:stretch>
+              </a:blipFill>
+            </p:spPr>
+            <p:txBody>
+              <a:bodyPr/>
+              <a:lstStyle/>
+              <a:p>
+                <a:r>
+                  <a:rPr lang="en-US">
+                    <a:noFill/>
+                  </a:rPr>
+                  <a:t> </a:t>
+                </a:r>
+              </a:p>
+            </p:txBody>
+          </p:sp>
+        </mc:Fallback>
+      </mc:AlternateContent>
     </p:spTree>
     <p:extLst>
       <p:ext uri="{BB962C8B-B14F-4D97-AF65-F5344CB8AC3E}">
-        <p14:creationId xmlns:p14="http://schemas.microsoft.com/office/powerpoint/2010/main" val="3892021072"/>
+        <p14:creationId xmlns:p14="http://schemas.microsoft.com/office/powerpoint/2010/main" val="23901603"/>
       </p:ext>
     </p:extLst>
   </p:cSld>
